--- a/docs/milestones/CPE307Presentation.pptx
+++ b/docs/milestones/CPE307Presentation.pptx
@@ -1,61 +1,52 @@
 
 <file path=ppt/presentation.xml><?xml version="1.0" encoding="utf-8"?>
-<p:presentation xmlns:a="http://schemas.openxmlformats.org/drawingml/2006/main" xmlns:r="http://schemas.openxmlformats.org/officeDocument/2006/relationships" xmlns:mc="http://schemas.openxmlformats.org/markup-compatibility/2006" xmlns:mv="urn:schemas-microsoft-com:mac:vml" xmlns:p="http://schemas.openxmlformats.org/presentationml/2006/main" xmlns:c="http://schemas.openxmlformats.org/drawingml/2006/chart" xmlns:dgm="http://schemas.openxmlformats.org/drawingml/2006/diagram" xmlns:o="urn:schemas-microsoft-com:office:office" xmlns:v="urn:schemas-microsoft-com:vml" xmlns:pvml="urn:schemas-microsoft-com:office:powerpoint" xmlns:com="http://schemas.openxmlformats.org/drawingml/2006/compatibility" xmlns:p14="http://schemas.microsoft.com/office/powerpoint/2010/main" autoCompressPictures="0" embedTrueTypeFonts="1" strictFirstAndLastChars="0" saveSubsetFonts="1">
+<p:presentation xmlns:a="http://schemas.openxmlformats.org/drawingml/2006/main" xmlns:r="http://schemas.openxmlformats.org/officeDocument/2006/relationships" xmlns:p="http://schemas.openxmlformats.org/presentationml/2006/main" strictFirstAndLastChars="0" saveSubsetFonts="1" autoCompressPictures="0">
   <p:sldMasterIdLst>
-    <p:sldMasterId id="2147483659" r:id="rId4"/>
+    <p:sldMasterId id="2147483659" r:id="rId1"/>
   </p:sldMasterIdLst>
   <p:notesMasterIdLst>
-    <p:notesMasterId r:id="rId5"/>
+    <p:notesMasterId r:id="rId36"/>
   </p:notesMasterIdLst>
   <p:sldIdLst>
-    <p:sldId id="256" r:id="rId6"/>
-    <p:sldId id="257" r:id="rId7"/>
-    <p:sldId id="258" r:id="rId8"/>
-    <p:sldId id="259" r:id="rId9"/>
-    <p:sldId id="260" r:id="rId10"/>
-    <p:sldId id="261" r:id="rId11"/>
-    <p:sldId id="262" r:id="rId12"/>
-    <p:sldId id="263" r:id="rId13"/>
-    <p:sldId id="264" r:id="rId14"/>
-    <p:sldId id="265" r:id="rId15"/>
-    <p:sldId id="266" r:id="rId16"/>
-    <p:sldId id="267" r:id="rId17"/>
-    <p:sldId id="268" r:id="rId18"/>
-    <p:sldId id="269" r:id="rId19"/>
-    <p:sldId id="270" r:id="rId20"/>
-    <p:sldId id="271" r:id="rId21"/>
-    <p:sldId id="272" r:id="rId22"/>
-    <p:sldId id="273" r:id="rId23"/>
-    <p:sldId id="274" r:id="rId24"/>
-    <p:sldId id="275" r:id="rId25"/>
-    <p:sldId id="276" r:id="rId26"/>
-    <p:sldId id="277" r:id="rId27"/>
-    <p:sldId id="278" r:id="rId28"/>
-    <p:sldId id="279" r:id="rId29"/>
-    <p:sldId id="280" r:id="rId30"/>
-    <p:sldId id="281" r:id="rId31"/>
-    <p:sldId id="282" r:id="rId32"/>
-    <p:sldId id="283" r:id="rId33"/>
-    <p:sldId id="284" r:id="rId34"/>
-    <p:sldId id="285" r:id="rId35"/>
-    <p:sldId id="286" r:id="rId36"/>
-    <p:sldId id="287" r:id="rId37"/>
-    <p:sldId id="288" r:id="rId38"/>
-    <p:sldId id="289" r:id="rId39"/>
+    <p:sldId id="256" r:id="rId2"/>
+    <p:sldId id="257" r:id="rId3"/>
+    <p:sldId id="258" r:id="rId4"/>
+    <p:sldId id="259" r:id="rId5"/>
+    <p:sldId id="260" r:id="rId6"/>
+    <p:sldId id="261" r:id="rId7"/>
+    <p:sldId id="262" r:id="rId8"/>
+    <p:sldId id="263" r:id="rId9"/>
+    <p:sldId id="264" r:id="rId10"/>
+    <p:sldId id="265" r:id="rId11"/>
+    <p:sldId id="266" r:id="rId12"/>
+    <p:sldId id="267" r:id="rId13"/>
+    <p:sldId id="268" r:id="rId14"/>
+    <p:sldId id="269" r:id="rId15"/>
+    <p:sldId id="270" r:id="rId16"/>
+    <p:sldId id="271" r:id="rId17"/>
+    <p:sldId id="272" r:id="rId18"/>
+    <p:sldId id="273" r:id="rId19"/>
+    <p:sldId id="274" r:id="rId20"/>
+    <p:sldId id="275" r:id="rId21"/>
+    <p:sldId id="276" r:id="rId22"/>
+    <p:sldId id="277" r:id="rId23"/>
+    <p:sldId id="278" r:id="rId24"/>
+    <p:sldId id="279" r:id="rId25"/>
+    <p:sldId id="280" r:id="rId26"/>
+    <p:sldId id="281" r:id="rId27"/>
+    <p:sldId id="282" r:id="rId28"/>
+    <p:sldId id="283" r:id="rId29"/>
+    <p:sldId id="284" r:id="rId30"/>
+    <p:sldId id="285" r:id="rId31"/>
+    <p:sldId id="286" r:id="rId32"/>
+    <p:sldId id="287" r:id="rId33"/>
+    <p:sldId id="288" r:id="rId34"/>
+    <p:sldId id="289" r:id="rId35"/>
   </p:sldIdLst>
-  <p:sldSz cy="5143500" cx="9144000"/>
+  <p:sldSz cx="9144000" cy="5143500" type="screen16x9"/>
   <p:notesSz cx="6858000" cy="9144000"/>
-  <p:embeddedFontLst>
-    <p:embeddedFont>
-      <p:font typeface="Roboto"/>
-      <p:regular r:id="rId40"/>
-      <p:bold r:id="rId41"/>
-      <p:italic r:id="rId42"/>
-      <p:boldItalic r:id="rId43"/>
-    </p:embeddedFont>
-  </p:embeddedFontLst>
   <p:defaultTextStyle>
-    <a:defPPr lvl="0" marR="0" rtl="0" algn="l">
+    <a:defPPr marR="0" lvl="0" algn="l" rtl="0">
       <a:lnSpc>
         <a:spcPct val="100000"/>
       </a:lnSpc>
@@ -66,7 +57,7 @@
         <a:spcPts val="0"/>
       </a:spcAft>
     </a:defPPr>
-    <a:lvl1pPr lvl="0" marR="0" rtl="0" algn="l">
+    <a:lvl1pPr marR="0" lvl="0" algn="l" rtl="0">
       <a:lnSpc>
         <a:spcPct val="100000"/>
       </a:lnSpc>
@@ -77,7 +68,7 @@
         <a:spcPts val="0"/>
       </a:spcAft>
       <a:buNone/>
-      <a:defRPr b="0" i="0" sz="1400" u="none" cap="none" strike="noStrike">
+      <a:defRPr sz="1400" b="0" i="0" u="none" strike="noStrike" cap="none">
         <a:solidFill>
           <a:srgbClr val="000000"/>
         </a:solidFill>
@@ -87,7 +78,7 @@
         <a:sym typeface="Arial"/>
       </a:defRPr>
     </a:lvl1pPr>
-    <a:lvl2pPr lvl="1" marR="0" rtl="0" algn="l">
+    <a:lvl2pPr marR="0" lvl="1" algn="l" rtl="0">
       <a:lnSpc>
         <a:spcPct val="100000"/>
       </a:lnSpc>
@@ -98,7 +89,7 @@
         <a:spcPts val="0"/>
       </a:spcAft>
       <a:buNone/>
-      <a:defRPr b="0" i="0" sz="1400" u="none" cap="none" strike="noStrike">
+      <a:defRPr sz="1400" b="0" i="0" u="none" strike="noStrike" cap="none">
         <a:solidFill>
           <a:srgbClr val="000000"/>
         </a:solidFill>
@@ -108,7 +99,7 @@
         <a:sym typeface="Arial"/>
       </a:defRPr>
     </a:lvl2pPr>
-    <a:lvl3pPr lvl="2" marR="0" rtl="0" algn="l">
+    <a:lvl3pPr marR="0" lvl="2" algn="l" rtl="0">
       <a:lnSpc>
         <a:spcPct val="100000"/>
       </a:lnSpc>
@@ -119,7 +110,7 @@
         <a:spcPts val="0"/>
       </a:spcAft>
       <a:buNone/>
-      <a:defRPr b="0" i="0" sz="1400" u="none" cap="none" strike="noStrike">
+      <a:defRPr sz="1400" b="0" i="0" u="none" strike="noStrike" cap="none">
         <a:solidFill>
           <a:srgbClr val="000000"/>
         </a:solidFill>
@@ -129,7 +120,7 @@
         <a:sym typeface="Arial"/>
       </a:defRPr>
     </a:lvl3pPr>
-    <a:lvl4pPr lvl="3" marR="0" rtl="0" algn="l">
+    <a:lvl4pPr marR="0" lvl="3" algn="l" rtl="0">
       <a:lnSpc>
         <a:spcPct val="100000"/>
       </a:lnSpc>
@@ -140,7 +131,7 @@
         <a:spcPts val="0"/>
       </a:spcAft>
       <a:buNone/>
-      <a:defRPr b="0" i="0" sz="1400" u="none" cap="none" strike="noStrike">
+      <a:defRPr sz="1400" b="0" i="0" u="none" strike="noStrike" cap="none">
         <a:solidFill>
           <a:srgbClr val="000000"/>
         </a:solidFill>
@@ -150,7 +141,7 @@
         <a:sym typeface="Arial"/>
       </a:defRPr>
     </a:lvl4pPr>
-    <a:lvl5pPr lvl="4" marR="0" rtl="0" algn="l">
+    <a:lvl5pPr marR="0" lvl="4" algn="l" rtl="0">
       <a:lnSpc>
         <a:spcPct val="100000"/>
       </a:lnSpc>
@@ -161,7 +152,7 @@
         <a:spcPts val="0"/>
       </a:spcAft>
       <a:buNone/>
-      <a:defRPr b="0" i="0" sz="1400" u="none" cap="none" strike="noStrike">
+      <a:defRPr sz="1400" b="0" i="0" u="none" strike="noStrike" cap="none">
         <a:solidFill>
           <a:srgbClr val="000000"/>
         </a:solidFill>
@@ -171,7 +162,7 @@
         <a:sym typeface="Arial"/>
       </a:defRPr>
     </a:lvl5pPr>
-    <a:lvl6pPr lvl="5" marR="0" rtl="0" algn="l">
+    <a:lvl6pPr marR="0" lvl="5" algn="l" rtl="0">
       <a:lnSpc>
         <a:spcPct val="100000"/>
       </a:lnSpc>
@@ -182,7 +173,7 @@
         <a:spcPts val="0"/>
       </a:spcAft>
       <a:buNone/>
-      <a:defRPr b="0" i="0" sz="1400" u="none" cap="none" strike="noStrike">
+      <a:defRPr sz="1400" b="0" i="0" u="none" strike="noStrike" cap="none">
         <a:solidFill>
           <a:srgbClr val="000000"/>
         </a:solidFill>
@@ -192,7 +183,7 @@
         <a:sym typeface="Arial"/>
       </a:defRPr>
     </a:lvl6pPr>
-    <a:lvl7pPr lvl="6" marR="0" rtl="0" algn="l">
+    <a:lvl7pPr marR="0" lvl="6" algn="l" rtl="0">
       <a:lnSpc>
         <a:spcPct val="100000"/>
       </a:lnSpc>
@@ -203,7 +194,7 @@
         <a:spcPts val="0"/>
       </a:spcAft>
       <a:buNone/>
-      <a:defRPr b="0" i="0" sz="1400" u="none" cap="none" strike="noStrike">
+      <a:defRPr sz="1400" b="0" i="0" u="none" strike="noStrike" cap="none">
         <a:solidFill>
           <a:srgbClr val="000000"/>
         </a:solidFill>
@@ -213,7 +204,7 @@
         <a:sym typeface="Arial"/>
       </a:defRPr>
     </a:lvl7pPr>
-    <a:lvl8pPr lvl="7" marR="0" rtl="0" algn="l">
+    <a:lvl8pPr marR="0" lvl="7" algn="l" rtl="0">
       <a:lnSpc>
         <a:spcPct val="100000"/>
       </a:lnSpc>
@@ -224,7 +215,7 @@
         <a:spcPts val="0"/>
       </a:spcAft>
       <a:buNone/>
-      <a:defRPr b="0" i="0" sz="1400" u="none" cap="none" strike="noStrike">
+      <a:defRPr sz="1400" b="0" i="0" u="none" strike="noStrike" cap="none">
         <a:solidFill>
           <a:srgbClr val="000000"/>
         </a:solidFill>
@@ -234,7 +225,7 @@
         <a:sym typeface="Arial"/>
       </a:defRPr>
     </a:lvl8pPr>
-    <a:lvl9pPr lvl="8" marR="0" rtl="0" algn="l">
+    <a:lvl9pPr marR="0" lvl="8" algn="l" rtl="0">
       <a:lnSpc>
         <a:spcPct val="100000"/>
       </a:lnSpc>
@@ -245,7 +236,7 @@
         <a:spcPts val="0"/>
       </a:spcAft>
       <a:buNone/>
-      <a:defRPr b="0" i="0" sz="1400" u="none" cap="none" strike="noStrike">
+      <a:defRPr sz="1400" b="0" i="0" u="none" strike="noStrike" cap="none">
         <a:solidFill>
           <a:srgbClr val="000000"/>
         </a:solidFill>
@@ -256,63 +247,25 @@
       </a:defRPr>
     </a:lvl9pPr>
   </p:defaultTextStyle>
+  <p:extLst>
+    <p:ext uri="{EFAFB233-063F-42B5-8137-9DF3F51BA10A}">
+      <p15:sldGuideLst xmlns:p15="http://schemas.microsoft.com/office/powerpoint/2012/main"/>
+    </p:ext>
+  </p:extLst>
 </p:presentation>
 </file>
 
-<file path=ppt/comments/comment1.xml><?xml version="1.0" encoding="utf-8"?>
-<p:cmLst xmlns:a="http://schemas.openxmlformats.org/drawingml/2006/main" xmlns:r="http://schemas.openxmlformats.org/officeDocument/2006/relationships" xmlns:mc="http://schemas.openxmlformats.org/markup-compatibility/2006" xmlns:mv="urn:schemas-microsoft-com:mac:vml" xmlns:p="http://schemas.openxmlformats.org/presentationml/2006/main" xmlns:c="http://schemas.openxmlformats.org/drawingml/2006/chart" xmlns:dgm="http://schemas.openxmlformats.org/drawingml/2006/diagram" xmlns:o="urn:schemas-microsoft-com:office:office" xmlns:v="urn:schemas-microsoft-com:vml" xmlns:pvml="urn:schemas-microsoft-com:office:powerpoint" xmlns:com="http://schemas.openxmlformats.org/drawingml/2006/compatibility" xmlns:p14="http://schemas.microsoft.com/office/powerpoint/2010/main"/>
-</file>
-
-<file path=ppt/comments/comment10.xml><?xml version="1.0" encoding="utf-8"?>
-<p:cmLst xmlns:a="http://schemas.openxmlformats.org/drawingml/2006/main" xmlns:r="http://schemas.openxmlformats.org/officeDocument/2006/relationships" xmlns:mc="http://schemas.openxmlformats.org/markup-compatibility/2006" xmlns:mv="urn:schemas-microsoft-com:mac:vml" xmlns:p="http://schemas.openxmlformats.org/presentationml/2006/main" xmlns:c="http://schemas.openxmlformats.org/drawingml/2006/chart" xmlns:dgm="http://schemas.openxmlformats.org/drawingml/2006/diagram" xmlns:o="urn:schemas-microsoft-com:office:office" xmlns:v="urn:schemas-microsoft-com:vml" xmlns:pvml="urn:schemas-microsoft-com:office:powerpoint" xmlns:com="http://schemas.openxmlformats.org/drawingml/2006/compatibility" xmlns:p14="http://schemas.microsoft.com/office/powerpoint/2010/main"/>
-</file>
-
-<file path=ppt/comments/comment11.xml><?xml version="1.0" encoding="utf-8"?>
-<p:cmLst xmlns:a="http://schemas.openxmlformats.org/drawingml/2006/main" xmlns:r="http://schemas.openxmlformats.org/officeDocument/2006/relationships" xmlns:mc="http://schemas.openxmlformats.org/markup-compatibility/2006" xmlns:mv="urn:schemas-microsoft-com:mac:vml" xmlns:p="http://schemas.openxmlformats.org/presentationml/2006/main" xmlns:c="http://schemas.openxmlformats.org/drawingml/2006/chart" xmlns:dgm="http://schemas.openxmlformats.org/drawingml/2006/diagram" xmlns:o="urn:schemas-microsoft-com:office:office" xmlns:v="urn:schemas-microsoft-com:vml" xmlns:pvml="urn:schemas-microsoft-com:office:powerpoint" xmlns:com="http://schemas.openxmlformats.org/drawingml/2006/compatibility" xmlns:p14="http://schemas.microsoft.com/office/powerpoint/2010/main"/>
-</file>
-
-<file path=ppt/comments/comment12.xml><?xml version="1.0" encoding="utf-8"?>
-<p:cmLst xmlns:a="http://schemas.openxmlformats.org/drawingml/2006/main" xmlns:r="http://schemas.openxmlformats.org/officeDocument/2006/relationships" xmlns:mc="http://schemas.openxmlformats.org/markup-compatibility/2006" xmlns:mv="urn:schemas-microsoft-com:mac:vml" xmlns:p="http://schemas.openxmlformats.org/presentationml/2006/main" xmlns:c="http://schemas.openxmlformats.org/drawingml/2006/chart" xmlns:dgm="http://schemas.openxmlformats.org/drawingml/2006/diagram" xmlns:o="urn:schemas-microsoft-com:office:office" xmlns:v="urn:schemas-microsoft-com:vml" xmlns:pvml="urn:schemas-microsoft-com:office:powerpoint" xmlns:com="http://schemas.openxmlformats.org/drawingml/2006/compatibility" xmlns:p14="http://schemas.microsoft.com/office/powerpoint/2010/main"/>
-</file>
-
-<file path=ppt/comments/comment2.xml><?xml version="1.0" encoding="utf-8"?>
-<p:cmLst xmlns:a="http://schemas.openxmlformats.org/drawingml/2006/main" xmlns:r="http://schemas.openxmlformats.org/officeDocument/2006/relationships" xmlns:mc="http://schemas.openxmlformats.org/markup-compatibility/2006" xmlns:mv="urn:schemas-microsoft-com:mac:vml" xmlns:p="http://schemas.openxmlformats.org/presentationml/2006/main" xmlns:c="http://schemas.openxmlformats.org/drawingml/2006/chart" xmlns:dgm="http://schemas.openxmlformats.org/drawingml/2006/diagram" xmlns:o="urn:schemas-microsoft-com:office:office" xmlns:v="urn:schemas-microsoft-com:vml" xmlns:pvml="urn:schemas-microsoft-com:office:powerpoint" xmlns:com="http://schemas.openxmlformats.org/drawingml/2006/compatibility" xmlns:p14="http://schemas.microsoft.com/office/powerpoint/2010/main"/>
-</file>
-
-<file path=ppt/comments/comment3.xml><?xml version="1.0" encoding="utf-8"?>
-<p:cmLst xmlns:a="http://schemas.openxmlformats.org/drawingml/2006/main" xmlns:r="http://schemas.openxmlformats.org/officeDocument/2006/relationships" xmlns:mc="http://schemas.openxmlformats.org/markup-compatibility/2006" xmlns:mv="urn:schemas-microsoft-com:mac:vml" xmlns:p="http://schemas.openxmlformats.org/presentationml/2006/main" xmlns:c="http://schemas.openxmlformats.org/drawingml/2006/chart" xmlns:dgm="http://schemas.openxmlformats.org/drawingml/2006/diagram" xmlns:o="urn:schemas-microsoft-com:office:office" xmlns:v="urn:schemas-microsoft-com:vml" xmlns:pvml="urn:schemas-microsoft-com:office:powerpoint" xmlns:com="http://schemas.openxmlformats.org/drawingml/2006/compatibility" xmlns:p14="http://schemas.microsoft.com/office/powerpoint/2010/main"/>
-</file>
-
-<file path=ppt/comments/comment4.xml><?xml version="1.0" encoding="utf-8"?>
-<p:cmLst xmlns:a="http://schemas.openxmlformats.org/drawingml/2006/main" xmlns:r="http://schemas.openxmlformats.org/officeDocument/2006/relationships" xmlns:mc="http://schemas.openxmlformats.org/markup-compatibility/2006" xmlns:mv="urn:schemas-microsoft-com:mac:vml" xmlns:p="http://schemas.openxmlformats.org/presentationml/2006/main" xmlns:c="http://schemas.openxmlformats.org/drawingml/2006/chart" xmlns:dgm="http://schemas.openxmlformats.org/drawingml/2006/diagram" xmlns:o="urn:schemas-microsoft-com:office:office" xmlns:v="urn:schemas-microsoft-com:vml" xmlns:pvml="urn:schemas-microsoft-com:office:powerpoint" xmlns:com="http://schemas.openxmlformats.org/drawingml/2006/compatibility" xmlns:p14="http://schemas.microsoft.com/office/powerpoint/2010/main"/>
-</file>
-
-<file path=ppt/comments/comment5.xml><?xml version="1.0" encoding="utf-8"?>
-<p:cmLst xmlns:a="http://schemas.openxmlformats.org/drawingml/2006/main" xmlns:r="http://schemas.openxmlformats.org/officeDocument/2006/relationships" xmlns:mc="http://schemas.openxmlformats.org/markup-compatibility/2006" xmlns:mv="urn:schemas-microsoft-com:mac:vml" xmlns:p="http://schemas.openxmlformats.org/presentationml/2006/main" xmlns:c="http://schemas.openxmlformats.org/drawingml/2006/chart" xmlns:dgm="http://schemas.openxmlformats.org/drawingml/2006/diagram" xmlns:o="urn:schemas-microsoft-com:office:office" xmlns:v="urn:schemas-microsoft-com:vml" xmlns:pvml="urn:schemas-microsoft-com:office:powerpoint" xmlns:com="http://schemas.openxmlformats.org/drawingml/2006/compatibility" xmlns:p14="http://schemas.microsoft.com/office/powerpoint/2010/main"/>
-</file>
-
-<file path=ppt/comments/comment6.xml><?xml version="1.0" encoding="utf-8"?>
-<p:cmLst xmlns:a="http://schemas.openxmlformats.org/drawingml/2006/main" xmlns:r="http://schemas.openxmlformats.org/officeDocument/2006/relationships" xmlns:mc="http://schemas.openxmlformats.org/markup-compatibility/2006" xmlns:mv="urn:schemas-microsoft-com:mac:vml" xmlns:p="http://schemas.openxmlformats.org/presentationml/2006/main" xmlns:c="http://schemas.openxmlformats.org/drawingml/2006/chart" xmlns:dgm="http://schemas.openxmlformats.org/drawingml/2006/diagram" xmlns:o="urn:schemas-microsoft-com:office:office" xmlns:v="urn:schemas-microsoft-com:vml" xmlns:pvml="urn:schemas-microsoft-com:office:powerpoint" xmlns:com="http://schemas.openxmlformats.org/drawingml/2006/compatibility" xmlns:p14="http://schemas.microsoft.com/office/powerpoint/2010/main"/>
-</file>
-
-<file path=ppt/comments/comment7.xml><?xml version="1.0" encoding="utf-8"?>
-<p:cmLst xmlns:a="http://schemas.openxmlformats.org/drawingml/2006/main" xmlns:r="http://schemas.openxmlformats.org/officeDocument/2006/relationships" xmlns:mc="http://schemas.openxmlformats.org/markup-compatibility/2006" xmlns:mv="urn:schemas-microsoft-com:mac:vml" xmlns:p="http://schemas.openxmlformats.org/presentationml/2006/main" xmlns:c="http://schemas.openxmlformats.org/drawingml/2006/chart" xmlns:dgm="http://schemas.openxmlformats.org/drawingml/2006/diagram" xmlns:o="urn:schemas-microsoft-com:office:office" xmlns:v="urn:schemas-microsoft-com:vml" xmlns:pvml="urn:schemas-microsoft-com:office:powerpoint" xmlns:com="http://schemas.openxmlformats.org/drawingml/2006/compatibility" xmlns:p14="http://schemas.microsoft.com/office/powerpoint/2010/main"/>
-</file>
-
-<file path=ppt/comments/comment8.xml><?xml version="1.0" encoding="utf-8"?>
-<p:cmLst xmlns:a="http://schemas.openxmlformats.org/drawingml/2006/main" xmlns:r="http://schemas.openxmlformats.org/officeDocument/2006/relationships" xmlns:mc="http://schemas.openxmlformats.org/markup-compatibility/2006" xmlns:mv="urn:schemas-microsoft-com:mac:vml" xmlns:p="http://schemas.openxmlformats.org/presentationml/2006/main" xmlns:c="http://schemas.openxmlformats.org/drawingml/2006/chart" xmlns:dgm="http://schemas.openxmlformats.org/drawingml/2006/diagram" xmlns:o="urn:schemas-microsoft-com:office:office" xmlns:v="urn:schemas-microsoft-com:vml" xmlns:pvml="urn:schemas-microsoft-com:office:powerpoint" xmlns:com="http://schemas.openxmlformats.org/drawingml/2006/compatibility" xmlns:p14="http://schemas.microsoft.com/office/powerpoint/2010/main"/>
-</file>
-
-<file path=ppt/comments/comment9.xml><?xml version="1.0" encoding="utf-8"?>
-<p:cmLst xmlns:a="http://schemas.openxmlformats.org/drawingml/2006/main" xmlns:r="http://schemas.openxmlformats.org/officeDocument/2006/relationships" xmlns:mc="http://schemas.openxmlformats.org/markup-compatibility/2006" xmlns:mv="urn:schemas-microsoft-com:mac:vml" xmlns:p="http://schemas.openxmlformats.org/presentationml/2006/main" xmlns:c="http://schemas.openxmlformats.org/drawingml/2006/chart" xmlns:dgm="http://schemas.openxmlformats.org/drawingml/2006/diagram" xmlns:o="urn:schemas-microsoft-com:office:office" xmlns:v="urn:schemas-microsoft-com:vml" xmlns:pvml="urn:schemas-microsoft-com:office:powerpoint" xmlns:com="http://schemas.openxmlformats.org/drawingml/2006/compatibility" xmlns:p14="http://schemas.microsoft.com/office/powerpoint/2010/main"/>
-</file>
-
 <file path=ppt/notesMasters/notesMaster1.xml><?xml version="1.0" encoding="utf-8"?>
-<p:notesMaster xmlns:a="http://schemas.openxmlformats.org/drawingml/2006/main" xmlns:r="http://schemas.openxmlformats.org/officeDocument/2006/relationships" xmlns:mc="http://schemas.openxmlformats.org/markup-compatibility/2006" xmlns:mv="urn:schemas-microsoft-com:mac:vml" xmlns:p="http://schemas.openxmlformats.org/presentationml/2006/main" xmlns:c="http://schemas.openxmlformats.org/drawingml/2006/chart" xmlns:dgm="http://schemas.openxmlformats.org/drawingml/2006/diagram" xmlns:o="urn:schemas-microsoft-com:office:office" xmlns:v="urn:schemas-microsoft-com:vml" xmlns:pvml="urn:schemas-microsoft-com:office:powerpoint" xmlns:com="http://schemas.openxmlformats.org/drawingml/2006/compatibility" xmlns:p14="http://schemas.microsoft.com/office/powerpoint/2010/main">
+<p:notesMaster xmlns:a="http://schemas.openxmlformats.org/drawingml/2006/main" xmlns:r="http://schemas.openxmlformats.org/officeDocument/2006/relationships" xmlns:p="http://schemas.openxmlformats.org/presentationml/2006/main">
   <p:cSld>
+    <p:bg>
+      <p:bgRef idx="1001">
+        <a:schemeClr val="bg1"/>
+      </p:bgRef>
+    </p:bg>
     <p:spTree>
       <p:nvGrpSpPr>
-        <p:cNvPr id="2" name="Shape 2"/>
+        <p:cNvPr id="1" name="Shape 2"/>
         <p:cNvGrpSpPr/>
         <p:nvPr/>
       </p:nvGrpSpPr>
@@ -327,9 +280,11 @@
       <p:sp>
         <p:nvSpPr>
           <p:cNvPr id="3" name="Shape 3"/>
-          <p:cNvSpPr/>
-          <p:nvPr>
-            <p:ph idx="2" type="sldImg"/>
+          <p:cNvSpPr>
+            <a:spLocks noGrp="1" noRot="1" noChangeAspect="1"/>
+          </p:cNvSpPr>
+          <p:nvPr>
+            <p:ph type="sldImg" idx="2"/>
           </p:nvPr>
         </p:nvSpPr>
         <p:spPr>
@@ -338,8 +293,13 @@
             <a:ext cx="6096075" cy="3429000"/>
           </a:xfrm>
           <a:custGeom>
+            <a:avLst/>
+            <a:gdLst/>
+            <a:ahLst/>
+            <a:cxnLst/>
+            <a:rect l="0" t="0" r="0" b="0"/>
             <a:pathLst>
-              <a:path extrusionOk="0" h="120000" w="120000">
+              <a:path w="120000" h="120000" extrusionOk="0">
                 <a:moveTo>
                   <a:pt x="0" y="0"/>
                 </a:moveTo>
@@ -357,23 +317,25 @@
             </a:pathLst>
           </a:custGeom>
           <a:noFill/>
-          <a:ln cap="flat" cmpd="sng" w="9525">
+          <a:ln w="9525" cap="flat" cmpd="sng">
             <a:solidFill>
               <a:srgbClr val="000000"/>
             </a:solidFill>
             <a:prstDash val="solid"/>
             <a:round/>
-            <a:headEnd len="med" w="med" type="none"/>
-            <a:tailEnd len="med" w="med" type="none"/>
+            <a:headEnd type="none" w="med" len="med"/>
+            <a:tailEnd type="none" w="med" len="med"/>
           </a:ln>
         </p:spPr>
       </p:sp>
       <p:sp>
         <p:nvSpPr>
           <p:cNvPr id="4" name="Shape 4"/>
-          <p:cNvSpPr txBox="1"/>
-          <p:nvPr>
-            <p:ph idx="1" type="body"/>
+          <p:cNvSpPr txBox="1">
+            <a:spLocks noGrp="1"/>
+          </p:cNvSpPr>
+          <p:nvPr>
+            <p:ph type="body" idx="1"/>
           </p:nvPr>
         </p:nvSpPr>
         <p:spPr>
@@ -390,7 +352,7 @@
           </a:ln>
         </p:spPr>
         <p:txBody>
-          <a:bodyPr anchorCtr="0" anchor="t" bIns="91425" lIns="91425" rIns="91425" tIns="91425"/>
+          <a:bodyPr lIns="91425" tIns="91425" rIns="91425" bIns="91425" anchor="t" anchorCtr="0"/>
           <a:lstStyle>
             <a:lvl1pPr lvl="0">
               <a:spcBef>
@@ -447,21 +409,115 @@
               <a:defRPr sz="1100"/>
             </a:lvl9pPr>
           </a:lstStyle>
-          <a:p/>
+          <a:p>
+            <a:endParaRPr/>
+          </a:p>
         </p:txBody>
       </p:sp>
     </p:spTree>
   </p:cSld>
-  <p:clrMap accent1="accent1" accent2="accent2" accent3="accent3" accent4="accent4" accent5="accent5" accent6="accent6" bg1="lt1" bg2="dk2" tx1="dk1" tx2="lt2" folHlink="folHlink" hlink="hlink"/>
+  <p:clrMap bg1="lt1" tx1="dk1" bg2="dk2" tx2="lt2" accent1="accent1" accent2="accent2" accent3="accent3" accent4="accent4" accent5="accent5" accent6="accent6" hlink="hlink" folHlink="folHlink"/>
+  <p:notesStyle>
+    <a:lvl1pPr marL="0" algn="l" defTabSz="914400" rtl="0" eaLnBrk="1" latinLnBrk="0" hangingPunct="1">
+      <a:defRPr sz="1200" kern="1200">
+        <a:solidFill>
+          <a:schemeClr val="tx1"/>
+        </a:solidFill>
+        <a:latin typeface="+mn-lt"/>
+        <a:ea typeface="+mn-ea"/>
+        <a:cs typeface="+mn-cs"/>
+      </a:defRPr>
+    </a:lvl1pPr>
+    <a:lvl2pPr marL="457200" algn="l" defTabSz="914400" rtl="0" eaLnBrk="1" latinLnBrk="0" hangingPunct="1">
+      <a:defRPr sz="1200" kern="1200">
+        <a:solidFill>
+          <a:schemeClr val="tx1"/>
+        </a:solidFill>
+        <a:latin typeface="+mn-lt"/>
+        <a:ea typeface="+mn-ea"/>
+        <a:cs typeface="+mn-cs"/>
+      </a:defRPr>
+    </a:lvl2pPr>
+    <a:lvl3pPr marL="914400" algn="l" defTabSz="914400" rtl="0" eaLnBrk="1" latinLnBrk="0" hangingPunct="1">
+      <a:defRPr sz="1200" kern="1200">
+        <a:solidFill>
+          <a:schemeClr val="tx1"/>
+        </a:solidFill>
+        <a:latin typeface="+mn-lt"/>
+        <a:ea typeface="+mn-ea"/>
+        <a:cs typeface="+mn-cs"/>
+      </a:defRPr>
+    </a:lvl3pPr>
+    <a:lvl4pPr marL="1371600" algn="l" defTabSz="914400" rtl="0" eaLnBrk="1" latinLnBrk="0" hangingPunct="1">
+      <a:defRPr sz="1200" kern="1200">
+        <a:solidFill>
+          <a:schemeClr val="tx1"/>
+        </a:solidFill>
+        <a:latin typeface="+mn-lt"/>
+        <a:ea typeface="+mn-ea"/>
+        <a:cs typeface="+mn-cs"/>
+      </a:defRPr>
+    </a:lvl4pPr>
+    <a:lvl5pPr marL="1828800" algn="l" defTabSz="914400" rtl="0" eaLnBrk="1" latinLnBrk="0" hangingPunct="1">
+      <a:defRPr sz="1200" kern="1200">
+        <a:solidFill>
+          <a:schemeClr val="tx1"/>
+        </a:solidFill>
+        <a:latin typeface="+mn-lt"/>
+        <a:ea typeface="+mn-ea"/>
+        <a:cs typeface="+mn-cs"/>
+      </a:defRPr>
+    </a:lvl5pPr>
+    <a:lvl6pPr marL="2286000" algn="l" defTabSz="914400" rtl="0" eaLnBrk="1" latinLnBrk="0" hangingPunct="1">
+      <a:defRPr sz="1200" kern="1200">
+        <a:solidFill>
+          <a:schemeClr val="tx1"/>
+        </a:solidFill>
+        <a:latin typeface="+mn-lt"/>
+        <a:ea typeface="+mn-ea"/>
+        <a:cs typeface="+mn-cs"/>
+      </a:defRPr>
+    </a:lvl6pPr>
+    <a:lvl7pPr marL="2743200" algn="l" defTabSz="914400" rtl="0" eaLnBrk="1" latinLnBrk="0" hangingPunct="1">
+      <a:defRPr sz="1200" kern="1200">
+        <a:solidFill>
+          <a:schemeClr val="tx1"/>
+        </a:solidFill>
+        <a:latin typeface="+mn-lt"/>
+        <a:ea typeface="+mn-ea"/>
+        <a:cs typeface="+mn-cs"/>
+      </a:defRPr>
+    </a:lvl7pPr>
+    <a:lvl8pPr marL="3200400" algn="l" defTabSz="914400" rtl="0" eaLnBrk="1" latinLnBrk="0" hangingPunct="1">
+      <a:defRPr sz="1200" kern="1200">
+        <a:solidFill>
+          <a:schemeClr val="tx1"/>
+        </a:solidFill>
+        <a:latin typeface="+mn-lt"/>
+        <a:ea typeface="+mn-ea"/>
+        <a:cs typeface="+mn-cs"/>
+      </a:defRPr>
+    </a:lvl8pPr>
+    <a:lvl9pPr marL="3657600" algn="l" defTabSz="914400" rtl="0" eaLnBrk="1" latinLnBrk="0" hangingPunct="1">
+      <a:defRPr sz="1200" kern="1200">
+        <a:solidFill>
+          <a:schemeClr val="tx1"/>
+        </a:solidFill>
+        <a:latin typeface="+mn-lt"/>
+        <a:ea typeface="+mn-ea"/>
+        <a:cs typeface="+mn-cs"/>
+      </a:defRPr>
+    </a:lvl9pPr>
+  </p:notesStyle>
 </p:notesMaster>
 </file>
 
 <file path=ppt/notesSlides/notesSlide1.xml><?xml version="1.0" encoding="utf-8"?>
-<p:notes xmlns:a="http://schemas.openxmlformats.org/drawingml/2006/main" xmlns:r="http://schemas.openxmlformats.org/officeDocument/2006/relationships" xmlns:mc="http://schemas.openxmlformats.org/markup-compatibility/2006" xmlns:mv="urn:schemas-microsoft-com:mac:vml" xmlns:p="http://schemas.openxmlformats.org/presentationml/2006/main" xmlns:c="http://schemas.openxmlformats.org/drawingml/2006/chart" xmlns:dgm="http://schemas.openxmlformats.org/drawingml/2006/diagram" xmlns:o="urn:schemas-microsoft-com:office:office" xmlns:v="urn:schemas-microsoft-com:vml" xmlns:pvml="urn:schemas-microsoft-com:office:powerpoint" xmlns:com="http://schemas.openxmlformats.org/drawingml/2006/compatibility" xmlns:p14="http://schemas.microsoft.com/office/powerpoint/2010/main" showMasterPhAnim="0" showMasterSp="0">
+<p:notes xmlns:a="http://schemas.openxmlformats.org/drawingml/2006/main" xmlns:r="http://schemas.openxmlformats.org/officeDocument/2006/relationships" xmlns:p="http://schemas.openxmlformats.org/presentationml/2006/main" showMasterSp="0" showMasterPhAnim="0">
   <p:cSld>
     <p:spTree>
       <p:nvGrpSpPr>
-        <p:cNvPr id="63" name="Shape 63"/>
+        <p:cNvPr id="1" name="Shape 63"/>
         <p:cNvGrpSpPr/>
         <p:nvPr/>
       </p:nvGrpSpPr>
@@ -476,9 +532,11 @@
       <p:sp>
         <p:nvSpPr>
           <p:cNvPr id="64" name="Shape 64"/>
-          <p:cNvSpPr/>
-          <p:nvPr>
-            <p:ph idx="2" type="sldImg"/>
+          <p:cNvSpPr>
+            <a:spLocks noGrp="1" noRot="1" noChangeAspect="1"/>
+          </p:cNvSpPr>
+          <p:nvPr>
+            <p:ph type="sldImg" idx="2"/>
           </p:nvPr>
         </p:nvSpPr>
         <p:spPr>
@@ -487,8 +545,13 @@
             <a:ext cx="6096075" cy="3429000"/>
           </a:xfrm>
           <a:custGeom>
+            <a:avLst/>
+            <a:gdLst/>
+            <a:ahLst/>
+            <a:cxnLst/>
+            <a:rect l="0" t="0" r="0" b="0"/>
             <a:pathLst>
-              <a:path extrusionOk="0" h="120000" w="120000">
+              <a:path w="120000" h="120000" extrusionOk="0">
                 <a:moveTo>
                   <a:pt x="0" y="0"/>
                 </a:moveTo>
@@ -510,9 +573,11 @@
       <p:sp>
         <p:nvSpPr>
           <p:cNvPr id="65" name="Shape 65"/>
-          <p:cNvSpPr txBox="1"/>
-          <p:nvPr>
-            <p:ph idx="1" type="body"/>
+          <p:cNvSpPr txBox="1">
+            <a:spLocks noGrp="1"/>
+          </p:cNvSpPr>
+          <p:nvPr>
+            <p:ph type="body" idx="1"/>
           </p:nvPr>
         </p:nvSpPr>
         <p:spPr>
@@ -525,7 +590,7 @@
           </a:prstGeom>
         </p:spPr>
         <p:txBody>
-          <a:bodyPr anchorCtr="0" anchor="t" bIns="91425" lIns="91425" rIns="91425" tIns="91425">
+          <a:bodyPr lIns="91425" tIns="91425" rIns="91425" bIns="91425" anchor="t" anchorCtr="0">
             <a:noAutofit/>
           </a:bodyPr>
           <a:lstStyle/>
@@ -536,9 +601,6 @@
               </a:spcBef>
               <a:buNone/>
             </a:pPr>
-            <a:r>
-              <a:t/>
-            </a:r>
             <a:endParaRPr/>
           </a:p>
         </p:txBody>
@@ -552,11 +614,11 @@
 </file>
 
 <file path=ppt/notesSlides/notesSlide10.xml><?xml version="1.0" encoding="utf-8"?>
-<p:notes xmlns:a="http://schemas.openxmlformats.org/drawingml/2006/main" xmlns:r="http://schemas.openxmlformats.org/officeDocument/2006/relationships" xmlns:mc="http://schemas.openxmlformats.org/markup-compatibility/2006" xmlns:mv="urn:schemas-microsoft-com:mac:vml" xmlns:p="http://schemas.openxmlformats.org/presentationml/2006/main" xmlns:c="http://schemas.openxmlformats.org/drawingml/2006/chart" xmlns:dgm="http://schemas.openxmlformats.org/drawingml/2006/diagram" xmlns:o="urn:schemas-microsoft-com:office:office" xmlns:v="urn:schemas-microsoft-com:vml" xmlns:pvml="urn:schemas-microsoft-com:office:powerpoint" xmlns:com="http://schemas.openxmlformats.org/drawingml/2006/compatibility" xmlns:p14="http://schemas.microsoft.com/office/powerpoint/2010/main" showMasterPhAnim="0" showMasterSp="0">
+<p:notes xmlns:a="http://schemas.openxmlformats.org/drawingml/2006/main" xmlns:r="http://schemas.openxmlformats.org/officeDocument/2006/relationships" xmlns:p="http://schemas.openxmlformats.org/presentationml/2006/main" showMasterSp="0" showMasterPhAnim="0">
   <p:cSld>
     <p:spTree>
       <p:nvGrpSpPr>
-        <p:cNvPr id="125" name="Shape 125"/>
+        <p:cNvPr id="1" name="Shape 125"/>
         <p:cNvGrpSpPr/>
         <p:nvPr/>
       </p:nvGrpSpPr>
@@ -571,19 +633,26 @@
       <p:sp>
         <p:nvSpPr>
           <p:cNvPr id="126" name="Shape 126"/>
-          <p:cNvSpPr/>
-          <p:nvPr>
-            <p:ph idx="2" type="sldImg"/>
-          </p:nvPr>
-        </p:nvSpPr>
-        <p:spPr>
-          <a:xfrm>
-            <a:off x="381300" y="685800"/>
+          <p:cNvSpPr>
+            <a:spLocks noGrp="1" noRot="1" noChangeAspect="1"/>
+          </p:cNvSpPr>
+          <p:nvPr>
+            <p:ph type="sldImg" idx="2"/>
+          </p:nvPr>
+        </p:nvSpPr>
+        <p:spPr>
+          <a:xfrm>
+            <a:off x="381000" y="685800"/>
             <a:ext cx="6096000" cy="3429000"/>
           </a:xfrm>
           <a:custGeom>
+            <a:avLst/>
+            <a:gdLst/>
+            <a:ahLst/>
+            <a:cxnLst/>
+            <a:rect l="0" t="0" r="0" b="0"/>
             <a:pathLst>
-              <a:path extrusionOk="0" h="120000" w="120000">
+              <a:path w="120000" h="120000" extrusionOk="0">
                 <a:moveTo>
                   <a:pt x="0" y="0"/>
                 </a:moveTo>
@@ -605,9 +674,11 @@
       <p:sp>
         <p:nvSpPr>
           <p:cNvPr id="127" name="Shape 127"/>
-          <p:cNvSpPr txBox="1"/>
-          <p:nvPr>
-            <p:ph idx="1" type="body"/>
+          <p:cNvSpPr txBox="1">
+            <a:spLocks noGrp="1"/>
+          </p:cNvSpPr>
+          <p:nvPr>
+            <p:ph type="body" idx="1"/>
           </p:nvPr>
         </p:nvSpPr>
         <p:spPr>
@@ -620,7 +691,7 @@
           </a:prstGeom>
         </p:spPr>
         <p:txBody>
-          <a:bodyPr anchorCtr="0" anchor="t" bIns="91425" lIns="91425" rIns="91425" tIns="91425">
+          <a:bodyPr lIns="91425" tIns="91425" rIns="91425" bIns="91425" anchor="t" anchorCtr="0">
             <a:noAutofit/>
           </a:bodyPr>
           <a:lstStyle/>
@@ -631,9 +702,6 @@
               </a:spcBef>
               <a:buNone/>
             </a:pPr>
-            <a:r>
-              <a:t/>
-            </a:r>
             <a:endParaRPr/>
           </a:p>
         </p:txBody>
@@ -647,11 +715,11 @@
 </file>
 
 <file path=ppt/notesSlides/notesSlide11.xml><?xml version="1.0" encoding="utf-8"?>
-<p:notes xmlns:a="http://schemas.openxmlformats.org/drawingml/2006/main" xmlns:r="http://schemas.openxmlformats.org/officeDocument/2006/relationships" xmlns:mc="http://schemas.openxmlformats.org/markup-compatibility/2006" xmlns:mv="urn:schemas-microsoft-com:mac:vml" xmlns:p="http://schemas.openxmlformats.org/presentationml/2006/main" xmlns:c="http://schemas.openxmlformats.org/drawingml/2006/chart" xmlns:dgm="http://schemas.openxmlformats.org/drawingml/2006/diagram" xmlns:o="urn:schemas-microsoft-com:office:office" xmlns:v="urn:schemas-microsoft-com:vml" xmlns:pvml="urn:schemas-microsoft-com:office:powerpoint" xmlns:com="http://schemas.openxmlformats.org/drawingml/2006/compatibility" xmlns:p14="http://schemas.microsoft.com/office/powerpoint/2010/main" showMasterPhAnim="0" showMasterSp="0">
+<p:notes xmlns:a="http://schemas.openxmlformats.org/drawingml/2006/main" xmlns:r="http://schemas.openxmlformats.org/officeDocument/2006/relationships" xmlns:p="http://schemas.openxmlformats.org/presentationml/2006/main" showMasterSp="0" showMasterPhAnim="0">
   <p:cSld>
     <p:spTree>
       <p:nvGrpSpPr>
-        <p:cNvPr id="132" name="Shape 132"/>
+        <p:cNvPr id="1" name="Shape 132"/>
         <p:cNvGrpSpPr/>
         <p:nvPr/>
       </p:nvGrpSpPr>
@@ -666,19 +734,26 @@
       <p:sp>
         <p:nvSpPr>
           <p:cNvPr id="133" name="Shape 133"/>
-          <p:cNvSpPr/>
-          <p:nvPr>
-            <p:ph idx="2" type="sldImg"/>
-          </p:nvPr>
-        </p:nvSpPr>
-        <p:spPr>
-          <a:xfrm>
-            <a:off x="381300" y="685800"/>
+          <p:cNvSpPr>
+            <a:spLocks noGrp="1" noRot="1" noChangeAspect="1"/>
+          </p:cNvSpPr>
+          <p:nvPr>
+            <p:ph type="sldImg" idx="2"/>
+          </p:nvPr>
+        </p:nvSpPr>
+        <p:spPr>
+          <a:xfrm>
+            <a:off x="381000" y="685800"/>
             <a:ext cx="6096000" cy="3429000"/>
           </a:xfrm>
           <a:custGeom>
+            <a:avLst/>
+            <a:gdLst/>
+            <a:ahLst/>
+            <a:cxnLst/>
+            <a:rect l="0" t="0" r="0" b="0"/>
             <a:pathLst>
-              <a:path extrusionOk="0" h="120000" w="120000">
+              <a:path w="120000" h="120000" extrusionOk="0">
                 <a:moveTo>
                   <a:pt x="0" y="0"/>
                 </a:moveTo>
@@ -700,9 +775,11 @@
       <p:sp>
         <p:nvSpPr>
           <p:cNvPr id="134" name="Shape 134"/>
-          <p:cNvSpPr txBox="1"/>
-          <p:nvPr>
-            <p:ph idx="1" type="body"/>
+          <p:cNvSpPr txBox="1">
+            <a:spLocks noGrp="1"/>
+          </p:cNvSpPr>
+          <p:nvPr>
+            <p:ph type="body" idx="1"/>
           </p:nvPr>
         </p:nvSpPr>
         <p:spPr>
@@ -715,7 +792,7 @@
           </a:prstGeom>
         </p:spPr>
         <p:txBody>
-          <a:bodyPr anchorCtr="0" anchor="t" bIns="91425" lIns="91425" rIns="91425" tIns="91425">
+          <a:bodyPr lIns="91425" tIns="91425" rIns="91425" bIns="91425" anchor="t" anchorCtr="0">
             <a:noAutofit/>
           </a:bodyPr>
           <a:lstStyle/>
@@ -726,9 +803,6 @@
               </a:spcBef>
               <a:buNone/>
             </a:pPr>
-            <a:r>
-              <a:t/>
-            </a:r>
             <a:endParaRPr/>
           </a:p>
         </p:txBody>
@@ -742,11 +816,11 @@
 </file>
 
 <file path=ppt/notesSlides/notesSlide12.xml><?xml version="1.0" encoding="utf-8"?>
-<p:notes xmlns:a="http://schemas.openxmlformats.org/drawingml/2006/main" xmlns:r="http://schemas.openxmlformats.org/officeDocument/2006/relationships" xmlns:mc="http://schemas.openxmlformats.org/markup-compatibility/2006" xmlns:mv="urn:schemas-microsoft-com:mac:vml" xmlns:p="http://schemas.openxmlformats.org/presentationml/2006/main" xmlns:c="http://schemas.openxmlformats.org/drawingml/2006/chart" xmlns:dgm="http://schemas.openxmlformats.org/drawingml/2006/diagram" xmlns:o="urn:schemas-microsoft-com:office:office" xmlns:v="urn:schemas-microsoft-com:vml" xmlns:pvml="urn:schemas-microsoft-com:office:powerpoint" xmlns:com="http://schemas.openxmlformats.org/drawingml/2006/compatibility" xmlns:p14="http://schemas.microsoft.com/office/powerpoint/2010/main" showMasterPhAnim="0" showMasterSp="0">
+<p:notes xmlns:a="http://schemas.openxmlformats.org/drawingml/2006/main" xmlns:r="http://schemas.openxmlformats.org/officeDocument/2006/relationships" xmlns:p="http://schemas.openxmlformats.org/presentationml/2006/main" showMasterSp="0" showMasterPhAnim="0">
   <p:cSld>
     <p:spTree>
       <p:nvGrpSpPr>
-        <p:cNvPr id="139" name="Shape 139"/>
+        <p:cNvPr id="1" name="Shape 139"/>
         <p:cNvGrpSpPr/>
         <p:nvPr/>
       </p:nvGrpSpPr>
@@ -761,19 +835,26 @@
       <p:sp>
         <p:nvSpPr>
           <p:cNvPr id="140" name="Shape 140"/>
-          <p:cNvSpPr/>
-          <p:nvPr>
-            <p:ph idx="2" type="sldImg"/>
-          </p:nvPr>
-        </p:nvSpPr>
-        <p:spPr>
-          <a:xfrm>
-            <a:off x="381300" y="685800"/>
+          <p:cNvSpPr>
+            <a:spLocks noGrp="1" noRot="1" noChangeAspect="1"/>
+          </p:cNvSpPr>
+          <p:nvPr>
+            <p:ph type="sldImg" idx="2"/>
+          </p:nvPr>
+        </p:nvSpPr>
+        <p:spPr>
+          <a:xfrm>
+            <a:off x="381000" y="685800"/>
             <a:ext cx="6096000" cy="3429000"/>
           </a:xfrm>
           <a:custGeom>
+            <a:avLst/>
+            <a:gdLst/>
+            <a:ahLst/>
+            <a:cxnLst/>
+            <a:rect l="0" t="0" r="0" b="0"/>
             <a:pathLst>
-              <a:path extrusionOk="0" h="120000" w="120000">
+              <a:path w="120000" h="120000" extrusionOk="0">
                 <a:moveTo>
                   <a:pt x="0" y="0"/>
                 </a:moveTo>
@@ -795,9 +876,11 @@
       <p:sp>
         <p:nvSpPr>
           <p:cNvPr id="141" name="Shape 141"/>
-          <p:cNvSpPr txBox="1"/>
-          <p:nvPr>
-            <p:ph idx="1" type="body"/>
+          <p:cNvSpPr txBox="1">
+            <a:spLocks noGrp="1"/>
+          </p:cNvSpPr>
+          <p:nvPr>
+            <p:ph type="body" idx="1"/>
           </p:nvPr>
         </p:nvSpPr>
         <p:spPr>
@@ -810,7 +893,7 @@
           </a:prstGeom>
         </p:spPr>
         <p:txBody>
-          <a:bodyPr anchorCtr="0" anchor="t" bIns="91425" lIns="91425" rIns="91425" tIns="91425">
+          <a:bodyPr lIns="91425" tIns="91425" rIns="91425" bIns="91425" anchor="t" anchorCtr="0">
             <a:noAutofit/>
           </a:bodyPr>
           <a:lstStyle/>
@@ -821,9 +904,6 @@
               </a:spcBef>
               <a:buNone/>
             </a:pPr>
-            <a:r>
-              <a:t/>
-            </a:r>
             <a:endParaRPr/>
           </a:p>
         </p:txBody>
@@ -837,11 +917,11 @@
 </file>
 
 <file path=ppt/notesSlides/notesSlide13.xml><?xml version="1.0" encoding="utf-8"?>
-<p:notes xmlns:a="http://schemas.openxmlformats.org/drawingml/2006/main" xmlns:r="http://schemas.openxmlformats.org/officeDocument/2006/relationships" xmlns:mc="http://schemas.openxmlformats.org/markup-compatibility/2006" xmlns:mv="urn:schemas-microsoft-com:mac:vml" xmlns:p="http://schemas.openxmlformats.org/presentationml/2006/main" xmlns:c="http://schemas.openxmlformats.org/drawingml/2006/chart" xmlns:dgm="http://schemas.openxmlformats.org/drawingml/2006/diagram" xmlns:o="urn:schemas-microsoft-com:office:office" xmlns:v="urn:schemas-microsoft-com:vml" xmlns:pvml="urn:schemas-microsoft-com:office:powerpoint" xmlns:com="http://schemas.openxmlformats.org/drawingml/2006/compatibility" xmlns:p14="http://schemas.microsoft.com/office/powerpoint/2010/main" showMasterPhAnim="0" showMasterSp="0">
+<p:notes xmlns:a="http://schemas.openxmlformats.org/drawingml/2006/main" xmlns:r="http://schemas.openxmlformats.org/officeDocument/2006/relationships" xmlns:p="http://schemas.openxmlformats.org/presentationml/2006/main" showMasterSp="0" showMasterPhAnim="0">
   <p:cSld>
     <p:spTree>
       <p:nvGrpSpPr>
-        <p:cNvPr id="146" name="Shape 146"/>
+        <p:cNvPr id="1" name="Shape 146"/>
         <p:cNvGrpSpPr/>
         <p:nvPr/>
       </p:nvGrpSpPr>
@@ -856,9 +936,11 @@
       <p:sp>
         <p:nvSpPr>
           <p:cNvPr id="147" name="Shape 147"/>
-          <p:cNvSpPr/>
-          <p:nvPr>
-            <p:ph idx="2" type="sldImg"/>
+          <p:cNvSpPr>
+            <a:spLocks noGrp="1" noRot="1" noChangeAspect="1"/>
+          </p:cNvSpPr>
+          <p:nvPr>
+            <p:ph type="sldImg" idx="2"/>
           </p:nvPr>
         </p:nvSpPr>
         <p:spPr>
@@ -867,8 +949,13 @@
             <a:ext cx="6096000" cy="3429000"/>
           </a:xfrm>
           <a:custGeom>
+            <a:avLst/>
+            <a:gdLst/>
+            <a:ahLst/>
+            <a:cxnLst/>
+            <a:rect l="0" t="0" r="0" b="0"/>
             <a:pathLst>
-              <a:path extrusionOk="0" h="120000" w="120000">
+              <a:path w="120000" h="120000" extrusionOk="0">
                 <a:moveTo>
                   <a:pt x="0" y="0"/>
                 </a:moveTo>
@@ -890,9 +977,11 @@
       <p:sp>
         <p:nvSpPr>
           <p:cNvPr id="148" name="Shape 148"/>
-          <p:cNvSpPr txBox="1"/>
-          <p:nvPr>
-            <p:ph idx="1" type="body"/>
+          <p:cNvSpPr txBox="1">
+            <a:spLocks noGrp="1"/>
+          </p:cNvSpPr>
+          <p:nvPr>
+            <p:ph type="body" idx="1"/>
           </p:nvPr>
         </p:nvSpPr>
         <p:spPr>
@@ -905,7 +994,7 @@
           </a:prstGeom>
         </p:spPr>
         <p:txBody>
-          <a:bodyPr anchorCtr="0" anchor="t" bIns="91425" lIns="91425" rIns="91425" tIns="91425">
+          <a:bodyPr lIns="91425" tIns="91425" rIns="91425" bIns="91425" anchor="t" anchorCtr="0">
             <a:noAutofit/>
           </a:bodyPr>
           <a:lstStyle/>
@@ -916,9 +1005,6 @@
               </a:spcBef>
               <a:buNone/>
             </a:pPr>
-            <a:r>
-              <a:t/>
-            </a:r>
             <a:endParaRPr/>
           </a:p>
         </p:txBody>
@@ -932,11 +1018,11 @@
 </file>
 
 <file path=ppt/notesSlides/notesSlide14.xml><?xml version="1.0" encoding="utf-8"?>
-<p:notes xmlns:a="http://schemas.openxmlformats.org/drawingml/2006/main" xmlns:r="http://schemas.openxmlformats.org/officeDocument/2006/relationships" xmlns:mc="http://schemas.openxmlformats.org/markup-compatibility/2006" xmlns:mv="urn:schemas-microsoft-com:mac:vml" xmlns:p="http://schemas.openxmlformats.org/presentationml/2006/main" xmlns:c="http://schemas.openxmlformats.org/drawingml/2006/chart" xmlns:dgm="http://schemas.openxmlformats.org/drawingml/2006/diagram" xmlns:o="urn:schemas-microsoft-com:office:office" xmlns:v="urn:schemas-microsoft-com:vml" xmlns:pvml="urn:schemas-microsoft-com:office:powerpoint" xmlns:com="http://schemas.openxmlformats.org/drawingml/2006/compatibility" xmlns:p14="http://schemas.microsoft.com/office/powerpoint/2010/main" showMasterPhAnim="0" showMasterSp="0">
+<p:notes xmlns:a="http://schemas.openxmlformats.org/drawingml/2006/main" xmlns:r="http://schemas.openxmlformats.org/officeDocument/2006/relationships" xmlns:p="http://schemas.openxmlformats.org/presentationml/2006/main" showMasterSp="0" showMasterPhAnim="0">
   <p:cSld>
     <p:spTree>
       <p:nvGrpSpPr>
-        <p:cNvPr id="153" name="Shape 153"/>
+        <p:cNvPr id="1" name="Shape 153"/>
         <p:cNvGrpSpPr/>
         <p:nvPr/>
       </p:nvGrpSpPr>
@@ -951,9 +1037,11 @@
       <p:sp>
         <p:nvSpPr>
           <p:cNvPr id="154" name="Shape 154"/>
-          <p:cNvSpPr/>
-          <p:nvPr>
-            <p:ph idx="2" type="sldImg"/>
+          <p:cNvSpPr>
+            <a:spLocks noGrp="1" noRot="1" noChangeAspect="1"/>
+          </p:cNvSpPr>
+          <p:nvPr>
+            <p:ph type="sldImg" idx="2"/>
           </p:nvPr>
         </p:nvSpPr>
         <p:spPr>
@@ -962,8 +1050,13 @@
             <a:ext cx="6096000" cy="3429000"/>
           </a:xfrm>
           <a:custGeom>
+            <a:avLst/>
+            <a:gdLst/>
+            <a:ahLst/>
+            <a:cxnLst/>
+            <a:rect l="0" t="0" r="0" b="0"/>
             <a:pathLst>
-              <a:path extrusionOk="0" h="120000" w="120000">
+              <a:path w="120000" h="120000" extrusionOk="0">
                 <a:moveTo>
                   <a:pt x="0" y="0"/>
                 </a:moveTo>
@@ -985,9 +1078,11 @@
       <p:sp>
         <p:nvSpPr>
           <p:cNvPr id="155" name="Shape 155"/>
-          <p:cNvSpPr txBox="1"/>
-          <p:nvPr>
-            <p:ph idx="1" type="body"/>
+          <p:cNvSpPr txBox="1">
+            <a:spLocks noGrp="1"/>
+          </p:cNvSpPr>
+          <p:nvPr>
+            <p:ph type="body" idx="1"/>
           </p:nvPr>
         </p:nvSpPr>
         <p:spPr>
@@ -1000,7 +1095,7 @@
           </a:prstGeom>
         </p:spPr>
         <p:txBody>
-          <a:bodyPr anchorCtr="0" anchor="t" bIns="91425" lIns="91425" rIns="91425" tIns="91425">
+          <a:bodyPr lIns="91425" tIns="91425" rIns="91425" bIns="91425" anchor="t" anchorCtr="0">
             <a:noAutofit/>
           </a:bodyPr>
           <a:lstStyle/>
@@ -1011,9 +1106,6 @@
               </a:spcBef>
               <a:buNone/>
             </a:pPr>
-            <a:r>
-              <a:t/>
-            </a:r>
             <a:endParaRPr/>
           </a:p>
         </p:txBody>
@@ -1027,11 +1119,11 @@
 </file>
 
 <file path=ppt/notesSlides/notesSlide15.xml><?xml version="1.0" encoding="utf-8"?>
-<p:notes xmlns:a="http://schemas.openxmlformats.org/drawingml/2006/main" xmlns:r="http://schemas.openxmlformats.org/officeDocument/2006/relationships" xmlns:mc="http://schemas.openxmlformats.org/markup-compatibility/2006" xmlns:mv="urn:schemas-microsoft-com:mac:vml" xmlns:p="http://schemas.openxmlformats.org/presentationml/2006/main" xmlns:c="http://schemas.openxmlformats.org/drawingml/2006/chart" xmlns:dgm="http://schemas.openxmlformats.org/drawingml/2006/diagram" xmlns:o="urn:schemas-microsoft-com:office:office" xmlns:v="urn:schemas-microsoft-com:vml" xmlns:pvml="urn:schemas-microsoft-com:office:powerpoint" xmlns:com="http://schemas.openxmlformats.org/drawingml/2006/compatibility" xmlns:p14="http://schemas.microsoft.com/office/powerpoint/2010/main" showMasterPhAnim="0" showMasterSp="0">
+<p:notes xmlns:a="http://schemas.openxmlformats.org/drawingml/2006/main" xmlns:r="http://schemas.openxmlformats.org/officeDocument/2006/relationships" xmlns:p="http://schemas.openxmlformats.org/presentationml/2006/main" showMasterSp="0" showMasterPhAnim="0">
   <p:cSld>
     <p:spTree>
       <p:nvGrpSpPr>
-        <p:cNvPr id="160" name="Shape 160"/>
+        <p:cNvPr id="1" name="Shape 160"/>
         <p:cNvGrpSpPr/>
         <p:nvPr/>
       </p:nvGrpSpPr>
@@ -1046,9 +1138,11 @@
       <p:sp>
         <p:nvSpPr>
           <p:cNvPr id="161" name="Shape 161"/>
-          <p:cNvSpPr/>
-          <p:nvPr>
-            <p:ph idx="2" type="sldImg"/>
+          <p:cNvSpPr>
+            <a:spLocks noGrp="1" noRot="1" noChangeAspect="1"/>
+          </p:cNvSpPr>
+          <p:nvPr>
+            <p:ph type="sldImg" idx="2"/>
           </p:nvPr>
         </p:nvSpPr>
         <p:spPr>
@@ -1057,8 +1151,13 @@
             <a:ext cx="6096000" cy="3429000"/>
           </a:xfrm>
           <a:custGeom>
+            <a:avLst/>
+            <a:gdLst/>
+            <a:ahLst/>
+            <a:cxnLst/>
+            <a:rect l="0" t="0" r="0" b="0"/>
             <a:pathLst>
-              <a:path extrusionOk="0" h="120000" w="120000">
+              <a:path w="120000" h="120000" extrusionOk="0">
                 <a:moveTo>
                   <a:pt x="0" y="0"/>
                 </a:moveTo>
@@ -1080,9 +1179,11 @@
       <p:sp>
         <p:nvSpPr>
           <p:cNvPr id="162" name="Shape 162"/>
-          <p:cNvSpPr txBox="1"/>
-          <p:nvPr>
-            <p:ph idx="1" type="body"/>
+          <p:cNvSpPr txBox="1">
+            <a:spLocks noGrp="1"/>
+          </p:cNvSpPr>
+          <p:nvPr>
+            <p:ph type="body" idx="1"/>
           </p:nvPr>
         </p:nvSpPr>
         <p:spPr>
@@ -1095,7 +1196,7 @@
           </a:prstGeom>
         </p:spPr>
         <p:txBody>
-          <a:bodyPr anchorCtr="0" anchor="t" bIns="91425" lIns="91425" rIns="91425" tIns="91425">
+          <a:bodyPr lIns="91425" tIns="91425" rIns="91425" bIns="91425" anchor="t" anchorCtr="0">
             <a:noAutofit/>
           </a:bodyPr>
           <a:lstStyle/>
@@ -1106,9 +1207,6 @@
               </a:spcBef>
               <a:buNone/>
             </a:pPr>
-            <a:r>
-              <a:t/>
-            </a:r>
             <a:endParaRPr/>
           </a:p>
         </p:txBody>
@@ -1122,11 +1220,11 @@
 </file>
 
 <file path=ppt/notesSlides/notesSlide16.xml><?xml version="1.0" encoding="utf-8"?>
-<p:notes xmlns:a="http://schemas.openxmlformats.org/drawingml/2006/main" xmlns:r="http://schemas.openxmlformats.org/officeDocument/2006/relationships" xmlns:mc="http://schemas.openxmlformats.org/markup-compatibility/2006" xmlns:mv="urn:schemas-microsoft-com:mac:vml" xmlns:p="http://schemas.openxmlformats.org/presentationml/2006/main" xmlns:c="http://schemas.openxmlformats.org/drawingml/2006/chart" xmlns:dgm="http://schemas.openxmlformats.org/drawingml/2006/diagram" xmlns:o="urn:schemas-microsoft-com:office:office" xmlns:v="urn:schemas-microsoft-com:vml" xmlns:pvml="urn:schemas-microsoft-com:office:powerpoint" xmlns:com="http://schemas.openxmlformats.org/drawingml/2006/compatibility" xmlns:p14="http://schemas.microsoft.com/office/powerpoint/2010/main" showMasterPhAnim="0" showMasterSp="0">
+<p:notes xmlns:a="http://schemas.openxmlformats.org/drawingml/2006/main" xmlns:r="http://schemas.openxmlformats.org/officeDocument/2006/relationships" xmlns:p="http://schemas.openxmlformats.org/presentationml/2006/main" showMasterSp="0" showMasterPhAnim="0">
   <p:cSld>
     <p:spTree>
       <p:nvGrpSpPr>
-        <p:cNvPr id="165" name="Shape 165"/>
+        <p:cNvPr id="1" name="Shape 165"/>
         <p:cNvGrpSpPr/>
         <p:nvPr/>
       </p:nvGrpSpPr>
@@ -1141,9 +1239,11 @@
       <p:sp>
         <p:nvSpPr>
           <p:cNvPr id="166" name="Shape 166"/>
-          <p:cNvSpPr/>
-          <p:nvPr>
-            <p:ph idx="2" type="sldImg"/>
+          <p:cNvSpPr>
+            <a:spLocks noGrp="1" noRot="1" noChangeAspect="1"/>
+          </p:cNvSpPr>
+          <p:nvPr>
+            <p:ph type="sldImg" idx="2"/>
           </p:nvPr>
         </p:nvSpPr>
         <p:spPr>
@@ -1152,8 +1252,13 @@
             <a:ext cx="6096000" cy="3429000"/>
           </a:xfrm>
           <a:custGeom>
+            <a:avLst/>
+            <a:gdLst/>
+            <a:ahLst/>
+            <a:cxnLst/>
+            <a:rect l="0" t="0" r="0" b="0"/>
             <a:pathLst>
-              <a:path extrusionOk="0" h="120000" w="120000">
+              <a:path w="120000" h="120000" extrusionOk="0">
                 <a:moveTo>
                   <a:pt x="0" y="0"/>
                 </a:moveTo>
@@ -1175,9 +1280,11 @@
       <p:sp>
         <p:nvSpPr>
           <p:cNvPr id="167" name="Shape 167"/>
-          <p:cNvSpPr txBox="1"/>
-          <p:nvPr>
-            <p:ph idx="1" type="body"/>
+          <p:cNvSpPr txBox="1">
+            <a:spLocks noGrp="1"/>
+          </p:cNvSpPr>
+          <p:nvPr>
+            <p:ph type="body" idx="1"/>
           </p:nvPr>
         </p:nvSpPr>
         <p:spPr>
@@ -1190,12 +1297,12 @@
           </a:prstGeom>
         </p:spPr>
         <p:txBody>
-          <a:bodyPr anchorCtr="0" anchor="t" bIns="91425" lIns="91425" rIns="91425" tIns="91425">
+          <a:bodyPr lIns="91425" tIns="91425" rIns="91425" bIns="91425" anchor="t" anchorCtr="0">
             <a:noAutofit/>
           </a:bodyPr>
           <a:lstStyle/>
           <a:p>
-            <a:pPr indent="-228600" lvl="0" marL="482600" marR="25400" algn="just">
+            <a:pPr marL="482600" marR="25400" lvl="0" indent="-228600" algn="just">
               <a:lnSpc>
                 <a:spcPct val="171428"/>
               </a:lnSpc>
@@ -1225,7 +1332,7 @@
               <a:t>After receiving an HTTP request, </a:t>
             </a:r>
             <a:r>
-              <a:rPr i="1" lang="en" sz="1050">
+              <a:rPr lang="en" sz="1050" i="1">
                 <a:highlight>
                   <a:srgbClr val="FFFFFF"/>
                 </a:highlight>
@@ -1249,7 +1356,7 @@
               <a:t> consults the </a:t>
             </a:r>
             <a:r>
-              <a:rPr i="1" lang="en" sz="1050">
+              <a:rPr lang="en" sz="1050" i="1">
                 <a:highlight>
                   <a:srgbClr val="FFFFFF"/>
                 </a:highlight>
@@ -1273,7 +1380,7 @@
               <a:t> to call the appropriate </a:t>
             </a:r>
             <a:r>
-              <a:rPr i="1" lang="en" sz="1050">
+              <a:rPr lang="en" sz="1050" i="1">
                 <a:highlight>
                   <a:srgbClr val="FFFFFF"/>
                 </a:highlight>
@@ -1298,7 +1405,7 @@
             </a:r>
           </a:p>
           <a:p>
-            <a:pPr indent="-228600" lvl="0" marL="482600" marR="25400" algn="just">
+            <a:pPr marL="482600" marR="25400" lvl="0" indent="-228600" algn="just">
               <a:lnSpc>
                 <a:spcPct val="171428"/>
               </a:lnSpc>
@@ -1328,7 +1435,7 @@
               <a:t>The </a:t>
             </a:r>
             <a:r>
-              <a:rPr i="1" lang="en" sz="1050">
+              <a:rPr lang="en" sz="1050" i="1">
                 <a:highlight>
                   <a:srgbClr val="FFFFFF"/>
                 </a:highlight>
@@ -1352,7 +1459,7 @@
               <a:t> takes the request and calls the appropriate service methods based on used GET or POST method. The service method will set model data based on defined business logic and returns view name to the </a:t>
             </a:r>
             <a:r>
-              <a:rPr i="1" lang="en" sz="1050">
+              <a:rPr lang="en" sz="1050" i="1">
                 <a:highlight>
                   <a:srgbClr val="FFFFFF"/>
                 </a:highlight>
@@ -1377,7 +1484,7 @@
             </a:r>
           </a:p>
           <a:p>
-            <a:pPr indent="-228600" lvl="0" marL="482600" marR="25400" algn="just">
+            <a:pPr marL="482600" marR="25400" lvl="0" indent="-228600" algn="just">
               <a:lnSpc>
                 <a:spcPct val="171428"/>
               </a:lnSpc>
@@ -1407,7 +1514,7 @@
               <a:t>The </a:t>
             </a:r>
             <a:r>
-              <a:rPr i="1" lang="en" sz="1050">
+              <a:rPr lang="en" sz="1050" i="1">
                 <a:highlight>
                   <a:srgbClr val="FFFFFF"/>
                 </a:highlight>
@@ -1431,7 +1538,7 @@
               <a:t> will take help from </a:t>
             </a:r>
             <a:r>
-              <a:rPr i="1" lang="en" sz="1050">
+              <a:rPr lang="en" sz="1050" i="1">
                 <a:highlight>
                   <a:srgbClr val="FFFFFF"/>
                 </a:highlight>
@@ -1456,7 +1563,7 @@
             </a:r>
           </a:p>
           <a:p>
-            <a:pPr indent="-228600" lvl="0" marL="482600" marR="25400" algn="just">
+            <a:pPr marL="482600" marR="25400" lvl="0" indent="-228600" algn="just">
               <a:lnSpc>
                 <a:spcPct val="171428"/>
               </a:lnSpc>
@@ -1486,7 +1593,7 @@
               <a:t>Once view is finalized, The </a:t>
             </a:r>
             <a:r>
-              <a:rPr i="1" lang="en" sz="1050">
+              <a:rPr lang="en" sz="1050" i="1">
                 <a:highlight>
                   <a:srgbClr val="FFFFFF"/>
                 </a:highlight>
@@ -1517,9 +1624,6 @@
               </a:spcBef>
               <a:buNone/>
             </a:pPr>
-            <a:r>
-              <a:t/>
-            </a:r>
             <a:endParaRPr/>
           </a:p>
         </p:txBody>
@@ -1533,11 +1637,11 @@
 </file>
 
 <file path=ppt/notesSlides/notesSlide17.xml><?xml version="1.0" encoding="utf-8"?>
-<p:notes xmlns:a="http://schemas.openxmlformats.org/drawingml/2006/main" xmlns:r="http://schemas.openxmlformats.org/officeDocument/2006/relationships" xmlns:mc="http://schemas.openxmlformats.org/markup-compatibility/2006" xmlns:mv="urn:schemas-microsoft-com:mac:vml" xmlns:p="http://schemas.openxmlformats.org/presentationml/2006/main" xmlns:c="http://schemas.openxmlformats.org/drawingml/2006/chart" xmlns:dgm="http://schemas.openxmlformats.org/drawingml/2006/diagram" xmlns:o="urn:schemas-microsoft-com:office:office" xmlns:v="urn:schemas-microsoft-com:vml" xmlns:pvml="urn:schemas-microsoft-com:office:powerpoint" xmlns:com="http://schemas.openxmlformats.org/drawingml/2006/compatibility" xmlns:p14="http://schemas.microsoft.com/office/powerpoint/2010/main" showMasterPhAnim="0" showMasterSp="0">
+<p:notes xmlns:a="http://schemas.openxmlformats.org/drawingml/2006/main" xmlns:r="http://schemas.openxmlformats.org/officeDocument/2006/relationships" xmlns:p="http://schemas.openxmlformats.org/presentationml/2006/main" showMasterSp="0" showMasterPhAnim="0">
   <p:cSld>
     <p:spTree>
       <p:nvGrpSpPr>
-        <p:cNvPr id="173" name="Shape 173"/>
+        <p:cNvPr id="1" name="Shape 173"/>
         <p:cNvGrpSpPr/>
         <p:nvPr/>
       </p:nvGrpSpPr>
@@ -1552,9 +1656,11 @@
       <p:sp>
         <p:nvSpPr>
           <p:cNvPr id="174" name="Shape 174"/>
-          <p:cNvSpPr/>
-          <p:nvPr>
-            <p:ph idx="2" type="sldImg"/>
+          <p:cNvSpPr>
+            <a:spLocks noGrp="1" noRot="1" noChangeAspect="1"/>
+          </p:cNvSpPr>
+          <p:nvPr>
+            <p:ph type="sldImg" idx="2"/>
           </p:nvPr>
         </p:nvSpPr>
         <p:spPr>
@@ -1563,8 +1669,13 @@
             <a:ext cx="6096000" cy="3429000"/>
           </a:xfrm>
           <a:custGeom>
+            <a:avLst/>
+            <a:gdLst/>
+            <a:ahLst/>
+            <a:cxnLst/>
+            <a:rect l="0" t="0" r="0" b="0"/>
             <a:pathLst>
-              <a:path extrusionOk="0" h="120000" w="120000">
+              <a:path w="120000" h="120000" extrusionOk="0">
                 <a:moveTo>
                   <a:pt x="0" y="0"/>
                 </a:moveTo>
@@ -1586,9 +1697,11 @@
       <p:sp>
         <p:nvSpPr>
           <p:cNvPr id="175" name="Shape 175"/>
-          <p:cNvSpPr txBox="1"/>
-          <p:nvPr>
-            <p:ph idx="1" type="body"/>
+          <p:cNvSpPr txBox="1">
+            <a:spLocks noGrp="1"/>
+          </p:cNvSpPr>
+          <p:nvPr>
+            <p:ph type="body" idx="1"/>
           </p:nvPr>
         </p:nvSpPr>
         <p:spPr>
@@ -1601,7 +1714,7 @@
           </a:prstGeom>
         </p:spPr>
         <p:txBody>
-          <a:bodyPr anchorCtr="0" anchor="t" bIns="91425" lIns="91425" rIns="91425" tIns="91425">
+          <a:bodyPr lIns="91425" tIns="91425" rIns="91425" bIns="91425" anchor="t" anchorCtr="0">
             <a:noAutofit/>
           </a:bodyPr>
           <a:lstStyle/>
@@ -1612,9 +1725,6 @@
               </a:spcBef>
               <a:buNone/>
             </a:pPr>
-            <a:r>
-              <a:t/>
-            </a:r>
             <a:endParaRPr/>
           </a:p>
         </p:txBody>
@@ -1628,11 +1738,11 @@
 </file>
 
 <file path=ppt/notesSlides/notesSlide18.xml><?xml version="1.0" encoding="utf-8"?>
-<p:notes xmlns:a="http://schemas.openxmlformats.org/drawingml/2006/main" xmlns:r="http://schemas.openxmlformats.org/officeDocument/2006/relationships" xmlns:mc="http://schemas.openxmlformats.org/markup-compatibility/2006" xmlns:mv="urn:schemas-microsoft-com:mac:vml" xmlns:p="http://schemas.openxmlformats.org/presentationml/2006/main" xmlns:c="http://schemas.openxmlformats.org/drawingml/2006/chart" xmlns:dgm="http://schemas.openxmlformats.org/drawingml/2006/diagram" xmlns:o="urn:schemas-microsoft-com:office:office" xmlns:v="urn:schemas-microsoft-com:vml" xmlns:pvml="urn:schemas-microsoft-com:office:powerpoint" xmlns:com="http://schemas.openxmlformats.org/drawingml/2006/compatibility" xmlns:p14="http://schemas.microsoft.com/office/powerpoint/2010/main" showMasterPhAnim="0" showMasterSp="0">
+<p:notes xmlns:a="http://schemas.openxmlformats.org/drawingml/2006/main" xmlns:r="http://schemas.openxmlformats.org/officeDocument/2006/relationships" xmlns:p="http://schemas.openxmlformats.org/presentationml/2006/main" showMasterSp="0" showMasterPhAnim="0">
   <p:cSld>
     <p:spTree>
       <p:nvGrpSpPr>
-        <p:cNvPr id="181" name="Shape 181"/>
+        <p:cNvPr id="1" name="Shape 181"/>
         <p:cNvGrpSpPr/>
         <p:nvPr/>
       </p:nvGrpSpPr>
@@ -1647,9 +1757,11 @@
       <p:sp>
         <p:nvSpPr>
           <p:cNvPr id="182" name="Shape 182"/>
-          <p:cNvSpPr/>
-          <p:nvPr>
-            <p:ph idx="2" type="sldImg"/>
+          <p:cNvSpPr>
+            <a:spLocks noGrp="1" noRot="1" noChangeAspect="1"/>
+          </p:cNvSpPr>
+          <p:nvPr>
+            <p:ph type="sldImg" idx="2"/>
           </p:nvPr>
         </p:nvSpPr>
         <p:spPr>
@@ -1658,8 +1770,13 @@
             <a:ext cx="6096000" cy="3429000"/>
           </a:xfrm>
           <a:custGeom>
+            <a:avLst/>
+            <a:gdLst/>
+            <a:ahLst/>
+            <a:cxnLst/>
+            <a:rect l="0" t="0" r="0" b="0"/>
             <a:pathLst>
-              <a:path extrusionOk="0" h="120000" w="120000">
+              <a:path w="120000" h="120000" extrusionOk="0">
                 <a:moveTo>
                   <a:pt x="0" y="0"/>
                 </a:moveTo>
@@ -1681,9 +1798,11 @@
       <p:sp>
         <p:nvSpPr>
           <p:cNvPr id="183" name="Shape 183"/>
-          <p:cNvSpPr txBox="1"/>
-          <p:nvPr>
-            <p:ph idx="1" type="body"/>
+          <p:cNvSpPr txBox="1">
+            <a:spLocks noGrp="1"/>
+          </p:cNvSpPr>
+          <p:nvPr>
+            <p:ph type="body" idx="1"/>
           </p:nvPr>
         </p:nvSpPr>
         <p:spPr>
@@ -1696,7 +1815,7 @@
           </a:prstGeom>
         </p:spPr>
         <p:txBody>
-          <a:bodyPr anchorCtr="0" anchor="t" bIns="91425" lIns="91425" rIns="91425" tIns="91425">
+          <a:bodyPr lIns="91425" tIns="91425" rIns="91425" bIns="91425" anchor="t" anchorCtr="0">
             <a:noAutofit/>
           </a:bodyPr>
           <a:lstStyle/>
@@ -1707,9 +1826,6 @@
               </a:spcBef>
               <a:buNone/>
             </a:pPr>
-            <a:r>
-              <a:t/>
-            </a:r>
             <a:endParaRPr/>
           </a:p>
         </p:txBody>
@@ -1723,11 +1839,11 @@
 </file>
 
 <file path=ppt/notesSlides/notesSlide19.xml><?xml version="1.0" encoding="utf-8"?>
-<p:notes xmlns:a="http://schemas.openxmlformats.org/drawingml/2006/main" xmlns:r="http://schemas.openxmlformats.org/officeDocument/2006/relationships" xmlns:mc="http://schemas.openxmlformats.org/markup-compatibility/2006" xmlns:mv="urn:schemas-microsoft-com:mac:vml" xmlns:p="http://schemas.openxmlformats.org/presentationml/2006/main" xmlns:c="http://schemas.openxmlformats.org/drawingml/2006/chart" xmlns:dgm="http://schemas.openxmlformats.org/drawingml/2006/diagram" xmlns:o="urn:schemas-microsoft-com:office:office" xmlns:v="urn:schemas-microsoft-com:vml" xmlns:pvml="urn:schemas-microsoft-com:office:powerpoint" xmlns:com="http://schemas.openxmlformats.org/drawingml/2006/compatibility" xmlns:p14="http://schemas.microsoft.com/office/powerpoint/2010/main" showMasterPhAnim="0" showMasterSp="0">
+<p:notes xmlns:a="http://schemas.openxmlformats.org/drawingml/2006/main" xmlns:r="http://schemas.openxmlformats.org/officeDocument/2006/relationships" xmlns:p="http://schemas.openxmlformats.org/presentationml/2006/main" showMasterSp="0" showMasterPhAnim="0">
   <p:cSld>
     <p:spTree>
       <p:nvGrpSpPr>
-        <p:cNvPr id="188" name="Shape 188"/>
+        <p:cNvPr id="1" name="Shape 188"/>
         <p:cNvGrpSpPr/>
         <p:nvPr/>
       </p:nvGrpSpPr>
@@ -1742,9 +1858,11 @@
       <p:sp>
         <p:nvSpPr>
           <p:cNvPr id="189" name="Shape 189"/>
-          <p:cNvSpPr/>
-          <p:nvPr>
-            <p:ph idx="2" type="sldImg"/>
+          <p:cNvSpPr>
+            <a:spLocks noGrp="1" noRot="1" noChangeAspect="1"/>
+          </p:cNvSpPr>
+          <p:nvPr>
+            <p:ph type="sldImg" idx="2"/>
           </p:nvPr>
         </p:nvSpPr>
         <p:spPr>
@@ -1753,8 +1871,13 @@
             <a:ext cx="6096000" cy="3429000"/>
           </a:xfrm>
           <a:custGeom>
+            <a:avLst/>
+            <a:gdLst/>
+            <a:ahLst/>
+            <a:cxnLst/>
+            <a:rect l="0" t="0" r="0" b="0"/>
             <a:pathLst>
-              <a:path extrusionOk="0" h="120000" w="120000">
+              <a:path w="120000" h="120000" extrusionOk="0">
                 <a:moveTo>
                   <a:pt x="0" y="0"/>
                 </a:moveTo>
@@ -1776,9 +1899,11 @@
       <p:sp>
         <p:nvSpPr>
           <p:cNvPr id="190" name="Shape 190"/>
-          <p:cNvSpPr txBox="1"/>
-          <p:nvPr>
-            <p:ph idx="1" type="body"/>
+          <p:cNvSpPr txBox="1">
+            <a:spLocks noGrp="1"/>
+          </p:cNvSpPr>
+          <p:nvPr>
+            <p:ph type="body" idx="1"/>
           </p:nvPr>
         </p:nvSpPr>
         <p:spPr>
@@ -1791,7 +1916,7 @@
           </a:prstGeom>
         </p:spPr>
         <p:txBody>
-          <a:bodyPr anchorCtr="0" anchor="t" bIns="91425" lIns="91425" rIns="91425" tIns="91425">
+          <a:bodyPr lIns="91425" tIns="91425" rIns="91425" bIns="91425" anchor="t" anchorCtr="0">
             <a:noAutofit/>
           </a:bodyPr>
           <a:lstStyle/>
@@ -1802,9 +1927,6 @@
               </a:spcBef>
               <a:buNone/>
             </a:pPr>
-            <a:r>
-              <a:t/>
-            </a:r>
             <a:endParaRPr/>
           </a:p>
         </p:txBody>
@@ -1818,11 +1940,11 @@
 </file>
 
 <file path=ppt/notesSlides/notesSlide2.xml><?xml version="1.0" encoding="utf-8"?>
-<p:notes xmlns:a="http://schemas.openxmlformats.org/drawingml/2006/main" xmlns:r="http://schemas.openxmlformats.org/officeDocument/2006/relationships" xmlns:mc="http://schemas.openxmlformats.org/markup-compatibility/2006" xmlns:mv="urn:schemas-microsoft-com:mac:vml" xmlns:p="http://schemas.openxmlformats.org/presentationml/2006/main" xmlns:c="http://schemas.openxmlformats.org/drawingml/2006/chart" xmlns:dgm="http://schemas.openxmlformats.org/drawingml/2006/diagram" xmlns:o="urn:schemas-microsoft-com:office:office" xmlns:v="urn:schemas-microsoft-com:vml" xmlns:pvml="urn:schemas-microsoft-com:office:powerpoint" xmlns:com="http://schemas.openxmlformats.org/drawingml/2006/compatibility" xmlns:p14="http://schemas.microsoft.com/office/powerpoint/2010/main" showMasterPhAnim="0" showMasterSp="0">
+<p:notes xmlns:a="http://schemas.openxmlformats.org/drawingml/2006/main" xmlns:r="http://schemas.openxmlformats.org/officeDocument/2006/relationships" xmlns:p="http://schemas.openxmlformats.org/presentationml/2006/main" showMasterSp="0" showMasterPhAnim="0">
   <p:cSld>
     <p:spTree>
       <p:nvGrpSpPr>
-        <p:cNvPr id="69" name="Shape 69"/>
+        <p:cNvPr id="1" name="Shape 69"/>
         <p:cNvGrpSpPr/>
         <p:nvPr/>
       </p:nvGrpSpPr>
@@ -1837,9 +1959,11 @@
       <p:sp>
         <p:nvSpPr>
           <p:cNvPr id="70" name="Shape 70"/>
-          <p:cNvSpPr/>
-          <p:nvPr>
-            <p:ph idx="2" type="sldImg"/>
+          <p:cNvSpPr>
+            <a:spLocks noGrp="1" noRot="1" noChangeAspect="1"/>
+          </p:cNvSpPr>
+          <p:nvPr>
+            <p:ph type="sldImg" idx="2"/>
           </p:nvPr>
         </p:nvSpPr>
         <p:spPr>
@@ -1848,8 +1972,13 @@
             <a:ext cx="6096000" cy="3429000"/>
           </a:xfrm>
           <a:custGeom>
+            <a:avLst/>
+            <a:gdLst/>
+            <a:ahLst/>
+            <a:cxnLst/>
+            <a:rect l="0" t="0" r="0" b="0"/>
             <a:pathLst>
-              <a:path extrusionOk="0" h="120000" w="120000">
+              <a:path w="120000" h="120000" extrusionOk="0">
                 <a:moveTo>
                   <a:pt x="0" y="0"/>
                 </a:moveTo>
@@ -1871,9 +2000,11 @@
       <p:sp>
         <p:nvSpPr>
           <p:cNvPr id="71" name="Shape 71"/>
-          <p:cNvSpPr txBox="1"/>
-          <p:nvPr>
-            <p:ph idx="1" type="body"/>
+          <p:cNvSpPr txBox="1">
+            <a:spLocks noGrp="1"/>
+          </p:cNvSpPr>
+          <p:nvPr>
+            <p:ph type="body" idx="1"/>
           </p:nvPr>
         </p:nvSpPr>
         <p:spPr>
@@ -1886,7 +2017,7 @@
           </a:prstGeom>
         </p:spPr>
         <p:txBody>
-          <a:bodyPr anchorCtr="0" anchor="t" bIns="91425" lIns="91425" rIns="91425" tIns="91425">
+          <a:bodyPr lIns="91425" tIns="91425" rIns="91425" bIns="91425" anchor="t" anchorCtr="0">
             <a:noAutofit/>
           </a:bodyPr>
           <a:lstStyle/>
@@ -1897,9 +2028,6 @@
               </a:spcBef>
               <a:buNone/>
             </a:pPr>
-            <a:r>
-              <a:t/>
-            </a:r>
             <a:endParaRPr/>
           </a:p>
         </p:txBody>
@@ -1913,11 +2041,11 @@
 </file>
 
 <file path=ppt/notesSlides/notesSlide20.xml><?xml version="1.0" encoding="utf-8"?>
-<p:notes xmlns:a="http://schemas.openxmlformats.org/drawingml/2006/main" xmlns:r="http://schemas.openxmlformats.org/officeDocument/2006/relationships" xmlns:mc="http://schemas.openxmlformats.org/markup-compatibility/2006" xmlns:mv="urn:schemas-microsoft-com:mac:vml" xmlns:p="http://schemas.openxmlformats.org/presentationml/2006/main" xmlns:c="http://schemas.openxmlformats.org/drawingml/2006/chart" xmlns:dgm="http://schemas.openxmlformats.org/drawingml/2006/diagram" xmlns:o="urn:schemas-microsoft-com:office:office" xmlns:v="urn:schemas-microsoft-com:vml" xmlns:pvml="urn:schemas-microsoft-com:office:powerpoint" xmlns:com="http://schemas.openxmlformats.org/drawingml/2006/compatibility" xmlns:p14="http://schemas.microsoft.com/office/powerpoint/2010/main" showMasterPhAnim="0" showMasterSp="0">
+<p:notes xmlns:a="http://schemas.openxmlformats.org/drawingml/2006/main" xmlns:r="http://schemas.openxmlformats.org/officeDocument/2006/relationships" xmlns:p="http://schemas.openxmlformats.org/presentationml/2006/main" showMasterSp="0" showMasterPhAnim="0">
   <p:cSld>
     <p:spTree>
       <p:nvGrpSpPr>
-        <p:cNvPr id="194" name="Shape 194"/>
+        <p:cNvPr id="1" name="Shape 194"/>
         <p:cNvGrpSpPr/>
         <p:nvPr/>
       </p:nvGrpSpPr>
@@ -1932,9 +2060,11 @@
       <p:sp>
         <p:nvSpPr>
           <p:cNvPr id="195" name="Shape 195"/>
-          <p:cNvSpPr/>
-          <p:nvPr>
-            <p:ph idx="2" type="sldImg"/>
+          <p:cNvSpPr>
+            <a:spLocks noGrp="1" noRot="1" noChangeAspect="1"/>
+          </p:cNvSpPr>
+          <p:nvPr>
+            <p:ph type="sldImg" idx="2"/>
           </p:nvPr>
         </p:nvSpPr>
         <p:spPr>
@@ -1943,8 +2073,13 @@
             <a:ext cx="6096000" cy="3429000"/>
           </a:xfrm>
           <a:custGeom>
+            <a:avLst/>
+            <a:gdLst/>
+            <a:ahLst/>
+            <a:cxnLst/>
+            <a:rect l="0" t="0" r="0" b="0"/>
             <a:pathLst>
-              <a:path extrusionOk="0" h="120000" w="120000">
+              <a:path w="120000" h="120000" extrusionOk="0">
                 <a:moveTo>
                   <a:pt x="0" y="0"/>
                 </a:moveTo>
@@ -1966,9 +2101,11 @@
       <p:sp>
         <p:nvSpPr>
           <p:cNvPr id="196" name="Shape 196"/>
-          <p:cNvSpPr txBox="1"/>
-          <p:nvPr>
-            <p:ph idx="1" type="body"/>
+          <p:cNvSpPr txBox="1">
+            <a:spLocks noGrp="1"/>
+          </p:cNvSpPr>
+          <p:nvPr>
+            <p:ph type="body" idx="1"/>
           </p:nvPr>
         </p:nvSpPr>
         <p:spPr>
@@ -1981,7 +2118,7 @@
           </a:prstGeom>
         </p:spPr>
         <p:txBody>
-          <a:bodyPr anchorCtr="0" anchor="t" bIns="91425" lIns="91425" rIns="91425" tIns="91425">
+          <a:bodyPr lIns="91425" tIns="91425" rIns="91425" bIns="91425" anchor="t" anchorCtr="0">
             <a:noAutofit/>
           </a:bodyPr>
           <a:lstStyle/>
@@ -1992,9 +2129,6 @@
               </a:spcBef>
               <a:buNone/>
             </a:pPr>
-            <a:r>
-              <a:t/>
-            </a:r>
             <a:endParaRPr/>
           </a:p>
         </p:txBody>
@@ -2008,11 +2142,11 @@
 </file>
 
 <file path=ppt/notesSlides/notesSlide21.xml><?xml version="1.0" encoding="utf-8"?>
-<p:notes xmlns:a="http://schemas.openxmlformats.org/drawingml/2006/main" xmlns:r="http://schemas.openxmlformats.org/officeDocument/2006/relationships" xmlns:mc="http://schemas.openxmlformats.org/markup-compatibility/2006" xmlns:mv="urn:schemas-microsoft-com:mac:vml" xmlns:p="http://schemas.openxmlformats.org/presentationml/2006/main" xmlns:c="http://schemas.openxmlformats.org/drawingml/2006/chart" xmlns:dgm="http://schemas.openxmlformats.org/drawingml/2006/diagram" xmlns:o="urn:schemas-microsoft-com:office:office" xmlns:v="urn:schemas-microsoft-com:vml" xmlns:pvml="urn:schemas-microsoft-com:office:powerpoint" xmlns:com="http://schemas.openxmlformats.org/drawingml/2006/compatibility" xmlns:p14="http://schemas.microsoft.com/office/powerpoint/2010/main" showMasterPhAnim="0" showMasterSp="0">
+<p:notes xmlns:a="http://schemas.openxmlformats.org/drawingml/2006/main" xmlns:r="http://schemas.openxmlformats.org/officeDocument/2006/relationships" xmlns:p="http://schemas.openxmlformats.org/presentationml/2006/main" showMasterSp="0" showMasterPhAnim="0">
   <p:cSld>
     <p:spTree>
       <p:nvGrpSpPr>
-        <p:cNvPr id="200" name="Shape 200"/>
+        <p:cNvPr id="1" name="Shape 200"/>
         <p:cNvGrpSpPr/>
         <p:nvPr/>
       </p:nvGrpSpPr>
@@ -2027,9 +2161,11 @@
       <p:sp>
         <p:nvSpPr>
           <p:cNvPr id="201" name="Shape 201"/>
-          <p:cNvSpPr/>
-          <p:nvPr>
-            <p:ph idx="2" type="sldImg"/>
+          <p:cNvSpPr>
+            <a:spLocks noGrp="1" noRot="1" noChangeAspect="1"/>
+          </p:cNvSpPr>
+          <p:nvPr>
+            <p:ph type="sldImg" idx="2"/>
           </p:nvPr>
         </p:nvSpPr>
         <p:spPr>
@@ -2038,8 +2174,13 @@
             <a:ext cx="6096000" cy="3429000"/>
           </a:xfrm>
           <a:custGeom>
+            <a:avLst/>
+            <a:gdLst/>
+            <a:ahLst/>
+            <a:cxnLst/>
+            <a:rect l="0" t="0" r="0" b="0"/>
             <a:pathLst>
-              <a:path extrusionOk="0" h="120000" w="120000">
+              <a:path w="120000" h="120000" extrusionOk="0">
                 <a:moveTo>
                   <a:pt x="0" y="0"/>
                 </a:moveTo>
@@ -2061,9 +2202,11 @@
       <p:sp>
         <p:nvSpPr>
           <p:cNvPr id="202" name="Shape 202"/>
-          <p:cNvSpPr txBox="1"/>
-          <p:nvPr>
-            <p:ph idx="1" type="body"/>
+          <p:cNvSpPr txBox="1">
+            <a:spLocks noGrp="1"/>
+          </p:cNvSpPr>
+          <p:nvPr>
+            <p:ph type="body" idx="1"/>
           </p:nvPr>
         </p:nvSpPr>
         <p:spPr>
@@ -2076,7 +2219,7 @@
           </a:prstGeom>
         </p:spPr>
         <p:txBody>
-          <a:bodyPr anchorCtr="0" anchor="t" bIns="91425" lIns="91425" rIns="91425" tIns="91425">
+          <a:bodyPr lIns="91425" tIns="91425" rIns="91425" bIns="91425" anchor="t" anchorCtr="0">
             <a:noAutofit/>
           </a:bodyPr>
           <a:lstStyle/>
@@ -2087,9 +2230,6 @@
               </a:spcBef>
               <a:buNone/>
             </a:pPr>
-            <a:r>
-              <a:t/>
-            </a:r>
             <a:endParaRPr/>
           </a:p>
         </p:txBody>
@@ -2103,11 +2243,11 @@
 </file>
 
 <file path=ppt/notesSlides/notesSlide22.xml><?xml version="1.0" encoding="utf-8"?>
-<p:notes xmlns:a="http://schemas.openxmlformats.org/drawingml/2006/main" xmlns:r="http://schemas.openxmlformats.org/officeDocument/2006/relationships" xmlns:mc="http://schemas.openxmlformats.org/markup-compatibility/2006" xmlns:mv="urn:schemas-microsoft-com:mac:vml" xmlns:p="http://schemas.openxmlformats.org/presentationml/2006/main" xmlns:c="http://schemas.openxmlformats.org/drawingml/2006/chart" xmlns:dgm="http://schemas.openxmlformats.org/drawingml/2006/diagram" xmlns:o="urn:schemas-microsoft-com:office:office" xmlns:v="urn:schemas-microsoft-com:vml" xmlns:pvml="urn:schemas-microsoft-com:office:powerpoint" xmlns:com="http://schemas.openxmlformats.org/drawingml/2006/compatibility" xmlns:p14="http://schemas.microsoft.com/office/powerpoint/2010/main" showMasterPhAnim="0" showMasterSp="0">
+<p:notes xmlns:a="http://schemas.openxmlformats.org/drawingml/2006/main" xmlns:r="http://schemas.openxmlformats.org/officeDocument/2006/relationships" xmlns:p="http://schemas.openxmlformats.org/presentationml/2006/main" showMasterSp="0" showMasterPhAnim="0">
   <p:cSld>
     <p:spTree>
       <p:nvGrpSpPr>
-        <p:cNvPr id="205" name="Shape 205"/>
+        <p:cNvPr id="1" name="Shape 205"/>
         <p:cNvGrpSpPr/>
         <p:nvPr/>
       </p:nvGrpSpPr>
@@ -2122,9 +2262,11 @@
       <p:sp>
         <p:nvSpPr>
           <p:cNvPr id="206" name="Shape 206"/>
-          <p:cNvSpPr/>
-          <p:nvPr>
-            <p:ph idx="2" type="sldImg"/>
+          <p:cNvSpPr>
+            <a:spLocks noGrp="1" noRot="1" noChangeAspect="1"/>
+          </p:cNvSpPr>
+          <p:nvPr>
+            <p:ph type="sldImg" idx="2"/>
           </p:nvPr>
         </p:nvSpPr>
         <p:spPr>
@@ -2133,8 +2275,13 @@
             <a:ext cx="6096000" cy="3429000"/>
           </a:xfrm>
           <a:custGeom>
+            <a:avLst/>
+            <a:gdLst/>
+            <a:ahLst/>
+            <a:cxnLst/>
+            <a:rect l="0" t="0" r="0" b="0"/>
             <a:pathLst>
-              <a:path extrusionOk="0" h="120000" w="120000">
+              <a:path w="120000" h="120000" extrusionOk="0">
                 <a:moveTo>
                   <a:pt x="0" y="0"/>
                 </a:moveTo>
@@ -2156,9 +2303,11 @@
       <p:sp>
         <p:nvSpPr>
           <p:cNvPr id="207" name="Shape 207"/>
-          <p:cNvSpPr txBox="1"/>
-          <p:nvPr>
-            <p:ph idx="1" type="body"/>
+          <p:cNvSpPr txBox="1">
+            <a:spLocks noGrp="1"/>
+          </p:cNvSpPr>
+          <p:nvPr>
+            <p:ph type="body" idx="1"/>
           </p:nvPr>
         </p:nvSpPr>
         <p:spPr>
@@ -2171,7 +2320,7 @@
           </a:prstGeom>
         </p:spPr>
         <p:txBody>
-          <a:bodyPr anchorCtr="0" anchor="t" bIns="91425" lIns="91425" rIns="91425" tIns="91425">
+          <a:bodyPr lIns="91425" tIns="91425" rIns="91425" bIns="91425" anchor="t" anchorCtr="0">
             <a:noAutofit/>
           </a:bodyPr>
           <a:lstStyle/>
@@ -2182,9 +2331,6 @@
               </a:spcBef>
               <a:buNone/>
             </a:pPr>
-            <a:r>
-              <a:t/>
-            </a:r>
             <a:endParaRPr/>
           </a:p>
         </p:txBody>
@@ -2198,11 +2344,11 @@
 </file>
 
 <file path=ppt/notesSlides/notesSlide23.xml><?xml version="1.0" encoding="utf-8"?>
-<p:notes xmlns:a="http://schemas.openxmlformats.org/drawingml/2006/main" xmlns:r="http://schemas.openxmlformats.org/officeDocument/2006/relationships" xmlns:mc="http://schemas.openxmlformats.org/markup-compatibility/2006" xmlns:mv="urn:schemas-microsoft-com:mac:vml" xmlns:p="http://schemas.openxmlformats.org/presentationml/2006/main" xmlns:c="http://schemas.openxmlformats.org/drawingml/2006/chart" xmlns:dgm="http://schemas.openxmlformats.org/drawingml/2006/diagram" xmlns:o="urn:schemas-microsoft-com:office:office" xmlns:v="urn:schemas-microsoft-com:vml" xmlns:pvml="urn:schemas-microsoft-com:office:powerpoint" xmlns:com="http://schemas.openxmlformats.org/drawingml/2006/compatibility" xmlns:p14="http://schemas.microsoft.com/office/powerpoint/2010/main" showMasterPhAnim="0" showMasterSp="0">
+<p:notes xmlns:a="http://schemas.openxmlformats.org/drawingml/2006/main" xmlns:r="http://schemas.openxmlformats.org/officeDocument/2006/relationships" xmlns:p="http://schemas.openxmlformats.org/presentationml/2006/main" showMasterSp="0" showMasterPhAnim="0">
   <p:cSld>
     <p:spTree>
       <p:nvGrpSpPr>
-        <p:cNvPr id="211" name="Shape 211"/>
+        <p:cNvPr id="1" name="Shape 211"/>
         <p:cNvGrpSpPr/>
         <p:nvPr/>
       </p:nvGrpSpPr>
@@ -2217,9 +2363,11 @@
       <p:sp>
         <p:nvSpPr>
           <p:cNvPr id="212" name="Shape 212"/>
-          <p:cNvSpPr/>
-          <p:nvPr>
-            <p:ph idx="2" type="sldImg"/>
+          <p:cNvSpPr>
+            <a:spLocks noGrp="1" noRot="1" noChangeAspect="1"/>
+          </p:cNvSpPr>
+          <p:nvPr>
+            <p:ph type="sldImg" idx="2"/>
           </p:nvPr>
         </p:nvSpPr>
         <p:spPr>
@@ -2228,8 +2376,13 @@
             <a:ext cx="6096000" cy="3429000"/>
           </a:xfrm>
           <a:custGeom>
+            <a:avLst/>
+            <a:gdLst/>
+            <a:ahLst/>
+            <a:cxnLst/>
+            <a:rect l="0" t="0" r="0" b="0"/>
             <a:pathLst>
-              <a:path extrusionOk="0" h="120000" w="120000">
+              <a:path w="120000" h="120000" extrusionOk="0">
                 <a:moveTo>
                   <a:pt x="0" y="0"/>
                 </a:moveTo>
@@ -2251,9 +2404,11 @@
       <p:sp>
         <p:nvSpPr>
           <p:cNvPr id="213" name="Shape 213"/>
-          <p:cNvSpPr txBox="1"/>
-          <p:nvPr>
-            <p:ph idx="1" type="body"/>
+          <p:cNvSpPr txBox="1">
+            <a:spLocks noGrp="1"/>
+          </p:cNvSpPr>
+          <p:nvPr>
+            <p:ph type="body" idx="1"/>
           </p:nvPr>
         </p:nvSpPr>
         <p:spPr>
@@ -2266,7 +2421,7 @@
           </a:prstGeom>
         </p:spPr>
         <p:txBody>
-          <a:bodyPr anchorCtr="0" anchor="t" bIns="91425" lIns="91425" rIns="91425" tIns="91425">
+          <a:bodyPr lIns="91425" tIns="91425" rIns="91425" bIns="91425" anchor="t" anchorCtr="0">
             <a:noAutofit/>
           </a:bodyPr>
           <a:lstStyle/>
@@ -2277,9 +2432,6 @@
               </a:spcBef>
               <a:buNone/>
             </a:pPr>
-            <a:r>
-              <a:t/>
-            </a:r>
             <a:endParaRPr/>
           </a:p>
         </p:txBody>
@@ -2293,11 +2445,11 @@
 </file>
 
 <file path=ppt/notesSlides/notesSlide24.xml><?xml version="1.0" encoding="utf-8"?>
-<p:notes xmlns:a="http://schemas.openxmlformats.org/drawingml/2006/main" xmlns:r="http://schemas.openxmlformats.org/officeDocument/2006/relationships" xmlns:mc="http://schemas.openxmlformats.org/markup-compatibility/2006" xmlns:mv="urn:schemas-microsoft-com:mac:vml" xmlns:p="http://schemas.openxmlformats.org/presentationml/2006/main" xmlns:c="http://schemas.openxmlformats.org/drawingml/2006/chart" xmlns:dgm="http://schemas.openxmlformats.org/drawingml/2006/diagram" xmlns:o="urn:schemas-microsoft-com:office:office" xmlns:v="urn:schemas-microsoft-com:vml" xmlns:pvml="urn:schemas-microsoft-com:office:powerpoint" xmlns:com="http://schemas.openxmlformats.org/drawingml/2006/compatibility" xmlns:p14="http://schemas.microsoft.com/office/powerpoint/2010/main" showMasterPhAnim="0" showMasterSp="0">
+<p:notes xmlns:a="http://schemas.openxmlformats.org/drawingml/2006/main" xmlns:r="http://schemas.openxmlformats.org/officeDocument/2006/relationships" xmlns:p="http://schemas.openxmlformats.org/presentationml/2006/main" showMasterSp="0" showMasterPhAnim="0">
   <p:cSld>
     <p:spTree>
       <p:nvGrpSpPr>
-        <p:cNvPr id="217" name="Shape 217"/>
+        <p:cNvPr id="1" name="Shape 217"/>
         <p:cNvGrpSpPr/>
         <p:nvPr/>
       </p:nvGrpSpPr>
@@ -2312,9 +2464,11 @@
       <p:sp>
         <p:nvSpPr>
           <p:cNvPr id="218" name="Shape 218"/>
-          <p:cNvSpPr/>
-          <p:nvPr>
-            <p:ph idx="2" type="sldImg"/>
+          <p:cNvSpPr>
+            <a:spLocks noGrp="1" noRot="1" noChangeAspect="1"/>
+          </p:cNvSpPr>
+          <p:nvPr>
+            <p:ph type="sldImg" idx="2"/>
           </p:nvPr>
         </p:nvSpPr>
         <p:spPr>
@@ -2323,8 +2477,13 @@
             <a:ext cx="6096000" cy="3429000"/>
           </a:xfrm>
           <a:custGeom>
+            <a:avLst/>
+            <a:gdLst/>
+            <a:ahLst/>
+            <a:cxnLst/>
+            <a:rect l="0" t="0" r="0" b="0"/>
             <a:pathLst>
-              <a:path extrusionOk="0" h="120000" w="120000">
+              <a:path w="120000" h="120000" extrusionOk="0">
                 <a:moveTo>
                   <a:pt x="0" y="0"/>
                 </a:moveTo>
@@ -2346,9 +2505,11 @@
       <p:sp>
         <p:nvSpPr>
           <p:cNvPr id="219" name="Shape 219"/>
-          <p:cNvSpPr txBox="1"/>
-          <p:nvPr>
-            <p:ph idx="1" type="body"/>
+          <p:cNvSpPr txBox="1">
+            <a:spLocks noGrp="1"/>
+          </p:cNvSpPr>
+          <p:nvPr>
+            <p:ph type="body" idx="1"/>
           </p:nvPr>
         </p:nvSpPr>
         <p:spPr>
@@ -2361,7 +2522,7 @@
           </a:prstGeom>
         </p:spPr>
         <p:txBody>
-          <a:bodyPr anchorCtr="0" anchor="t" bIns="91425" lIns="91425" rIns="91425" tIns="91425">
+          <a:bodyPr lIns="91425" tIns="91425" rIns="91425" bIns="91425" anchor="t" anchorCtr="0">
             <a:noAutofit/>
           </a:bodyPr>
           <a:lstStyle/>
@@ -2372,9 +2533,6 @@
               </a:spcBef>
               <a:buNone/>
             </a:pPr>
-            <a:r>
-              <a:t/>
-            </a:r>
             <a:endParaRPr/>
           </a:p>
         </p:txBody>
@@ -2388,11 +2546,11 @@
 </file>
 
 <file path=ppt/notesSlides/notesSlide25.xml><?xml version="1.0" encoding="utf-8"?>
-<p:notes xmlns:a="http://schemas.openxmlformats.org/drawingml/2006/main" xmlns:r="http://schemas.openxmlformats.org/officeDocument/2006/relationships" xmlns:mc="http://schemas.openxmlformats.org/markup-compatibility/2006" xmlns:mv="urn:schemas-microsoft-com:mac:vml" xmlns:p="http://schemas.openxmlformats.org/presentationml/2006/main" xmlns:c="http://schemas.openxmlformats.org/drawingml/2006/chart" xmlns:dgm="http://schemas.openxmlformats.org/drawingml/2006/diagram" xmlns:o="urn:schemas-microsoft-com:office:office" xmlns:v="urn:schemas-microsoft-com:vml" xmlns:pvml="urn:schemas-microsoft-com:office:powerpoint" xmlns:com="http://schemas.openxmlformats.org/drawingml/2006/compatibility" xmlns:p14="http://schemas.microsoft.com/office/powerpoint/2010/main" showMasterPhAnim="0" showMasterSp="0">
+<p:notes xmlns:a="http://schemas.openxmlformats.org/drawingml/2006/main" xmlns:r="http://schemas.openxmlformats.org/officeDocument/2006/relationships" xmlns:p="http://schemas.openxmlformats.org/presentationml/2006/main" showMasterSp="0" showMasterPhAnim="0">
   <p:cSld>
     <p:spTree>
       <p:nvGrpSpPr>
-        <p:cNvPr id="223" name="Shape 223"/>
+        <p:cNvPr id="1" name="Shape 223"/>
         <p:cNvGrpSpPr/>
         <p:nvPr/>
       </p:nvGrpSpPr>
@@ -2407,9 +2565,11 @@
       <p:sp>
         <p:nvSpPr>
           <p:cNvPr id="224" name="Shape 224"/>
-          <p:cNvSpPr/>
-          <p:nvPr>
-            <p:ph idx="2" type="sldImg"/>
+          <p:cNvSpPr>
+            <a:spLocks noGrp="1" noRot="1" noChangeAspect="1"/>
+          </p:cNvSpPr>
+          <p:nvPr>
+            <p:ph type="sldImg" idx="2"/>
           </p:nvPr>
         </p:nvSpPr>
         <p:spPr>
@@ -2418,8 +2578,13 @@
             <a:ext cx="6096000" cy="3429000"/>
           </a:xfrm>
           <a:custGeom>
+            <a:avLst/>
+            <a:gdLst/>
+            <a:ahLst/>
+            <a:cxnLst/>
+            <a:rect l="0" t="0" r="0" b="0"/>
             <a:pathLst>
-              <a:path extrusionOk="0" h="120000" w="120000">
+              <a:path w="120000" h="120000" extrusionOk="0">
                 <a:moveTo>
                   <a:pt x="0" y="0"/>
                 </a:moveTo>
@@ -2441,9 +2606,11 @@
       <p:sp>
         <p:nvSpPr>
           <p:cNvPr id="225" name="Shape 225"/>
-          <p:cNvSpPr txBox="1"/>
-          <p:nvPr>
-            <p:ph idx="1" type="body"/>
+          <p:cNvSpPr txBox="1">
+            <a:spLocks noGrp="1"/>
+          </p:cNvSpPr>
+          <p:nvPr>
+            <p:ph type="body" idx="1"/>
           </p:nvPr>
         </p:nvSpPr>
         <p:spPr>
@@ -2456,7 +2623,7 @@
           </a:prstGeom>
         </p:spPr>
         <p:txBody>
-          <a:bodyPr anchorCtr="0" anchor="t" bIns="91425" lIns="91425" rIns="91425" tIns="91425">
+          <a:bodyPr lIns="91425" tIns="91425" rIns="91425" bIns="91425" anchor="t" anchorCtr="0">
             <a:noAutofit/>
           </a:bodyPr>
           <a:lstStyle/>
@@ -2467,9 +2634,6 @@
               </a:spcBef>
               <a:buNone/>
             </a:pPr>
-            <a:r>
-              <a:t/>
-            </a:r>
             <a:endParaRPr/>
           </a:p>
         </p:txBody>
@@ -2483,11 +2647,11 @@
 </file>
 
 <file path=ppt/notesSlides/notesSlide26.xml><?xml version="1.0" encoding="utf-8"?>
-<p:notes xmlns:a="http://schemas.openxmlformats.org/drawingml/2006/main" xmlns:r="http://schemas.openxmlformats.org/officeDocument/2006/relationships" xmlns:mc="http://schemas.openxmlformats.org/markup-compatibility/2006" xmlns:mv="urn:schemas-microsoft-com:mac:vml" xmlns:p="http://schemas.openxmlformats.org/presentationml/2006/main" xmlns:c="http://schemas.openxmlformats.org/drawingml/2006/chart" xmlns:dgm="http://schemas.openxmlformats.org/drawingml/2006/diagram" xmlns:o="urn:schemas-microsoft-com:office:office" xmlns:v="urn:schemas-microsoft-com:vml" xmlns:pvml="urn:schemas-microsoft-com:office:powerpoint" xmlns:com="http://schemas.openxmlformats.org/drawingml/2006/compatibility" xmlns:p14="http://schemas.microsoft.com/office/powerpoint/2010/main" showMasterPhAnim="0" showMasterSp="0">
+<p:notes xmlns:a="http://schemas.openxmlformats.org/drawingml/2006/main" xmlns:r="http://schemas.openxmlformats.org/officeDocument/2006/relationships" xmlns:p="http://schemas.openxmlformats.org/presentationml/2006/main" showMasterSp="0" showMasterPhAnim="0">
   <p:cSld>
     <p:spTree>
       <p:nvGrpSpPr>
-        <p:cNvPr id="229" name="Shape 229"/>
+        <p:cNvPr id="1" name="Shape 229"/>
         <p:cNvGrpSpPr/>
         <p:nvPr/>
       </p:nvGrpSpPr>
@@ -2502,9 +2666,11 @@
       <p:sp>
         <p:nvSpPr>
           <p:cNvPr id="230" name="Shape 230"/>
-          <p:cNvSpPr/>
-          <p:nvPr>
-            <p:ph idx="2" type="sldImg"/>
+          <p:cNvSpPr>
+            <a:spLocks noGrp="1" noRot="1" noChangeAspect="1"/>
+          </p:cNvSpPr>
+          <p:nvPr>
+            <p:ph type="sldImg" idx="2"/>
           </p:nvPr>
         </p:nvSpPr>
         <p:spPr>
@@ -2513,8 +2679,13 @@
             <a:ext cx="6096000" cy="3429000"/>
           </a:xfrm>
           <a:custGeom>
+            <a:avLst/>
+            <a:gdLst/>
+            <a:ahLst/>
+            <a:cxnLst/>
+            <a:rect l="0" t="0" r="0" b="0"/>
             <a:pathLst>
-              <a:path extrusionOk="0" h="120000" w="120000">
+              <a:path w="120000" h="120000" extrusionOk="0">
                 <a:moveTo>
                   <a:pt x="0" y="0"/>
                 </a:moveTo>
@@ -2536,9 +2707,11 @@
       <p:sp>
         <p:nvSpPr>
           <p:cNvPr id="231" name="Shape 231"/>
-          <p:cNvSpPr txBox="1"/>
-          <p:nvPr>
-            <p:ph idx="1" type="body"/>
+          <p:cNvSpPr txBox="1">
+            <a:spLocks noGrp="1"/>
+          </p:cNvSpPr>
+          <p:nvPr>
+            <p:ph type="body" idx="1"/>
           </p:nvPr>
         </p:nvSpPr>
         <p:spPr>
@@ -2551,7 +2724,7 @@
           </a:prstGeom>
         </p:spPr>
         <p:txBody>
-          <a:bodyPr anchorCtr="0" anchor="t" bIns="91425" lIns="91425" rIns="91425" tIns="91425">
+          <a:bodyPr lIns="91425" tIns="91425" rIns="91425" bIns="91425" anchor="t" anchorCtr="0">
             <a:noAutofit/>
           </a:bodyPr>
           <a:lstStyle/>
@@ -2562,9 +2735,6 @@
               </a:spcBef>
               <a:buNone/>
             </a:pPr>
-            <a:r>
-              <a:t/>
-            </a:r>
             <a:endParaRPr/>
           </a:p>
         </p:txBody>
@@ -2578,11 +2748,11 @@
 </file>
 
 <file path=ppt/notesSlides/notesSlide27.xml><?xml version="1.0" encoding="utf-8"?>
-<p:notes xmlns:a="http://schemas.openxmlformats.org/drawingml/2006/main" xmlns:r="http://schemas.openxmlformats.org/officeDocument/2006/relationships" xmlns:mc="http://schemas.openxmlformats.org/markup-compatibility/2006" xmlns:mv="urn:schemas-microsoft-com:mac:vml" xmlns:p="http://schemas.openxmlformats.org/presentationml/2006/main" xmlns:c="http://schemas.openxmlformats.org/drawingml/2006/chart" xmlns:dgm="http://schemas.openxmlformats.org/drawingml/2006/diagram" xmlns:o="urn:schemas-microsoft-com:office:office" xmlns:v="urn:schemas-microsoft-com:vml" xmlns:pvml="urn:schemas-microsoft-com:office:powerpoint" xmlns:com="http://schemas.openxmlformats.org/drawingml/2006/compatibility" xmlns:p14="http://schemas.microsoft.com/office/powerpoint/2010/main" showMasterPhAnim="0" showMasterSp="0">
+<p:notes xmlns:a="http://schemas.openxmlformats.org/drawingml/2006/main" xmlns:r="http://schemas.openxmlformats.org/officeDocument/2006/relationships" xmlns:p="http://schemas.openxmlformats.org/presentationml/2006/main" showMasterSp="0" showMasterPhAnim="0">
   <p:cSld>
     <p:spTree>
       <p:nvGrpSpPr>
-        <p:cNvPr id="235" name="Shape 235"/>
+        <p:cNvPr id="1" name="Shape 235"/>
         <p:cNvGrpSpPr/>
         <p:nvPr/>
       </p:nvGrpSpPr>
@@ -2597,9 +2767,11 @@
       <p:sp>
         <p:nvSpPr>
           <p:cNvPr id="236" name="Shape 236"/>
-          <p:cNvSpPr/>
-          <p:nvPr>
-            <p:ph idx="2" type="sldImg"/>
+          <p:cNvSpPr>
+            <a:spLocks noGrp="1" noRot="1" noChangeAspect="1"/>
+          </p:cNvSpPr>
+          <p:nvPr>
+            <p:ph type="sldImg" idx="2"/>
           </p:nvPr>
         </p:nvSpPr>
         <p:spPr>
@@ -2608,8 +2780,13 @@
             <a:ext cx="6096000" cy="3429000"/>
           </a:xfrm>
           <a:custGeom>
+            <a:avLst/>
+            <a:gdLst/>
+            <a:ahLst/>
+            <a:cxnLst/>
+            <a:rect l="0" t="0" r="0" b="0"/>
             <a:pathLst>
-              <a:path extrusionOk="0" h="120000" w="120000">
+              <a:path w="120000" h="120000" extrusionOk="0">
                 <a:moveTo>
                   <a:pt x="0" y="0"/>
                 </a:moveTo>
@@ -2631,9 +2808,11 @@
       <p:sp>
         <p:nvSpPr>
           <p:cNvPr id="237" name="Shape 237"/>
-          <p:cNvSpPr txBox="1"/>
-          <p:nvPr>
-            <p:ph idx="1" type="body"/>
+          <p:cNvSpPr txBox="1">
+            <a:spLocks noGrp="1"/>
+          </p:cNvSpPr>
+          <p:nvPr>
+            <p:ph type="body" idx="1"/>
           </p:nvPr>
         </p:nvSpPr>
         <p:spPr>
@@ -2646,7 +2825,7 @@
           </a:prstGeom>
         </p:spPr>
         <p:txBody>
-          <a:bodyPr anchorCtr="0" anchor="t" bIns="91425" lIns="91425" rIns="91425" tIns="91425">
+          <a:bodyPr lIns="91425" tIns="91425" rIns="91425" bIns="91425" anchor="t" anchorCtr="0">
             <a:noAutofit/>
           </a:bodyPr>
           <a:lstStyle/>
@@ -2657,9 +2836,6 @@
               </a:spcBef>
               <a:buNone/>
             </a:pPr>
-            <a:r>
-              <a:t/>
-            </a:r>
             <a:endParaRPr/>
           </a:p>
         </p:txBody>
@@ -2673,11 +2849,11 @@
 </file>
 
 <file path=ppt/notesSlides/notesSlide28.xml><?xml version="1.0" encoding="utf-8"?>
-<p:notes xmlns:a="http://schemas.openxmlformats.org/drawingml/2006/main" xmlns:r="http://schemas.openxmlformats.org/officeDocument/2006/relationships" xmlns:mc="http://schemas.openxmlformats.org/markup-compatibility/2006" xmlns:mv="urn:schemas-microsoft-com:mac:vml" xmlns:p="http://schemas.openxmlformats.org/presentationml/2006/main" xmlns:c="http://schemas.openxmlformats.org/drawingml/2006/chart" xmlns:dgm="http://schemas.openxmlformats.org/drawingml/2006/diagram" xmlns:o="urn:schemas-microsoft-com:office:office" xmlns:v="urn:schemas-microsoft-com:vml" xmlns:pvml="urn:schemas-microsoft-com:office:powerpoint" xmlns:com="http://schemas.openxmlformats.org/drawingml/2006/compatibility" xmlns:p14="http://schemas.microsoft.com/office/powerpoint/2010/main" showMasterPhAnim="0" showMasterSp="0">
+<p:notes xmlns:a="http://schemas.openxmlformats.org/drawingml/2006/main" xmlns:r="http://schemas.openxmlformats.org/officeDocument/2006/relationships" xmlns:p="http://schemas.openxmlformats.org/presentationml/2006/main" showMasterSp="0" showMasterPhAnim="0">
   <p:cSld>
     <p:spTree>
       <p:nvGrpSpPr>
-        <p:cNvPr id="241" name="Shape 241"/>
+        <p:cNvPr id="1" name="Shape 241"/>
         <p:cNvGrpSpPr/>
         <p:nvPr/>
       </p:nvGrpSpPr>
@@ -2692,9 +2868,11 @@
       <p:sp>
         <p:nvSpPr>
           <p:cNvPr id="242" name="Shape 242"/>
-          <p:cNvSpPr/>
-          <p:nvPr>
-            <p:ph idx="2" type="sldImg"/>
+          <p:cNvSpPr>
+            <a:spLocks noGrp="1" noRot="1" noChangeAspect="1"/>
+          </p:cNvSpPr>
+          <p:nvPr>
+            <p:ph type="sldImg" idx="2"/>
           </p:nvPr>
         </p:nvSpPr>
         <p:spPr>
@@ -2703,8 +2881,13 @@
             <a:ext cx="6096000" cy="3429000"/>
           </a:xfrm>
           <a:custGeom>
+            <a:avLst/>
+            <a:gdLst/>
+            <a:ahLst/>
+            <a:cxnLst/>
+            <a:rect l="0" t="0" r="0" b="0"/>
             <a:pathLst>
-              <a:path extrusionOk="0" h="120000" w="120000">
+              <a:path w="120000" h="120000" extrusionOk="0">
                 <a:moveTo>
                   <a:pt x="0" y="0"/>
                 </a:moveTo>
@@ -2726,9 +2909,11 @@
       <p:sp>
         <p:nvSpPr>
           <p:cNvPr id="243" name="Shape 243"/>
-          <p:cNvSpPr txBox="1"/>
-          <p:nvPr>
-            <p:ph idx="1" type="body"/>
+          <p:cNvSpPr txBox="1">
+            <a:spLocks noGrp="1"/>
+          </p:cNvSpPr>
+          <p:nvPr>
+            <p:ph type="body" idx="1"/>
           </p:nvPr>
         </p:nvSpPr>
         <p:spPr>
@@ -2741,7 +2926,7 @@
           </a:prstGeom>
         </p:spPr>
         <p:txBody>
-          <a:bodyPr anchorCtr="0" anchor="t" bIns="91425" lIns="91425" rIns="91425" tIns="91425">
+          <a:bodyPr lIns="91425" tIns="91425" rIns="91425" bIns="91425" anchor="t" anchorCtr="0">
             <a:noAutofit/>
           </a:bodyPr>
           <a:lstStyle/>
@@ -2752,9 +2937,6 @@
               </a:spcBef>
               <a:buNone/>
             </a:pPr>
-            <a:r>
-              <a:t/>
-            </a:r>
             <a:endParaRPr/>
           </a:p>
         </p:txBody>
@@ -2768,11 +2950,11 @@
 </file>
 
 <file path=ppt/notesSlides/notesSlide29.xml><?xml version="1.0" encoding="utf-8"?>
-<p:notes xmlns:a="http://schemas.openxmlformats.org/drawingml/2006/main" xmlns:r="http://schemas.openxmlformats.org/officeDocument/2006/relationships" xmlns:mc="http://schemas.openxmlformats.org/markup-compatibility/2006" xmlns:mv="urn:schemas-microsoft-com:mac:vml" xmlns:p="http://schemas.openxmlformats.org/presentationml/2006/main" xmlns:c="http://schemas.openxmlformats.org/drawingml/2006/chart" xmlns:dgm="http://schemas.openxmlformats.org/drawingml/2006/diagram" xmlns:o="urn:schemas-microsoft-com:office:office" xmlns:v="urn:schemas-microsoft-com:vml" xmlns:pvml="urn:schemas-microsoft-com:office:powerpoint" xmlns:com="http://schemas.openxmlformats.org/drawingml/2006/compatibility" xmlns:p14="http://schemas.microsoft.com/office/powerpoint/2010/main" showMasterPhAnim="0" showMasterSp="0">
+<p:notes xmlns:a="http://schemas.openxmlformats.org/drawingml/2006/main" xmlns:r="http://schemas.openxmlformats.org/officeDocument/2006/relationships" xmlns:p="http://schemas.openxmlformats.org/presentationml/2006/main" showMasterSp="0" showMasterPhAnim="0">
   <p:cSld>
     <p:spTree>
       <p:nvGrpSpPr>
-        <p:cNvPr id="247" name="Shape 247"/>
+        <p:cNvPr id="1" name="Shape 247"/>
         <p:cNvGrpSpPr/>
         <p:nvPr/>
       </p:nvGrpSpPr>
@@ -2787,9 +2969,11 @@
       <p:sp>
         <p:nvSpPr>
           <p:cNvPr id="248" name="Shape 248"/>
-          <p:cNvSpPr/>
-          <p:nvPr>
-            <p:ph idx="2" type="sldImg"/>
+          <p:cNvSpPr>
+            <a:spLocks noGrp="1" noRot="1" noChangeAspect="1"/>
+          </p:cNvSpPr>
+          <p:nvPr>
+            <p:ph type="sldImg" idx="2"/>
           </p:nvPr>
         </p:nvSpPr>
         <p:spPr>
@@ -2798,8 +2982,13 @@
             <a:ext cx="6096000" cy="3429000"/>
           </a:xfrm>
           <a:custGeom>
+            <a:avLst/>
+            <a:gdLst/>
+            <a:ahLst/>
+            <a:cxnLst/>
+            <a:rect l="0" t="0" r="0" b="0"/>
             <a:pathLst>
-              <a:path extrusionOk="0" h="120000" w="120000">
+              <a:path w="120000" h="120000" extrusionOk="0">
                 <a:moveTo>
                   <a:pt x="0" y="0"/>
                 </a:moveTo>
@@ -2821,9 +3010,11 @@
       <p:sp>
         <p:nvSpPr>
           <p:cNvPr id="249" name="Shape 249"/>
-          <p:cNvSpPr txBox="1"/>
-          <p:nvPr>
-            <p:ph idx="1" type="body"/>
+          <p:cNvSpPr txBox="1">
+            <a:spLocks noGrp="1"/>
+          </p:cNvSpPr>
+          <p:nvPr>
+            <p:ph type="body" idx="1"/>
           </p:nvPr>
         </p:nvSpPr>
         <p:spPr>
@@ -2836,7 +3027,7 @@
           </a:prstGeom>
         </p:spPr>
         <p:txBody>
-          <a:bodyPr anchorCtr="0" anchor="t" bIns="91425" lIns="91425" rIns="91425" tIns="91425">
+          <a:bodyPr lIns="91425" tIns="91425" rIns="91425" bIns="91425" anchor="t" anchorCtr="0">
             <a:noAutofit/>
           </a:bodyPr>
           <a:lstStyle/>
@@ -2847,9 +3038,6 @@
               </a:spcBef>
               <a:buNone/>
             </a:pPr>
-            <a:r>
-              <a:t/>
-            </a:r>
             <a:endParaRPr/>
           </a:p>
         </p:txBody>
@@ -2863,11 +3051,11 @@
 </file>
 
 <file path=ppt/notesSlides/notesSlide3.xml><?xml version="1.0" encoding="utf-8"?>
-<p:notes xmlns:a="http://schemas.openxmlformats.org/drawingml/2006/main" xmlns:r="http://schemas.openxmlformats.org/officeDocument/2006/relationships" xmlns:mc="http://schemas.openxmlformats.org/markup-compatibility/2006" xmlns:mv="urn:schemas-microsoft-com:mac:vml" xmlns:p="http://schemas.openxmlformats.org/presentationml/2006/main" xmlns:c="http://schemas.openxmlformats.org/drawingml/2006/chart" xmlns:dgm="http://schemas.openxmlformats.org/drawingml/2006/diagram" xmlns:o="urn:schemas-microsoft-com:office:office" xmlns:v="urn:schemas-microsoft-com:vml" xmlns:pvml="urn:schemas-microsoft-com:office:powerpoint" xmlns:com="http://schemas.openxmlformats.org/drawingml/2006/compatibility" xmlns:p14="http://schemas.microsoft.com/office/powerpoint/2010/main" showMasterPhAnim="0" showMasterSp="0">
+<p:notes xmlns:a="http://schemas.openxmlformats.org/drawingml/2006/main" xmlns:r="http://schemas.openxmlformats.org/officeDocument/2006/relationships" xmlns:p="http://schemas.openxmlformats.org/presentationml/2006/main" showMasterSp="0" showMasterPhAnim="0">
   <p:cSld>
     <p:spTree>
       <p:nvGrpSpPr>
-        <p:cNvPr id="75" name="Shape 75"/>
+        <p:cNvPr id="1" name="Shape 75"/>
         <p:cNvGrpSpPr/>
         <p:nvPr/>
       </p:nvGrpSpPr>
@@ -2882,9 +3070,11 @@
       <p:sp>
         <p:nvSpPr>
           <p:cNvPr id="76" name="Shape 76"/>
-          <p:cNvSpPr/>
-          <p:nvPr>
-            <p:ph idx="2" type="sldImg"/>
+          <p:cNvSpPr>
+            <a:spLocks noGrp="1" noRot="1" noChangeAspect="1"/>
+          </p:cNvSpPr>
+          <p:nvPr>
+            <p:ph type="sldImg" idx="2"/>
           </p:nvPr>
         </p:nvSpPr>
         <p:spPr>
@@ -2893,8 +3083,13 @@
             <a:ext cx="6096000" cy="3429000"/>
           </a:xfrm>
           <a:custGeom>
+            <a:avLst/>
+            <a:gdLst/>
+            <a:ahLst/>
+            <a:cxnLst/>
+            <a:rect l="0" t="0" r="0" b="0"/>
             <a:pathLst>
-              <a:path extrusionOk="0" h="120000" w="120000">
+              <a:path w="120000" h="120000" extrusionOk="0">
                 <a:moveTo>
                   <a:pt x="0" y="0"/>
                 </a:moveTo>
@@ -2916,9 +3111,11 @@
       <p:sp>
         <p:nvSpPr>
           <p:cNvPr id="77" name="Shape 77"/>
-          <p:cNvSpPr txBox="1"/>
-          <p:nvPr>
-            <p:ph idx="1" type="body"/>
+          <p:cNvSpPr txBox="1">
+            <a:spLocks noGrp="1"/>
+          </p:cNvSpPr>
+          <p:nvPr>
+            <p:ph type="body" idx="1"/>
           </p:nvPr>
         </p:nvSpPr>
         <p:spPr>
@@ -2931,7 +3128,7 @@
           </a:prstGeom>
         </p:spPr>
         <p:txBody>
-          <a:bodyPr anchorCtr="0" anchor="t" bIns="91425" lIns="91425" rIns="91425" tIns="91425">
+          <a:bodyPr lIns="91425" tIns="91425" rIns="91425" bIns="91425" anchor="t" anchorCtr="0">
             <a:noAutofit/>
           </a:bodyPr>
           <a:lstStyle/>
@@ -2943,9 +3140,9 @@
               <a:buNone/>
             </a:pPr>
             <a:r>
-              <a:t/>
-            </a:r>
-            <a:endParaRPr/>
+              <a:rPr lang="en"/>
+              <a:t>While companies like SurveyMonkey may do their best to protect your data, they offer no guarantees.</a:t>
+            </a:r>
           </a:p>
         </p:txBody>
       </p:sp>
@@ -2958,11 +3155,11 @@
 </file>
 
 <file path=ppt/notesSlides/notesSlide30.xml><?xml version="1.0" encoding="utf-8"?>
-<p:notes xmlns:a="http://schemas.openxmlformats.org/drawingml/2006/main" xmlns:r="http://schemas.openxmlformats.org/officeDocument/2006/relationships" xmlns:mc="http://schemas.openxmlformats.org/markup-compatibility/2006" xmlns:mv="urn:schemas-microsoft-com:mac:vml" xmlns:p="http://schemas.openxmlformats.org/presentationml/2006/main" xmlns:c="http://schemas.openxmlformats.org/drawingml/2006/chart" xmlns:dgm="http://schemas.openxmlformats.org/drawingml/2006/diagram" xmlns:o="urn:schemas-microsoft-com:office:office" xmlns:v="urn:schemas-microsoft-com:vml" xmlns:pvml="urn:schemas-microsoft-com:office:powerpoint" xmlns:com="http://schemas.openxmlformats.org/drawingml/2006/compatibility" xmlns:p14="http://schemas.microsoft.com/office/powerpoint/2010/main" showMasterPhAnim="0" showMasterSp="0">
+<p:notes xmlns:a="http://schemas.openxmlformats.org/drawingml/2006/main" xmlns:r="http://schemas.openxmlformats.org/officeDocument/2006/relationships" xmlns:p="http://schemas.openxmlformats.org/presentationml/2006/main" showMasterSp="0" showMasterPhAnim="0">
   <p:cSld>
     <p:spTree>
       <p:nvGrpSpPr>
-        <p:cNvPr id="253" name="Shape 253"/>
+        <p:cNvPr id="1" name="Shape 253"/>
         <p:cNvGrpSpPr/>
         <p:nvPr/>
       </p:nvGrpSpPr>
@@ -2977,9 +3174,11 @@
       <p:sp>
         <p:nvSpPr>
           <p:cNvPr id="254" name="Shape 254"/>
-          <p:cNvSpPr/>
-          <p:nvPr>
-            <p:ph idx="2" type="sldImg"/>
+          <p:cNvSpPr>
+            <a:spLocks noGrp="1" noRot="1" noChangeAspect="1"/>
+          </p:cNvSpPr>
+          <p:nvPr>
+            <p:ph type="sldImg" idx="2"/>
           </p:nvPr>
         </p:nvSpPr>
         <p:spPr>
@@ -2988,8 +3187,13 @@
             <a:ext cx="6096000" cy="3429000"/>
           </a:xfrm>
           <a:custGeom>
+            <a:avLst/>
+            <a:gdLst/>
+            <a:ahLst/>
+            <a:cxnLst/>
+            <a:rect l="0" t="0" r="0" b="0"/>
             <a:pathLst>
-              <a:path extrusionOk="0" h="120000" w="120000">
+              <a:path w="120000" h="120000" extrusionOk="0">
                 <a:moveTo>
                   <a:pt x="0" y="0"/>
                 </a:moveTo>
@@ -3011,9 +3215,11 @@
       <p:sp>
         <p:nvSpPr>
           <p:cNvPr id="255" name="Shape 255"/>
-          <p:cNvSpPr txBox="1"/>
-          <p:nvPr>
-            <p:ph idx="1" type="body"/>
+          <p:cNvSpPr txBox="1">
+            <a:spLocks noGrp="1"/>
+          </p:cNvSpPr>
+          <p:nvPr>
+            <p:ph type="body" idx="1"/>
           </p:nvPr>
         </p:nvSpPr>
         <p:spPr>
@@ -3026,7 +3232,7 @@
           </a:prstGeom>
         </p:spPr>
         <p:txBody>
-          <a:bodyPr anchorCtr="0" anchor="t" bIns="91425" lIns="91425" rIns="91425" tIns="91425">
+          <a:bodyPr lIns="91425" tIns="91425" rIns="91425" bIns="91425" anchor="t" anchorCtr="0">
             <a:noAutofit/>
           </a:bodyPr>
           <a:lstStyle/>
@@ -3037,9 +3243,6 @@
               </a:spcBef>
               <a:buNone/>
             </a:pPr>
-            <a:r>
-              <a:t/>
-            </a:r>
             <a:endParaRPr/>
           </a:p>
         </p:txBody>
@@ -3053,11 +3256,11 @@
 </file>
 
 <file path=ppt/notesSlides/notesSlide31.xml><?xml version="1.0" encoding="utf-8"?>
-<p:notes xmlns:a="http://schemas.openxmlformats.org/drawingml/2006/main" xmlns:r="http://schemas.openxmlformats.org/officeDocument/2006/relationships" xmlns:mc="http://schemas.openxmlformats.org/markup-compatibility/2006" xmlns:mv="urn:schemas-microsoft-com:mac:vml" xmlns:p="http://schemas.openxmlformats.org/presentationml/2006/main" xmlns:c="http://schemas.openxmlformats.org/drawingml/2006/chart" xmlns:dgm="http://schemas.openxmlformats.org/drawingml/2006/diagram" xmlns:o="urn:schemas-microsoft-com:office:office" xmlns:v="urn:schemas-microsoft-com:vml" xmlns:pvml="urn:schemas-microsoft-com:office:powerpoint" xmlns:com="http://schemas.openxmlformats.org/drawingml/2006/compatibility" xmlns:p14="http://schemas.microsoft.com/office/powerpoint/2010/main" showMasterPhAnim="0" showMasterSp="0">
+<p:notes xmlns:a="http://schemas.openxmlformats.org/drawingml/2006/main" xmlns:r="http://schemas.openxmlformats.org/officeDocument/2006/relationships" xmlns:p="http://schemas.openxmlformats.org/presentationml/2006/main" showMasterSp="0" showMasterPhAnim="0">
   <p:cSld>
     <p:spTree>
       <p:nvGrpSpPr>
-        <p:cNvPr id="258" name="Shape 258"/>
+        <p:cNvPr id="1" name="Shape 258"/>
         <p:cNvGrpSpPr/>
         <p:nvPr/>
       </p:nvGrpSpPr>
@@ -3072,19 +3275,26 @@
       <p:sp>
         <p:nvSpPr>
           <p:cNvPr id="259" name="Shape 259"/>
-          <p:cNvSpPr/>
-          <p:nvPr>
-            <p:ph idx="2" type="sldImg"/>
-          </p:nvPr>
-        </p:nvSpPr>
-        <p:spPr>
-          <a:xfrm>
-            <a:off x="381300" y="685800"/>
+          <p:cNvSpPr>
+            <a:spLocks noGrp="1" noRot="1" noChangeAspect="1"/>
+          </p:cNvSpPr>
+          <p:nvPr>
+            <p:ph type="sldImg" idx="2"/>
+          </p:nvPr>
+        </p:nvSpPr>
+        <p:spPr>
+          <a:xfrm>
+            <a:off x="381000" y="685800"/>
             <a:ext cx="6096000" cy="3429000"/>
           </a:xfrm>
           <a:custGeom>
+            <a:avLst/>
+            <a:gdLst/>
+            <a:ahLst/>
+            <a:cxnLst/>
+            <a:rect l="0" t="0" r="0" b="0"/>
             <a:pathLst>
-              <a:path extrusionOk="0" h="120000" w="120000">
+              <a:path w="120000" h="120000" extrusionOk="0">
                 <a:moveTo>
                   <a:pt x="0" y="0"/>
                 </a:moveTo>
@@ -3106,9 +3316,11 @@
       <p:sp>
         <p:nvSpPr>
           <p:cNvPr id="260" name="Shape 260"/>
-          <p:cNvSpPr txBox="1"/>
-          <p:nvPr>
-            <p:ph idx="1" type="body"/>
+          <p:cNvSpPr txBox="1">
+            <a:spLocks noGrp="1"/>
+          </p:cNvSpPr>
+          <p:nvPr>
+            <p:ph type="body" idx="1"/>
           </p:nvPr>
         </p:nvSpPr>
         <p:spPr>
@@ -3121,7 +3333,7 @@
           </a:prstGeom>
         </p:spPr>
         <p:txBody>
-          <a:bodyPr anchorCtr="0" anchor="t" bIns="91425" lIns="91425" rIns="91425" tIns="91425">
+          <a:bodyPr lIns="91425" tIns="91425" rIns="91425" bIns="91425" anchor="t" anchorCtr="0">
             <a:noAutofit/>
           </a:bodyPr>
           <a:lstStyle/>
@@ -3132,9 +3344,6 @@
               </a:spcBef>
               <a:buNone/>
             </a:pPr>
-            <a:r>
-              <a:t/>
-            </a:r>
             <a:endParaRPr/>
           </a:p>
         </p:txBody>
@@ -3148,11 +3357,11 @@
 </file>
 
 <file path=ppt/notesSlides/notesSlide32.xml><?xml version="1.0" encoding="utf-8"?>
-<p:notes xmlns:a="http://schemas.openxmlformats.org/drawingml/2006/main" xmlns:r="http://schemas.openxmlformats.org/officeDocument/2006/relationships" xmlns:mc="http://schemas.openxmlformats.org/markup-compatibility/2006" xmlns:mv="urn:schemas-microsoft-com:mac:vml" xmlns:p="http://schemas.openxmlformats.org/presentationml/2006/main" xmlns:c="http://schemas.openxmlformats.org/drawingml/2006/chart" xmlns:dgm="http://schemas.openxmlformats.org/drawingml/2006/diagram" xmlns:o="urn:schemas-microsoft-com:office:office" xmlns:v="urn:schemas-microsoft-com:vml" xmlns:pvml="urn:schemas-microsoft-com:office:powerpoint" xmlns:com="http://schemas.openxmlformats.org/drawingml/2006/compatibility" xmlns:p14="http://schemas.microsoft.com/office/powerpoint/2010/main" showMasterPhAnim="0" showMasterSp="0">
+<p:notes xmlns:a="http://schemas.openxmlformats.org/drawingml/2006/main" xmlns:r="http://schemas.openxmlformats.org/officeDocument/2006/relationships" xmlns:p="http://schemas.openxmlformats.org/presentationml/2006/main" showMasterSp="0" showMasterPhAnim="0">
   <p:cSld>
     <p:spTree>
       <p:nvGrpSpPr>
-        <p:cNvPr id="264" name="Shape 264"/>
+        <p:cNvPr id="1" name="Shape 264"/>
         <p:cNvGrpSpPr/>
         <p:nvPr/>
       </p:nvGrpSpPr>
@@ -3167,9 +3376,11 @@
       <p:sp>
         <p:nvSpPr>
           <p:cNvPr id="265" name="Shape 265"/>
-          <p:cNvSpPr/>
-          <p:nvPr>
-            <p:ph idx="2" type="sldImg"/>
+          <p:cNvSpPr>
+            <a:spLocks noGrp="1" noRot="1" noChangeAspect="1"/>
+          </p:cNvSpPr>
+          <p:nvPr>
+            <p:ph type="sldImg" idx="2"/>
           </p:nvPr>
         </p:nvSpPr>
         <p:spPr>
@@ -3178,8 +3389,13 @@
             <a:ext cx="6096000" cy="3429000"/>
           </a:xfrm>
           <a:custGeom>
+            <a:avLst/>
+            <a:gdLst/>
+            <a:ahLst/>
+            <a:cxnLst/>
+            <a:rect l="0" t="0" r="0" b="0"/>
             <a:pathLst>
-              <a:path extrusionOk="0" h="120000" w="120000">
+              <a:path w="120000" h="120000" extrusionOk="0">
                 <a:moveTo>
                   <a:pt x="0" y="0"/>
                 </a:moveTo>
@@ -3201,9 +3417,11 @@
       <p:sp>
         <p:nvSpPr>
           <p:cNvPr id="266" name="Shape 266"/>
-          <p:cNvSpPr txBox="1"/>
-          <p:nvPr>
-            <p:ph idx="1" type="body"/>
+          <p:cNvSpPr txBox="1">
+            <a:spLocks noGrp="1"/>
+          </p:cNvSpPr>
+          <p:nvPr>
+            <p:ph type="body" idx="1"/>
           </p:nvPr>
         </p:nvSpPr>
         <p:spPr>
@@ -3216,7 +3434,7 @@
           </a:prstGeom>
         </p:spPr>
         <p:txBody>
-          <a:bodyPr anchorCtr="0" anchor="t" bIns="91425" lIns="91425" rIns="91425" tIns="91425">
+          <a:bodyPr lIns="91425" tIns="91425" rIns="91425" bIns="91425" anchor="t" anchorCtr="0">
             <a:noAutofit/>
           </a:bodyPr>
           <a:lstStyle/>
@@ -3227,9 +3445,6 @@
               </a:spcBef>
               <a:buNone/>
             </a:pPr>
-            <a:r>
-              <a:t/>
-            </a:r>
             <a:endParaRPr/>
           </a:p>
         </p:txBody>
@@ -3243,11 +3458,11 @@
 </file>
 
 <file path=ppt/notesSlides/notesSlide33.xml><?xml version="1.0" encoding="utf-8"?>
-<p:notes xmlns:a="http://schemas.openxmlformats.org/drawingml/2006/main" xmlns:r="http://schemas.openxmlformats.org/officeDocument/2006/relationships" xmlns:mc="http://schemas.openxmlformats.org/markup-compatibility/2006" xmlns:mv="urn:schemas-microsoft-com:mac:vml" xmlns:p="http://schemas.openxmlformats.org/presentationml/2006/main" xmlns:c="http://schemas.openxmlformats.org/drawingml/2006/chart" xmlns:dgm="http://schemas.openxmlformats.org/drawingml/2006/diagram" xmlns:o="urn:schemas-microsoft-com:office:office" xmlns:v="urn:schemas-microsoft-com:vml" xmlns:pvml="urn:schemas-microsoft-com:office:powerpoint" xmlns:com="http://schemas.openxmlformats.org/drawingml/2006/compatibility" xmlns:p14="http://schemas.microsoft.com/office/powerpoint/2010/main" showMasterPhAnim="0" showMasterSp="0">
+<p:notes xmlns:a="http://schemas.openxmlformats.org/drawingml/2006/main" xmlns:r="http://schemas.openxmlformats.org/officeDocument/2006/relationships" xmlns:p="http://schemas.openxmlformats.org/presentationml/2006/main" showMasterSp="0" showMasterPhAnim="0">
   <p:cSld>
     <p:spTree>
       <p:nvGrpSpPr>
-        <p:cNvPr id="270" name="Shape 270"/>
+        <p:cNvPr id="1" name="Shape 270"/>
         <p:cNvGrpSpPr/>
         <p:nvPr/>
       </p:nvGrpSpPr>
@@ -3262,9 +3477,11 @@
       <p:sp>
         <p:nvSpPr>
           <p:cNvPr id="271" name="Shape 271"/>
-          <p:cNvSpPr/>
-          <p:nvPr>
-            <p:ph idx="2" type="sldImg"/>
+          <p:cNvSpPr>
+            <a:spLocks noGrp="1" noRot="1" noChangeAspect="1"/>
+          </p:cNvSpPr>
+          <p:nvPr>
+            <p:ph type="sldImg" idx="2"/>
           </p:nvPr>
         </p:nvSpPr>
         <p:spPr>
@@ -3273,8 +3490,13 @@
             <a:ext cx="6096000" cy="3429000"/>
           </a:xfrm>
           <a:custGeom>
+            <a:avLst/>
+            <a:gdLst/>
+            <a:ahLst/>
+            <a:cxnLst/>
+            <a:rect l="0" t="0" r="0" b="0"/>
             <a:pathLst>
-              <a:path extrusionOk="0" h="120000" w="120000">
+              <a:path w="120000" h="120000" extrusionOk="0">
                 <a:moveTo>
                   <a:pt x="0" y="0"/>
                 </a:moveTo>
@@ -3296,9 +3518,11 @@
       <p:sp>
         <p:nvSpPr>
           <p:cNvPr id="272" name="Shape 272"/>
-          <p:cNvSpPr txBox="1"/>
-          <p:nvPr>
-            <p:ph idx="1" type="body"/>
+          <p:cNvSpPr txBox="1">
+            <a:spLocks noGrp="1"/>
+          </p:cNvSpPr>
+          <p:nvPr>
+            <p:ph type="body" idx="1"/>
           </p:nvPr>
         </p:nvSpPr>
         <p:spPr>
@@ -3311,7 +3535,7 @@
           </a:prstGeom>
         </p:spPr>
         <p:txBody>
-          <a:bodyPr anchorCtr="0" anchor="t" bIns="91425" lIns="91425" rIns="91425" tIns="91425">
+          <a:bodyPr lIns="91425" tIns="91425" rIns="91425" bIns="91425" anchor="t" anchorCtr="0">
             <a:noAutofit/>
           </a:bodyPr>
           <a:lstStyle/>
@@ -3322,9 +3546,6 @@
               </a:spcBef>
               <a:buNone/>
             </a:pPr>
-            <a:r>
-              <a:t/>
-            </a:r>
             <a:endParaRPr/>
           </a:p>
         </p:txBody>
@@ -3338,11 +3559,11 @@
 </file>
 
 <file path=ppt/notesSlides/notesSlide34.xml><?xml version="1.0" encoding="utf-8"?>
-<p:notes xmlns:a="http://schemas.openxmlformats.org/drawingml/2006/main" xmlns:r="http://schemas.openxmlformats.org/officeDocument/2006/relationships" xmlns:mc="http://schemas.openxmlformats.org/markup-compatibility/2006" xmlns:mv="urn:schemas-microsoft-com:mac:vml" xmlns:p="http://schemas.openxmlformats.org/presentationml/2006/main" xmlns:c="http://schemas.openxmlformats.org/drawingml/2006/chart" xmlns:dgm="http://schemas.openxmlformats.org/drawingml/2006/diagram" xmlns:o="urn:schemas-microsoft-com:office:office" xmlns:v="urn:schemas-microsoft-com:vml" xmlns:pvml="urn:schemas-microsoft-com:office:powerpoint" xmlns:com="http://schemas.openxmlformats.org/drawingml/2006/compatibility" xmlns:p14="http://schemas.microsoft.com/office/powerpoint/2010/main" showMasterPhAnim="0" showMasterSp="0">
+<p:notes xmlns:a="http://schemas.openxmlformats.org/drawingml/2006/main" xmlns:r="http://schemas.openxmlformats.org/officeDocument/2006/relationships" xmlns:p="http://schemas.openxmlformats.org/presentationml/2006/main" showMasterSp="0" showMasterPhAnim="0">
   <p:cSld>
     <p:spTree>
       <p:nvGrpSpPr>
-        <p:cNvPr id="276" name="Shape 276"/>
+        <p:cNvPr id="1" name="Shape 276"/>
         <p:cNvGrpSpPr/>
         <p:nvPr/>
       </p:nvGrpSpPr>
@@ -3357,19 +3578,26 @@
       <p:sp>
         <p:nvSpPr>
           <p:cNvPr id="277" name="Shape 277"/>
-          <p:cNvSpPr/>
-          <p:nvPr>
-            <p:ph idx="2" type="sldImg"/>
-          </p:nvPr>
-        </p:nvSpPr>
-        <p:spPr>
-          <a:xfrm>
-            <a:off x="381300" y="685800"/>
+          <p:cNvSpPr>
+            <a:spLocks noGrp="1" noRot="1" noChangeAspect="1"/>
+          </p:cNvSpPr>
+          <p:nvPr>
+            <p:ph type="sldImg" idx="2"/>
+          </p:nvPr>
+        </p:nvSpPr>
+        <p:spPr>
+          <a:xfrm>
+            <a:off x="381000" y="685800"/>
             <a:ext cx="6096000" cy="3429000"/>
           </a:xfrm>
           <a:custGeom>
+            <a:avLst/>
+            <a:gdLst/>
+            <a:ahLst/>
+            <a:cxnLst/>
+            <a:rect l="0" t="0" r="0" b="0"/>
             <a:pathLst>
-              <a:path extrusionOk="0" h="120000" w="120000">
+              <a:path w="120000" h="120000" extrusionOk="0">
                 <a:moveTo>
                   <a:pt x="0" y="0"/>
                 </a:moveTo>
@@ -3391,9 +3619,11 @@
       <p:sp>
         <p:nvSpPr>
           <p:cNvPr id="278" name="Shape 278"/>
-          <p:cNvSpPr txBox="1"/>
-          <p:nvPr>
-            <p:ph idx="1" type="body"/>
+          <p:cNvSpPr txBox="1">
+            <a:spLocks noGrp="1"/>
+          </p:cNvSpPr>
+          <p:nvPr>
+            <p:ph type="body" idx="1"/>
           </p:nvPr>
         </p:nvSpPr>
         <p:spPr>
@@ -3406,7 +3636,7 @@
           </a:prstGeom>
         </p:spPr>
         <p:txBody>
-          <a:bodyPr anchorCtr="0" anchor="t" bIns="91425" lIns="91425" rIns="91425" tIns="91425">
+          <a:bodyPr lIns="91425" tIns="91425" rIns="91425" bIns="91425" anchor="t" anchorCtr="0">
             <a:noAutofit/>
           </a:bodyPr>
           <a:lstStyle/>
@@ -3417,9 +3647,6 @@
               </a:spcBef>
               <a:buNone/>
             </a:pPr>
-            <a:r>
-              <a:t/>
-            </a:r>
             <a:endParaRPr/>
           </a:p>
         </p:txBody>
@@ -3433,11 +3660,11 @@
 </file>
 
 <file path=ppt/notesSlides/notesSlide4.xml><?xml version="1.0" encoding="utf-8"?>
-<p:notes xmlns:a="http://schemas.openxmlformats.org/drawingml/2006/main" xmlns:r="http://schemas.openxmlformats.org/officeDocument/2006/relationships" xmlns:mc="http://schemas.openxmlformats.org/markup-compatibility/2006" xmlns:mv="urn:schemas-microsoft-com:mac:vml" xmlns:p="http://schemas.openxmlformats.org/presentationml/2006/main" xmlns:c="http://schemas.openxmlformats.org/drawingml/2006/chart" xmlns:dgm="http://schemas.openxmlformats.org/drawingml/2006/diagram" xmlns:o="urn:schemas-microsoft-com:office:office" xmlns:v="urn:schemas-microsoft-com:vml" xmlns:pvml="urn:schemas-microsoft-com:office:powerpoint" xmlns:com="http://schemas.openxmlformats.org/drawingml/2006/compatibility" xmlns:p14="http://schemas.microsoft.com/office/powerpoint/2010/main" showMasterPhAnim="0" showMasterSp="0">
+<p:notes xmlns:a="http://schemas.openxmlformats.org/drawingml/2006/main" xmlns:r="http://schemas.openxmlformats.org/officeDocument/2006/relationships" xmlns:p="http://schemas.openxmlformats.org/presentationml/2006/main" showMasterSp="0" showMasterPhAnim="0">
   <p:cSld>
     <p:spTree>
       <p:nvGrpSpPr>
-        <p:cNvPr id="85" name="Shape 85"/>
+        <p:cNvPr id="1" name="Shape 85"/>
         <p:cNvGrpSpPr/>
         <p:nvPr/>
       </p:nvGrpSpPr>
@@ -3452,9 +3679,11 @@
       <p:sp>
         <p:nvSpPr>
           <p:cNvPr id="86" name="Shape 86"/>
-          <p:cNvSpPr/>
-          <p:nvPr>
-            <p:ph idx="2" type="sldImg"/>
+          <p:cNvSpPr>
+            <a:spLocks noGrp="1" noRot="1" noChangeAspect="1"/>
+          </p:cNvSpPr>
+          <p:nvPr>
+            <p:ph type="sldImg" idx="2"/>
           </p:nvPr>
         </p:nvSpPr>
         <p:spPr>
@@ -3463,8 +3692,13 @@
             <a:ext cx="6096000" cy="3429000"/>
           </a:xfrm>
           <a:custGeom>
+            <a:avLst/>
+            <a:gdLst/>
+            <a:ahLst/>
+            <a:cxnLst/>
+            <a:rect l="0" t="0" r="0" b="0"/>
             <a:pathLst>
-              <a:path extrusionOk="0" h="120000" w="120000">
+              <a:path w="120000" h="120000" extrusionOk="0">
                 <a:moveTo>
                   <a:pt x="0" y="0"/>
                 </a:moveTo>
@@ -3486,9 +3720,11 @@
       <p:sp>
         <p:nvSpPr>
           <p:cNvPr id="87" name="Shape 87"/>
-          <p:cNvSpPr txBox="1"/>
-          <p:nvPr>
-            <p:ph idx="1" type="body"/>
+          <p:cNvSpPr txBox="1">
+            <a:spLocks noGrp="1"/>
+          </p:cNvSpPr>
+          <p:nvPr>
+            <p:ph type="body" idx="1"/>
           </p:nvPr>
         </p:nvSpPr>
         <p:spPr>
@@ -3501,7 +3737,7 @@
           </a:prstGeom>
         </p:spPr>
         <p:txBody>
-          <a:bodyPr anchorCtr="0" anchor="t" bIns="91425" lIns="91425" rIns="91425" tIns="91425">
+          <a:bodyPr lIns="91425" tIns="91425" rIns="91425" bIns="91425" anchor="t" anchorCtr="0">
             <a:noAutofit/>
           </a:bodyPr>
           <a:lstStyle/>
@@ -3528,11 +3764,11 @@
 </file>
 
 <file path=ppt/notesSlides/notesSlide5.xml><?xml version="1.0" encoding="utf-8"?>
-<p:notes xmlns:a="http://schemas.openxmlformats.org/drawingml/2006/main" xmlns:r="http://schemas.openxmlformats.org/officeDocument/2006/relationships" xmlns:mc="http://schemas.openxmlformats.org/markup-compatibility/2006" xmlns:mv="urn:schemas-microsoft-com:mac:vml" xmlns:p="http://schemas.openxmlformats.org/presentationml/2006/main" xmlns:c="http://schemas.openxmlformats.org/drawingml/2006/chart" xmlns:dgm="http://schemas.openxmlformats.org/drawingml/2006/diagram" xmlns:o="urn:schemas-microsoft-com:office:office" xmlns:v="urn:schemas-microsoft-com:vml" xmlns:pvml="urn:schemas-microsoft-com:office:powerpoint" xmlns:com="http://schemas.openxmlformats.org/drawingml/2006/compatibility" xmlns:p14="http://schemas.microsoft.com/office/powerpoint/2010/main" showMasterPhAnim="0" showMasterSp="0">
+<p:notes xmlns:a="http://schemas.openxmlformats.org/drawingml/2006/main" xmlns:r="http://schemas.openxmlformats.org/officeDocument/2006/relationships" xmlns:p="http://schemas.openxmlformats.org/presentationml/2006/main" showMasterSp="0" showMasterPhAnim="0">
   <p:cSld>
     <p:spTree>
       <p:nvGrpSpPr>
-        <p:cNvPr id="93" name="Shape 93"/>
+        <p:cNvPr id="1" name="Shape 93"/>
         <p:cNvGrpSpPr/>
         <p:nvPr/>
       </p:nvGrpSpPr>
@@ -3547,9 +3783,11 @@
       <p:sp>
         <p:nvSpPr>
           <p:cNvPr id="94" name="Shape 94"/>
-          <p:cNvSpPr/>
-          <p:nvPr>
-            <p:ph idx="2" type="sldImg"/>
+          <p:cNvSpPr>
+            <a:spLocks noGrp="1" noRot="1" noChangeAspect="1"/>
+          </p:cNvSpPr>
+          <p:nvPr>
+            <p:ph type="sldImg" idx="2"/>
           </p:nvPr>
         </p:nvSpPr>
         <p:spPr>
@@ -3558,8 +3796,13 @@
             <a:ext cx="6096000" cy="3429000"/>
           </a:xfrm>
           <a:custGeom>
+            <a:avLst/>
+            <a:gdLst/>
+            <a:ahLst/>
+            <a:cxnLst/>
+            <a:rect l="0" t="0" r="0" b="0"/>
             <a:pathLst>
-              <a:path extrusionOk="0" h="120000" w="120000">
+              <a:path w="120000" h="120000" extrusionOk="0">
                 <a:moveTo>
                   <a:pt x="0" y="0"/>
                 </a:moveTo>
@@ -3581,9 +3824,11 @@
       <p:sp>
         <p:nvSpPr>
           <p:cNvPr id="95" name="Shape 95"/>
-          <p:cNvSpPr txBox="1"/>
-          <p:nvPr>
-            <p:ph idx="1" type="body"/>
+          <p:cNvSpPr txBox="1">
+            <a:spLocks noGrp="1"/>
+          </p:cNvSpPr>
+          <p:nvPr>
+            <p:ph type="body" idx="1"/>
           </p:nvPr>
         </p:nvSpPr>
         <p:spPr>
@@ -3596,7 +3841,7 @@
           </a:prstGeom>
         </p:spPr>
         <p:txBody>
-          <a:bodyPr anchorCtr="0" anchor="t" bIns="91425" lIns="91425" rIns="91425" tIns="91425">
+          <a:bodyPr lIns="91425" tIns="91425" rIns="91425" bIns="91425" anchor="t" anchorCtr="0">
             <a:noAutofit/>
           </a:bodyPr>
           <a:lstStyle/>
@@ -3607,9 +3852,6 @@
               </a:spcBef>
               <a:buNone/>
             </a:pPr>
-            <a:r>
-              <a:t/>
-            </a:r>
             <a:endParaRPr/>
           </a:p>
         </p:txBody>
@@ -3623,11 +3865,11 @@
 </file>
 
 <file path=ppt/notesSlides/notesSlide6.xml><?xml version="1.0" encoding="utf-8"?>
-<p:notes xmlns:a="http://schemas.openxmlformats.org/drawingml/2006/main" xmlns:r="http://schemas.openxmlformats.org/officeDocument/2006/relationships" xmlns:mc="http://schemas.openxmlformats.org/markup-compatibility/2006" xmlns:mv="urn:schemas-microsoft-com:mac:vml" xmlns:p="http://schemas.openxmlformats.org/presentationml/2006/main" xmlns:c="http://schemas.openxmlformats.org/drawingml/2006/chart" xmlns:dgm="http://schemas.openxmlformats.org/drawingml/2006/diagram" xmlns:o="urn:schemas-microsoft-com:office:office" xmlns:v="urn:schemas-microsoft-com:vml" xmlns:pvml="urn:schemas-microsoft-com:office:powerpoint" xmlns:com="http://schemas.openxmlformats.org/drawingml/2006/compatibility" xmlns:p14="http://schemas.microsoft.com/office/powerpoint/2010/main" showMasterPhAnim="0" showMasterSp="0">
+<p:notes xmlns:a="http://schemas.openxmlformats.org/drawingml/2006/main" xmlns:r="http://schemas.openxmlformats.org/officeDocument/2006/relationships" xmlns:p="http://schemas.openxmlformats.org/presentationml/2006/main" showMasterSp="0" showMasterPhAnim="0">
   <p:cSld>
     <p:spTree>
       <p:nvGrpSpPr>
-        <p:cNvPr id="98" name="Shape 98"/>
+        <p:cNvPr id="1" name="Shape 98"/>
         <p:cNvGrpSpPr/>
         <p:nvPr/>
       </p:nvGrpSpPr>
@@ -3642,19 +3884,26 @@
       <p:sp>
         <p:nvSpPr>
           <p:cNvPr id="99" name="Shape 99"/>
-          <p:cNvSpPr/>
-          <p:nvPr>
-            <p:ph idx="2" type="sldImg"/>
-          </p:nvPr>
-        </p:nvSpPr>
-        <p:spPr>
-          <a:xfrm>
-            <a:off x="381300" y="685800"/>
+          <p:cNvSpPr>
+            <a:spLocks noGrp="1" noRot="1" noChangeAspect="1"/>
+          </p:cNvSpPr>
+          <p:nvPr>
+            <p:ph type="sldImg" idx="2"/>
+          </p:nvPr>
+        </p:nvSpPr>
+        <p:spPr>
+          <a:xfrm>
+            <a:off x="381000" y="685800"/>
             <a:ext cx="6096000" cy="3429000"/>
           </a:xfrm>
           <a:custGeom>
+            <a:avLst/>
+            <a:gdLst/>
+            <a:ahLst/>
+            <a:cxnLst/>
+            <a:rect l="0" t="0" r="0" b="0"/>
             <a:pathLst>
-              <a:path extrusionOk="0" h="120000" w="120000">
+              <a:path w="120000" h="120000" extrusionOk="0">
                 <a:moveTo>
                   <a:pt x="0" y="0"/>
                 </a:moveTo>
@@ -3676,9 +3925,11 @@
       <p:sp>
         <p:nvSpPr>
           <p:cNvPr id="100" name="Shape 100"/>
-          <p:cNvSpPr txBox="1"/>
-          <p:nvPr>
-            <p:ph idx="1" type="body"/>
+          <p:cNvSpPr txBox="1">
+            <a:spLocks noGrp="1"/>
+          </p:cNvSpPr>
+          <p:nvPr>
+            <p:ph type="body" idx="1"/>
           </p:nvPr>
         </p:nvSpPr>
         <p:spPr>
@@ -3691,7 +3942,7 @@
           </a:prstGeom>
         </p:spPr>
         <p:txBody>
-          <a:bodyPr anchorCtr="0" anchor="t" bIns="91425" lIns="91425" rIns="91425" tIns="91425">
+          <a:bodyPr lIns="91425" tIns="91425" rIns="91425" bIns="91425" anchor="t" anchorCtr="0">
             <a:noAutofit/>
           </a:bodyPr>
           <a:lstStyle/>
@@ -3702,9 +3953,6 @@
               </a:spcBef>
               <a:buNone/>
             </a:pPr>
-            <a:r>
-              <a:t/>
-            </a:r>
             <a:endParaRPr/>
           </a:p>
         </p:txBody>
@@ -3718,11 +3966,11 @@
 </file>
 
 <file path=ppt/notesSlides/notesSlide7.xml><?xml version="1.0" encoding="utf-8"?>
-<p:notes xmlns:a="http://schemas.openxmlformats.org/drawingml/2006/main" xmlns:r="http://schemas.openxmlformats.org/officeDocument/2006/relationships" xmlns:mc="http://schemas.openxmlformats.org/markup-compatibility/2006" xmlns:mv="urn:schemas-microsoft-com:mac:vml" xmlns:p="http://schemas.openxmlformats.org/presentationml/2006/main" xmlns:c="http://schemas.openxmlformats.org/drawingml/2006/chart" xmlns:dgm="http://schemas.openxmlformats.org/drawingml/2006/diagram" xmlns:o="urn:schemas-microsoft-com:office:office" xmlns:v="urn:schemas-microsoft-com:vml" xmlns:pvml="urn:schemas-microsoft-com:office:powerpoint" xmlns:com="http://schemas.openxmlformats.org/drawingml/2006/compatibility" xmlns:p14="http://schemas.microsoft.com/office/powerpoint/2010/main" showMasterPhAnim="0" showMasterSp="0">
+<p:notes xmlns:a="http://schemas.openxmlformats.org/drawingml/2006/main" xmlns:r="http://schemas.openxmlformats.org/officeDocument/2006/relationships" xmlns:p="http://schemas.openxmlformats.org/presentationml/2006/main" showMasterSp="0" showMasterPhAnim="0">
   <p:cSld>
     <p:spTree>
       <p:nvGrpSpPr>
-        <p:cNvPr id="106" name="Shape 106"/>
+        <p:cNvPr id="1" name="Shape 106"/>
         <p:cNvGrpSpPr/>
         <p:nvPr/>
       </p:nvGrpSpPr>
@@ -3737,9 +3985,11 @@
       <p:sp>
         <p:nvSpPr>
           <p:cNvPr id="107" name="Shape 107"/>
-          <p:cNvSpPr/>
-          <p:nvPr>
-            <p:ph idx="2" type="sldImg"/>
+          <p:cNvSpPr>
+            <a:spLocks noGrp="1" noRot="1" noChangeAspect="1"/>
+          </p:cNvSpPr>
+          <p:nvPr>
+            <p:ph type="sldImg" idx="2"/>
           </p:nvPr>
         </p:nvSpPr>
         <p:spPr>
@@ -3748,8 +3998,13 @@
             <a:ext cx="6096000" cy="3429000"/>
           </a:xfrm>
           <a:custGeom>
+            <a:avLst/>
+            <a:gdLst/>
+            <a:ahLst/>
+            <a:cxnLst/>
+            <a:rect l="0" t="0" r="0" b="0"/>
             <a:pathLst>
-              <a:path extrusionOk="0" h="120000" w="120000">
+              <a:path w="120000" h="120000" extrusionOk="0">
                 <a:moveTo>
                   <a:pt x="0" y="0"/>
                 </a:moveTo>
@@ -3771,9 +4026,11 @@
       <p:sp>
         <p:nvSpPr>
           <p:cNvPr id="108" name="Shape 108"/>
-          <p:cNvSpPr txBox="1"/>
-          <p:nvPr>
-            <p:ph idx="1" type="body"/>
+          <p:cNvSpPr txBox="1">
+            <a:spLocks noGrp="1"/>
+          </p:cNvSpPr>
+          <p:nvPr>
+            <p:ph type="body" idx="1"/>
           </p:nvPr>
         </p:nvSpPr>
         <p:spPr>
@@ -3786,7 +4043,7 @@
           </a:prstGeom>
         </p:spPr>
         <p:txBody>
-          <a:bodyPr anchorCtr="0" anchor="t" bIns="91425" lIns="91425" rIns="91425" tIns="91425">
+          <a:bodyPr lIns="91425" tIns="91425" rIns="91425" bIns="91425" anchor="t" anchorCtr="0">
             <a:noAutofit/>
           </a:bodyPr>
           <a:lstStyle/>
@@ -3813,11 +4070,11 @@
 </file>
 
 <file path=ppt/notesSlides/notesSlide8.xml><?xml version="1.0" encoding="utf-8"?>
-<p:notes xmlns:a="http://schemas.openxmlformats.org/drawingml/2006/main" xmlns:r="http://schemas.openxmlformats.org/officeDocument/2006/relationships" xmlns:mc="http://schemas.openxmlformats.org/markup-compatibility/2006" xmlns:mv="urn:schemas-microsoft-com:mac:vml" xmlns:p="http://schemas.openxmlformats.org/presentationml/2006/main" xmlns:c="http://schemas.openxmlformats.org/drawingml/2006/chart" xmlns:dgm="http://schemas.openxmlformats.org/drawingml/2006/diagram" xmlns:o="urn:schemas-microsoft-com:office:office" xmlns:v="urn:schemas-microsoft-com:vml" xmlns:pvml="urn:schemas-microsoft-com:office:powerpoint" xmlns:com="http://schemas.openxmlformats.org/drawingml/2006/compatibility" xmlns:p14="http://schemas.microsoft.com/office/powerpoint/2010/main" showMasterPhAnim="0" showMasterSp="0">
+<p:notes xmlns:a="http://schemas.openxmlformats.org/drawingml/2006/main" xmlns:r="http://schemas.openxmlformats.org/officeDocument/2006/relationships" xmlns:p="http://schemas.openxmlformats.org/presentationml/2006/main" showMasterSp="0" showMasterPhAnim="0">
   <p:cSld>
     <p:spTree>
       <p:nvGrpSpPr>
-        <p:cNvPr id="114" name="Shape 114"/>
+        <p:cNvPr id="1" name="Shape 114"/>
         <p:cNvGrpSpPr/>
         <p:nvPr/>
       </p:nvGrpSpPr>
@@ -3832,19 +4089,26 @@
       <p:sp>
         <p:nvSpPr>
           <p:cNvPr id="115" name="Shape 115"/>
-          <p:cNvSpPr/>
-          <p:nvPr>
-            <p:ph idx="2" type="sldImg"/>
-          </p:nvPr>
-        </p:nvSpPr>
-        <p:spPr>
-          <a:xfrm>
-            <a:off x="381300" y="685800"/>
+          <p:cNvSpPr>
+            <a:spLocks noGrp="1" noRot="1" noChangeAspect="1"/>
+          </p:cNvSpPr>
+          <p:nvPr>
+            <p:ph type="sldImg" idx="2"/>
+          </p:nvPr>
+        </p:nvSpPr>
+        <p:spPr>
+          <a:xfrm>
+            <a:off x="381000" y="685800"/>
             <a:ext cx="6096000" cy="3429000"/>
           </a:xfrm>
           <a:custGeom>
+            <a:avLst/>
+            <a:gdLst/>
+            <a:ahLst/>
+            <a:cxnLst/>
+            <a:rect l="0" t="0" r="0" b="0"/>
             <a:pathLst>
-              <a:path extrusionOk="0" h="120000" w="120000">
+              <a:path w="120000" h="120000" extrusionOk="0">
                 <a:moveTo>
                   <a:pt x="0" y="0"/>
                 </a:moveTo>
@@ -3866,9 +4130,11 @@
       <p:sp>
         <p:nvSpPr>
           <p:cNvPr id="116" name="Shape 116"/>
-          <p:cNvSpPr txBox="1"/>
-          <p:nvPr>
-            <p:ph idx="1" type="body"/>
+          <p:cNvSpPr txBox="1">
+            <a:spLocks noGrp="1"/>
+          </p:cNvSpPr>
+          <p:nvPr>
+            <p:ph type="body" idx="1"/>
           </p:nvPr>
         </p:nvSpPr>
         <p:spPr>
@@ -3881,7 +4147,7 @@
           </a:prstGeom>
         </p:spPr>
         <p:txBody>
-          <a:bodyPr anchorCtr="0" anchor="t" bIns="91425" lIns="91425" rIns="91425" tIns="91425">
+          <a:bodyPr lIns="91425" tIns="91425" rIns="91425" bIns="91425" anchor="t" anchorCtr="0">
             <a:noAutofit/>
           </a:bodyPr>
           <a:lstStyle/>
@@ -3892,9 +4158,6 @@
               </a:spcBef>
               <a:buNone/>
             </a:pPr>
-            <a:r>
-              <a:t/>
-            </a:r>
             <a:endParaRPr/>
           </a:p>
         </p:txBody>
@@ -3908,11 +4171,11 @@
 </file>
 
 <file path=ppt/notesSlides/notesSlide9.xml><?xml version="1.0" encoding="utf-8"?>
-<p:notes xmlns:a="http://schemas.openxmlformats.org/drawingml/2006/main" xmlns:r="http://schemas.openxmlformats.org/officeDocument/2006/relationships" xmlns:mc="http://schemas.openxmlformats.org/markup-compatibility/2006" xmlns:mv="urn:schemas-microsoft-com:mac:vml" xmlns:p="http://schemas.openxmlformats.org/presentationml/2006/main" xmlns:c="http://schemas.openxmlformats.org/drawingml/2006/chart" xmlns:dgm="http://schemas.openxmlformats.org/drawingml/2006/diagram" xmlns:o="urn:schemas-microsoft-com:office:office" xmlns:v="urn:schemas-microsoft-com:vml" xmlns:pvml="urn:schemas-microsoft-com:office:powerpoint" xmlns:com="http://schemas.openxmlformats.org/drawingml/2006/compatibility" xmlns:p14="http://schemas.microsoft.com/office/powerpoint/2010/main" showMasterPhAnim="0" showMasterSp="0">
+<p:notes xmlns:a="http://schemas.openxmlformats.org/drawingml/2006/main" xmlns:r="http://schemas.openxmlformats.org/officeDocument/2006/relationships" xmlns:p="http://schemas.openxmlformats.org/presentationml/2006/main" showMasterSp="0" showMasterPhAnim="0">
   <p:cSld>
     <p:spTree>
       <p:nvGrpSpPr>
-        <p:cNvPr id="120" name="Shape 120"/>
+        <p:cNvPr id="1" name="Shape 120"/>
         <p:cNvGrpSpPr/>
         <p:nvPr/>
       </p:nvGrpSpPr>
@@ -3927,9 +4190,11 @@
       <p:sp>
         <p:nvSpPr>
           <p:cNvPr id="121" name="Shape 121"/>
-          <p:cNvSpPr/>
-          <p:nvPr>
-            <p:ph idx="2" type="sldImg"/>
+          <p:cNvSpPr>
+            <a:spLocks noGrp="1" noRot="1" noChangeAspect="1"/>
+          </p:cNvSpPr>
+          <p:nvPr>
+            <p:ph type="sldImg" idx="2"/>
           </p:nvPr>
         </p:nvSpPr>
         <p:spPr>
@@ -3938,8 +4203,13 @@
             <a:ext cx="6096000" cy="3429000"/>
           </a:xfrm>
           <a:custGeom>
+            <a:avLst/>
+            <a:gdLst/>
+            <a:ahLst/>
+            <a:cxnLst/>
+            <a:rect l="0" t="0" r="0" b="0"/>
             <a:pathLst>
-              <a:path extrusionOk="0" h="120000" w="120000">
+              <a:path w="120000" h="120000" extrusionOk="0">
                 <a:moveTo>
                   <a:pt x="0" y="0"/>
                 </a:moveTo>
@@ -3961,9 +4231,11 @@
       <p:sp>
         <p:nvSpPr>
           <p:cNvPr id="122" name="Shape 122"/>
-          <p:cNvSpPr txBox="1"/>
-          <p:nvPr>
-            <p:ph idx="1" type="body"/>
+          <p:cNvSpPr txBox="1">
+            <a:spLocks noGrp="1"/>
+          </p:cNvSpPr>
+          <p:nvPr>
+            <p:ph type="body" idx="1"/>
           </p:nvPr>
         </p:nvSpPr>
         <p:spPr>
@@ -3976,7 +4248,7 @@
           </a:prstGeom>
         </p:spPr>
         <p:txBody>
-          <a:bodyPr anchorCtr="0" anchor="t" bIns="91425" lIns="91425" rIns="91425" tIns="91425">
+          <a:bodyPr lIns="91425" tIns="91425" rIns="91425" bIns="91425" anchor="t" anchorCtr="0">
             <a:noAutofit/>
           </a:bodyPr>
           <a:lstStyle/>
@@ -3987,9 +4259,6 @@
               </a:spcBef>
               <a:buNone/>
             </a:pPr>
-            <a:r>
-              <a:t/>
-            </a:r>
             <a:endParaRPr/>
           </a:p>
         </p:txBody>
@@ -4003,11 +4272,11 @@
 </file>
 
 <file path=ppt/slideLayouts/slideLayout1.xml><?xml version="1.0" encoding="utf-8"?>
-<p:sldLayout xmlns:a="http://schemas.openxmlformats.org/drawingml/2006/main" xmlns:r="http://schemas.openxmlformats.org/officeDocument/2006/relationships" xmlns:mc="http://schemas.openxmlformats.org/markup-compatibility/2006" xmlns:mv="urn:schemas-microsoft-com:mac:vml" xmlns:p="http://schemas.openxmlformats.org/presentationml/2006/main" xmlns:c="http://schemas.openxmlformats.org/drawingml/2006/chart" xmlns:dgm="http://schemas.openxmlformats.org/drawingml/2006/diagram" xmlns:o="urn:schemas-microsoft-com:office:office" xmlns:v="urn:schemas-microsoft-com:vml" xmlns:pvml="urn:schemas-microsoft-com:office:powerpoint" xmlns:com="http://schemas.openxmlformats.org/drawingml/2006/compatibility" xmlns:p14="http://schemas.microsoft.com/office/powerpoint/2010/main" type="title">
+<p:sldLayout xmlns:a="http://schemas.openxmlformats.org/drawingml/2006/main" xmlns:r="http://schemas.openxmlformats.org/officeDocument/2006/relationships" xmlns:p="http://schemas.openxmlformats.org/presentationml/2006/main" type="title">
   <p:cSld name="Title slide">
     <p:spTree>
       <p:nvGrpSpPr>
-        <p:cNvPr id="9" name="Shape 9"/>
+        <p:cNvPr id="1" name="Shape 9"/>
         <p:cNvGrpSpPr/>
         <p:nvPr/>
       </p:nvGrpSpPr>
@@ -4041,7 +4310,7 @@
           </a:ln>
         </p:spPr>
         <p:txBody>
-          <a:bodyPr anchorCtr="0" anchor="ctr" bIns="91425" lIns="91425" rIns="91425" tIns="91425">
+          <a:bodyPr lIns="91425" tIns="91425" rIns="91425" bIns="91425" anchor="ctr" anchorCtr="0">
             <a:noAutofit/>
           </a:bodyPr>
           <a:lstStyle/>
@@ -4052,9 +4321,6 @@
               </a:spcBef>
               <a:buNone/>
             </a:pPr>
-            <a:r>
-              <a:t/>
-            </a:r>
             <a:endParaRPr/>
           </a:p>
         </p:txBody>
@@ -4072,7 +4338,7 @@
           </a:xfrm>
           <a:prstGeom prst="round1Rect">
             <a:avLst>
-              <a:gd fmla="val 16667" name="adj"/>
+              <a:gd name="adj" fmla="val 16667"/>
             </a:avLst>
           </a:prstGeom>
           <a:solidFill>
@@ -4085,7 +4351,7 @@
           </a:ln>
         </p:spPr>
         <p:txBody>
-          <a:bodyPr anchorCtr="0" anchor="ctr" bIns="91425" lIns="91425" rIns="91425" tIns="91425">
+          <a:bodyPr lIns="91425" tIns="91425" rIns="91425" bIns="91425" anchor="ctr" anchorCtr="0">
             <a:noAutofit/>
           </a:bodyPr>
           <a:lstStyle/>
@@ -4096,9 +4362,6 @@
               </a:spcBef>
               <a:buNone/>
             </a:pPr>
-            <a:r>
-              <a:t/>
-            </a:r>
             <a:endParaRPr/>
           </a:p>
         </p:txBody>
@@ -4106,7 +4369,9 @@
       <p:sp>
         <p:nvSpPr>
           <p:cNvPr id="12" name="Shape 12"/>
-          <p:cNvSpPr txBox="1"/>
+          <p:cNvSpPr txBox="1">
+            <a:spLocks noGrp="1"/>
+          </p:cNvSpPr>
           <p:nvPr>
             <p:ph type="ctrTitle"/>
           </p:nvPr>
@@ -4121,7 +4386,7 @@
           </a:prstGeom>
         </p:spPr>
         <p:txBody>
-          <a:bodyPr anchorCtr="0" anchor="b" bIns="91425" lIns="91425" rIns="91425" tIns="91425"/>
+          <a:bodyPr lIns="91425" tIns="91425" rIns="91425" bIns="91425" anchor="b" anchorCtr="0"/>
           <a:lstStyle>
             <a:lvl1pPr lvl="0">
               <a:spcBef>
@@ -4187,15 +4452,19 @@
               <a:defRPr sz="4800"/>
             </a:lvl9pPr>
           </a:lstStyle>
-          <a:p/>
+          <a:p>
+            <a:endParaRPr/>
+          </a:p>
         </p:txBody>
       </p:sp>
       <p:sp>
         <p:nvSpPr>
           <p:cNvPr id="13" name="Shape 13"/>
-          <p:cNvSpPr txBox="1"/>
-          <p:nvPr>
-            <p:ph idx="1" type="subTitle"/>
+          <p:cNvSpPr txBox="1">
+            <a:spLocks noGrp="1"/>
+          </p:cNvSpPr>
+          <p:nvPr>
+            <p:ph type="subTitle" idx="1"/>
           </p:nvPr>
         </p:nvSpPr>
         <p:spPr>
@@ -4208,7 +4477,7 @@
           </a:prstGeom>
         </p:spPr>
         <p:txBody>
-          <a:bodyPr anchorCtr="0" anchor="t" bIns="91425" lIns="91425" rIns="91425" tIns="91425"/>
+          <a:bodyPr lIns="91425" tIns="91425" rIns="91425" bIns="91425" anchor="t" anchorCtr="0"/>
           <a:lstStyle>
             <a:lvl1pPr lvl="0">
               <a:lnSpc>
@@ -4399,15 +4668,19 @@
               </a:defRPr>
             </a:lvl9pPr>
           </a:lstStyle>
-          <a:p/>
+          <a:p>
+            <a:endParaRPr/>
+          </a:p>
         </p:txBody>
       </p:sp>
       <p:sp>
         <p:nvSpPr>
           <p:cNvPr id="14" name="Shape 14"/>
-          <p:cNvSpPr txBox="1"/>
-          <p:nvPr>
-            <p:ph idx="12" type="sldNum"/>
+          <p:cNvSpPr txBox="1">
+            <a:spLocks noGrp="1"/>
+          </p:cNvSpPr>
+          <p:nvPr>
+            <p:ph type="sldNum" idx="12"/>
           </p:nvPr>
         </p:nvSpPr>
         <p:spPr>
@@ -4420,7 +4693,7 @@
           </a:prstGeom>
         </p:spPr>
         <p:txBody>
-          <a:bodyPr anchorCtr="0" anchor="ctr" bIns="91425" lIns="91425" rIns="91425" tIns="91425">
+          <a:bodyPr lIns="91425" tIns="91425" rIns="91425" bIns="91425" anchor="ctr" anchorCtr="0">
             <a:noAutofit/>
           </a:bodyPr>
           <a:lstStyle/>
@@ -4435,6 +4708,7 @@
               <a:rPr lang="en"/>
               <a:t>‹#›</a:t>
             </a:fld>
+            <a:endParaRPr lang="en"/>
           </a:p>
         </p:txBody>
       </p:sp>
@@ -4447,18 +4721,19 @@
 </file>
 
 <file path=ppt/slideLayouts/slideLayout10.xml><?xml version="1.0" encoding="utf-8"?>
-<p:sldLayout xmlns:a="http://schemas.openxmlformats.org/drawingml/2006/main" xmlns:r="http://schemas.openxmlformats.org/officeDocument/2006/relationships" xmlns:mc="http://schemas.openxmlformats.org/markup-compatibility/2006" xmlns:mv="urn:schemas-microsoft-com:mac:vml" xmlns:p="http://schemas.openxmlformats.org/presentationml/2006/main" xmlns:c="http://schemas.openxmlformats.org/drawingml/2006/chart" xmlns:dgm="http://schemas.openxmlformats.org/drawingml/2006/diagram" xmlns:o="urn:schemas-microsoft-com:office:office" xmlns:v="urn:schemas-microsoft-com:vml" xmlns:pvml="urn:schemas-microsoft-com:office:powerpoint" xmlns:com="http://schemas.openxmlformats.org/drawingml/2006/compatibility" xmlns:p14="http://schemas.microsoft.com/office/powerpoint/2010/main">
+<p:sldLayout xmlns:a="http://schemas.openxmlformats.org/drawingml/2006/main" xmlns:r="http://schemas.openxmlformats.org/officeDocument/2006/relationships" xmlns:p="http://schemas.openxmlformats.org/presentationml/2006/main">
   <p:cSld name="Big number">
     <p:bg>
       <p:bgPr>
         <a:solidFill>
           <a:schemeClr val="accent4"/>
         </a:solidFill>
+        <a:effectLst/>
       </p:bgPr>
     </p:bg>
     <p:spTree>
       <p:nvGrpSpPr>
-        <p:cNvPr id="57" name="Shape 57"/>
+        <p:cNvPr id="1" name="Shape 57"/>
         <p:cNvGrpSpPr/>
         <p:nvPr/>
       </p:nvGrpSpPr>
@@ -4473,7 +4748,9 @@
       <p:sp>
         <p:nvSpPr>
           <p:cNvPr id="58" name="Shape 58"/>
-          <p:cNvSpPr txBox="1"/>
+          <p:cNvSpPr txBox="1">
+            <a:spLocks noGrp="1"/>
+          </p:cNvSpPr>
           <p:nvPr>
             <p:ph type="title"/>
           </p:nvPr>
@@ -4488,7 +4765,7 @@
           </a:prstGeom>
         </p:spPr>
         <p:txBody>
-          <a:bodyPr anchorCtr="0" anchor="b" bIns="91425" lIns="91425" rIns="91425" tIns="91425"/>
+          <a:bodyPr lIns="91425" tIns="91425" rIns="91425" bIns="91425" anchor="b" anchorCtr="0"/>
           <a:lstStyle>
             <a:lvl1pPr lvl="0" algn="ctr">
               <a:spcBef>
@@ -4617,15 +4894,19 @@
               </a:defRPr>
             </a:lvl9pPr>
           </a:lstStyle>
-          <a:p/>
+          <a:p>
+            <a:endParaRPr/>
+          </a:p>
         </p:txBody>
       </p:sp>
       <p:sp>
         <p:nvSpPr>
           <p:cNvPr id="59" name="Shape 59"/>
-          <p:cNvSpPr txBox="1"/>
-          <p:nvPr>
-            <p:ph idx="1" type="body"/>
+          <p:cNvSpPr txBox="1">
+            <a:spLocks noGrp="1"/>
+          </p:cNvSpPr>
+          <p:nvPr>
+            <p:ph type="body" idx="1"/>
           </p:nvPr>
         </p:nvSpPr>
         <p:spPr>
@@ -4638,7 +4919,7 @@
           </a:prstGeom>
         </p:spPr>
         <p:txBody>
-          <a:bodyPr anchorCtr="0" anchor="t" bIns="91425" lIns="91425" rIns="91425" tIns="91425"/>
+          <a:bodyPr lIns="91425" tIns="91425" rIns="91425" bIns="91425" anchor="t" anchorCtr="0"/>
           <a:lstStyle>
             <a:lvl1pPr lvl="0" algn="ctr">
               <a:spcBef>
@@ -4695,15 +4976,19 @@
               <a:defRPr/>
             </a:lvl9pPr>
           </a:lstStyle>
-          <a:p/>
+          <a:p>
+            <a:endParaRPr/>
+          </a:p>
         </p:txBody>
       </p:sp>
       <p:sp>
         <p:nvSpPr>
           <p:cNvPr id="60" name="Shape 60"/>
-          <p:cNvSpPr txBox="1"/>
-          <p:nvPr>
-            <p:ph idx="12" type="sldNum"/>
+          <p:cNvSpPr txBox="1">
+            <a:spLocks noGrp="1"/>
+          </p:cNvSpPr>
+          <p:nvPr>
+            <p:ph type="sldNum" idx="12"/>
           </p:nvPr>
         </p:nvSpPr>
         <p:spPr>
@@ -4716,7 +5001,7 @@
           </a:prstGeom>
         </p:spPr>
         <p:txBody>
-          <a:bodyPr anchorCtr="0" anchor="ctr" bIns="91425" lIns="91425" rIns="91425" tIns="91425">
+          <a:bodyPr lIns="91425" tIns="91425" rIns="91425" bIns="91425" anchor="ctr" anchorCtr="0">
             <a:noAutofit/>
           </a:bodyPr>
           <a:lstStyle/>
@@ -4731,6 +5016,7 @@
               <a:rPr lang="en"/>
               <a:t>‹#›</a:t>
             </a:fld>
+            <a:endParaRPr lang="en"/>
           </a:p>
         </p:txBody>
       </p:sp>
@@ -4743,18 +5029,19 @@
 </file>
 
 <file path=ppt/slideLayouts/slideLayout11.xml><?xml version="1.0" encoding="utf-8"?>
-<p:sldLayout xmlns:a="http://schemas.openxmlformats.org/drawingml/2006/main" xmlns:r="http://schemas.openxmlformats.org/officeDocument/2006/relationships" xmlns:mc="http://schemas.openxmlformats.org/markup-compatibility/2006" xmlns:mv="urn:schemas-microsoft-com:mac:vml" xmlns:p="http://schemas.openxmlformats.org/presentationml/2006/main" xmlns:c="http://schemas.openxmlformats.org/drawingml/2006/chart" xmlns:dgm="http://schemas.openxmlformats.org/drawingml/2006/diagram" xmlns:o="urn:schemas-microsoft-com:office:office" xmlns:v="urn:schemas-microsoft-com:vml" xmlns:pvml="urn:schemas-microsoft-com:office:powerpoint" xmlns:com="http://schemas.openxmlformats.org/drawingml/2006/compatibility" xmlns:p14="http://schemas.microsoft.com/office/powerpoint/2010/main" type="blank">
+<p:sldLayout xmlns:a="http://schemas.openxmlformats.org/drawingml/2006/main" xmlns:r="http://schemas.openxmlformats.org/officeDocument/2006/relationships" xmlns:p="http://schemas.openxmlformats.org/presentationml/2006/main" type="blank">
   <p:cSld name="Blank">
     <p:bg>
       <p:bgPr>
         <a:solidFill>
           <a:schemeClr val="accent4"/>
         </a:solidFill>
+        <a:effectLst/>
       </p:bgPr>
     </p:bg>
     <p:spTree>
       <p:nvGrpSpPr>
-        <p:cNvPr id="61" name="Shape 61"/>
+        <p:cNvPr id="1" name="Shape 61"/>
         <p:cNvGrpSpPr/>
         <p:nvPr/>
       </p:nvGrpSpPr>
@@ -4769,9 +5056,11 @@
       <p:sp>
         <p:nvSpPr>
           <p:cNvPr id="62" name="Shape 62"/>
-          <p:cNvSpPr txBox="1"/>
-          <p:nvPr>
-            <p:ph idx="12" type="sldNum"/>
+          <p:cNvSpPr txBox="1">
+            <a:spLocks noGrp="1"/>
+          </p:cNvSpPr>
+          <p:nvPr>
+            <p:ph type="sldNum" idx="12"/>
           </p:nvPr>
         </p:nvSpPr>
         <p:spPr>
@@ -4784,7 +5073,7 @@
           </a:prstGeom>
         </p:spPr>
         <p:txBody>
-          <a:bodyPr anchorCtr="0" anchor="ctr" bIns="91425" lIns="91425" rIns="91425" tIns="91425">
+          <a:bodyPr lIns="91425" tIns="91425" rIns="91425" bIns="91425" anchor="ctr" anchorCtr="0">
             <a:noAutofit/>
           </a:bodyPr>
           <a:lstStyle/>
@@ -4799,6 +5088,7 @@
               <a:rPr lang="en"/>
               <a:t>‹#›</a:t>
             </a:fld>
+            <a:endParaRPr lang="en"/>
           </a:p>
         </p:txBody>
       </p:sp>
@@ -4811,11 +5101,11 @@
 </file>
 
 <file path=ppt/slideLayouts/slideLayout2.xml><?xml version="1.0" encoding="utf-8"?>
-<p:sldLayout xmlns:a="http://schemas.openxmlformats.org/drawingml/2006/main" xmlns:r="http://schemas.openxmlformats.org/officeDocument/2006/relationships" xmlns:mc="http://schemas.openxmlformats.org/markup-compatibility/2006" xmlns:mv="urn:schemas-microsoft-com:mac:vml" xmlns:p="http://schemas.openxmlformats.org/presentationml/2006/main" xmlns:c="http://schemas.openxmlformats.org/drawingml/2006/chart" xmlns:dgm="http://schemas.openxmlformats.org/drawingml/2006/diagram" xmlns:o="urn:schemas-microsoft-com:office:office" xmlns:v="urn:schemas-microsoft-com:vml" xmlns:pvml="urn:schemas-microsoft-com:office:powerpoint" xmlns:com="http://schemas.openxmlformats.org/drawingml/2006/compatibility" xmlns:p14="http://schemas.microsoft.com/office/powerpoint/2010/main" type="secHead">
+<p:sldLayout xmlns:a="http://schemas.openxmlformats.org/drawingml/2006/main" xmlns:r="http://schemas.openxmlformats.org/officeDocument/2006/relationships" xmlns:p="http://schemas.openxmlformats.org/presentationml/2006/main" type="secHead">
   <p:cSld name="Section header">
     <p:spTree>
       <p:nvGrpSpPr>
-        <p:cNvPr id="15" name="Shape 15"/>
+        <p:cNvPr id="1" name="Shape 15"/>
         <p:cNvGrpSpPr/>
         <p:nvPr/>
       </p:nvGrpSpPr>
@@ -4830,7 +5120,9 @@
       <p:sp>
         <p:nvSpPr>
           <p:cNvPr id="16" name="Shape 16"/>
-          <p:cNvSpPr txBox="1"/>
+          <p:cNvSpPr txBox="1">
+            <a:spLocks noGrp="1"/>
+          </p:cNvSpPr>
           <p:nvPr>
             <p:ph type="title"/>
           </p:nvPr>
@@ -4845,7 +5137,7 @@
           </a:prstGeom>
         </p:spPr>
         <p:txBody>
-          <a:bodyPr anchorCtr="0" anchor="ctr" bIns="91425" lIns="91425" rIns="91425" tIns="91425"/>
+          <a:bodyPr lIns="91425" tIns="91425" rIns="91425" bIns="91425" anchor="ctr" anchorCtr="0"/>
           <a:lstStyle>
             <a:lvl1pPr lvl="0">
               <a:spcBef>
@@ -4911,15 +5203,19 @@
               <a:defRPr sz="4200"/>
             </a:lvl9pPr>
           </a:lstStyle>
-          <a:p/>
+          <a:p>
+            <a:endParaRPr/>
+          </a:p>
         </p:txBody>
       </p:sp>
       <p:sp>
         <p:nvSpPr>
           <p:cNvPr id="17" name="Shape 17"/>
-          <p:cNvSpPr txBox="1"/>
-          <p:nvPr>
-            <p:ph idx="12" type="sldNum"/>
+          <p:cNvSpPr txBox="1">
+            <a:spLocks noGrp="1"/>
+          </p:cNvSpPr>
+          <p:nvPr>
+            <p:ph type="sldNum" idx="12"/>
           </p:nvPr>
         </p:nvSpPr>
         <p:spPr>
@@ -4932,7 +5228,7 @@
           </a:prstGeom>
         </p:spPr>
         <p:txBody>
-          <a:bodyPr anchorCtr="0" anchor="ctr" bIns="91425" lIns="91425" rIns="91425" tIns="91425">
+          <a:bodyPr lIns="91425" tIns="91425" rIns="91425" bIns="91425" anchor="ctr" anchorCtr="0">
             <a:noAutofit/>
           </a:bodyPr>
           <a:lstStyle/>
@@ -4951,6 +5247,11 @@
               </a:rPr>
               <a:t>‹#›</a:t>
             </a:fld>
+            <a:endParaRPr lang="en">
+              <a:solidFill>
+                <a:schemeClr val="lt1"/>
+              </a:solidFill>
+            </a:endParaRPr>
           </a:p>
         </p:txBody>
       </p:sp>
@@ -4963,11 +5264,11 @@
 </file>
 
 <file path=ppt/slideLayouts/slideLayout3.xml><?xml version="1.0" encoding="utf-8"?>
-<p:sldLayout xmlns:a="http://schemas.openxmlformats.org/drawingml/2006/main" xmlns:r="http://schemas.openxmlformats.org/officeDocument/2006/relationships" xmlns:mc="http://schemas.openxmlformats.org/markup-compatibility/2006" xmlns:mv="urn:schemas-microsoft-com:mac:vml" xmlns:p="http://schemas.openxmlformats.org/presentationml/2006/main" xmlns:c="http://schemas.openxmlformats.org/drawingml/2006/chart" xmlns:dgm="http://schemas.openxmlformats.org/drawingml/2006/diagram" xmlns:o="urn:schemas-microsoft-com:office:office" xmlns:v="urn:schemas-microsoft-com:vml" xmlns:pvml="urn:schemas-microsoft-com:office:powerpoint" xmlns:com="http://schemas.openxmlformats.org/drawingml/2006/compatibility" xmlns:p14="http://schemas.microsoft.com/office/powerpoint/2010/main" type="tx">
+<p:sldLayout xmlns:a="http://schemas.openxmlformats.org/drawingml/2006/main" xmlns:r="http://schemas.openxmlformats.org/officeDocument/2006/relationships" xmlns:p="http://schemas.openxmlformats.org/presentationml/2006/main" type="tx">
   <p:cSld name="Title and body">
     <p:spTree>
       <p:nvGrpSpPr>
-        <p:cNvPr id="18" name="Shape 18"/>
+        <p:cNvPr id="1" name="Shape 18"/>
         <p:cNvGrpSpPr/>
         <p:nvPr/>
       </p:nvGrpSpPr>
@@ -4986,7 +5287,7 @@
           <p:nvPr/>
         </p:nvSpPr>
         <p:spPr>
-          <a:xfrm flipH="1" rot="10800000">
+          <a:xfrm rot="10800000" flipH="1">
             <a:off x="0" y="1686000"/>
             <a:ext cx="9144000" cy="3457500"/>
           </a:xfrm>
@@ -5001,7 +5302,7 @@
           </a:ln>
         </p:spPr>
         <p:txBody>
-          <a:bodyPr anchorCtr="0" anchor="ctr" bIns="91425" lIns="91425" rIns="91425" tIns="91425">
+          <a:bodyPr lIns="91425" tIns="91425" rIns="91425" bIns="91425" anchor="ctr" anchorCtr="0">
             <a:noAutofit/>
           </a:bodyPr>
           <a:lstStyle/>
@@ -5012,9 +5313,6 @@
               </a:spcBef>
               <a:buNone/>
             </a:pPr>
-            <a:r>
-              <a:t/>
-            </a:r>
             <a:endParaRPr/>
           </a:p>
         </p:txBody>
@@ -5055,7 +5353,7 @@
           </a:ln>
         </p:spPr>
         <p:txBody>
-          <a:bodyPr anchorCtr="0" anchor="ctr" bIns="91425" lIns="91425" rIns="91425" tIns="91425">
+          <a:bodyPr lIns="91425" tIns="91425" rIns="91425" bIns="91425" anchor="ctr" anchorCtr="0">
             <a:noAutofit/>
           </a:bodyPr>
           <a:lstStyle/>
@@ -5066,9 +5364,6 @@
               </a:spcBef>
               <a:buNone/>
             </a:pPr>
-            <a:r>
-              <a:t/>
-            </a:r>
             <a:endParaRPr/>
           </a:p>
         </p:txBody>
@@ -5076,7 +5371,9 @@
       <p:sp>
         <p:nvSpPr>
           <p:cNvPr id="21" name="Shape 21"/>
-          <p:cNvSpPr txBox="1"/>
+          <p:cNvSpPr txBox="1">
+            <a:spLocks noGrp="1"/>
+          </p:cNvSpPr>
           <p:nvPr>
             <p:ph type="title"/>
           </p:nvPr>
@@ -5091,7 +5388,7 @@
           </a:prstGeom>
         </p:spPr>
         <p:txBody>
-          <a:bodyPr anchorCtr="0" anchor="b" bIns="91425" lIns="91425" rIns="91425" tIns="91425"/>
+          <a:bodyPr lIns="91425" tIns="91425" rIns="91425" bIns="91425" anchor="b" anchorCtr="0"/>
           <a:lstStyle>
             <a:lvl1pPr lvl="0">
               <a:spcBef>
@@ -5148,15 +5445,19 @@
               <a:defRPr/>
             </a:lvl9pPr>
           </a:lstStyle>
-          <a:p/>
+          <a:p>
+            <a:endParaRPr/>
+          </a:p>
         </p:txBody>
       </p:sp>
       <p:sp>
         <p:nvSpPr>
           <p:cNvPr id="22" name="Shape 22"/>
-          <p:cNvSpPr txBox="1"/>
-          <p:nvPr>
-            <p:ph idx="1" type="body"/>
+          <p:cNvSpPr txBox="1">
+            <a:spLocks noGrp="1"/>
+          </p:cNvSpPr>
+          <p:nvPr>
+            <p:ph type="body" idx="1"/>
           </p:nvPr>
         </p:nvSpPr>
         <p:spPr>
@@ -5169,7 +5470,7 @@
           </a:prstGeom>
         </p:spPr>
         <p:txBody>
-          <a:bodyPr anchorCtr="0" anchor="t" bIns="91425" lIns="91425" rIns="91425" tIns="91425"/>
+          <a:bodyPr lIns="91425" tIns="91425" rIns="91425" bIns="91425" anchor="t" anchorCtr="0"/>
           <a:lstStyle>
             <a:lvl1pPr lvl="0">
               <a:spcBef>
@@ -5226,15 +5527,19 @@
               <a:defRPr/>
             </a:lvl9pPr>
           </a:lstStyle>
-          <a:p/>
+          <a:p>
+            <a:endParaRPr/>
+          </a:p>
         </p:txBody>
       </p:sp>
       <p:sp>
         <p:nvSpPr>
           <p:cNvPr id="23" name="Shape 23"/>
-          <p:cNvSpPr txBox="1"/>
-          <p:nvPr>
-            <p:ph idx="12" type="sldNum"/>
+          <p:cNvSpPr txBox="1">
+            <a:spLocks noGrp="1"/>
+          </p:cNvSpPr>
+          <p:nvPr>
+            <p:ph type="sldNum" idx="12"/>
           </p:nvPr>
         </p:nvSpPr>
         <p:spPr>
@@ -5247,7 +5552,7 @@
           </a:prstGeom>
         </p:spPr>
         <p:txBody>
-          <a:bodyPr anchorCtr="0" anchor="ctr" bIns="91425" lIns="91425" rIns="91425" tIns="91425">
+          <a:bodyPr lIns="91425" tIns="91425" rIns="91425" bIns="91425" anchor="ctr" anchorCtr="0">
             <a:noAutofit/>
           </a:bodyPr>
           <a:lstStyle/>
@@ -5262,6 +5567,7 @@
               <a:rPr lang="en"/>
               <a:t>‹#›</a:t>
             </a:fld>
+            <a:endParaRPr lang="en"/>
           </a:p>
         </p:txBody>
       </p:sp>
@@ -5274,11 +5580,11 @@
 </file>
 
 <file path=ppt/slideLayouts/slideLayout4.xml><?xml version="1.0" encoding="utf-8"?>
-<p:sldLayout xmlns:a="http://schemas.openxmlformats.org/drawingml/2006/main" xmlns:r="http://schemas.openxmlformats.org/officeDocument/2006/relationships" xmlns:mc="http://schemas.openxmlformats.org/markup-compatibility/2006" xmlns:mv="urn:schemas-microsoft-com:mac:vml" xmlns:p="http://schemas.openxmlformats.org/presentationml/2006/main" xmlns:c="http://schemas.openxmlformats.org/drawingml/2006/chart" xmlns:dgm="http://schemas.openxmlformats.org/drawingml/2006/diagram" xmlns:o="urn:schemas-microsoft-com:office:office" xmlns:v="urn:schemas-microsoft-com:vml" xmlns:pvml="urn:schemas-microsoft-com:office:powerpoint" xmlns:com="http://schemas.openxmlformats.org/drawingml/2006/compatibility" xmlns:p14="http://schemas.microsoft.com/office/powerpoint/2010/main" type="twoColTx">
+<p:sldLayout xmlns:a="http://schemas.openxmlformats.org/drawingml/2006/main" xmlns:r="http://schemas.openxmlformats.org/officeDocument/2006/relationships" xmlns:p="http://schemas.openxmlformats.org/presentationml/2006/main" type="twoColTx">
   <p:cSld name="Title and two columns">
     <p:spTree>
       <p:nvGrpSpPr>
-        <p:cNvPr id="24" name="Shape 24"/>
+        <p:cNvPr id="1" name="Shape 24"/>
         <p:cNvGrpSpPr/>
         <p:nvPr/>
       </p:nvGrpSpPr>
@@ -5297,7 +5603,7 @@
           <p:nvPr/>
         </p:nvSpPr>
         <p:spPr>
-          <a:xfrm flipH="1" rot="10800000">
+          <a:xfrm rot="10800000" flipH="1">
             <a:off x="0" y="1686000"/>
             <a:ext cx="9144000" cy="3457500"/>
           </a:xfrm>
@@ -5312,7 +5618,7 @@
           </a:ln>
         </p:spPr>
         <p:txBody>
-          <a:bodyPr anchorCtr="0" anchor="ctr" bIns="91425" lIns="91425" rIns="91425" tIns="91425">
+          <a:bodyPr lIns="91425" tIns="91425" rIns="91425" bIns="91425" anchor="ctr" anchorCtr="0">
             <a:noAutofit/>
           </a:bodyPr>
           <a:lstStyle/>
@@ -5323,9 +5629,6 @@
               </a:spcBef>
               <a:buNone/>
             </a:pPr>
-            <a:r>
-              <a:t/>
-            </a:r>
             <a:endParaRPr/>
           </a:p>
         </p:txBody>
@@ -5366,7 +5669,7 @@
           </a:ln>
         </p:spPr>
         <p:txBody>
-          <a:bodyPr anchorCtr="0" anchor="ctr" bIns="91425" lIns="91425" rIns="91425" tIns="91425">
+          <a:bodyPr lIns="91425" tIns="91425" rIns="91425" bIns="91425" anchor="ctr" anchorCtr="0">
             <a:noAutofit/>
           </a:bodyPr>
           <a:lstStyle/>
@@ -5377,9 +5680,6 @@
               </a:spcBef>
               <a:buNone/>
             </a:pPr>
-            <a:r>
-              <a:t/>
-            </a:r>
             <a:endParaRPr/>
           </a:p>
         </p:txBody>
@@ -5387,7 +5687,9 @@
       <p:sp>
         <p:nvSpPr>
           <p:cNvPr id="27" name="Shape 27"/>
-          <p:cNvSpPr txBox="1"/>
+          <p:cNvSpPr txBox="1">
+            <a:spLocks noGrp="1"/>
+          </p:cNvSpPr>
           <p:nvPr>
             <p:ph type="title"/>
           </p:nvPr>
@@ -5402,7 +5704,7 @@
           </a:prstGeom>
         </p:spPr>
         <p:txBody>
-          <a:bodyPr anchorCtr="0" anchor="b" bIns="91425" lIns="91425" rIns="91425" tIns="91425"/>
+          <a:bodyPr lIns="91425" tIns="91425" rIns="91425" bIns="91425" anchor="b" anchorCtr="0"/>
           <a:lstStyle>
             <a:lvl1pPr lvl="0">
               <a:spcBef>
@@ -5459,15 +5761,19 @@
               <a:defRPr/>
             </a:lvl9pPr>
           </a:lstStyle>
-          <a:p/>
+          <a:p>
+            <a:endParaRPr/>
+          </a:p>
         </p:txBody>
       </p:sp>
       <p:sp>
         <p:nvSpPr>
           <p:cNvPr id="28" name="Shape 28"/>
-          <p:cNvSpPr txBox="1"/>
-          <p:nvPr>
-            <p:ph idx="1" type="body"/>
+          <p:cNvSpPr txBox="1">
+            <a:spLocks noGrp="1"/>
+          </p:cNvSpPr>
+          <p:nvPr>
+            <p:ph type="body" idx="1"/>
           </p:nvPr>
         </p:nvSpPr>
         <p:spPr>
@@ -5480,7 +5786,7 @@
           </a:prstGeom>
         </p:spPr>
         <p:txBody>
-          <a:bodyPr anchorCtr="0" anchor="t" bIns="91425" lIns="91425" rIns="91425" tIns="91425"/>
+          <a:bodyPr lIns="91425" tIns="91425" rIns="91425" bIns="91425" anchor="t" anchorCtr="0"/>
           <a:lstStyle>
             <a:lvl1pPr lvl="0">
               <a:spcBef>
@@ -5546,15 +5852,19 @@
               <a:defRPr sz="1200"/>
             </a:lvl9pPr>
           </a:lstStyle>
-          <a:p/>
+          <a:p>
+            <a:endParaRPr/>
+          </a:p>
         </p:txBody>
       </p:sp>
       <p:sp>
         <p:nvSpPr>
           <p:cNvPr id="29" name="Shape 29"/>
-          <p:cNvSpPr txBox="1"/>
-          <p:nvPr>
-            <p:ph idx="2" type="body"/>
+          <p:cNvSpPr txBox="1">
+            <a:spLocks noGrp="1"/>
+          </p:cNvSpPr>
+          <p:nvPr>
+            <p:ph type="body" idx="2"/>
           </p:nvPr>
         </p:nvSpPr>
         <p:spPr>
@@ -5567,7 +5877,7 @@
           </a:prstGeom>
         </p:spPr>
         <p:txBody>
-          <a:bodyPr anchorCtr="0" anchor="t" bIns="91425" lIns="91425" rIns="91425" tIns="91425"/>
+          <a:bodyPr lIns="91425" tIns="91425" rIns="91425" bIns="91425" anchor="t" anchorCtr="0"/>
           <a:lstStyle>
             <a:lvl1pPr lvl="0">
               <a:spcBef>
@@ -5633,15 +5943,19 @@
               <a:defRPr sz="1200"/>
             </a:lvl9pPr>
           </a:lstStyle>
-          <a:p/>
+          <a:p>
+            <a:endParaRPr/>
+          </a:p>
         </p:txBody>
       </p:sp>
       <p:sp>
         <p:nvSpPr>
           <p:cNvPr id="30" name="Shape 30"/>
-          <p:cNvSpPr txBox="1"/>
-          <p:nvPr>
-            <p:ph idx="12" type="sldNum"/>
+          <p:cNvSpPr txBox="1">
+            <a:spLocks noGrp="1"/>
+          </p:cNvSpPr>
+          <p:nvPr>
+            <p:ph type="sldNum" idx="12"/>
           </p:nvPr>
         </p:nvSpPr>
         <p:spPr>
@@ -5654,7 +5968,7 @@
           </a:prstGeom>
         </p:spPr>
         <p:txBody>
-          <a:bodyPr anchorCtr="0" anchor="ctr" bIns="91425" lIns="91425" rIns="91425" tIns="91425">
+          <a:bodyPr lIns="91425" tIns="91425" rIns="91425" bIns="91425" anchor="ctr" anchorCtr="0">
             <a:noAutofit/>
           </a:bodyPr>
           <a:lstStyle/>
@@ -5669,6 +5983,7 @@
               <a:rPr lang="en"/>
               <a:t>‹#›</a:t>
             </a:fld>
+            <a:endParaRPr lang="en"/>
           </a:p>
         </p:txBody>
       </p:sp>
@@ -5681,11 +5996,11 @@
 </file>
 
 <file path=ppt/slideLayouts/slideLayout5.xml><?xml version="1.0" encoding="utf-8"?>
-<p:sldLayout xmlns:a="http://schemas.openxmlformats.org/drawingml/2006/main" xmlns:r="http://schemas.openxmlformats.org/officeDocument/2006/relationships" xmlns:mc="http://schemas.openxmlformats.org/markup-compatibility/2006" xmlns:mv="urn:schemas-microsoft-com:mac:vml" xmlns:p="http://schemas.openxmlformats.org/presentationml/2006/main" xmlns:c="http://schemas.openxmlformats.org/drawingml/2006/chart" xmlns:dgm="http://schemas.openxmlformats.org/drawingml/2006/diagram" xmlns:o="urn:schemas-microsoft-com:office:office" xmlns:v="urn:schemas-microsoft-com:vml" xmlns:pvml="urn:schemas-microsoft-com:office:powerpoint" xmlns:com="http://schemas.openxmlformats.org/drawingml/2006/compatibility" xmlns:p14="http://schemas.microsoft.com/office/powerpoint/2010/main" type="titleOnly">
+<p:sldLayout xmlns:a="http://schemas.openxmlformats.org/drawingml/2006/main" xmlns:r="http://schemas.openxmlformats.org/officeDocument/2006/relationships" xmlns:p="http://schemas.openxmlformats.org/presentationml/2006/main" type="titleOnly">
   <p:cSld name="Title only">
     <p:spTree>
       <p:nvGrpSpPr>
-        <p:cNvPr id="31" name="Shape 31"/>
+        <p:cNvPr id="1" name="Shape 31"/>
         <p:cNvGrpSpPr/>
         <p:nvPr/>
       </p:nvGrpSpPr>
@@ -5704,7 +6019,7 @@
           <p:nvPr/>
         </p:nvSpPr>
         <p:spPr>
-          <a:xfrm flipH="1" rot="10800000">
+          <a:xfrm rot="10800000" flipH="1">
             <a:off x="0" y="656400"/>
             <a:ext cx="9144000" cy="4487100"/>
           </a:xfrm>
@@ -5719,7 +6034,7 @@
           </a:ln>
         </p:spPr>
         <p:txBody>
-          <a:bodyPr anchorCtr="0" anchor="ctr" bIns="91425" lIns="91425" rIns="91425" tIns="91425">
+          <a:bodyPr lIns="91425" tIns="91425" rIns="91425" bIns="91425" anchor="ctr" anchorCtr="0">
             <a:noAutofit/>
           </a:bodyPr>
           <a:lstStyle/>
@@ -5730,9 +6045,6 @@
               </a:spcBef>
               <a:buNone/>
             </a:pPr>
-            <a:r>
-              <a:t/>
-            </a:r>
             <a:endParaRPr/>
           </a:p>
         </p:txBody>
@@ -5773,7 +6085,7 @@
           </a:ln>
         </p:spPr>
         <p:txBody>
-          <a:bodyPr anchorCtr="0" anchor="ctr" bIns="91425" lIns="91425" rIns="91425" tIns="91425">
+          <a:bodyPr lIns="91425" tIns="91425" rIns="91425" bIns="91425" anchor="ctr" anchorCtr="0">
             <a:noAutofit/>
           </a:bodyPr>
           <a:lstStyle/>
@@ -5784,9 +6096,6 @@
               </a:spcBef>
               <a:buNone/>
             </a:pPr>
-            <a:r>
-              <a:t/>
-            </a:r>
             <a:endParaRPr/>
           </a:p>
         </p:txBody>
@@ -5794,7 +6103,9 @@
       <p:sp>
         <p:nvSpPr>
           <p:cNvPr id="34" name="Shape 34"/>
-          <p:cNvSpPr txBox="1"/>
+          <p:cNvSpPr txBox="1">
+            <a:spLocks noGrp="1"/>
+          </p:cNvSpPr>
           <p:nvPr>
             <p:ph type="title"/>
           </p:nvPr>
@@ -5809,7 +6120,7 @@
           </a:prstGeom>
         </p:spPr>
         <p:txBody>
-          <a:bodyPr anchorCtr="0" anchor="ctr" bIns="91425" lIns="91425" rIns="91425" tIns="91425"/>
+          <a:bodyPr lIns="91425" tIns="91425" rIns="91425" bIns="91425" anchor="ctr" anchorCtr="0"/>
           <a:lstStyle>
             <a:lvl1pPr lvl="0">
               <a:spcBef>
@@ -5875,15 +6186,19 @@
               <a:defRPr sz="1800"/>
             </a:lvl9pPr>
           </a:lstStyle>
-          <a:p/>
+          <a:p>
+            <a:endParaRPr/>
+          </a:p>
         </p:txBody>
       </p:sp>
       <p:sp>
         <p:nvSpPr>
           <p:cNvPr id="35" name="Shape 35"/>
-          <p:cNvSpPr txBox="1"/>
-          <p:nvPr>
-            <p:ph idx="12" type="sldNum"/>
+          <p:cNvSpPr txBox="1">
+            <a:spLocks noGrp="1"/>
+          </p:cNvSpPr>
+          <p:nvPr>
+            <p:ph type="sldNum" idx="12"/>
           </p:nvPr>
         </p:nvSpPr>
         <p:spPr>
@@ -5896,7 +6211,7 @@
           </a:prstGeom>
         </p:spPr>
         <p:txBody>
-          <a:bodyPr anchorCtr="0" anchor="ctr" bIns="91425" lIns="91425" rIns="91425" tIns="91425">
+          <a:bodyPr lIns="91425" tIns="91425" rIns="91425" bIns="91425" anchor="ctr" anchorCtr="0">
             <a:noAutofit/>
           </a:bodyPr>
           <a:lstStyle/>
@@ -5911,6 +6226,7 @@
               <a:rPr lang="en"/>
               <a:t>‹#›</a:t>
             </a:fld>
+            <a:endParaRPr lang="en"/>
           </a:p>
         </p:txBody>
       </p:sp>
@@ -5923,11 +6239,11 @@
 </file>
 
 <file path=ppt/slideLayouts/slideLayout6.xml><?xml version="1.0" encoding="utf-8"?>
-<p:sldLayout xmlns:a="http://schemas.openxmlformats.org/drawingml/2006/main" xmlns:r="http://schemas.openxmlformats.org/officeDocument/2006/relationships" xmlns:mc="http://schemas.openxmlformats.org/markup-compatibility/2006" xmlns:mv="urn:schemas-microsoft-com:mac:vml" xmlns:p="http://schemas.openxmlformats.org/presentationml/2006/main" xmlns:c="http://schemas.openxmlformats.org/drawingml/2006/chart" xmlns:dgm="http://schemas.openxmlformats.org/drawingml/2006/diagram" xmlns:o="urn:schemas-microsoft-com:office:office" xmlns:v="urn:schemas-microsoft-com:vml" xmlns:pvml="urn:schemas-microsoft-com:office:powerpoint" xmlns:com="http://schemas.openxmlformats.org/drawingml/2006/compatibility" xmlns:p14="http://schemas.microsoft.com/office/powerpoint/2010/main">
+<p:sldLayout xmlns:a="http://schemas.openxmlformats.org/drawingml/2006/main" xmlns:r="http://schemas.openxmlformats.org/officeDocument/2006/relationships" xmlns:p="http://schemas.openxmlformats.org/presentationml/2006/main">
   <p:cSld name="One column text">
     <p:spTree>
       <p:nvGrpSpPr>
-        <p:cNvPr id="36" name="Shape 36"/>
+        <p:cNvPr id="1" name="Shape 36"/>
         <p:cNvGrpSpPr/>
         <p:nvPr/>
       </p:nvGrpSpPr>
@@ -5946,7 +6262,7 @@
           <p:nvPr/>
         </p:nvSpPr>
         <p:spPr>
-          <a:xfrm flipH="1" rot="10800000">
+          <a:xfrm rot="10800000" flipH="1">
             <a:off x="3276600" y="25"/>
             <a:ext cx="5867400" cy="5143500"/>
           </a:xfrm>
@@ -5961,7 +6277,7 @@
           </a:ln>
         </p:spPr>
         <p:txBody>
-          <a:bodyPr anchorCtr="0" anchor="ctr" bIns="91425" lIns="91425" rIns="91425" tIns="91425">
+          <a:bodyPr lIns="91425" tIns="91425" rIns="91425" bIns="91425" anchor="ctr" anchorCtr="0">
             <a:noAutofit/>
           </a:bodyPr>
           <a:lstStyle/>
@@ -5972,9 +6288,6 @@
               </a:spcBef>
               <a:buNone/>
             </a:pPr>
-            <a:r>
-              <a:t/>
-            </a:r>
             <a:endParaRPr/>
           </a:p>
         </p:txBody>
@@ -6015,7 +6328,7 @@
           </a:ln>
         </p:spPr>
         <p:txBody>
-          <a:bodyPr anchorCtr="0" anchor="ctr" bIns="91425" lIns="91425" rIns="91425" tIns="91425">
+          <a:bodyPr lIns="91425" tIns="91425" rIns="91425" bIns="91425" anchor="ctr" anchorCtr="0">
             <a:noAutofit/>
           </a:bodyPr>
           <a:lstStyle/>
@@ -6026,9 +6339,6 @@
               </a:spcBef>
               <a:buNone/>
             </a:pPr>
-            <a:r>
-              <a:t/>
-            </a:r>
             <a:endParaRPr/>
           </a:p>
         </p:txBody>
@@ -6036,7 +6346,9 @@
       <p:sp>
         <p:nvSpPr>
           <p:cNvPr id="39" name="Shape 39"/>
-          <p:cNvSpPr txBox="1"/>
+          <p:cNvSpPr txBox="1">
+            <a:spLocks noGrp="1"/>
+          </p:cNvSpPr>
           <p:nvPr>
             <p:ph type="title"/>
           </p:nvPr>
@@ -6051,7 +6363,7 @@
           </a:prstGeom>
         </p:spPr>
         <p:txBody>
-          <a:bodyPr anchorCtr="0" anchor="b" bIns="91425" lIns="91425" rIns="91425" tIns="91425"/>
+          <a:bodyPr lIns="91425" tIns="91425" rIns="91425" bIns="91425" anchor="b" anchorCtr="0"/>
           <a:lstStyle>
             <a:lvl1pPr lvl="0">
               <a:spcBef>
@@ -6117,15 +6429,19 @@
               <a:defRPr sz="2400"/>
             </a:lvl9pPr>
           </a:lstStyle>
-          <a:p/>
+          <a:p>
+            <a:endParaRPr/>
+          </a:p>
         </p:txBody>
       </p:sp>
       <p:sp>
         <p:nvSpPr>
           <p:cNvPr id="40" name="Shape 40"/>
-          <p:cNvSpPr txBox="1"/>
-          <p:nvPr>
-            <p:ph idx="1" type="body"/>
+          <p:cNvSpPr txBox="1">
+            <a:spLocks noGrp="1"/>
+          </p:cNvSpPr>
+          <p:nvPr>
+            <p:ph type="body" idx="1"/>
           </p:nvPr>
         </p:nvSpPr>
         <p:spPr>
@@ -6138,7 +6454,7 @@
           </a:prstGeom>
         </p:spPr>
         <p:txBody>
-          <a:bodyPr anchorCtr="0" anchor="t" bIns="91425" lIns="91425" rIns="91425" tIns="91425"/>
+          <a:bodyPr lIns="91425" tIns="91425" rIns="91425" bIns="91425" anchor="t" anchorCtr="0"/>
           <a:lstStyle>
             <a:lvl1pPr lvl="0">
               <a:spcBef>
@@ -6267,15 +6583,19 @@
               </a:defRPr>
             </a:lvl9pPr>
           </a:lstStyle>
-          <a:p/>
+          <a:p>
+            <a:endParaRPr/>
+          </a:p>
         </p:txBody>
       </p:sp>
       <p:sp>
         <p:nvSpPr>
           <p:cNvPr id="41" name="Shape 41"/>
-          <p:cNvSpPr txBox="1"/>
-          <p:nvPr>
-            <p:ph idx="12" type="sldNum"/>
+          <p:cNvSpPr txBox="1">
+            <a:spLocks noGrp="1"/>
+          </p:cNvSpPr>
+          <p:nvPr>
+            <p:ph type="sldNum" idx="12"/>
           </p:nvPr>
         </p:nvSpPr>
         <p:spPr>
@@ -6288,7 +6608,7 @@
           </a:prstGeom>
         </p:spPr>
         <p:txBody>
-          <a:bodyPr anchorCtr="0" anchor="ctr" bIns="91425" lIns="91425" rIns="91425" tIns="91425">
+          <a:bodyPr lIns="91425" tIns="91425" rIns="91425" bIns="91425" anchor="ctr" anchorCtr="0">
             <a:noAutofit/>
           </a:bodyPr>
           <a:lstStyle/>
@@ -6303,6 +6623,7 @@
               <a:rPr lang="en"/>
               <a:t>‹#›</a:t>
             </a:fld>
+            <a:endParaRPr lang="en"/>
           </a:p>
         </p:txBody>
       </p:sp>
@@ -6315,11 +6636,11 @@
 </file>
 
 <file path=ppt/slideLayouts/slideLayout7.xml><?xml version="1.0" encoding="utf-8"?>
-<p:sldLayout xmlns:a="http://schemas.openxmlformats.org/drawingml/2006/main" xmlns:r="http://schemas.openxmlformats.org/officeDocument/2006/relationships" xmlns:mc="http://schemas.openxmlformats.org/markup-compatibility/2006" xmlns:mv="urn:schemas-microsoft-com:mac:vml" xmlns:p="http://schemas.openxmlformats.org/presentationml/2006/main" xmlns:c="http://schemas.openxmlformats.org/drawingml/2006/chart" xmlns:dgm="http://schemas.openxmlformats.org/drawingml/2006/diagram" xmlns:o="urn:schemas-microsoft-com:office:office" xmlns:v="urn:schemas-microsoft-com:vml" xmlns:pvml="urn:schemas-microsoft-com:office:powerpoint" xmlns:com="http://schemas.openxmlformats.org/drawingml/2006/compatibility" xmlns:p14="http://schemas.microsoft.com/office/powerpoint/2010/main">
+<p:sldLayout xmlns:a="http://schemas.openxmlformats.org/drawingml/2006/main" xmlns:r="http://schemas.openxmlformats.org/officeDocument/2006/relationships" xmlns:p="http://schemas.openxmlformats.org/presentationml/2006/main">
   <p:cSld name="Main point">
     <p:spTree>
       <p:nvGrpSpPr>
-        <p:cNvPr id="42" name="Shape 42"/>
+        <p:cNvPr id="1" name="Shape 42"/>
         <p:cNvGrpSpPr/>
         <p:nvPr/>
       </p:nvGrpSpPr>
@@ -6334,7 +6655,9 @@
       <p:sp>
         <p:nvSpPr>
           <p:cNvPr id="43" name="Shape 43"/>
-          <p:cNvSpPr txBox="1"/>
+          <p:cNvSpPr txBox="1">
+            <a:spLocks noGrp="1"/>
+          </p:cNvSpPr>
           <p:nvPr>
             <p:ph type="title"/>
           </p:nvPr>
@@ -6349,7 +6672,7 @@
           </a:prstGeom>
         </p:spPr>
         <p:txBody>
-          <a:bodyPr anchorCtr="0" anchor="ctr" bIns="91425" lIns="91425" rIns="91425" tIns="91425"/>
+          <a:bodyPr lIns="91425" tIns="91425" rIns="91425" bIns="91425" anchor="ctr" anchorCtr="0"/>
           <a:lstStyle>
             <a:lvl1pPr lvl="0">
               <a:spcBef>
@@ -6415,15 +6738,19 @@
               <a:defRPr sz="6000"/>
             </a:lvl9pPr>
           </a:lstStyle>
-          <a:p/>
+          <a:p>
+            <a:endParaRPr/>
+          </a:p>
         </p:txBody>
       </p:sp>
       <p:sp>
         <p:nvSpPr>
           <p:cNvPr id="44" name="Shape 44"/>
-          <p:cNvSpPr txBox="1"/>
-          <p:nvPr>
-            <p:ph idx="12" type="sldNum"/>
+          <p:cNvSpPr txBox="1">
+            <a:spLocks noGrp="1"/>
+          </p:cNvSpPr>
+          <p:nvPr>
+            <p:ph type="sldNum" idx="12"/>
           </p:nvPr>
         </p:nvSpPr>
         <p:spPr>
@@ -6436,7 +6763,7 @@
           </a:prstGeom>
         </p:spPr>
         <p:txBody>
-          <a:bodyPr anchorCtr="0" anchor="ctr" bIns="91425" lIns="91425" rIns="91425" tIns="91425">
+          <a:bodyPr lIns="91425" tIns="91425" rIns="91425" bIns="91425" anchor="ctr" anchorCtr="0">
             <a:noAutofit/>
           </a:bodyPr>
           <a:lstStyle/>
@@ -6455,6 +6782,11 @@
               </a:rPr>
               <a:t>‹#›</a:t>
             </a:fld>
+            <a:endParaRPr lang="en">
+              <a:solidFill>
+                <a:schemeClr val="lt1"/>
+              </a:solidFill>
+            </a:endParaRPr>
           </a:p>
         </p:txBody>
       </p:sp>
@@ -6467,11 +6799,11 @@
 </file>
 
 <file path=ppt/slideLayouts/slideLayout8.xml><?xml version="1.0" encoding="utf-8"?>
-<p:sldLayout xmlns:a="http://schemas.openxmlformats.org/drawingml/2006/main" xmlns:r="http://schemas.openxmlformats.org/officeDocument/2006/relationships" xmlns:mc="http://schemas.openxmlformats.org/markup-compatibility/2006" xmlns:mv="urn:schemas-microsoft-com:mac:vml" xmlns:p="http://schemas.openxmlformats.org/presentationml/2006/main" xmlns:c="http://schemas.openxmlformats.org/drawingml/2006/chart" xmlns:dgm="http://schemas.openxmlformats.org/drawingml/2006/diagram" xmlns:o="urn:schemas-microsoft-com:office:office" xmlns:v="urn:schemas-microsoft-com:vml" xmlns:pvml="urn:schemas-microsoft-com:office:powerpoint" xmlns:com="http://schemas.openxmlformats.org/drawingml/2006/compatibility" xmlns:p14="http://schemas.microsoft.com/office/powerpoint/2010/main">
+<p:sldLayout xmlns:a="http://schemas.openxmlformats.org/drawingml/2006/main" xmlns:r="http://schemas.openxmlformats.org/officeDocument/2006/relationships" xmlns:p="http://schemas.openxmlformats.org/presentationml/2006/main">
   <p:cSld name="Section title and description">
     <p:spTree>
       <p:nvGrpSpPr>
-        <p:cNvPr id="45" name="Shape 45"/>
+        <p:cNvPr id="1" name="Shape 45"/>
         <p:cNvGrpSpPr/>
         <p:nvPr/>
       </p:nvGrpSpPr>
@@ -6505,7 +6837,7 @@
           </a:ln>
         </p:spPr>
         <p:txBody>
-          <a:bodyPr anchorCtr="0" anchor="ctr" bIns="91425" lIns="91425" rIns="91425" tIns="91425">
+          <a:bodyPr lIns="91425" tIns="91425" rIns="91425" bIns="91425" anchor="ctr" anchorCtr="0">
             <a:noAutofit/>
           </a:bodyPr>
           <a:lstStyle/>
@@ -6516,9 +6848,6 @@
               </a:spcBef>
               <a:buNone/>
             </a:pPr>
-            <a:r>
-              <a:t/>
-            </a:r>
             <a:endParaRPr/>
           </a:p>
         </p:txBody>
@@ -6559,7 +6888,7 @@
           </a:ln>
         </p:spPr>
         <p:txBody>
-          <a:bodyPr anchorCtr="0" anchor="ctr" bIns="91425" lIns="91425" rIns="91425" tIns="91425">
+          <a:bodyPr lIns="91425" tIns="91425" rIns="91425" bIns="91425" anchor="ctr" anchorCtr="0">
             <a:noAutofit/>
           </a:bodyPr>
           <a:lstStyle/>
@@ -6570,9 +6899,6 @@
               </a:spcBef>
               <a:buNone/>
             </a:pPr>
-            <a:r>
-              <a:t/>
-            </a:r>
             <a:endParaRPr/>
           </a:p>
         </p:txBody>
@@ -6580,7 +6906,9 @@
       <p:sp>
         <p:nvSpPr>
           <p:cNvPr id="48" name="Shape 48"/>
-          <p:cNvSpPr txBox="1"/>
+          <p:cNvSpPr txBox="1">
+            <a:spLocks noGrp="1"/>
+          </p:cNvSpPr>
           <p:nvPr>
             <p:ph type="title"/>
           </p:nvPr>
@@ -6595,7 +6923,7 @@
           </a:prstGeom>
         </p:spPr>
         <p:txBody>
-          <a:bodyPr anchorCtr="0" anchor="b" bIns="91425" lIns="91425" rIns="91425" tIns="91425"/>
+          <a:bodyPr lIns="91425" tIns="91425" rIns="91425" bIns="91425" anchor="b" anchorCtr="0"/>
           <a:lstStyle>
             <a:lvl1pPr lvl="0" algn="ctr">
               <a:spcBef>
@@ -6724,15 +7052,19 @@
               </a:defRPr>
             </a:lvl9pPr>
           </a:lstStyle>
-          <a:p/>
+          <a:p>
+            <a:endParaRPr/>
+          </a:p>
         </p:txBody>
       </p:sp>
       <p:sp>
         <p:nvSpPr>
           <p:cNvPr id="49" name="Shape 49"/>
-          <p:cNvSpPr txBox="1"/>
-          <p:nvPr>
-            <p:ph idx="1" type="subTitle"/>
+          <p:cNvSpPr txBox="1">
+            <a:spLocks noGrp="1"/>
+          </p:cNvSpPr>
+          <p:nvPr>
+            <p:ph type="subTitle" idx="1"/>
           </p:nvPr>
         </p:nvSpPr>
         <p:spPr>
@@ -6745,7 +7077,7 @@
           </a:prstGeom>
         </p:spPr>
         <p:txBody>
-          <a:bodyPr anchorCtr="0" anchor="t" bIns="91425" lIns="91425" rIns="91425" tIns="91425"/>
+          <a:bodyPr lIns="91425" tIns="91425" rIns="91425" bIns="91425" anchor="t" anchorCtr="0"/>
           <a:lstStyle>
             <a:lvl1pPr lvl="0" algn="ctr">
               <a:lnSpc>
@@ -6874,15 +7206,19 @@
               <a:defRPr sz="2100"/>
             </a:lvl9pPr>
           </a:lstStyle>
-          <a:p/>
+          <a:p>
+            <a:endParaRPr/>
+          </a:p>
         </p:txBody>
       </p:sp>
       <p:sp>
         <p:nvSpPr>
           <p:cNvPr id="50" name="Shape 50"/>
-          <p:cNvSpPr txBox="1"/>
-          <p:nvPr>
-            <p:ph idx="2" type="body"/>
+          <p:cNvSpPr txBox="1">
+            <a:spLocks noGrp="1"/>
+          </p:cNvSpPr>
+          <p:nvPr>
+            <p:ph type="body" idx="2"/>
           </p:nvPr>
         </p:nvSpPr>
         <p:spPr>
@@ -6895,7 +7231,7 @@
           </a:prstGeom>
         </p:spPr>
         <p:txBody>
-          <a:bodyPr anchorCtr="0" anchor="ctr" bIns="91425" lIns="91425" rIns="91425" tIns="91425"/>
+          <a:bodyPr lIns="91425" tIns="91425" rIns="91425" bIns="91425" anchor="ctr" anchorCtr="0"/>
           <a:lstStyle>
             <a:lvl1pPr lvl="0">
               <a:spcBef>
@@ -7015,15 +7351,19 @@
               </a:defRPr>
             </a:lvl9pPr>
           </a:lstStyle>
-          <a:p/>
+          <a:p>
+            <a:endParaRPr/>
+          </a:p>
         </p:txBody>
       </p:sp>
       <p:sp>
         <p:nvSpPr>
           <p:cNvPr id="51" name="Shape 51"/>
-          <p:cNvSpPr txBox="1"/>
-          <p:nvPr>
-            <p:ph idx="12" type="sldNum"/>
+          <p:cNvSpPr txBox="1">
+            <a:spLocks noGrp="1"/>
+          </p:cNvSpPr>
+          <p:nvPr>
+            <p:ph type="sldNum" idx="12"/>
           </p:nvPr>
         </p:nvSpPr>
         <p:spPr>
@@ -7036,7 +7376,7 @@
           </a:prstGeom>
         </p:spPr>
         <p:txBody>
-          <a:bodyPr anchorCtr="0" anchor="ctr" bIns="91425" lIns="91425" rIns="91425" tIns="91425">
+          <a:bodyPr lIns="91425" tIns="91425" rIns="91425" bIns="91425" anchor="ctr" anchorCtr="0">
             <a:noAutofit/>
           </a:bodyPr>
           <a:lstStyle/>
@@ -7055,6 +7395,11 @@
               </a:rPr>
               <a:t>‹#›</a:t>
             </a:fld>
+            <a:endParaRPr lang="en">
+              <a:solidFill>
+                <a:schemeClr val="lt1"/>
+              </a:solidFill>
+            </a:endParaRPr>
           </a:p>
         </p:txBody>
       </p:sp>
@@ -7067,11 +7412,11 @@
 </file>
 
 <file path=ppt/slideLayouts/slideLayout9.xml><?xml version="1.0" encoding="utf-8"?>
-<p:sldLayout xmlns:a="http://schemas.openxmlformats.org/drawingml/2006/main" xmlns:r="http://schemas.openxmlformats.org/officeDocument/2006/relationships" xmlns:mc="http://schemas.openxmlformats.org/markup-compatibility/2006" xmlns:mv="urn:schemas-microsoft-com:mac:vml" xmlns:p="http://schemas.openxmlformats.org/presentationml/2006/main" xmlns:c="http://schemas.openxmlformats.org/drawingml/2006/chart" xmlns:dgm="http://schemas.openxmlformats.org/drawingml/2006/diagram" xmlns:o="urn:schemas-microsoft-com:office:office" xmlns:v="urn:schemas-microsoft-com:vml" xmlns:pvml="urn:schemas-microsoft-com:office:powerpoint" xmlns:com="http://schemas.openxmlformats.org/drawingml/2006/compatibility" xmlns:p14="http://schemas.microsoft.com/office/powerpoint/2010/main">
+<p:sldLayout xmlns:a="http://schemas.openxmlformats.org/drawingml/2006/main" xmlns:r="http://schemas.openxmlformats.org/officeDocument/2006/relationships" xmlns:p="http://schemas.openxmlformats.org/presentationml/2006/main">
   <p:cSld name="Caption">
     <p:spTree>
       <p:nvGrpSpPr>
-        <p:cNvPr id="52" name="Shape 52"/>
+        <p:cNvPr id="1" name="Shape 52"/>
         <p:cNvGrpSpPr/>
         <p:nvPr/>
       </p:nvGrpSpPr>
@@ -7090,7 +7435,7 @@
           <p:nvPr/>
         </p:nvSpPr>
         <p:spPr>
-          <a:xfrm flipH="1" rot="10800000">
+          <a:xfrm rot="10800000" flipH="1">
             <a:off x="0" y="0"/>
             <a:ext cx="9144000" cy="4695900"/>
           </a:xfrm>
@@ -7105,7 +7450,7 @@
           </a:ln>
         </p:spPr>
         <p:txBody>
-          <a:bodyPr anchorCtr="0" anchor="ctr" bIns="91425" lIns="91425" rIns="91425" tIns="91425">
+          <a:bodyPr lIns="91425" tIns="91425" rIns="91425" bIns="91425" anchor="ctr" anchorCtr="0">
             <a:noAutofit/>
           </a:bodyPr>
           <a:lstStyle/>
@@ -7116,9 +7461,6 @@
               </a:spcBef>
               <a:buNone/>
             </a:pPr>
-            <a:r>
-              <a:t/>
-            </a:r>
             <a:endParaRPr/>
           </a:p>
         </p:txBody>
@@ -7130,7 +7472,7 @@
           <p:nvPr/>
         </p:nvSpPr>
         <p:spPr>
-          <a:xfrm flipH="1" rot="10800000">
+          <a:xfrm rot="10800000" flipH="1">
             <a:off x="0" y="4622725"/>
             <a:ext cx="9144000" cy="74100"/>
           </a:xfrm>
@@ -7159,7 +7501,7 @@
           </a:ln>
         </p:spPr>
         <p:txBody>
-          <a:bodyPr anchorCtr="0" anchor="ctr" bIns="91425" lIns="91425" rIns="91425" tIns="91425">
+          <a:bodyPr lIns="91425" tIns="91425" rIns="91425" bIns="91425" anchor="ctr" anchorCtr="0">
             <a:noAutofit/>
           </a:bodyPr>
           <a:lstStyle/>
@@ -7170,9 +7512,6 @@
               </a:spcBef>
               <a:buNone/>
             </a:pPr>
-            <a:r>
-              <a:t/>
-            </a:r>
             <a:endParaRPr/>
           </a:p>
         </p:txBody>
@@ -7180,9 +7519,11 @@
       <p:sp>
         <p:nvSpPr>
           <p:cNvPr id="55" name="Shape 55"/>
-          <p:cNvSpPr txBox="1"/>
-          <p:nvPr>
-            <p:ph idx="1" type="body"/>
+          <p:cNvSpPr txBox="1">
+            <a:spLocks noGrp="1"/>
+          </p:cNvSpPr>
+          <p:nvPr>
+            <p:ph type="body" idx="1"/>
           </p:nvPr>
         </p:nvSpPr>
         <p:spPr>
@@ -7195,7 +7536,7 @@
           </a:prstGeom>
         </p:spPr>
         <p:txBody>
-          <a:bodyPr anchorCtr="0" anchor="ctr" bIns="91425" lIns="91425" rIns="91425" tIns="91425"/>
+          <a:bodyPr lIns="91425" tIns="91425" rIns="91425" bIns="91425" anchor="ctr" anchorCtr="0"/>
           <a:lstStyle>
             <a:lvl1pPr lvl="0">
               <a:lnSpc>
@@ -7219,15 +7560,19 @@
               </a:defRPr>
             </a:lvl1pPr>
           </a:lstStyle>
-          <a:p/>
+          <a:p>
+            <a:endParaRPr/>
+          </a:p>
         </p:txBody>
       </p:sp>
       <p:sp>
         <p:nvSpPr>
           <p:cNvPr id="56" name="Shape 56"/>
-          <p:cNvSpPr txBox="1"/>
-          <p:nvPr>
-            <p:ph idx="12" type="sldNum"/>
+          <p:cNvSpPr txBox="1">
+            <a:spLocks noGrp="1"/>
+          </p:cNvSpPr>
+          <p:nvPr>
+            <p:ph type="sldNum" idx="12"/>
           </p:nvPr>
         </p:nvSpPr>
         <p:spPr>
@@ -7240,7 +7585,7 @@
           </a:prstGeom>
         </p:spPr>
         <p:txBody>
-          <a:bodyPr anchorCtr="0" anchor="ctr" bIns="91425" lIns="91425" rIns="91425" tIns="91425">
+          <a:bodyPr lIns="91425" tIns="91425" rIns="91425" bIns="91425" anchor="ctr" anchorCtr="0">
             <a:noAutofit/>
           </a:bodyPr>
           <a:lstStyle/>
@@ -7259,6 +7604,11 @@
               </a:rPr>
               <a:t>‹#›</a:t>
             </a:fld>
+            <a:endParaRPr lang="en">
+              <a:solidFill>
+                <a:schemeClr val="lt1"/>
+              </a:solidFill>
+            </a:endParaRPr>
           </a:p>
         </p:txBody>
       </p:sp>
@@ -7271,18 +7621,19 @@
 </file>
 
 <file path=ppt/slideMasters/slideMaster1.xml><?xml version="1.0" encoding="utf-8"?>
-<p:sldMaster xmlns:a="http://schemas.openxmlformats.org/drawingml/2006/main" xmlns:r="http://schemas.openxmlformats.org/officeDocument/2006/relationships" xmlns:mc="http://schemas.openxmlformats.org/markup-compatibility/2006" xmlns:mv="urn:schemas-microsoft-com:mac:vml" xmlns:p="http://schemas.openxmlformats.org/presentationml/2006/main" xmlns:c="http://schemas.openxmlformats.org/drawingml/2006/chart" xmlns:dgm="http://schemas.openxmlformats.org/drawingml/2006/diagram" xmlns:o="urn:schemas-microsoft-com:office:office" xmlns:v="urn:schemas-microsoft-com:vml" xmlns:pvml="urn:schemas-microsoft-com:office:powerpoint" xmlns:com="http://schemas.openxmlformats.org/drawingml/2006/compatibility" xmlns:p14="http://schemas.microsoft.com/office/powerpoint/2010/main">
+<p:sldMaster xmlns:a="http://schemas.openxmlformats.org/drawingml/2006/main" xmlns:r="http://schemas.openxmlformats.org/officeDocument/2006/relationships" xmlns:p="http://schemas.openxmlformats.org/presentationml/2006/main">
   <p:cSld>
     <p:bg>
       <p:bgPr>
         <a:solidFill>
           <a:schemeClr val="dk1"/>
         </a:solidFill>
+        <a:effectLst/>
       </p:bgPr>
     </p:bg>
     <p:spTree>
       <p:nvGrpSpPr>
-        <p:cNvPr id="5" name="Shape 5"/>
+        <p:cNvPr id="1" name="Shape 5"/>
         <p:cNvGrpSpPr/>
         <p:nvPr/>
       </p:nvGrpSpPr>
@@ -7297,7 +7648,9 @@
       <p:sp>
         <p:nvSpPr>
           <p:cNvPr id="6" name="Shape 6"/>
-          <p:cNvSpPr txBox="1"/>
+          <p:cNvSpPr txBox="1">
+            <a:spLocks noGrp="1"/>
+          </p:cNvSpPr>
           <p:nvPr>
             <p:ph type="title"/>
           </p:nvPr>
@@ -7316,7 +7669,7 @@
           </a:ln>
         </p:spPr>
         <p:txBody>
-          <a:bodyPr anchorCtr="0" anchor="b" bIns="91425" lIns="91425" rIns="91425" tIns="91425"/>
+          <a:bodyPr lIns="91425" tIns="91425" rIns="91425" bIns="91425" anchor="b" anchorCtr="0"/>
           <a:lstStyle>
             <a:lvl1pPr lvl="0">
               <a:spcBef>
@@ -7499,15 +7852,19 @@
               </a:defRPr>
             </a:lvl9pPr>
           </a:lstStyle>
-          <a:p/>
+          <a:p>
+            <a:endParaRPr/>
+          </a:p>
         </p:txBody>
       </p:sp>
       <p:sp>
         <p:nvSpPr>
           <p:cNvPr id="7" name="Shape 7"/>
-          <p:cNvSpPr txBox="1"/>
-          <p:nvPr>
-            <p:ph idx="1" type="body"/>
+          <p:cNvSpPr txBox="1">
+            <a:spLocks noGrp="1"/>
+          </p:cNvSpPr>
+          <p:nvPr>
+            <p:ph type="body" idx="1"/>
           </p:nvPr>
         </p:nvSpPr>
         <p:spPr>
@@ -7524,7 +7881,7 @@
           </a:ln>
         </p:spPr>
         <p:txBody>
-          <a:bodyPr anchorCtr="0" anchor="t" bIns="91425" lIns="91425" rIns="91425" tIns="91425"/>
+          <a:bodyPr lIns="91425" tIns="91425" rIns="91425" bIns="91425" anchor="t" anchorCtr="0"/>
           <a:lstStyle>
             <a:lvl1pPr lvl="0">
               <a:lnSpc>
@@ -7744,15 +8101,19 @@
               </a:defRPr>
             </a:lvl9pPr>
           </a:lstStyle>
-          <a:p/>
+          <a:p>
+            <a:endParaRPr/>
+          </a:p>
         </p:txBody>
       </p:sp>
       <p:sp>
         <p:nvSpPr>
           <p:cNvPr id="8" name="Shape 8"/>
-          <p:cNvSpPr txBox="1"/>
-          <p:nvPr>
-            <p:ph idx="12" type="sldNum"/>
+          <p:cNvSpPr txBox="1">
+            <a:spLocks noGrp="1"/>
+          </p:cNvSpPr>
+          <p:nvPr>
+            <p:ph type="sldNum" idx="12"/>
           </p:nvPr>
         </p:nvSpPr>
         <p:spPr>
@@ -7769,7 +8130,7 @@
           </a:ln>
         </p:spPr>
         <p:txBody>
-          <a:bodyPr anchorCtr="0" anchor="ctr" bIns="91425" lIns="91425" rIns="91425" tIns="91425">
+          <a:bodyPr lIns="91425" tIns="91425" rIns="91425" bIns="91425" anchor="ctr" anchorCtr="0">
             <a:noAutofit/>
           </a:bodyPr>
           <a:lstStyle/>
@@ -7792,12 +8153,21 @@
               </a:rPr>
               <a:t>‹#›</a:t>
             </a:fld>
+            <a:endParaRPr lang="en" sz="1000">
+              <a:solidFill>
+                <a:schemeClr val="lt2"/>
+              </a:solidFill>
+              <a:latin typeface="Roboto"/>
+              <a:ea typeface="Roboto"/>
+              <a:cs typeface="Roboto"/>
+              <a:sym typeface="Roboto"/>
+            </a:endParaRPr>
           </a:p>
         </p:txBody>
       </p:sp>
     </p:spTree>
   </p:cSld>
-  <p:clrMap accent1="accent1" accent2="accent2" accent3="accent3" accent4="accent4" accent5="accent5" accent6="accent6" bg1="lt1" bg2="dk2" tx1="dk1" tx2="lt2" folHlink="folHlink" hlink="hlink"/>
+  <p:clrMap bg1="lt1" tx1="dk1" bg2="dk2" tx2="lt2" accent1="accent1" accent2="accent2" accent3="accent3" accent4="accent4" accent5="accent5" accent6="accent6" hlink="hlink" folHlink="folHlink"/>
   <p:sldLayoutIdLst>
     <p:sldLayoutId id="2147483648" r:id="rId1"/>
     <p:sldLayoutId id="2147483649" r:id="rId2"/>
@@ -7811,10 +8181,10 @@
     <p:sldLayoutId id="2147483657" r:id="rId10"/>
     <p:sldLayoutId id="2147483658" r:id="rId11"/>
   </p:sldLayoutIdLst>
-  <p:hf dt="0" ftr="0" hdr="0" sldNum="0"/>
+  <p:hf sldNum="0" hdr="0" ftr="0" dt="0"/>
   <p:txStyles>
     <p:titleStyle>
-      <a:defPPr lvl="0" marR="0" rtl="0" algn="l">
+      <a:defPPr marR="0" lvl="0" algn="l" rtl="0">
         <a:lnSpc>
           <a:spcPct val="100000"/>
         </a:lnSpc>
@@ -7825,7 +8195,7 @@
           <a:spcPts val="0"/>
         </a:spcAft>
       </a:defPPr>
-      <a:lvl1pPr lvl="0" marR="0" rtl="0" algn="l">
+      <a:lvl1pPr marR="0" lvl="0" algn="l" rtl="0">
         <a:lnSpc>
           <a:spcPct val="100000"/>
         </a:lnSpc>
@@ -7836,7 +8206,7 @@
           <a:spcPts val="0"/>
         </a:spcAft>
         <a:buNone/>
-        <a:defRPr b="0" i="0" sz="1400" u="none" cap="none" strike="noStrike">
+        <a:defRPr sz="1400" b="0" i="0" u="none" strike="noStrike" cap="none">
           <a:solidFill>
             <a:srgbClr val="000000"/>
           </a:solidFill>
@@ -7848,7 +8218,7 @@
       </a:lvl1pPr>
     </p:titleStyle>
     <p:bodyStyle>
-      <a:defPPr lvl="0" marR="0" rtl="0" algn="l">
+      <a:defPPr marR="0" lvl="0" algn="l" rtl="0">
         <a:lnSpc>
           <a:spcPct val="100000"/>
         </a:lnSpc>
@@ -7859,7 +8229,7 @@
           <a:spcPts val="0"/>
         </a:spcAft>
       </a:defPPr>
-      <a:lvl1pPr lvl="0" marR="0" rtl="0" algn="l">
+      <a:lvl1pPr marR="0" lvl="0" algn="l" rtl="0">
         <a:lnSpc>
           <a:spcPct val="100000"/>
         </a:lnSpc>
@@ -7870,7 +8240,7 @@
           <a:spcPts val="0"/>
         </a:spcAft>
         <a:buNone/>
-        <a:defRPr b="0" i="0" sz="1400" u="none" cap="none" strike="noStrike">
+        <a:defRPr sz="1400" b="0" i="0" u="none" strike="noStrike" cap="none">
           <a:solidFill>
             <a:srgbClr val="000000"/>
           </a:solidFill>
@@ -7880,7 +8250,7 @@
           <a:sym typeface="Arial"/>
         </a:defRPr>
       </a:lvl1pPr>
-      <a:lvl2pPr lvl="1" marR="0" rtl="0" algn="l">
+      <a:lvl2pPr marR="0" lvl="1" algn="l" rtl="0">
         <a:lnSpc>
           <a:spcPct val="100000"/>
         </a:lnSpc>
@@ -7891,7 +8261,7 @@
           <a:spcPts val="0"/>
         </a:spcAft>
         <a:buNone/>
-        <a:defRPr b="0" i="0" sz="1400" u="none" cap="none" strike="noStrike">
+        <a:defRPr sz="1400" b="0" i="0" u="none" strike="noStrike" cap="none">
           <a:solidFill>
             <a:srgbClr val="000000"/>
           </a:solidFill>
@@ -7901,7 +8271,7 @@
           <a:sym typeface="Arial"/>
         </a:defRPr>
       </a:lvl2pPr>
-      <a:lvl3pPr lvl="2" marR="0" rtl="0" algn="l">
+      <a:lvl3pPr marR="0" lvl="2" algn="l" rtl="0">
         <a:lnSpc>
           <a:spcPct val="100000"/>
         </a:lnSpc>
@@ -7912,7 +8282,7 @@
           <a:spcPts val="0"/>
         </a:spcAft>
         <a:buNone/>
-        <a:defRPr b="0" i="0" sz="1400" u="none" cap="none" strike="noStrike">
+        <a:defRPr sz="1400" b="0" i="0" u="none" strike="noStrike" cap="none">
           <a:solidFill>
             <a:srgbClr val="000000"/>
           </a:solidFill>
@@ -7922,7 +8292,7 @@
           <a:sym typeface="Arial"/>
         </a:defRPr>
       </a:lvl3pPr>
-      <a:lvl4pPr lvl="3" marR="0" rtl="0" algn="l">
+      <a:lvl4pPr marR="0" lvl="3" algn="l" rtl="0">
         <a:lnSpc>
           <a:spcPct val="100000"/>
         </a:lnSpc>
@@ -7933,7 +8303,7 @@
           <a:spcPts val="0"/>
         </a:spcAft>
         <a:buNone/>
-        <a:defRPr b="0" i="0" sz="1400" u="none" cap="none" strike="noStrike">
+        <a:defRPr sz="1400" b="0" i="0" u="none" strike="noStrike" cap="none">
           <a:solidFill>
             <a:srgbClr val="000000"/>
           </a:solidFill>
@@ -7943,7 +8313,7 @@
           <a:sym typeface="Arial"/>
         </a:defRPr>
       </a:lvl4pPr>
-      <a:lvl5pPr lvl="4" marR="0" rtl="0" algn="l">
+      <a:lvl5pPr marR="0" lvl="4" algn="l" rtl="0">
         <a:lnSpc>
           <a:spcPct val="100000"/>
         </a:lnSpc>
@@ -7954,7 +8324,7 @@
           <a:spcPts val="0"/>
         </a:spcAft>
         <a:buNone/>
-        <a:defRPr b="0" i="0" sz="1400" u="none" cap="none" strike="noStrike">
+        <a:defRPr sz="1400" b="0" i="0" u="none" strike="noStrike" cap="none">
           <a:solidFill>
             <a:srgbClr val="000000"/>
           </a:solidFill>
@@ -7964,7 +8334,7 @@
           <a:sym typeface="Arial"/>
         </a:defRPr>
       </a:lvl5pPr>
-      <a:lvl6pPr lvl="5" marR="0" rtl="0" algn="l">
+      <a:lvl6pPr marR="0" lvl="5" algn="l" rtl="0">
         <a:lnSpc>
           <a:spcPct val="100000"/>
         </a:lnSpc>
@@ -7975,7 +8345,7 @@
           <a:spcPts val="0"/>
         </a:spcAft>
         <a:buNone/>
-        <a:defRPr b="0" i="0" sz="1400" u="none" cap="none" strike="noStrike">
+        <a:defRPr sz="1400" b="0" i="0" u="none" strike="noStrike" cap="none">
           <a:solidFill>
             <a:srgbClr val="000000"/>
           </a:solidFill>
@@ -7985,7 +8355,7 @@
           <a:sym typeface="Arial"/>
         </a:defRPr>
       </a:lvl6pPr>
-      <a:lvl7pPr lvl="6" marR="0" rtl="0" algn="l">
+      <a:lvl7pPr marR="0" lvl="6" algn="l" rtl="0">
         <a:lnSpc>
           <a:spcPct val="100000"/>
         </a:lnSpc>
@@ -7996,7 +8366,7 @@
           <a:spcPts val="0"/>
         </a:spcAft>
         <a:buNone/>
-        <a:defRPr b="0" i="0" sz="1400" u="none" cap="none" strike="noStrike">
+        <a:defRPr sz="1400" b="0" i="0" u="none" strike="noStrike" cap="none">
           <a:solidFill>
             <a:srgbClr val="000000"/>
           </a:solidFill>
@@ -8006,7 +8376,7 @@
           <a:sym typeface="Arial"/>
         </a:defRPr>
       </a:lvl7pPr>
-      <a:lvl8pPr lvl="7" marR="0" rtl="0" algn="l">
+      <a:lvl8pPr marR="0" lvl="7" algn="l" rtl="0">
         <a:lnSpc>
           <a:spcPct val="100000"/>
         </a:lnSpc>
@@ -8017,7 +8387,7 @@
           <a:spcPts val="0"/>
         </a:spcAft>
         <a:buNone/>
-        <a:defRPr b="0" i="0" sz="1400" u="none" cap="none" strike="noStrike">
+        <a:defRPr sz="1400" b="0" i="0" u="none" strike="noStrike" cap="none">
           <a:solidFill>
             <a:srgbClr val="000000"/>
           </a:solidFill>
@@ -8027,7 +8397,7 @@
           <a:sym typeface="Arial"/>
         </a:defRPr>
       </a:lvl8pPr>
-      <a:lvl9pPr lvl="8" marR="0" rtl="0" algn="l">
+      <a:lvl9pPr marR="0" lvl="8" algn="l" rtl="0">
         <a:lnSpc>
           <a:spcPct val="100000"/>
         </a:lnSpc>
@@ -8038,7 +8408,7 @@
           <a:spcPts val="0"/>
         </a:spcAft>
         <a:buNone/>
-        <a:defRPr b="0" i="0" sz="1400" u="none" cap="none" strike="noStrike">
+        <a:defRPr sz="1400" b="0" i="0" u="none" strike="noStrike" cap="none">
           <a:solidFill>
             <a:srgbClr val="000000"/>
           </a:solidFill>
@@ -8050,7 +8420,7 @@
       </a:lvl9pPr>
     </p:bodyStyle>
     <p:otherStyle>
-      <a:defPPr lvl="0" marR="0" rtl="0" algn="l">
+      <a:defPPr marR="0" lvl="0" algn="l" rtl="0">
         <a:lnSpc>
           <a:spcPct val="100000"/>
         </a:lnSpc>
@@ -8061,7 +8431,7 @@
           <a:spcPts val="0"/>
         </a:spcAft>
       </a:defPPr>
-      <a:lvl1pPr lvl="0" marR="0" rtl="0" algn="l">
+      <a:lvl1pPr marR="0" lvl="0" algn="l" rtl="0">
         <a:lnSpc>
           <a:spcPct val="100000"/>
         </a:lnSpc>
@@ -8072,7 +8442,7 @@
           <a:spcPts val="0"/>
         </a:spcAft>
         <a:buNone/>
-        <a:defRPr b="0" i="0" sz="1400" u="none" cap="none" strike="noStrike">
+        <a:defRPr sz="1400" b="0" i="0" u="none" strike="noStrike" cap="none">
           <a:solidFill>
             <a:srgbClr val="000000"/>
           </a:solidFill>
@@ -8082,7 +8452,7 @@
           <a:sym typeface="Arial"/>
         </a:defRPr>
       </a:lvl1pPr>
-      <a:lvl2pPr lvl="1" marR="0" rtl="0" algn="l">
+      <a:lvl2pPr marR="0" lvl="1" algn="l" rtl="0">
         <a:lnSpc>
           <a:spcPct val="100000"/>
         </a:lnSpc>
@@ -8093,7 +8463,7 @@
           <a:spcPts val="0"/>
         </a:spcAft>
         <a:buNone/>
-        <a:defRPr b="0" i="0" sz="1400" u="none" cap="none" strike="noStrike">
+        <a:defRPr sz="1400" b="0" i="0" u="none" strike="noStrike" cap="none">
           <a:solidFill>
             <a:srgbClr val="000000"/>
           </a:solidFill>
@@ -8103,7 +8473,7 @@
           <a:sym typeface="Arial"/>
         </a:defRPr>
       </a:lvl2pPr>
-      <a:lvl3pPr lvl="2" marR="0" rtl="0" algn="l">
+      <a:lvl3pPr marR="0" lvl="2" algn="l" rtl="0">
         <a:lnSpc>
           <a:spcPct val="100000"/>
         </a:lnSpc>
@@ -8114,7 +8484,7 @@
           <a:spcPts val="0"/>
         </a:spcAft>
         <a:buNone/>
-        <a:defRPr b="0" i="0" sz="1400" u="none" cap="none" strike="noStrike">
+        <a:defRPr sz="1400" b="0" i="0" u="none" strike="noStrike" cap="none">
           <a:solidFill>
             <a:srgbClr val="000000"/>
           </a:solidFill>
@@ -8124,7 +8494,7 @@
           <a:sym typeface="Arial"/>
         </a:defRPr>
       </a:lvl3pPr>
-      <a:lvl4pPr lvl="3" marR="0" rtl="0" algn="l">
+      <a:lvl4pPr marR="0" lvl="3" algn="l" rtl="0">
         <a:lnSpc>
           <a:spcPct val="100000"/>
         </a:lnSpc>
@@ -8135,7 +8505,7 @@
           <a:spcPts val="0"/>
         </a:spcAft>
         <a:buNone/>
-        <a:defRPr b="0" i="0" sz="1400" u="none" cap="none" strike="noStrike">
+        <a:defRPr sz="1400" b="0" i="0" u="none" strike="noStrike" cap="none">
           <a:solidFill>
             <a:srgbClr val="000000"/>
           </a:solidFill>
@@ -8145,7 +8515,7 @@
           <a:sym typeface="Arial"/>
         </a:defRPr>
       </a:lvl4pPr>
-      <a:lvl5pPr lvl="4" marR="0" rtl="0" algn="l">
+      <a:lvl5pPr marR="0" lvl="4" algn="l" rtl="0">
         <a:lnSpc>
           <a:spcPct val="100000"/>
         </a:lnSpc>
@@ -8156,7 +8526,7 @@
           <a:spcPts val="0"/>
         </a:spcAft>
         <a:buNone/>
-        <a:defRPr b="0" i="0" sz="1400" u="none" cap="none" strike="noStrike">
+        <a:defRPr sz="1400" b="0" i="0" u="none" strike="noStrike" cap="none">
           <a:solidFill>
             <a:srgbClr val="000000"/>
           </a:solidFill>
@@ -8166,7 +8536,7 @@
           <a:sym typeface="Arial"/>
         </a:defRPr>
       </a:lvl5pPr>
-      <a:lvl6pPr lvl="5" marR="0" rtl="0" algn="l">
+      <a:lvl6pPr marR="0" lvl="5" algn="l" rtl="0">
         <a:lnSpc>
           <a:spcPct val="100000"/>
         </a:lnSpc>
@@ -8177,7 +8547,7 @@
           <a:spcPts val="0"/>
         </a:spcAft>
         <a:buNone/>
-        <a:defRPr b="0" i="0" sz="1400" u="none" cap="none" strike="noStrike">
+        <a:defRPr sz="1400" b="0" i="0" u="none" strike="noStrike" cap="none">
           <a:solidFill>
             <a:srgbClr val="000000"/>
           </a:solidFill>
@@ -8187,7 +8557,7 @@
           <a:sym typeface="Arial"/>
         </a:defRPr>
       </a:lvl6pPr>
-      <a:lvl7pPr lvl="6" marR="0" rtl="0" algn="l">
+      <a:lvl7pPr marR="0" lvl="6" algn="l" rtl="0">
         <a:lnSpc>
           <a:spcPct val="100000"/>
         </a:lnSpc>
@@ -8198,7 +8568,7 @@
           <a:spcPts val="0"/>
         </a:spcAft>
         <a:buNone/>
-        <a:defRPr b="0" i="0" sz="1400" u="none" cap="none" strike="noStrike">
+        <a:defRPr sz="1400" b="0" i="0" u="none" strike="noStrike" cap="none">
           <a:solidFill>
             <a:srgbClr val="000000"/>
           </a:solidFill>
@@ -8208,7 +8578,7 @@
           <a:sym typeface="Arial"/>
         </a:defRPr>
       </a:lvl7pPr>
-      <a:lvl8pPr lvl="7" marR="0" rtl="0" algn="l">
+      <a:lvl8pPr marR="0" lvl="7" algn="l" rtl="0">
         <a:lnSpc>
           <a:spcPct val="100000"/>
         </a:lnSpc>
@@ -8219,7 +8589,7 @@
           <a:spcPts val="0"/>
         </a:spcAft>
         <a:buNone/>
-        <a:defRPr b="0" i="0" sz="1400" u="none" cap="none" strike="noStrike">
+        <a:defRPr sz="1400" b="0" i="0" u="none" strike="noStrike" cap="none">
           <a:solidFill>
             <a:srgbClr val="000000"/>
           </a:solidFill>
@@ -8229,7 +8599,7 @@
           <a:sym typeface="Arial"/>
         </a:defRPr>
       </a:lvl8pPr>
-      <a:lvl9pPr lvl="8" marR="0" rtl="0" algn="l">
+      <a:lvl9pPr marR="0" lvl="8" algn="l" rtl="0">
         <a:lnSpc>
           <a:spcPct val="100000"/>
         </a:lnSpc>
@@ -8240,7 +8610,7 @@
           <a:spcPts val="0"/>
         </a:spcAft>
         <a:buNone/>
-        <a:defRPr b="0" i="0" sz="1400" u="none" cap="none" strike="noStrike">
+        <a:defRPr sz="1400" b="0" i="0" u="none" strike="noStrike" cap="none">
           <a:solidFill>
             <a:srgbClr val="000000"/>
           </a:solidFill>
@@ -8256,11 +8626,11 @@
 </file>
 
 <file path=ppt/slides/slide1.xml><?xml version="1.0" encoding="utf-8"?>
-<p:sld xmlns:a="http://schemas.openxmlformats.org/drawingml/2006/main" xmlns:r="http://schemas.openxmlformats.org/officeDocument/2006/relationships" xmlns:mc="http://schemas.openxmlformats.org/markup-compatibility/2006" xmlns:mv="urn:schemas-microsoft-com:mac:vml" xmlns:p="http://schemas.openxmlformats.org/presentationml/2006/main" xmlns:c="http://schemas.openxmlformats.org/drawingml/2006/chart" xmlns:dgm="http://schemas.openxmlformats.org/drawingml/2006/diagram" xmlns:o="urn:schemas-microsoft-com:office:office" xmlns:v="urn:schemas-microsoft-com:vml" xmlns:pvml="urn:schemas-microsoft-com:office:powerpoint" xmlns:com="http://schemas.openxmlformats.org/drawingml/2006/compatibility" xmlns:p14="http://schemas.microsoft.com/office/powerpoint/2010/main">
+<p:sld xmlns:a="http://schemas.openxmlformats.org/drawingml/2006/main" xmlns:r="http://schemas.openxmlformats.org/officeDocument/2006/relationships" xmlns:p="http://schemas.openxmlformats.org/presentationml/2006/main">
   <p:cSld>
     <p:spTree>
       <p:nvGrpSpPr>
-        <p:cNvPr id="66" name="Shape 66"/>
+        <p:cNvPr id="1" name="Shape 66"/>
         <p:cNvGrpSpPr/>
         <p:nvPr/>
       </p:nvGrpSpPr>
@@ -8275,7 +8645,9 @@
       <p:sp>
         <p:nvSpPr>
           <p:cNvPr id="67" name="Shape 67"/>
-          <p:cNvSpPr txBox="1"/>
+          <p:cNvSpPr txBox="1">
+            <a:spLocks noGrp="1"/>
+          </p:cNvSpPr>
           <p:nvPr>
             <p:ph type="ctrTitle"/>
           </p:nvPr>
@@ -8290,7 +8662,7 @@
           </a:prstGeom>
         </p:spPr>
         <p:txBody>
-          <a:bodyPr anchorCtr="0" anchor="b" bIns="91425" lIns="91425" rIns="91425" tIns="91425">
+          <a:bodyPr lIns="91425" tIns="91425" rIns="91425" bIns="91425" anchor="b" anchorCtr="0">
             <a:noAutofit/>
           </a:bodyPr>
           <a:lstStyle/>
@@ -8311,9 +8683,11 @@
       <p:sp>
         <p:nvSpPr>
           <p:cNvPr id="68" name="Shape 68"/>
-          <p:cNvSpPr txBox="1"/>
-          <p:nvPr>
-            <p:ph idx="1" type="subTitle"/>
+          <p:cNvSpPr txBox="1">
+            <a:spLocks noGrp="1"/>
+          </p:cNvSpPr>
+          <p:nvPr>
+            <p:ph type="subTitle" idx="1"/>
           </p:nvPr>
         </p:nvSpPr>
         <p:spPr>
@@ -8326,7 +8700,7 @@
           </a:prstGeom>
         </p:spPr>
         <p:txBody>
-          <a:bodyPr anchorCtr="0" anchor="t" bIns="91425" lIns="91425" rIns="91425" tIns="91425">
+          <a:bodyPr lIns="91425" tIns="91425" rIns="91425" bIns="91425" anchor="t" anchorCtr="0">
             <a:noAutofit/>
           </a:bodyPr>
           <a:lstStyle/>
@@ -8353,11 +8727,11 @@
 </file>
 
 <file path=ppt/slides/slide10.xml><?xml version="1.0" encoding="utf-8"?>
-<p:sld xmlns:a="http://schemas.openxmlformats.org/drawingml/2006/main" xmlns:r="http://schemas.openxmlformats.org/officeDocument/2006/relationships" xmlns:mc="http://schemas.openxmlformats.org/markup-compatibility/2006" xmlns:mv="urn:schemas-microsoft-com:mac:vml" xmlns:p="http://schemas.openxmlformats.org/presentationml/2006/main" xmlns:c="http://schemas.openxmlformats.org/drawingml/2006/chart" xmlns:dgm="http://schemas.openxmlformats.org/drawingml/2006/diagram" xmlns:o="urn:schemas-microsoft-com:office:office" xmlns:v="urn:schemas-microsoft-com:vml" xmlns:pvml="urn:schemas-microsoft-com:office:powerpoint" xmlns:com="http://schemas.openxmlformats.org/drawingml/2006/compatibility" xmlns:p14="http://schemas.microsoft.com/office/powerpoint/2010/main">
+<p:sld xmlns:a="http://schemas.openxmlformats.org/drawingml/2006/main" xmlns:r="http://schemas.openxmlformats.org/officeDocument/2006/relationships" xmlns:p="http://schemas.openxmlformats.org/presentationml/2006/main">
   <p:cSld>
     <p:spTree>
       <p:nvGrpSpPr>
-        <p:cNvPr id="128" name="Shape 128"/>
+        <p:cNvPr id="1" name="Shape 128"/>
         <p:cNvGrpSpPr/>
         <p:nvPr/>
       </p:nvGrpSpPr>
@@ -8372,7 +8746,9 @@
       <p:sp>
         <p:nvSpPr>
           <p:cNvPr id="129" name="Shape 129"/>
-          <p:cNvSpPr txBox="1"/>
+          <p:cNvSpPr txBox="1">
+            <a:spLocks noGrp="1"/>
+          </p:cNvSpPr>
           <p:nvPr>
             <p:ph type="title"/>
           </p:nvPr>
@@ -8387,7 +8763,7 @@
           </a:prstGeom>
         </p:spPr>
         <p:txBody>
-          <a:bodyPr anchorCtr="0" anchor="b" bIns="91425" lIns="91425" rIns="91425" tIns="91425">
+          <a:bodyPr lIns="91425" tIns="91425" rIns="91425" bIns="91425" anchor="b" anchorCtr="0">
             <a:noAutofit/>
           </a:bodyPr>
           <a:lstStyle/>
@@ -8408,9 +8784,11 @@
       <p:sp>
         <p:nvSpPr>
           <p:cNvPr id="130" name="Shape 130"/>
-          <p:cNvSpPr txBox="1"/>
-          <p:nvPr>
-            <p:ph idx="1" type="body"/>
+          <p:cNvSpPr txBox="1">
+            <a:spLocks noGrp="1"/>
+          </p:cNvSpPr>
+          <p:nvPr>
+            <p:ph type="body" idx="1"/>
           </p:nvPr>
         </p:nvSpPr>
         <p:spPr>
@@ -8423,12 +8801,12 @@
           </a:prstGeom>
         </p:spPr>
         <p:txBody>
-          <a:bodyPr anchorCtr="0" anchor="t" bIns="91425" lIns="91425" rIns="91425" tIns="91425">
+          <a:bodyPr lIns="91425" tIns="91425" rIns="91425" bIns="91425" anchor="t" anchorCtr="0">
             <a:noAutofit/>
           </a:bodyPr>
           <a:lstStyle/>
           <a:p>
-            <a:pPr indent="-228600" lvl="0" marL="457200" marR="0" rtl="0" algn="l">
+            <a:pPr marL="457200" marR="0" lvl="0" indent="-228600" algn="l" rtl="0">
               <a:lnSpc>
                 <a:spcPct val="115000"/>
               </a:lnSpc>
@@ -8436,16 +8814,16 @@
                 <a:spcPts val="0"/>
               </a:spcBef>
               <a:spcAft>
-                <a:spcPts val="1600"/>
+                <a:spcPts val="0"/>
               </a:spcAft>
             </a:pPr>
             <a:r>
-              <a:rPr lang="en"/>
+              <a:rPr lang="en" dirty="0"/>
               <a:t>Actors: Survey Creator</a:t>
             </a:r>
           </a:p>
           <a:p>
-            <a:pPr indent="-228600" lvl="0" marL="457200" marR="0" rtl="0" algn="l">
+            <a:pPr marL="457200" marR="0" lvl="0" indent="-228600" algn="l" rtl="0">
               <a:lnSpc>
                 <a:spcPct val="115000"/>
               </a:lnSpc>
@@ -8453,16 +8831,16 @@
                 <a:spcPts val="0"/>
               </a:spcBef>
               <a:spcAft>
-                <a:spcPts val="1600"/>
+                <a:spcPts val="0"/>
               </a:spcAft>
             </a:pPr>
             <a:r>
-              <a:rPr lang="en"/>
+              <a:rPr lang="en" dirty="0"/>
               <a:t>Goals: Allow a survey creator to add branching logic to a question</a:t>
             </a:r>
           </a:p>
           <a:p>
-            <a:pPr indent="-228600" lvl="0" marL="457200" marR="0" rtl="0" algn="l">
+            <a:pPr marL="457200" marR="0" lvl="0" indent="-228600" algn="l" rtl="0">
               <a:lnSpc>
                 <a:spcPct val="115000"/>
               </a:lnSpc>
@@ -8470,16 +8848,16 @@
                 <a:spcPts val="0"/>
               </a:spcBef>
               <a:spcAft>
-                <a:spcPts val="1600"/>
+                <a:spcPts val="0"/>
               </a:spcAft>
             </a:pPr>
             <a:r>
-              <a:rPr lang="en"/>
+              <a:rPr lang="en" dirty="0"/>
               <a:t>Precondition: User editing a question</a:t>
             </a:r>
           </a:p>
           <a:p>
-            <a:pPr lvl="0" marR="0" rtl="0" algn="l">
+            <a:pPr marR="0" lvl="0" algn="l" rtl="0">
               <a:lnSpc>
                 <a:spcPct val="115000"/>
               </a:lnSpc>
@@ -8487,26 +8865,23 @@
                 <a:spcPts val="0"/>
               </a:spcBef>
               <a:spcAft>
-                <a:spcPts val="1600"/>
+                <a:spcPts val="0"/>
               </a:spcAft>
               <a:buNone/>
             </a:pPr>
-            <a:r>
-              <a:t/>
-            </a:r>
-            <a:endParaRPr/>
-          </a:p>
-          <a:p>
-            <a:pPr indent="0" lvl="0" marL="457200" rtl="0">
-              <a:spcBef>
-                <a:spcPts val="0"/>
-              </a:spcBef>
-              <a:buNone/>
-            </a:pPr>
-            <a:r>
-              <a:t/>
-            </a:r>
-            <a:endParaRPr i="1"/>
+            <a:endParaRPr dirty="0"/>
+          </a:p>
+          <a:p>
+            <a:pPr marL="457200" lvl="0" indent="0" rtl="0">
+              <a:spcBef>
+                <a:spcPts val="0"/>
+              </a:spcBef>
+              <a:spcAft>
+                <a:spcPts val="0"/>
+              </a:spcAft>
+              <a:buNone/>
+            </a:pPr>
+            <a:endParaRPr i="1" dirty="0"/>
           </a:p>
         </p:txBody>
       </p:sp>
@@ -8518,14 +8893,14 @@
         </p:nvGraphicFramePr>
         <p:xfrm>
           <a:off x="952500" y="2709000"/>
-          <a:ext cx="3000000" cy="3000000"/>
+          <a:ext cx="7239000" cy="2224950"/>
         </p:xfrm>
         <a:graphic>
           <a:graphicData uri="http://schemas.openxmlformats.org/drawingml/2006/table">
             <a:tbl>
               <a:tblPr>
                 <a:noFill/>
-                <a:tableStyleId>{80CEDE96-3FA8-49A0-B12E-D341AC779A75}</a:tableStyleId>
+                <a:tableStyleId>{71D25B34-9C24-45F3-B92D-E5A9280983F7}</a:tableStyleId>
               </a:tblPr>
               <a:tblGrid>
                 <a:gridCol w="3619500"/>
@@ -8534,9 +8909,7 @@
               <a:tr h="381000">
                 <a:tc>
                   <a:txBody>
-                    <a:bodyPr>
-                      <a:noAutofit/>
-                    </a:bodyPr>
+                    <a:bodyPr/>
                     <a:lstStyle/>
                     <a:p>
                       <a:pPr lvl="0">
@@ -8551,13 +8924,11 @@
                       </a:r>
                     </a:p>
                   </a:txBody>
-                  <a:tcPr marT="91425" marB="91425" marR="91425" marL="91425"/>
+                  <a:tcPr marL="91425" marR="91425" marT="91425" marB="91425"/>
                 </a:tc>
                 <a:tc>
                   <a:txBody>
-                    <a:bodyPr>
-                      <a:noAutofit/>
-                    </a:bodyPr>
+                    <a:bodyPr/>
                     <a:lstStyle/>
                     <a:p>
                       <a:pPr lvl="0">
@@ -8572,15 +8943,13 @@
                       </a:r>
                     </a:p>
                   </a:txBody>
-                  <a:tcPr marT="91425" marB="91425" marR="91425" marL="91425"/>
+                  <a:tcPr marL="91425" marR="91425" marT="91425" marB="91425"/>
                 </a:tc>
               </a:tr>
               <a:tr h="381000">
                 <a:tc>
                   <a:txBody>
-                    <a:bodyPr>
-                      <a:noAutofit/>
-                    </a:bodyPr>
+                    <a:bodyPr/>
                     <a:lstStyle/>
                     <a:p>
                       <a:pPr lvl="0">
@@ -8595,13 +8964,11 @@
                       </a:r>
                     </a:p>
                   </a:txBody>
-                  <a:tcPr marT="91425" marB="91425" marR="91425" marL="91425"/>
+                  <a:tcPr marL="91425" marR="91425" marT="91425" marB="91425"/>
                 </a:tc>
                 <a:tc>
                   <a:txBody>
-                    <a:bodyPr>
-                      <a:noAutofit/>
-                    </a:bodyPr>
+                    <a:bodyPr/>
                     <a:lstStyle/>
                     <a:p>
                       <a:pPr lvl="0">
@@ -8616,15 +8983,13 @@
                       </a:r>
                     </a:p>
                   </a:txBody>
-                  <a:tcPr marT="91425" marB="91425" marR="91425" marL="91425"/>
+                  <a:tcPr marL="91425" marR="91425" marT="91425" marB="91425"/>
                 </a:tc>
               </a:tr>
               <a:tr h="381000">
                 <a:tc>
                   <a:txBody>
-                    <a:bodyPr>
-                      <a:noAutofit/>
-                    </a:bodyPr>
+                    <a:bodyPr/>
                     <a:lstStyle/>
                     <a:p>
                       <a:pPr lvl="0">
@@ -8639,13 +9004,11 @@
                       </a:r>
                     </a:p>
                   </a:txBody>
-                  <a:tcPr marT="91425" marB="91425" marR="91425" marL="91425"/>
+                  <a:tcPr marL="91425" marR="91425" marT="91425" marB="91425"/>
                 </a:tc>
                 <a:tc>
                   <a:txBody>
-                    <a:bodyPr>
-                      <a:noAutofit/>
-                    </a:bodyPr>
+                    <a:bodyPr/>
                     <a:lstStyle/>
                     <a:p>
                       <a:pPr lvl="0">
@@ -8654,13 +9017,10 @@
                         </a:spcBef>
                         <a:buNone/>
                       </a:pPr>
-                      <a:r>
-                        <a:t/>
-                      </a:r>
                       <a:endParaRPr/>
                     </a:p>
                   </a:txBody>
-                  <a:tcPr marT="91425" marB="91425" marR="91425" marL="91425"/>
+                  <a:tcPr marL="91425" marR="91425" marT="91425" marB="91425"/>
                 </a:tc>
               </a:tr>
             </a:tbl>
@@ -8676,11 +9036,11 @@
 </file>
 
 <file path=ppt/slides/slide11.xml><?xml version="1.0" encoding="utf-8"?>
-<p:sld xmlns:a="http://schemas.openxmlformats.org/drawingml/2006/main" xmlns:r="http://schemas.openxmlformats.org/officeDocument/2006/relationships" xmlns:mc="http://schemas.openxmlformats.org/markup-compatibility/2006" xmlns:mv="urn:schemas-microsoft-com:mac:vml" xmlns:p="http://schemas.openxmlformats.org/presentationml/2006/main" xmlns:c="http://schemas.openxmlformats.org/drawingml/2006/chart" xmlns:dgm="http://schemas.openxmlformats.org/drawingml/2006/diagram" xmlns:o="urn:schemas-microsoft-com:office:office" xmlns:v="urn:schemas-microsoft-com:vml" xmlns:pvml="urn:schemas-microsoft-com:office:powerpoint" xmlns:com="http://schemas.openxmlformats.org/drawingml/2006/compatibility" xmlns:p14="http://schemas.microsoft.com/office/powerpoint/2010/main">
+<p:sld xmlns:a="http://schemas.openxmlformats.org/drawingml/2006/main" xmlns:r="http://schemas.openxmlformats.org/officeDocument/2006/relationships" xmlns:p="http://schemas.openxmlformats.org/presentationml/2006/main">
   <p:cSld>
     <p:spTree>
       <p:nvGrpSpPr>
-        <p:cNvPr id="135" name="Shape 135"/>
+        <p:cNvPr id="1" name="Shape 135"/>
         <p:cNvGrpSpPr/>
         <p:nvPr/>
       </p:nvGrpSpPr>
@@ -8695,7 +9055,9 @@
       <p:sp>
         <p:nvSpPr>
           <p:cNvPr id="136" name="Shape 136"/>
-          <p:cNvSpPr txBox="1"/>
+          <p:cNvSpPr txBox="1">
+            <a:spLocks noGrp="1"/>
+          </p:cNvSpPr>
           <p:nvPr>
             <p:ph type="title"/>
           </p:nvPr>
@@ -8710,7 +9072,7 @@
           </a:prstGeom>
         </p:spPr>
         <p:txBody>
-          <a:bodyPr anchorCtr="0" anchor="b" bIns="91425" lIns="91425" rIns="91425" tIns="91425">
+          <a:bodyPr lIns="91425" tIns="91425" rIns="91425" bIns="91425" anchor="b" anchorCtr="0">
             <a:noAutofit/>
           </a:bodyPr>
           <a:lstStyle/>
@@ -8731,9 +9093,11 @@
       <p:sp>
         <p:nvSpPr>
           <p:cNvPr id="137" name="Shape 137"/>
-          <p:cNvSpPr txBox="1"/>
-          <p:nvPr>
-            <p:ph idx="1" type="body"/>
+          <p:cNvSpPr txBox="1">
+            <a:spLocks noGrp="1"/>
+          </p:cNvSpPr>
+          <p:nvPr>
+            <p:ph type="body" idx="1"/>
           </p:nvPr>
         </p:nvSpPr>
         <p:spPr>
@@ -8746,12 +9110,12 @@
           </a:prstGeom>
         </p:spPr>
         <p:txBody>
-          <a:bodyPr anchorCtr="0" anchor="t" bIns="91425" lIns="91425" rIns="91425" tIns="91425">
+          <a:bodyPr lIns="91425" tIns="91425" rIns="91425" bIns="91425" anchor="t" anchorCtr="0">
             <a:noAutofit/>
           </a:bodyPr>
           <a:lstStyle/>
           <a:p>
-            <a:pPr indent="-228600" lvl="0" marL="457200" marR="0" rtl="0" algn="l">
+            <a:pPr marL="457200" marR="0" lvl="0" indent="-228600" algn="l" rtl="0">
               <a:lnSpc>
                 <a:spcPct val="115000"/>
               </a:lnSpc>
@@ -8759,16 +9123,16 @@
                 <a:spcPts val="0"/>
               </a:spcBef>
               <a:spcAft>
-                <a:spcPts val="1600"/>
+                <a:spcPts val="0"/>
               </a:spcAft>
             </a:pPr>
             <a:r>
-              <a:rPr lang="en"/>
+              <a:rPr lang="en" dirty="0"/>
               <a:t>Actors: Survey Creator</a:t>
             </a:r>
           </a:p>
           <a:p>
-            <a:pPr indent="-228600" lvl="0" marL="457200" marR="0" rtl="0" algn="l">
+            <a:pPr marL="457200" marR="0" lvl="0" indent="-228600" algn="l" rtl="0">
               <a:lnSpc>
                 <a:spcPct val="115000"/>
               </a:lnSpc>
@@ -8776,16 +9140,16 @@
                 <a:spcPts val="0"/>
               </a:spcBef>
               <a:spcAft>
-                <a:spcPts val="1600"/>
+                <a:spcPts val="0"/>
               </a:spcAft>
             </a:pPr>
             <a:r>
-              <a:rPr lang="en"/>
+              <a:rPr lang="en" dirty="0"/>
               <a:t>Goals: Add a manual conjoint trade off question to the survey.</a:t>
             </a:r>
           </a:p>
           <a:p>
-            <a:pPr indent="-228600" lvl="0" marL="457200" marR="0" rtl="0" algn="l">
+            <a:pPr marL="457200" marR="0" lvl="0" indent="-228600" algn="l" rtl="0">
               <a:lnSpc>
                 <a:spcPct val="115000"/>
               </a:lnSpc>
@@ -8793,16 +9157,16 @@
                 <a:spcPts val="0"/>
               </a:spcBef>
               <a:spcAft>
-                <a:spcPts val="1600"/>
+                <a:spcPts val="0"/>
               </a:spcAft>
             </a:pPr>
             <a:r>
-              <a:rPr lang="en"/>
+              <a:rPr lang="en" dirty="0"/>
               <a:t>Precondition: User editing a survey</a:t>
             </a:r>
           </a:p>
           <a:p>
-            <a:pPr lvl="0" marR="0" rtl="0" algn="l">
+            <a:pPr marR="0" lvl="0" algn="l" rtl="0">
               <a:lnSpc>
                 <a:spcPct val="115000"/>
               </a:lnSpc>
@@ -8810,26 +9174,23 @@
                 <a:spcPts val="0"/>
               </a:spcBef>
               <a:spcAft>
-                <a:spcPts val="1600"/>
+                <a:spcPts val="0"/>
               </a:spcAft>
               <a:buNone/>
             </a:pPr>
-            <a:r>
-              <a:t/>
-            </a:r>
-            <a:endParaRPr/>
-          </a:p>
-          <a:p>
-            <a:pPr indent="0" lvl="0" marL="457200" rtl="0">
-              <a:spcBef>
-                <a:spcPts val="0"/>
-              </a:spcBef>
-              <a:buNone/>
-            </a:pPr>
-            <a:r>
-              <a:t/>
-            </a:r>
-            <a:endParaRPr i="1"/>
+            <a:endParaRPr dirty="0"/>
+          </a:p>
+          <a:p>
+            <a:pPr marL="457200" lvl="0" indent="0" rtl="0">
+              <a:spcBef>
+                <a:spcPts val="0"/>
+              </a:spcBef>
+              <a:spcAft>
+                <a:spcPts val="0"/>
+              </a:spcAft>
+              <a:buNone/>
+            </a:pPr>
+            <a:endParaRPr i="1" dirty="0"/>
           </a:p>
         </p:txBody>
       </p:sp>
@@ -8841,14 +9202,14 @@
         </p:nvGraphicFramePr>
         <p:xfrm>
           <a:off x="1777525" y="2639325"/>
-          <a:ext cx="3000000" cy="3000000"/>
+          <a:ext cx="5486400" cy="2352040"/>
         </p:xfrm>
         <a:graphic>
           <a:graphicData uri="http://schemas.openxmlformats.org/drawingml/2006/table">
             <a:tbl>
               <a:tblPr>
                 <a:noFill/>
-                <a:tableStyleId>{D230A443-501C-4805-955D-00ACB6E2FE87}</a:tableStyleId>
+                <a:tableStyleId>{DE12D36C-819C-4DFB-B60E-D6A4623E470B}</a:tableStyleId>
               </a:tblPr>
               <a:tblGrid>
                 <a:gridCol w="2514600"/>
@@ -8857,9 +9218,7 @@
               <a:tr h="377325">
                 <a:tc>
                   <a:txBody>
-                    <a:bodyPr>
-                      <a:noAutofit/>
-                    </a:bodyPr>
+                    <a:bodyPr/>
                     <a:lstStyle/>
                     <a:p>
                       <a:pPr lvl="0" rtl="0">
@@ -8874,13 +9233,11 @@
                       </a:r>
                     </a:p>
                   </a:txBody>
-                  <a:tcPr marT="63500" marB="63500" marR="63500" marL="63500"/>
+                  <a:tcPr marL="63500" marR="63500" marT="63500" marB="63500"/>
                 </a:tc>
                 <a:tc>
                   <a:txBody>
-                    <a:bodyPr>
-                      <a:noAutofit/>
-                    </a:bodyPr>
+                    <a:bodyPr/>
                     <a:lstStyle/>
                     <a:p>
                       <a:pPr lvl="0" rtl="0">
@@ -8895,15 +9252,13 @@
                       </a:r>
                     </a:p>
                   </a:txBody>
-                  <a:tcPr marT="63500" marB="63500" marR="63500" marL="63500"/>
+                  <a:tcPr marL="63500" marR="63500" marT="63500" marB="63500"/>
                 </a:tc>
               </a:tr>
-              <a:tr h="12700">
+              <a:tr h="0">
                 <a:tc>
                   <a:txBody>
-                    <a:bodyPr>
-                      <a:noAutofit/>
-                    </a:bodyPr>
+                    <a:bodyPr/>
                     <a:lstStyle/>
                     <a:p>
                       <a:pPr lvl="0" rtl="0">
@@ -8918,13 +9273,11 @@
                       </a:r>
                     </a:p>
                   </a:txBody>
-                  <a:tcPr marT="63500" marB="63500" marR="63500" marL="63500"/>
+                  <a:tcPr marL="63500" marR="63500" marT="63500" marB="63500"/>
                 </a:tc>
                 <a:tc>
                   <a:txBody>
-                    <a:bodyPr>
-                      <a:noAutofit/>
-                    </a:bodyPr>
+                    <a:bodyPr/>
                     <a:lstStyle/>
                     <a:p>
                       <a:pPr lvl="0" rtl="0">
@@ -8939,15 +9292,13 @@
                       </a:r>
                     </a:p>
                   </a:txBody>
-                  <a:tcPr marT="63500" marB="63500" marR="63500" marL="63500"/>
+                  <a:tcPr marL="63500" marR="63500" marT="63500" marB="63500"/>
                 </a:tc>
               </a:tr>
-              <a:tr h="12700">
+              <a:tr h="0">
                 <a:tc>
                   <a:txBody>
-                    <a:bodyPr>
-                      <a:noAutofit/>
-                    </a:bodyPr>
+                    <a:bodyPr/>
                     <a:lstStyle/>
                     <a:p>
                       <a:pPr lvl="0" rtl="0">
@@ -8962,13 +9313,11 @@
                       </a:r>
                     </a:p>
                   </a:txBody>
-                  <a:tcPr marT="63500" marB="63500" marR="63500" marL="63500"/>
+                  <a:tcPr marL="63500" marR="63500" marT="63500" marB="63500"/>
                 </a:tc>
                 <a:tc>
                   <a:txBody>
-                    <a:bodyPr>
-                      <a:noAutofit/>
-                    </a:bodyPr>
+                    <a:bodyPr/>
                     <a:lstStyle/>
                     <a:p>
                       <a:pPr lvl="0" rtl="0">
@@ -8983,15 +9332,13 @@
                       </a:r>
                     </a:p>
                   </a:txBody>
-                  <a:tcPr marT="63500" marB="63500" marR="63500" marL="63500"/>
+                  <a:tcPr marL="63500" marR="63500" marT="63500" marB="63500"/>
                 </a:tc>
               </a:tr>
-              <a:tr h="12700">
+              <a:tr h="0">
                 <a:tc>
                   <a:txBody>
-                    <a:bodyPr>
-                      <a:noAutofit/>
-                    </a:bodyPr>
+                    <a:bodyPr/>
                     <a:lstStyle/>
                     <a:p>
                       <a:pPr lvl="0" rtl="0">
@@ -9006,13 +9353,11 @@
                       </a:r>
                     </a:p>
                   </a:txBody>
-                  <a:tcPr marT="63500" marB="63500" marR="63500" marL="63500"/>
+                  <a:tcPr marL="63500" marR="63500" marT="63500" marB="63500"/>
                 </a:tc>
                 <a:tc>
                   <a:txBody>
-                    <a:bodyPr>
-                      <a:noAutofit/>
-                    </a:bodyPr>
+                    <a:bodyPr/>
                     <a:lstStyle/>
                     <a:p>
                       <a:pPr lvl="0" rtl="0">
@@ -9027,7 +9372,7 @@
                       </a:r>
                     </a:p>
                   </a:txBody>
-                  <a:tcPr marT="63500" marB="63500" marR="63500" marL="63500"/>
+                  <a:tcPr marL="63500" marR="63500" marT="63500" marB="63500"/>
                 </a:tc>
               </a:tr>
             </a:tbl>
@@ -9043,11 +9388,11 @@
 </file>
 
 <file path=ppt/slides/slide12.xml><?xml version="1.0" encoding="utf-8"?>
-<p:sld xmlns:a="http://schemas.openxmlformats.org/drawingml/2006/main" xmlns:r="http://schemas.openxmlformats.org/officeDocument/2006/relationships" xmlns:mc="http://schemas.openxmlformats.org/markup-compatibility/2006" xmlns:mv="urn:schemas-microsoft-com:mac:vml" xmlns:p="http://schemas.openxmlformats.org/presentationml/2006/main" xmlns:c="http://schemas.openxmlformats.org/drawingml/2006/chart" xmlns:dgm="http://schemas.openxmlformats.org/drawingml/2006/diagram" xmlns:o="urn:schemas-microsoft-com:office:office" xmlns:v="urn:schemas-microsoft-com:vml" xmlns:pvml="urn:schemas-microsoft-com:office:powerpoint" xmlns:com="http://schemas.openxmlformats.org/drawingml/2006/compatibility" xmlns:p14="http://schemas.microsoft.com/office/powerpoint/2010/main">
+<p:sld xmlns:a="http://schemas.openxmlformats.org/drawingml/2006/main" xmlns:r="http://schemas.openxmlformats.org/officeDocument/2006/relationships" xmlns:p="http://schemas.openxmlformats.org/presentationml/2006/main">
   <p:cSld>
     <p:spTree>
       <p:nvGrpSpPr>
-        <p:cNvPr id="142" name="Shape 142"/>
+        <p:cNvPr id="1" name="Shape 142"/>
         <p:cNvGrpSpPr/>
         <p:nvPr/>
       </p:nvGrpSpPr>
@@ -9062,7 +9407,9 @@
       <p:sp>
         <p:nvSpPr>
           <p:cNvPr id="143" name="Shape 143"/>
-          <p:cNvSpPr txBox="1"/>
+          <p:cNvSpPr txBox="1">
+            <a:spLocks noGrp="1"/>
+          </p:cNvSpPr>
           <p:nvPr>
             <p:ph type="title"/>
           </p:nvPr>
@@ -9077,7 +9424,7 @@
           </a:prstGeom>
         </p:spPr>
         <p:txBody>
-          <a:bodyPr anchorCtr="0" anchor="ctr" bIns="91425" lIns="91425" rIns="91425" tIns="91425">
+          <a:bodyPr lIns="91425" tIns="91425" rIns="91425" bIns="91425" anchor="ctr" anchorCtr="0">
             <a:noAutofit/>
           </a:bodyPr>
           <a:lstStyle/>
@@ -9098,9 +9445,11 @@
       <p:sp>
         <p:nvSpPr>
           <p:cNvPr id="144" name="Shape 144"/>
-          <p:cNvSpPr txBox="1"/>
-          <p:nvPr>
-            <p:ph idx="4294967295" type="body"/>
+          <p:cNvSpPr txBox="1">
+            <a:spLocks noGrp="1"/>
+          </p:cNvSpPr>
+          <p:nvPr>
+            <p:ph type="body" idx="4294967295"/>
           </p:nvPr>
         </p:nvSpPr>
         <p:spPr>
@@ -9113,7 +9462,7 @@
           </a:prstGeom>
         </p:spPr>
         <p:txBody>
-          <a:bodyPr anchorCtr="0" anchor="t" bIns="91425" lIns="91425" rIns="91425" tIns="91425">
+          <a:bodyPr lIns="91425" tIns="91425" rIns="91425" bIns="91425" anchor="t" anchorCtr="0">
             <a:noAutofit/>
           </a:bodyPr>
           <a:lstStyle/>
@@ -9133,30 +9482,26 @@
       </p:sp>
       <p:pic>
         <p:nvPicPr>
-          <p:cNvPr id="145" name="Shape 145"/>
-          <p:cNvPicPr preferRelativeResize="0"/>
+          <p:cNvPr id="2" name="Picture 1"/>
+          <p:cNvPicPr>
+            <a:picLocks noChangeAspect="1"/>
+          </p:cNvPicPr>
           <p:nvPr/>
         </p:nvPicPr>
         <p:blipFill>
-          <a:blip r:embed="rId4">
-            <a:alphaModFix/>
-          </a:blip>
+          <a:blip r:embed="rId3"/>
           <a:stretch>
             <a:fillRect/>
           </a:stretch>
         </p:blipFill>
         <p:spPr>
           <a:xfrm>
-            <a:off x="2084287" y="1877862"/>
-            <a:ext cx="4975424" cy="2506224"/>
-          </a:xfrm>
-          <a:prstGeom prst="rect">
-            <a:avLst/>
-          </a:prstGeom>
-          <a:noFill/>
-          <a:ln>
-            <a:noFill/>
-          </a:ln>
+            <a:off x="2019300" y="1730114"/>
+            <a:ext cx="5105400" cy="2565400"/>
+          </a:xfrm>
+          <a:prstGeom prst="rect">
+            <a:avLst/>
+          </a:prstGeom>
         </p:spPr>
       </p:pic>
     </p:spTree>
@@ -9168,11 +9513,11 @@
 </file>
 
 <file path=ppt/slides/slide13.xml><?xml version="1.0" encoding="utf-8"?>
-<p:sld xmlns:a="http://schemas.openxmlformats.org/drawingml/2006/main" xmlns:r="http://schemas.openxmlformats.org/officeDocument/2006/relationships" xmlns:mc="http://schemas.openxmlformats.org/markup-compatibility/2006" xmlns:mv="urn:schemas-microsoft-com:mac:vml" xmlns:p="http://schemas.openxmlformats.org/presentationml/2006/main" xmlns:c="http://schemas.openxmlformats.org/drawingml/2006/chart" xmlns:dgm="http://schemas.openxmlformats.org/drawingml/2006/diagram" xmlns:o="urn:schemas-microsoft-com:office:office" xmlns:v="urn:schemas-microsoft-com:vml" xmlns:pvml="urn:schemas-microsoft-com:office:powerpoint" xmlns:com="http://schemas.openxmlformats.org/drawingml/2006/compatibility" xmlns:p14="http://schemas.microsoft.com/office/powerpoint/2010/main">
+<p:sld xmlns:a="http://schemas.openxmlformats.org/drawingml/2006/main" xmlns:r="http://schemas.openxmlformats.org/officeDocument/2006/relationships" xmlns:p="http://schemas.openxmlformats.org/presentationml/2006/main">
   <p:cSld>
     <p:spTree>
       <p:nvGrpSpPr>
-        <p:cNvPr id="149" name="Shape 149"/>
+        <p:cNvPr id="1" name="Shape 149"/>
         <p:cNvGrpSpPr/>
         <p:nvPr/>
       </p:nvGrpSpPr>
@@ -9187,7 +9532,9 @@
       <p:sp>
         <p:nvSpPr>
           <p:cNvPr id="150" name="Shape 150"/>
-          <p:cNvSpPr txBox="1"/>
+          <p:cNvSpPr txBox="1">
+            <a:spLocks noGrp="1"/>
+          </p:cNvSpPr>
           <p:nvPr>
             <p:ph type="title"/>
           </p:nvPr>
@@ -9202,7 +9549,7 @@
           </a:prstGeom>
         </p:spPr>
         <p:txBody>
-          <a:bodyPr anchorCtr="0" anchor="ctr" bIns="91425" lIns="91425" rIns="91425" tIns="91425">
+          <a:bodyPr lIns="91425" tIns="91425" rIns="91425" bIns="91425" anchor="ctr" anchorCtr="0">
             <a:noAutofit/>
           </a:bodyPr>
           <a:lstStyle/>
@@ -9223,9 +9570,11 @@
       <p:sp>
         <p:nvSpPr>
           <p:cNvPr id="151" name="Shape 151"/>
-          <p:cNvSpPr txBox="1"/>
-          <p:nvPr>
-            <p:ph idx="4294967295" type="body"/>
+          <p:cNvSpPr txBox="1">
+            <a:spLocks noGrp="1"/>
+          </p:cNvSpPr>
+          <p:nvPr>
+            <p:ph type="body" idx="4294967295"/>
           </p:nvPr>
         </p:nvSpPr>
         <p:spPr>
@@ -9238,7 +9587,7 @@
           </a:prstGeom>
         </p:spPr>
         <p:txBody>
-          <a:bodyPr anchorCtr="0" anchor="t" bIns="91425" lIns="91425" rIns="91425" tIns="91425">
+          <a:bodyPr lIns="91425" tIns="91425" rIns="91425" bIns="91425" anchor="t" anchorCtr="0">
             <a:noAutofit/>
           </a:bodyPr>
           <a:lstStyle/>
@@ -9293,11 +9642,11 @@
 </file>
 
 <file path=ppt/slides/slide14.xml><?xml version="1.0" encoding="utf-8"?>
-<p:sld xmlns:a="http://schemas.openxmlformats.org/drawingml/2006/main" xmlns:r="http://schemas.openxmlformats.org/officeDocument/2006/relationships" xmlns:mc="http://schemas.openxmlformats.org/markup-compatibility/2006" xmlns:mv="urn:schemas-microsoft-com:mac:vml" xmlns:p="http://schemas.openxmlformats.org/presentationml/2006/main" xmlns:c="http://schemas.openxmlformats.org/drawingml/2006/chart" xmlns:dgm="http://schemas.openxmlformats.org/drawingml/2006/diagram" xmlns:o="urn:schemas-microsoft-com:office:office" xmlns:v="urn:schemas-microsoft-com:vml" xmlns:pvml="urn:schemas-microsoft-com:office:powerpoint" xmlns:com="http://schemas.openxmlformats.org/drawingml/2006/compatibility" xmlns:p14="http://schemas.microsoft.com/office/powerpoint/2010/main">
+<p:sld xmlns:a="http://schemas.openxmlformats.org/drawingml/2006/main" xmlns:r="http://schemas.openxmlformats.org/officeDocument/2006/relationships" xmlns:p="http://schemas.openxmlformats.org/presentationml/2006/main">
   <p:cSld>
     <p:spTree>
       <p:nvGrpSpPr>
-        <p:cNvPr id="156" name="Shape 156"/>
+        <p:cNvPr id="1" name="Shape 156"/>
         <p:cNvGrpSpPr/>
         <p:nvPr/>
       </p:nvGrpSpPr>
@@ -9312,7 +9661,9 @@
       <p:sp>
         <p:nvSpPr>
           <p:cNvPr id="157" name="Shape 157"/>
-          <p:cNvSpPr txBox="1"/>
+          <p:cNvSpPr txBox="1">
+            <a:spLocks noGrp="1"/>
+          </p:cNvSpPr>
           <p:nvPr>
             <p:ph type="title"/>
           </p:nvPr>
@@ -9327,7 +9678,7 @@
           </a:prstGeom>
         </p:spPr>
         <p:txBody>
-          <a:bodyPr anchorCtr="0" anchor="ctr" bIns="91425" lIns="91425" rIns="91425" tIns="91425">
+          <a:bodyPr lIns="91425" tIns="91425" rIns="91425" bIns="91425" anchor="ctr" anchorCtr="0">
             <a:noAutofit/>
           </a:bodyPr>
           <a:lstStyle/>
@@ -9393,7 +9744,7 @@
           </a:ln>
         </p:spPr>
         <p:txBody>
-          <a:bodyPr anchorCtr="0" anchor="t" bIns="91425" lIns="91425" rIns="91425" tIns="91425">
+          <a:bodyPr lIns="91425" tIns="91425" rIns="91425" bIns="91425" anchor="t" anchorCtr="0">
             <a:noAutofit/>
           </a:bodyPr>
           <a:lstStyle/>
@@ -9437,11 +9788,11 @@
 </file>
 
 <file path=ppt/slides/slide15.xml><?xml version="1.0" encoding="utf-8"?>
-<p:sld xmlns:a="http://schemas.openxmlformats.org/drawingml/2006/main" xmlns:r="http://schemas.openxmlformats.org/officeDocument/2006/relationships" xmlns:mc="http://schemas.openxmlformats.org/markup-compatibility/2006" xmlns:mv="urn:schemas-microsoft-com:mac:vml" xmlns:p="http://schemas.openxmlformats.org/presentationml/2006/main" xmlns:c="http://schemas.openxmlformats.org/drawingml/2006/chart" xmlns:dgm="http://schemas.openxmlformats.org/drawingml/2006/diagram" xmlns:o="urn:schemas-microsoft-com:office:office" xmlns:v="urn:schemas-microsoft-com:vml" xmlns:pvml="urn:schemas-microsoft-com:office:powerpoint" xmlns:com="http://schemas.openxmlformats.org/drawingml/2006/compatibility" xmlns:p14="http://schemas.microsoft.com/office/powerpoint/2010/main">
+<p:sld xmlns:a="http://schemas.openxmlformats.org/drawingml/2006/main" xmlns:r="http://schemas.openxmlformats.org/officeDocument/2006/relationships" xmlns:p="http://schemas.openxmlformats.org/presentationml/2006/main">
   <p:cSld>
     <p:spTree>
       <p:nvGrpSpPr>
-        <p:cNvPr id="163" name="Shape 163"/>
+        <p:cNvPr id="1" name="Shape 163"/>
         <p:cNvGrpSpPr/>
         <p:nvPr/>
       </p:nvGrpSpPr>
@@ -9456,7 +9807,9 @@
       <p:sp>
         <p:nvSpPr>
           <p:cNvPr id="164" name="Shape 164"/>
-          <p:cNvSpPr txBox="1"/>
+          <p:cNvSpPr txBox="1">
+            <a:spLocks noGrp="1"/>
+          </p:cNvSpPr>
           <p:nvPr>
             <p:ph type="title"/>
           </p:nvPr>
@@ -9471,7 +9824,7 @@
           </a:prstGeom>
         </p:spPr>
         <p:txBody>
-          <a:bodyPr anchorCtr="0" anchor="ctr" bIns="91425" lIns="91425" rIns="91425" tIns="91425">
+          <a:bodyPr lIns="91425" tIns="91425" rIns="91425" bIns="91425" anchor="ctr" anchorCtr="0">
             <a:noAutofit/>
           </a:bodyPr>
           <a:lstStyle/>
@@ -9498,11 +9851,11 @@
 </file>
 
 <file path=ppt/slides/slide16.xml><?xml version="1.0" encoding="utf-8"?>
-<p:sld xmlns:a="http://schemas.openxmlformats.org/drawingml/2006/main" xmlns:r="http://schemas.openxmlformats.org/officeDocument/2006/relationships" xmlns:mc="http://schemas.openxmlformats.org/markup-compatibility/2006" xmlns:mv="urn:schemas-microsoft-com:mac:vml" xmlns:p="http://schemas.openxmlformats.org/presentationml/2006/main" xmlns:c="http://schemas.openxmlformats.org/drawingml/2006/chart" xmlns:dgm="http://schemas.openxmlformats.org/drawingml/2006/diagram" xmlns:o="urn:schemas-microsoft-com:office:office" xmlns:v="urn:schemas-microsoft-com:vml" xmlns:pvml="urn:schemas-microsoft-com:office:powerpoint" xmlns:com="http://schemas.openxmlformats.org/drawingml/2006/compatibility" xmlns:p14="http://schemas.microsoft.com/office/powerpoint/2010/main">
+<p:sld xmlns:a="http://schemas.openxmlformats.org/drawingml/2006/main" xmlns:r="http://schemas.openxmlformats.org/officeDocument/2006/relationships" xmlns:p="http://schemas.openxmlformats.org/presentationml/2006/main">
   <p:cSld>
     <p:spTree>
       <p:nvGrpSpPr>
-        <p:cNvPr id="168" name="Shape 168"/>
+        <p:cNvPr id="1" name="Shape 168"/>
         <p:cNvGrpSpPr/>
         <p:nvPr/>
       </p:nvGrpSpPr>
@@ -9517,7 +9870,9 @@
       <p:sp>
         <p:nvSpPr>
           <p:cNvPr id="169" name="Shape 169"/>
-          <p:cNvSpPr txBox="1"/>
+          <p:cNvSpPr txBox="1">
+            <a:spLocks noGrp="1"/>
+          </p:cNvSpPr>
           <p:nvPr>
             <p:ph type="title"/>
           </p:nvPr>
@@ -9532,7 +9887,7 @@
           </a:prstGeom>
         </p:spPr>
         <p:txBody>
-          <a:bodyPr anchorCtr="0" anchor="ctr" bIns="91425" lIns="91425" rIns="91425" tIns="91425">
+          <a:bodyPr lIns="91425" tIns="91425" rIns="91425" bIns="91425" anchor="ctr" anchorCtr="0">
             <a:noAutofit/>
           </a:bodyPr>
           <a:lstStyle/>
@@ -9552,12 +9907,12 @@
       </p:sp>
       <p:pic>
         <p:nvPicPr>
-          <p:cNvPr descr="spring_dispatcherservlet.png" id="170" name="Shape 170"/>
+          <p:cNvPr id="170" name="Shape 170" descr="spring_dispatcherservlet.png"/>
           <p:cNvPicPr preferRelativeResize="0"/>
           <p:nvPr/>
         </p:nvPicPr>
         <p:blipFill>
-          <a:blip r:embed="rId4">
+          <a:blip r:embed="rId3">
             <a:alphaModFix/>
           </a:blip>
           <a:stretch>
@@ -9598,12 +9953,12 @@
           </a:ln>
         </p:spPr>
         <p:txBody>
-          <a:bodyPr anchorCtr="0" anchor="t" bIns="91425" lIns="91425" rIns="91425" tIns="91425">
+          <a:bodyPr lIns="91425" tIns="91425" rIns="91425" bIns="91425" anchor="t" anchorCtr="0">
             <a:noAutofit/>
           </a:bodyPr>
           <a:lstStyle/>
           <a:p>
-            <a:pPr indent="-228600" lvl="0" marL="457200" rtl="0">
+            <a:pPr marL="457200" lvl="0" indent="-228600" rtl="0">
               <a:lnSpc>
                 <a:spcPct val="120000"/>
               </a:lnSpc>
@@ -9639,9 +9994,6 @@
               </a:spcBef>
               <a:buNone/>
             </a:pPr>
-            <a:r>
-              <a:t/>
-            </a:r>
             <a:endParaRPr>
               <a:solidFill>
                 <a:srgbClr val="666666"/>
@@ -9653,7 +10005,7 @@
             </a:endParaRPr>
           </a:p>
           <a:p>
-            <a:pPr indent="-228600" lvl="0" marL="457200" rtl="0">
+            <a:pPr marL="457200" lvl="0" indent="-228600" rtl="0">
               <a:lnSpc>
                 <a:spcPct val="120000"/>
               </a:lnSpc>
@@ -9689,9 +10041,6 @@
               </a:spcBef>
               <a:buNone/>
             </a:pPr>
-            <a:r>
-              <a:t/>
-            </a:r>
             <a:endParaRPr>
               <a:solidFill>
                 <a:srgbClr val="666666"/>
@@ -9703,7 +10052,7 @@
             </a:endParaRPr>
           </a:p>
           <a:p>
-            <a:pPr indent="-228600" lvl="0" marL="457200" rtl="0">
+            <a:pPr marL="457200" lvl="0" indent="-228600" rtl="0">
               <a:lnSpc>
                 <a:spcPct val="120000"/>
               </a:lnSpc>
@@ -9739,9 +10088,6 @@
               </a:spcBef>
               <a:buNone/>
             </a:pPr>
-            <a:r>
-              <a:t/>
-            </a:r>
             <a:endParaRPr>
               <a:solidFill>
                 <a:srgbClr val="666666"/>
@@ -9774,7 +10120,7 @@
           </a:ln>
         </p:spPr>
         <p:txBody>
-          <a:bodyPr anchorCtr="0" anchor="t" bIns="91425" lIns="91425" rIns="91425" tIns="91425">
+          <a:bodyPr lIns="91425" tIns="91425" rIns="91425" bIns="91425" anchor="t" anchorCtr="0">
             <a:noAutofit/>
           </a:bodyPr>
           <a:lstStyle/>
@@ -9801,11 +10147,11 @@
 </file>
 
 <file path=ppt/slides/slide17.xml><?xml version="1.0" encoding="utf-8"?>
-<p:sld xmlns:a="http://schemas.openxmlformats.org/drawingml/2006/main" xmlns:r="http://schemas.openxmlformats.org/officeDocument/2006/relationships" xmlns:mc="http://schemas.openxmlformats.org/markup-compatibility/2006" xmlns:mv="urn:schemas-microsoft-com:mac:vml" xmlns:p="http://schemas.openxmlformats.org/presentationml/2006/main" xmlns:c="http://schemas.openxmlformats.org/drawingml/2006/chart" xmlns:dgm="http://schemas.openxmlformats.org/drawingml/2006/diagram" xmlns:o="urn:schemas-microsoft-com:office:office" xmlns:v="urn:schemas-microsoft-com:vml" xmlns:pvml="urn:schemas-microsoft-com:office:powerpoint" xmlns:com="http://schemas.openxmlformats.org/drawingml/2006/compatibility" xmlns:p14="http://schemas.microsoft.com/office/powerpoint/2010/main">
+<p:sld xmlns:a="http://schemas.openxmlformats.org/drawingml/2006/main" xmlns:r="http://schemas.openxmlformats.org/officeDocument/2006/relationships" xmlns:p="http://schemas.openxmlformats.org/presentationml/2006/main">
   <p:cSld>
     <p:spTree>
       <p:nvGrpSpPr>
-        <p:cNvPr id="176" name="Shape 176"/>
+        <p:cNvPr id="1" name="Shape 176"/>
         <p:cNvGrpSpPr/>
         <p:nvPr/>
       </p:nvGrpSpPr>
@@ -9820,7 +10166,9 @@
       <p:sp>
         <p:nvSpPr>
           <p:cNvPr id="177" name="Shape 177"/>
-          <p:cNvSpPr txBox="1"/>
+          <p:cNvSpPr txBox="1">
+            <a:spLocks noGrp="1"/>
+          </p:cNvSpPr>
           <p:nvPr>
             <p:ph type="title"/>
           </p:nvPr>
@@ -9835,7 +10183,7 @@
           </a:prstGeom>
         </p:spPr>
         <p:txBody>
-          <a:bodyPr anchorCtr="0" anchor="ctr" bIns="91425" lIns="91425" rIns="91425" tIns="91425">
+          <a:bodyPr lIns="91425" tIns="91425" rIns="91425" bIns="91425" anchor="ctr" anchorCtr="0">
             <a:noAutofit/>
           </a:bodyPr>
           <a:lstStyle/>
@@ -9873,12 +10221,12 @@
           </a:ln>
         </p:spPr>
         <p:txBody>
-          <a:bodyPr anchorCtr="0" anchor="t" bIns="91425" lIns="91425" rIns="91425" tIns="91425">
+          <a:bodyPr lIns="91425" tIns="91425" rIns="91425" bIns="91425" anchor="t" anchorCtr="0">
             <a:noAutofit/>
           </a:bodyPr>
           <a:lstStyle/>
           <a:p>
-            <a:pPr indent="-228600" lvl="0" marL="457200" rtl="0">
+            <a:pPr marL="457200" lvl="0" indent="-228600" rtl="0">
               <a:lnSpc>
                 <a:spcPct val="120000"/>
               </a:lnSpc>
@@ -9914,9 +10262,6 @@
               </a:spcBef>
               <a:buNone/>
             </a:pPr>
-            <a:r>
-              <a:t/>
-            </a:r>
             <a:endParaRPr>
               <a:solidFill>
                 <a:srgbClr val="666666"/>
@@ -9928,7 +10273,7 @@
             </a:endParaRPr>
           </a:p>
           <a:p>
-            <a:pPr indent="-228600" lvl="0" marL="457200" rtl="0">
+            <a:pPr marL="457200" lvl="0" indent="-228600" rtl="0">
               <a:lnSpc>
                 <a:spcPct val="120000"/>
               </a:lnSpc>
@@ -9964,9 +10309,6 @@
               </a:spcBef>
               <a:buNone/>
             </a:pPr>
-            <a:r>
-              <a:t/>
-            </a:r>
             <a:endParaRPr>
               <a:solidFill>
                 <a:srgbClr val="666666"/>
@@ -9978,7 +10320,7 @@
             </a:endParaRPr>
           </a:p>
           <a:p>
-            <a:pPr indent="-228600" lvl="0" marL="457200" rtl="0">
+            <a:pPr marL="457200" lvl="0" indent="-228600" rtl="0">
               <a:lnSpc>
                 <a:spcPct val="120000"/>
               </a:lnSpc>
@@ -10008,7 +10350,7 @@
       </p:sp>
       <p:pic>
         <p:nvPicPr>
-          <p:cNvPr descr="spring_dispatcherservlet.png" id="179" name="Shape 179"/>
+          <p:cNvPr id="179" name="Shape 179" descr="spring_dispatcherservlet.png"/>
           <p:cNvPicPr preferRelativeResize="0"/>
           <p:nvPr/>
         </p:nvPicPr>
@@ -10054,7 +10396,7 @@
           </a:ln>
         </p:spPr>
         <p:txBody>
-          <a:bodyPr anchorCtr="0" anchor="t" bIns="91425" lIns="91425" rIns="91425" tIns="91425">
+          <a:bodyPr lIns="91425" tIns="91425" rIns="91425" bIns="91425" anchor="t" anchorCtr="0">
             <a:noAutofit/>
           </a:bodyPr>
           <a:lstStyle/>
@@ -10081,11 +10423,11 @@
 </file>
 
 <file path=ppt/slides/slide18.xml><?xml version="1.0" encoding="utf-8"?>
-<p:sld xmlns:a="http://schemas.openxmlformats.org/drawingml/2006/main" xmlns:r="http://schemas.openxmlformats.org/officeDocument/2006/relationships" xmlns:mc="http://schemas.openxmlformats.org/markup-compatibility/2006" xmlns:mv="urn:schemas-microsoft-com:mac:vml" xmlns:p="http://schemas.openxmlformats.org/presentationml/2006/main" xmlns:c="http://schemas.openxmlformats.org/drawingml/2006/chart" xmlns:dgm="http://schemas.openxmlformats.org/drawingml/2006/diagram" xmlns:o="urn:schemas-microsoft-com:office:office" xmlns:v="urn:schemas-microsoft-com:vml" xmlns:pvml="urn:schemas-microsoft-com:office:powerpoint" xmlns:com="http://schemas.openxmlformats.org/drawingml/2006/compatibility" xmlns:p14="http://schemas.microsoft.com/office/powerpoint/2010/main">
+<p:sld xmlns:a="http://schemas.openxmlformats.org/drawingml/2006/main" xmlns:r="http://schemas.openxmlformats.org/officeDocument/2006/relationships" xmlns:p="http://schemas.openxmlformats.org/presentationml/2006/main">
   <p:cSld>
     <p:spTree>
       <p:nvGrpSpPr>
-        <p:cNvPr id="184" name="Shape 184"/>
+        <p:cNvPr id="1" name="Shape 184"/>
         <p:cNvGrpSpPr/>
         <p:nvPr/>
       </p:nvGrpSpPr>
@@ -10100,7 +10442,9 @@
       <p:sp>
         <p:nvSpPr>
           <p:cNvPr id="185" name="Shape 185"/>
-          <p:cNvSpPr txBox="1"/>
+          <p:cNvSpPr txBox="1">
+            <a:spLocks noGrp="1"/>
+          </p:cNvSpPr>
           <p:nvPr>
             <p:ph type="title"/>
           </p:nvPr>
@@ -10115,7 +10459,7 @@
           </a:prstGeom>
         </p:spPr>
         <p:txBody>
-          <a:bodyPr anchorCtr="0" anchor="ctr" bIns="91425" lIns="91425" rIns="91425" tIns="91425">
+          <a:bodyPr lIns="91425" tIns="91425" rIns="91425" bIns="91425" anchor="ctr" anchorCtr="0">
             <a:noAutofit/>
           </a:bodyPr>
           <a:lstStyle/>
@@ -10133,23 +10477,16 @@
           </a:p>
         </p:txBody>
       </p:sp>
-      <p:pic>
-        <p:nvPicPr>
-          <p:cNvPr descr="Architecture Overview.png" id="186" name="Shape 186"/>
-          <p:cNvPicPr preferRelativeResize="0"/>
+      <p:sp>
+        <p:nvSpPr>
+          <p:cNvPr id="186" name="Shape 186"/>
+          <p:cNvSpPr txBox="1"/>
           <p:nvPr/>
-        </p:nvPicPr>
-        <p:blipFill rotWithShape="1">
-          <a:blip r:embed="rId3">
-            <a:alphaModFix/>
-          </a:blip>
-          <a:srcRect b="21942" l="56857" r="0" t="0"/>
-          <a:stretch/>
-        </p:blipFill>
-        <p:spPr>
-          <a:xfrm>
-            <a:off x="4631849" y="1668075"/>
-            <a:ext cx="3445450" cy="2847100"/>
+        </p:nvSpPr>
+        <p:spPr>
+          <a:xfrm>
+            <a:off x="338175" y="959725"/>
+            <a:ext cx="4015500" cy="3636600"/>
           </a:xfrm>
           <a:prstGeom prst="rect">
             <a:avLst/>
@@ -10159,28 +10496,8 @@
             <a:noFill/>
           </a:ln>
         </p:spPr>
-      </p:pic>
-      <p:sp>
-        <p:nvSpPr>
-          <p:cNvPr id="187" name="Shape 187"/>
-          <p:cNvSpPr txBox="1"/>
-          <p:nvPr/>
-        </p:nvSpPr>
-        <p:spPr>
-          <a:xfrm>
-            <a:off x="338175" y="959725"/>
-            <a:ext cx="4015500" cy="3636600"/>
-          </a:xfrm>
-          <a:prstGeom prst="rect">
-            <a:avLst/>
-          </a:prstGeom>
-          <a:noFill/>
-          <a:ln>
-            <a:noFill/>
-          </a:ln>
-        </p:spPr>
         <p:txBody>
-          <a:bodyPr anchorCtr="0" anchor="t" bIns="91425" lIns="91425" rIns="91425" tIns="91425">
+          <a:bodyPr lIns="91425" tIns="91425" rIns="91425" bIns="91425" anchor="t" anchorCtr="0">
             <a:noAutofit/>
           </a:bodyPr>
           <a:lstStyle/>
@@ -10195,7 +10512,7 @@
               <a:buNone/>
             </a:pPr>
             <a:r>
-              <a:rPr b="1" lang="en" sz="1800">
+              <a:rPr lang="en" sz="1800" b="1">
                 <a:latin typeface="Roboto"/>
                 <a:ea typeface="Roboto"/>
                 <a:cs typeface="Roboto"/>
@@ -10214,9 +10531,6 @@
               </a:spcBef>
               <a:buNone/>
             </a:pPr>
-            <a:r>
-              <a:t/>
-            </a:r>
             <a:endParaRPr b="1">
               <a:latin typeface="Roboto"/>
               <a:ea typeface="Roboto"/>
@@ -10235,7 +10549,7 @@
               <a:buNone/>
             </a:pPr>
             <a:r>
-              <a:rPr b="1" lang="en">
+              <a:rPr lang="en" b="1">
                 <a:solidFill>
                   <a:srgbClr val="434343"/>
                 </a:solidFill>
@@ -10257,9 +10571,6 @@
               </a:spcBef>
               <a:buNone/>
             </a:pPr>
-            <a:r>
-              <a:t/>
-            </a:r>
             <a:endParaRPr>
               <a:solidFill>
                 <a:srgbClr val="666666"/>
@@ -10271,7 +10582,7 @@
             </a:endParaRPr>
           </a:p>
           <a:p>
-            <a:pPr indent="-228600" lvl="0" marL="457200" rtl="0">
+            <a:pPr marL="457200" lvl="0" indent="-228600" rtl="0">
               <a:lnSpc>
                 <a:spcPct val="115000"/>
               </a:lnSpc>
@@ -10298,7 +10609,7 @@
             </a:r>
           </a:p>
           <a:p>
-            <a:pPr indent="-228600" lvl="1" marL="914400" rtl="0">
+            <a:pPr marL="914400" lvl="1" indent="-228600" rtl="0">
               <a:lnSpc>
                 <a:spcPct val="115000"/>
               </a:lnSpc>
@@ -10325,7 +10636,7 @@
             </a:r>
           </a:p>
           <a:p>
-            <a:pPr indent="0" lvl="0" marL="457200" rtl="0">
+            <a:pPr marL="457200" lvl="0" indent="0" rtl="0">
               <a:lnSpc>
                 <a:spcPct val="115000"/>
               </a:lnSpc>
@@ -10334,9 +10645,6 @@
               </a:spcBef>
               <a:buNone/>
             </a:pPr>
-            <a:r>
-              <a:t/>
-            </a:r>
             <a:endParaRPr>
               <a:solidFill>
                 <a:srgbClr val="666666"/>
@@ -10348,7 +10656,7 @@
             </a:endParaRPr>
           </a:p>
           <a:p>
-            <a:pPr indent="-228600" lvl="0" marL="457200" rtl="0">
+            <a:pPr marL="457200" lvl="0" indent="-228600" rtl="0">
               <a:lnSpc>
                 <a:spcPct val="115000"/>
               </a:lnSpc>
@@ -10375,7 +10683,7 @@
             </a:r>
           </a:p>
           <a:p>
-            <a:pPr indent="-228600" lvl="1" marL="914400" rtl="0">
+            <a:pPr marL="914400" lvl="1" indent="-228600" rtl="0">
               <a:lnSpc>
                 <a:spcPct val="115000"/>
               </a:lnSpc>
@@ -10402,7 +10710,7 @@
             </a:r>
           </a:p>
           <a:p>
-            <a:pPr indent="0" lvl="0" marL="0" rtl="0">
+            <a:pPr marL="0" lvl="0" indent="0" rtl="0">
               <a:lnSpc>
                 <a:spcPct val="115000"/>
               </a:lnSpc>
@@ -10411,9 +10719,6 @@
               </a:spcBef>
               <a:buNone/>
             </a:pPr>
-            <a:r>
-              <a:t/>
-            </a:r>
             <a:endParaRPr>
               <a:solidFill>
                 <a:srgbClr val="666666"/>
@@ -10449,6 +10754,34 @@
           </a:p>
         </p:txBody>
       </p:sp>
+      <p:pic>
+        <p:nvPicPr>
+          <p:cNvPr id="187" name="Shape 187"/>
+          <p:cNvPicPr preferRelativeResize="0"/>
+          <p:nvPr/>
+        </p:nvPicPr>
+        <p:blipFill>
+          <a:blip r:embed="rId3">
+            <a:alphaModFix/>
+          </a:blip>
+          <a:stretch>
+            <a:fillRect/>
+          </a:stretch>
+        </p:blipFill>
+        <p:spPr>
+          <a:xfrm>
+            <a:off x="4187650" y="1008050"/>
+            <a:ext cx="4485523" cy="3539958"/>
+          </a:xfrm>
+          <a:prstGeom prst="rect">
+            <a:avLst/>
+          </a:prstGeom>
+          <a:noFill/>
+          <a:ln>
+            <a:noFill/>
+          </a:ln>
+        </p:spPr>
+      </p:pic>
     </p:spTree>
   </p:cSld>
   <p:clrMapOvr>
@@ -10458,11 +10791,11 @@
 </file>
 
 <file path=ppt/slides/slide19.xml><?xml version="1.0" encoding="utf-8"?>
-<p:sld xmlns:a="http://schemas.openxmlformats.org/drawingml/2006/main" xmlns:r="http://schemas.openxmlformats.org/officeDocument/2006/relationships" xmlns:mc="http://schemas.openxmlformats.org/markup-compatibility/2006" xmlns:mv="urn:schemas-microsoft-com:mac:vml" xmlns:p="http://schemas.openxmlformats.org/presentationml/2006/main" xmlns:c="http://schemas.openxmlformats.org/drawingml/2006/chart" xmlns:dgm="http://schemas.openxmlformats.org/drawingml/2006/diagram" xmlns:o="urn:schemas-microsoft-com:office:office" xmlns:v="urn:schemas-microsoft-com:vml" xmlns:pvml="urn:schemas-microsoft-com:office:powerpoint" xmlns:com="http://schemas.openxmlformats.org/drawingml/2006/compatibility" xmlns:p14="http://schemas.microsoft.com/office/powerpoint/2010/main">
+<p:sld xmlns:a="http://schemas.openxmlformats.org/drawingml/2006/main" xmlns:r="http://schemas.openxmlformats.org/officeDocument/2006/relationships" xmlns:p="http://schemas.openxmlformats.org/presentationml/2006/main">
   <p:cSld>
     <p:spTree>
       <p:nvGrpSpPr>
-        <p:cNvPr id="191" name="Shape 191"/>
+        <p:cNvPr id="1" name="Shape 191"/>
         <p:cNvGrpSpPr/>
         <p:nvPr/>
       </p:nvGrpSpPr>
@@ -10477,7 +10810,9 @@
       <p:sp>
         <p:nvSpPr>
           <p:cNvPr id="192" name="Shape 192"/>
-          <p:cNvSpPr txBox="1"/>
+          <p:cNvSpPr txBox="1">
+            <a:spLocks noGrp="1"/>
+          </p:cNvSpPr>
           <p:nvPr>
             <p:ph type="title"/>
           </p:nvPr>
@@ -10492,7 +10827,7 @@
           </a:prstGeom>
         </p:spPr>
         <p:txBody>
-          <a:bodyPr anchorCtr="0" anchor="ctr" bIns="91425" lIns="91425" rIns="91425" tIns="91425">
+          <a:bodyPr lIns="91425" tIns="91425" rIns="91425" bIns="91425" anchor="ctr" anchorCtr="0">
             <a:noAutofit/>
           </a:bodyPr>
           <a:lstStyle/>
@@ -10512,12 +10847,12 @@
       </p:sp>
       <p:pic>
         <p:nvPicPr>
-          <p:cNvPr descr="ClassDiagram.png" id="193" name="Shape 193"/>
+          <p:cNvPr id="193" name="Shape 193" descr="ClassDiagram.png"/>
           <p:cNvPicPr preferRelativeResize="0"/>
           <p:nvPr/>
         </p:nvPicPr>
         <p:blipFill>
-          <a:blip r:embed="rId4">
+          <a:blip r:embed="rId3">
             <a:alphaModFix/>
           </a:blip>
           <a:stretch>
@@ -10547,11 +10882,11 @@
 </file>
 
 <file path=ppt/slides/slide2.xml><?xml version="1.0" encoding="utf-8"?>
-<p:sld xmlns:a="http://schemas.openxmlformats.org/drawingml/2006/main" xmlns:r="http://schemas.openxmlformats.org/officeDocument/2006/relationships" xmlns:mc="http://schemas.openxmlformats.org/markup-compatibility/2006" xmlns:mv="urn:schemas-microsoft-com:mac:vml" xmlns:p="http://schemas.openxmlformats.org/presentationml/2006/main" xmlns:c="http://schemas.openxmlformats.org/drawingml/2006/chart" xmlns:dgm="http://schemas.openxmlformats.org/drawingml/2006/diagram" xmlns:o="urn:schemas-microsoft-com:office:office" xmlns:v="urn:schemas-microsoft-com:vml" xmlns:pvml="urn:schemas-microsoft-com:office:powerpoint" xmlns:com="http://schemas.openxmlformats.org/drawingml/2006/compatibility" xmlns:p14="http://schemas.microsoft.com/office/powerpoint/2010/main">
+<p:sld xmlns:a="http://schemas.openxmlformats.org/drawingml/2006/main" xmlns:r="http://schemas.openxmlformats.org/officeDocument/2006/relationships" xmlns:p="http://schemas.openxmlformats.org/presentationml/2006/main">
   <p:cSld>
     <p:spTree>
       <p:nvGrpSpPr>
-        <p:cNvPr id="72" name="Shape 72"/>
+        <p:cNvPr id="1" name="Shape 72"/>
         <p:cNvGrpSpPr/>
         <p:nvPr/>
       </p:nvGrpSpPr>
@@ -10566,7 +10901,9 @@
       <p:sp>
         <p:nvSpPr>
           <p:cNvPr id="73" name="Shape 73"/>
-          <p:cNvSpPr txBox="1"/>
+          <p:cNvSpPr txBox="1">
+            <a:spLocks noGrp="1"/>
+          </p:cNvSpPr>
           <p:nvPr>
             <p:ph type="title"/>
           </p:nvPr>
@@ -10581,7 +10918,7 @@
           </a:prstGeom>
         </p:spPr>
         <p:txBody>
-          <a:bodyPr anchorCtr="0" anchor="b" bIns="91425" lIns="91425" rIns="91425" tIns="91425">
+          <a:bodyPr lIns="91425" tIns="91425" rIns="91425" bIns="91425" anchor="b" anchorCtr="0">
             <a:noAutofit/>
           </a:bodyPr>
           <a:lstStyle/>
@@ -10602,9 +10939,11 @@
       <p:sp>
         <p:nvSpPr>
           <p:cNvPr id="74" name="Shape 74"/>
-          <p:cNvSpPr txBox="1"/>
-          <p:nvPr>
-            <p:ph idx="1" type="body"/>
+          <p:cNvSpPr txBox="1">
+            <a:spLocks noGrp="1"/>
+          </p:cNvSpPr>
+          <p:nvPr>
+            <p:ph type="body" idx="1"/>
           </p:nvPr>
         </p:nvSpPr>
         <p:spPr>
@@ -10617,7 +10956,7 @@
           </a:prstGeom>
         </p:spPr>
         <p:txBody>
-          <a:bodyPr anchorCtr="0" anchor="t" bIns="91425" lIns="91425" rIns="91425" tIns="91425">
+          <a:bodyPr lIns="91425" tIns="91425" rIns="91425" bIns="91425" anchor="t" anchorCtr="0">
             <a:noAutofit/>
           </a:bodyPr>
           <a:lstStyle/>
@@ -10692,11 +11031,11 @@
 </file>
 
 <file path=ppt/slides/slide20.xml><?xml version="1.0" encoding="utf-8"?>
-<p:sld xmlns:a="http://schemas.openxmlformats.org/drawingml/2006/main" xmlns:r="http://schemas.openxmlformats.org/officeDocument/2006/relationships" xmlns:mc="http://schemas.openxmlformats.org/markup-compatibility/2006" xmlns:mv="urn:schemas-microsoft-com:mac:vml" xmlns:p="http://schemas.openxmlformats.org/presentationml/2006/main" xmlns:c="http://schemas.openxmlformats.org/drawingml/2006/chart" xmlns:dgm="http://schemas.openxmlformats.org/drawingml/2006/diagram" xmlns:o="urn:schemas-microsoft-com:office:office" xmlns:v="urn:schemas-microsoft-com:vml" xmlns:pvml="urn:schemas-microsoft-com:office:powerpoint" xmlns:com="http://schemas.openxmlformats.org/drawingml/2006/compatibility" xmlns:p14="http://schemas.microsoft.com/office/powerpoint/2010/main">
+<p:sld xmlns:a="http://schemas.openxmlformats.org/drawingml/2006/main" xmlns:r="http://schemas.openxmlformats.org/officeDocument/2006/relationships" xmlns:p="http://schemas.openxmlformats.org/presentationml/2006/main">
   <p:cSld>
     <p:spTree>
       <p:nvGrpSpPr>
-        <p:cNvPr id="197" name="Shape 197"/>
+        <p:cNvPr id="1" name="Shape 197"/>
         <p:cNvGrpSpPr/>
         <p:nvPr/>
       </p:nvGrpSpPr>
@@ -10711,7 +11050,9 @@
       <p:sp>
         <p:nvSpPr>
           <p:cNvPr id="198" name="Shape 198"/>
-          <p:cNvSpPr txBox="1"/>
+          <p:cNvSpPr txBox="1">
+            <a:spLocks noGrp="1"/>
+          </p:cNvSpPr>
           <p:nvPr>
             <p:ph type="title"/>
           </p:nvPr>
@@ -10726,7 +11067,7 @@
           </a:prstGeom>
         </p:spPr>
         <p:txBody>
-          <a:bodyPr anchorCtr="0" anchor="ctr" bIns="91425" lIns="91425" rIns="91425" tIns="91425">
+          <a:bodyPr lIns="91425" tIns="91425" rIns="91425" bIns="91425" anchor="ctr" anchorCtr="0">
             <a:noAutofit/>
           </a:bodyPr>
           <a:lstStyle/>
@@ -10746,12 +11087,12 @@
       </p:sp>
       <p:pic>
         <p:nvPicPr>
-          <p:cNvPr descr="Activity Diagram for Presentation.png" id="199" name="Shape 199"/>
+          <p:cNvPr id="199" name="Shape 199" descr="Activity Diagram for Presentation.png"/>
           <p:cNvPicPr preferRelativeResize="0"/>
           <p:nvPr/>
         </p:nvPicPr>
         <p:blipFill>
-          <a:blip r:embed="rId4">
+          <a:blip r:embed="rId3">
             <a:alphaModFix/>
           </a:blip>
           <a:stretch>
@@ -10781,11 +11122,11 @@
 </file>
 
 <file path=ppt/slides/slide21.xml><?xml version="1.0" encoding="utf-8"?>
-<p:sld xmlns:a="http://schemas.openxmlformats.org/drawingml/2006/main" xmlns:r="http://schemas.openxmlformats.org/officeDocument/2006/relationships" xmlns:mc="http://schemas.openxmlformats.org/markup-compatibility/2006" xmlns:mv="urn:schemas-microsoft-com:mac:vml" xmlns:p="http://schemas.openxmlformats.org/presentationml/2006/main" xmlns:c="http://schemas.openxmlformats.org/drawingml/2006/chart" xmlns:dgm="http://schemas.openxmlformats.org/drawingml/2006/diagram" xmlns:o="urn:schemas-microsoft-com:office:office" xmlns:v="urn:schemas-microsoft-com:vml" xmlns:pvml="urn:schemas-microsoft-com:office:powerpoint" xmlns:com="http://schemas.openxmlformats.org/drawingml/2006/compatibility" xmlns:p14="http://schemas.microsoft.com/office/powerpoint/2010/main">
+<p:sld xmlns:a="http://schemas.openxmlformats.org/drawingml/2006/main" xmlns:r="http://schemas.openxmlformats.org/officeDocument/2006/relationships" xmlns:p="http://schemas.openxmlformats.org/presentationml/2006/main">
   <p:cSld>
     <p:spTree>
       <p:nvGrpSpPr>
-        <p:cNvPr id="203" name="Shape 203"/>
+        <p:cNvPr id="1" name="Shape 203"/>
         <p:cNvGrpSpPr/>
         <p:nvPr/>
       </p:nvGrpSpPr>
@@ -10800,7 +11141,9 @@
       <p:sp>
         <p:nvSpPr>
           <p:cNvPr id="204" name="Shape 204"/>
-          <p:cNvSpPr txBox="1"/>
+          <p:cNvSpPr txBox="1">
+            <a:spLocks noGrp="1"/>
+          </p:cNvSpPr>
           <p:nvPr>
             <p:ph type="title"/>
           </p:nvPr>
@@ -10815,7 +11158,7 @@
           </a:prstGeom>
         </p:spPr>
         <p:txBody>
-          <a:bodyPr anchorCtr="0" anchor="ctr" bIns="91425" lIns="91425" rIns="91425" tIns="91425">
+          <a:bodyPr lIns="91425" tIns="91425" rIns="91425" bIns="91425" anchor="ctr" anchorCtr="0">
             <a:noAutofit/>
           </a:bodyPr>
           <a:lstStyle/>
@@ -10842,11 +11185,11 @@
 </file>
 
 <file path=ppt/slides/slide22.xml><?xml version="1.0" encoding="utf-8"?>
-<p:sld xmlns:a="http://schemas.openxmlformats.org/drawingml/2006/main" xmlns:r="http://schemas.openxmlformats.org/officeDocument/2006/relationships" xmlns:mc="http://schemas.openxmlformats.org/markup-compatibility/2006" xmlns:mv="urn:schemas-microsoft-com:mac:vml" xmlns:p="http://schemas.openxmlformats.org/presentationml/2006/main" xmlns:c="http://schemas.openxmlformats.org/drawingml/2006/chart" xmlns:dgm="http://schemas.openxmlformats.org/drawingml/2006/diagram" xmlns:o="urn:schemas-microsoft-com:office:office" xmlns:v="urn:schemas-microsoft-com:vml" xmlns:pvml="urn:schemas-microsoft-com:office:powerpoint" xmlns:com="http://schemas.openxmlformats.org/drawingml/2006/compatibility" xmlns:p14="http://schemas.microsoft.com/office/powerpoint/2010/main">
+<p:sld xmlns:a="http://schemas.openxmlformats.org/drawingml/2006/main" xmlns:r="http://schemas.openxmlformats.org/officeDocument/2006/relationships" xmlns:p="http://schemas.openxmlformats.org/presentationml/2006/main">
   <p:cSld>
     <p:spTree>
       <p:nvGrpSpPr>
-        <p:cNvPr id="208" name="Shape 208"/>
+        <p:cNvPr id="1" name="Shape 208"/>
         <p:cNvGrpSpPr/>
         <p:nvPr/>
       </p:nvGrpSpPr>
@@ -10861,7 +11204,9 @@
       <p:sp>
         <p:nvSpPr>
           <p:cNvPr id="209" name="Shape 209"/>
-          <p:cNvSpPr txBox="1"/>
+          <p:cNvSpPr txBox="1">
+            <a:spLocks noGrp="1"/>
+          </p:cNvSpPr>
           <p:nvPr>
             <p:ph type="title"/>
           </p:nvPr>
@@ -10876,7 +11221,7 @@
           </a:prstGeom>
         </p:spPr>
         <p:txBody>
-          <a:bodyPr anchorCtr="0" anchor="ctr" bIns="91425" lIns="91425" rIns="91425" tIns="91425">
+          <a:bodyPr lIns="91425" tIns="91425" rIns="91425" bIns="91425" anchor="ctr" anchorCtr="0">
             <a:noAutofit/>
           </a:bodyPr>
           <a:lstStyle/>
@@ -10931,11 +11276,11 @@
 </file>
 
 <file path=ppt/slides/slide23.xml><?xml version="1.0" encoding="utf-8"?>
-<p:sld xmlns:a="http://schemas.openxmlformats.org/drawingml/2006/main" xmlns:r="http://schemas.openxmlformats.org/officeDocument/2006/relationships" xmlns:mc="http://schemas.openxmlformats.org/markup-compatibility/2006" xmlns:mv="urn:schemas-microsoft-com:mac:vml" xmlns:p="http://schemas.openxmlformats.org/presentationml/2006/main" xmlns:c="http://schemas.openxmlformats.org/drawingml/2006/chart" xmlns:dgm="http://schemas.openxmlformats.org/drawingml/2006/diagram" xmlns:o="urn:schemas-microsoft-com:office:office" xmlns:v="urn:schemas-microsoft-com:vml" xmlns:pvml="urn:schemas-microsoft-com:office:powerpoint" xmlns:com="http://schemas.openxmlformats.org/drawingml/2006/compatibility" xmlns:p14="http://schemas.microsoft.com/office/powerpoint/2010/main">
+<p:sld xmlns:a="http://schemas.openxmlformats.org/drawingml/2006/main" xmlns:r="http://schemas.openxmlformats.org/officeDocument/2006/relationships" xmlns:p="http://schemas.openxmlformats.org/presentationml/2006/main">
   <p:cSld>
     <p:spTree>
       <p:nvGrpSpPr>
-        <p:cNvPr id="214" name="Shape 214"/>
+        <p:cNvPr id="1" name="Shape 214"/>
         <p:cNvGrpSpPr/>
         <p:nvPr/>
       </p:nvGrpSpPr>
@@ -10950,7 +11295,9 @@
       <p:sp>
         <p:nvSpPr>
           <p:cNvPr id="215" name="Shape 215"/>
-          <p:cNvSpPr txBox="1"/>
+          <p:cNvSpPr txBox="1">
+            <a:spLocks noGrp="1"/>
+          </p:cNvSpPr>
           <p:nvPr>
             <p:ph type="title"/>
           </p:nvPr>
@@ -10965,7 +11312,7 @@
           </a:prstGeom>
         </p:spPr>
         <p:txBody>
-          <a:bodyPr anchorCtr="0" anchor="ctr" bIns="91425" lIns="91425" rIns="91425" tIns="91425">
+          <a:bodyPr lIns="91425" tIns="91425" rIns="91425" bIns="91425" anchor="ctr" anchorCtr="0">
             <a:noAutofit/>
           </a:bodyPr>
           <a:lstStyle/>
@@ -11020,11 +11367,11 @@
 </file>
 
 <file path=ppt/slides/slide24.xml><?xml version="1.0" encoding="utf-8"?>
-<p:sld xmlns:a="http://schemas.openxmlformats.org/drawingml/2006/main" xmlns:r="http://schemas.openxmlformats.org/officeDocument/2006/relationships" xmlns:mc="http://schemas.openxmlformats.org/markup-compatibility/2006" xmlns:mv="urn:schemas-microsoft-com:mac:vml" xmlns:p="http://schemas.openxmlformats.org/presentationml/2006/main" xmlns:c="http://schemas.openxmlformats.org/drawingml/2006/chart" xmlns:dgm="http://schemas.openxmlformats.org/drawingml/2006/diagram" xmlns:o="urn:schemas-microsoft-com:office:office" xmlns:v="urn:schemas-microsoft-com:vml" xmlns:pvml="urn:schemas-microsoft-com:office:powerpoint" xmlns:com="http://schemas.openxmlformats.org/drawingml/2006/compatibility" xmlns:p14="http://schemas.microsoft.com/office/powerpoint/2010/main">
+<p:sld xmlns:a="http://schemas.openxmlformats.org/drawingml/2006/main" xmlns:r="http://schemas.openxmlformats.org/officeDocument/2006/relationships" xmlns:p="http://schemas.openxmlformats.org/presentationml/2006/main">
   <p:cSld>
     <p:spTree>
       <p:nvGrpSpPr>
-        <p:cNvPr id="220" name="Shape 220"/>
+        <p:cNvPr id="1" name="Shape 220"/>
         <p:cNvGrpSpPr/>
         <p:nvPr/>
       </p:nvGrpSpPr>
@@ -11039,7 +11386,9 @@
       <p:sp>
         <p:nvSpPr>
           <p:cNvPr id="221" name="Shape 221"/>
-          <p:cNvSpPr txBox="1"/>
+          <p:cNvSpPr txBox="1">
+            <a:spLocks noGrp="1"/>
+          </p:cNvSpPr>
           <p:nvPr>
             <p:ph type="title"/>
           </p:nvPr>
@@ -11054,7 +11403,7 @@
           </a:prstGeom>
         </p:spPr>
         <p:txBody>
-          <a:bodyPr anchorCtr="0" anchor="ctr" bIns="91425" lIns="91425" rIns="91425" tIns="91425">
+          <a:bodyPr lIns="91425" tIns="91425" rIns="91425" bIns="91425" anchor="ctr" anchorCtr="0">
             <a:noAutofit/>
           </a:bodyPr>
           <a:lstStyle/>
@@ -11109,11 +11458,11 @@
 </file>
 
 <file path=ppt/slides/slide25.xml><?xml version="1.0" encoding="utf-8"?>
-<p:sld xmlns:a="http://schemas.openxmlformats.org/drawingml/2006/main" xmlns:r="http://schemas.openxmlformats.org/officeDocument/2006/relationships" xmlns:mc="http://schemas.openxmlformats.org/markup-compatibility/2006" xmlns:mv="urn:schemas-microsoft-com:mac:vml" xmlns:p="http://schemas.openxmlformats.org/presentationml/2006/main" xmlns:c="http://schemas.openxmlformats.org/drawingml/2006/chart" xmlns:dgm="http://schemas.openxmlformats.org/drawingml/2006/diagram" xmlns:o="urn:schemas-microsoft-com:office:office" xmlns:v="urn:schemas-microsoft-com:vml" xmlns:pvml="urn:schemas-microsoft-com:office:powerpoint" xmlns:com="http://schemas.openxmlformats.org/drawingml/2006/compatibility" xmlns:p14="http://schemas.microsoft.com/office/powerpoint/2010/main">
+<p:sld xmlns:a="http://schemas.openxmlformats.org/drawingml/2006/main" xmlns:r="http://schemas.openxmlformats.org/officeDocument/2006/relationships" xmlns:p="http://schemas.openxmlformats.org/presentationml/2006/main">
   <p:cSld>
     <p:spTree>
       <p:nvGrpSpPr>
-        <p:cNvPr id="226" name="Shape 226"/>
+        <p:cNvPr id="1" name="Shape 226"/>
         <p:cNvGrpSpPr/>
         <p:nvPr/>
       </p:nvGrpSpPr>
@@ -11128,7 +11477,9 @@
       <p:sp>
         <p:nvSpPr>
           <p:cNvPr id="227" name="Shape 227"/>
-          <p:cNvSpPr txBox="1"/>
+          <p:cNvSpPr txBox="1">
+            <a:spLocks noGrp="1"/>
+          </p:cNvSpPr>
           <p:nvPr>
             <p:ph type="title"/>
           </p:nvPr>
@@ -11143,7 +11494,7 @@
           </a:prstGeom>
         </p:spPr>
         <p:txBody>
-          <a:bodyPr anchorCtr="0" anchor="ctr" bIns="91425" lIns="91425" rIns="91425" tIns="91425">
+          <a:bodyPr lIns="91425" tIns="91425" rIns="91425" bIns="91425" anchor="ctr" anchorCtr="0">
             <a:noAutofit/>
           </a:bodyPr>
           <a:lstStyle/>
@@ -11171,7 +11522,7 @@
           <a:blip r:embed="rId3">
             <a:alphaModFix/>
           </a:blip>
-          <a:srcRect b="8847" l="10204" r="10196" t="8847"/>
+          <a:srcRect l="10204" t="8847" r="10196" b="8847"/>
           <a:stretch/>
         </p:blipFill>
         <p:spPr>
@@ -11197,11 +11548,11 @@
 </file>
 
 <file path=ppt/slides/slide26.xml><?xml version="1.0" encoding="utf-8"?>
-<p:sld xmlns:a="http://schemas.openxmlformats.org/drawingml/2006/main" xmlns:r="http://schemas.openxmlformats.org/officeDocument/2006/relationships" xmlns:mc="http://schemas.openxmlformats.org/markup-compatibility/2006" xmlns:mv="urn:schemas-microsoft-com:mac:vml" xmlns:p="http://schemas.openxmlformats.org/presentationml/2006/main" xmlns:c="http://schemas.openxmlformats.org/drawingml/2006/chart" xmlns:dgm="http://schemas.openxmlformats.org/drawingml/2006/diagram" xmlns:o="urn:schemas-microsoft-com:office:office" xmlns:v="urn:schemas-microsoft-com:vml" xmlns:pvml="urn:schemas-microsoft-com:office:powerpoint" xmlns:com="http://schemas.openxmlformats.org/drawingml/2006/compatibility" xmlns:p14="http://schemas.microsoft.com/office/powerpoint/2010/main">
+<p:sld xmlns:a="http://schemas.openxmlformats.org/drawingml/2006/main" xmlns:r="http://schemas.openxmlformats.org/officeDocument/2006/relationships" xmlns:p="http://schemas.openxmlformats.org/presentationml/2006/main">
   <p:cSld>
     <p:spTree>
       <p:nvGrpSpPr>
-        <p:cNvPr id="232" name="Shape 232"/>
+        <p:cNvPr id="1" name="Shape 232"/>
         <p:cNvGrpSpPr/>
         <p:nvPr/>
       </p:nvGrpSpPr>
@@ -11216,7 +11567,9 @@
       <p:sp>
         <p:nvSpPr>
           <p:cNvPr id="233" name="Shape 233"/>
-          <p:cNvSpPr txBox="1"/>
+          <p:cNvSpPr txBox="1">
+            <a:spLocks noGrp="1"/>
+          </p:cNvSpPr>
           <p:nvPr>
             <p:ph type="title"/>
           </p:nvPr>
@@ -11231,7 +11584,7 @@
           </a:prstGeom>
         </p:spPr>
         <p:txBody>
-          <a:bodyPr anchorCtr="0" anchor="ctr" bIns="91425" lIns="91425" rIns="91425" tIns="91425">
+          <a:bodyPr lIns="91425" tIns="91425" rIns="91425" bIns="91425" anchor="ctr" anchorCtr="0">
             <a:noAutofit/>
           </a:bodyPr>
           <a:lstStyle/>
@@ -11286,11 +11639,11 @@
 </file>
 
 <file path=ppt/slides/slide27.xml><?xml version="1.0" encoding="utf-8"?>
-<p:sld xmlns:a="http://schemas.openxmlformats.org/drawingml/2006/main" xmlns:r="http://schemas.openxmlformats.org/officeDocument/2006/relationships" xmlns:mc="http://schemas.openxmlformats.org/markup-compatibility/2006" xmlns:mv="urn:schemas-microsoft-com:mac:vml" xmlns:p="http://schemas.openxmlformats.org/presentationml/2006/main" xmlns:c="http://schemas.openxmlformats.org/drawingml/2006/chart" xmlns:dgm="http://schemas.openxmlformats.org/drawingml/2006/diagram" xmlns:o="urn:schemas-microsoft-com:office:office" xmlns:v="urn:schemas-microsoft-com:vml" xmlns:pvml="urn:schemas-microsoft-com:office:powerpoint" xmlns:com="http://schemas.openxmlformats.org/drawingml/2006/compatibility" xmlns:p14="http://schemas.microsoft.com/office/powerpoint/2010/main">
+<p:sld xmlns:a="http://schemas.openxmlformats.org/drawingml/2006/main" xmlns:r="http://schemas.openxmlformats.org/officeDocument/2006/relationships" xmlns:p="http://schemas.openxmlformats.org/presentationml/2006/main">
   <p:cSld>
     <p:spTree>
       <p:nvGrpSpPr>
-        <p:cNvPr id="238" name="Shape 238"/>
+        <p:cNvPr id="1" name="Shape 238"/>
         <p:cNvGrpSpPr/>
         <p:nvPr/>
       </p:nvGrpSpPr>
@@ -11305,7 +11658,9 @@
       <p:sp>
         <p:nvSpPr>
           <p:cNvPr id="239" name="Shape 239"/>
-          <p:cNvSpPr txBox="1"/>
+          <p:cNvSpPr txBox="1">
+            <a:spLocks noGrp="1"/>
+          </p:cNvSpPr>
           <p:nvPr>
             <p:ph type="title"/>
           </p:nvPr>
@@ -11320,7 +11675,7 @@
           </a:prstGeom>
         </p:spPr>
         <p:txBody>
-          <a:bodyPr anchorCtr="0" anchor="ctr" bIns="91425" lIns="91425" rIns="91425" tIns="91425">
+          <a:bodyPr lIns="91425" tIns="91425" rIns="91425" bIns="91425" anchor="ctr" anchorCtr="0">
             <a:noAutofit/>
           </a:bodyPr>
           <a:lstStyle/>
@@ -11375,11 +11730,11 @@
 </file>
 
 <file path=ppt/slides/slide28.xml><?xml version="1.0" encoding="utf-8"?>
-<p:sld xmlns:a="http://schemas.openxmlformats.org/drawingml/2006/main" xmlns:r="http://schemas.openxmlformats.org/officeDocument/2006/relationships" xmlns:mc="http://schemas.openxmlformats.org/markup-compatibility/2006" xmlns:mv="urn:schemas-microsoft-com:mac:vml" xmlns:p="http://schemas.openxmlformats.org/presentationml/2006/main" xmlns:c="http://schemas.openxmlformats.org/drawingml/2006/chart" xmlns:dgm="http://schemas.openxmlformats.org/drawingml/2006/diagram" xmlns:o="urn:schemas-microsoft-com:office:office" xmlns:v="urn:schemas-microsoft-com:vml" xmlns:pvml="urn:schemas-microsoft-com:office:powerpoint" xmlns:com="http://schemas.openxmlformats.org/drawingml/2006/compatibility" xmlns:p14="http://schemas.microsoft.com/office/powerpoint/2010/main">
+<p:sld xmlns:a="http://schemas.openxmlformats.org/drawingml/2006/main" xmlns:r="http://schemas.openxmlformats.org/officeDocument/2006/relationships" xmlns:p="http://schemas.openxmlformats.org/presentationml/2006/main">
   <p:cSld>
     <p:spTree>
       <p:nvGrpSpPr>
-        <p:cNvPr id="244" name="Shape 244"/>
+        <p:cNvPr id="1" name="Shape 244"/>
         <p:cNvGrpSpPr/>
         <p:nvPr/>
       </p:nvGrpSpPr>
@@ -11394,7 +11749,9 @@
       <p:sp>
         <p:nvSpPr>
           <p:cNvPr id="245" name="Shape 245"/>
-          <p:cNvSpPr txBox="1"/>
+          <p:cNvSpPr txBox="1">
+            <a:spLocks noGrp="1"/>
+          </p:cNvSpPr>
           <p:nvPr>
             <p:ph type="title"/>
           </p:nvPr>
@@ -11409,7 +11766,7 @@
           </a:prstGeom>
         </p:spPr>
         <p:txBody>
-          <a:bodyPr anchorCtr="0" anchor="ctr" bIns="91425" lIns="91425" rIns="91425" tIns="91425">
+          <a:bodyPr lIns="91425" tIns="91425" rIns="91425" bIns="91425" anchor="ctr" anchorCtr="0">
             <a:noAutofit/>
           </a:bodyPr>
           <a:lstStyle/>
@@ -11464,11 +11821,11 @@
 </file>
 
 <file path=ppt/slides/slide29.xml><?xml version="1.0" encoding="utf-8"?>
-<p:sld xmlns:a="http://schemas.openxmlformats.org/drawingml/2006/main" xmlns:r="http://schemas.openxmlformats.org/officeDocument/2006/relationships" xmlns:mc="http://schemas.openxmlformats.org/markup-compatibility/2006" xmlns:mv="urn:schemas-microsoft-com:mac:vml" xmlns:p="http://schemas.openxmlformats.org/presentationml/2006/main" xmlns:c="http://schemas.openxmlformats.org/drawingml/2006/chart" xmlns:dgm="http://schemas.openxmlformats.org/drawingml/2006/diagram" xmlns:o="urn:schemas-microsoft-com:office:office" xmlns:v="urn:schemas-microsoft-com:vml" xmlns:pvml="urn:schemas-microsoft-com:office:powerpoint" xmlns:com="http://schemas.openxmlformats.org/drawingml/2006/compatibility" xmlns:p14="http://schemas.microsoft.com/office/powerpoint/2010/main">
+<p:sld xmlns:a="http://schemas.openxmlformats.org/drawingml/2006/main" xmlns:r="http://schemas.openxmlformats.org/officeDocument/2006/relationships" xmlns:p="http://schemas.openxmlformats.org/presentationml/2006/main">
   <p:cSld>
     <p:spTree>
       <p:nvGrpSpPr>
-        <p:cNvPr id="250" name="Shape 250"/>
+        <p:cNvPr id="1" name="Shape 250"/>
         <p:cNvGrpSpPr/>
         <p:nvPr/>
       </p:nvGrpSpPr>
@@ -11483,7 +11840,9 @@
       <p:sp>
         <p:nvSpPr>
           <p:cNvPr id="251" name="Shape 251"/>
-          <p:cNvSpPr txBox="1"/>
+          <p:cNvSpPr txBox="1">
+            <a:spLocks noGrp="1"/>
+          </p:cNvSpPr>
           <p:nvPr>
             <p:ph type="title"/>
           </p:nvPr>
@@ -11498,7 +11857,7 @@
           </a:prstGeom>
         </p:spPr>
         <p:txBody>
-          <a:bodyPr anchorCtr="0" anchor="ctr" bIns="91425" lIns="91425" rIns="91425" tIns="91425">
+          <a:bodyPr lIns="91425" tIns="91425" rIns="91425" bIns="91425" anchor="ctr" anchorCtr="0">
             <a:noAutofit/>
           </a:bodyPr>
           <a:lstStyle/>
@@ -11553,11 +11912,11 @@
 </file>
 
 <file path=ppt/slides/slide3.xml><?xml version="1.0" encoding="utf-8"?>
-<p:sld xmlns:a="http://schemas.openxmlformats.org/drawingml/2006/main" xmlns:r="http://schemas.openxmlformats.org/officeDocument/2006/relationships" xmlns:mc="http://schemas.openxmlformats.org/markup-compatibility/2006" xmlns:mv="urn:schemas-microsoft-com:mac:vml" xmlns:p="http://schemas.openxmlformats.org/presentationml/2006/main" xmlns:c="http://schemas.openxmlformats.org/drawingml/2006/chart" xmlns:dgm="http://schemas.openxmlformats.org/drawingml/2006/diagram" xmlns:o="urn:schemas-microsoft-com:office:office" xmlns:v="urn:schemas-microsoft-com:vml" xmlns:pvml="urn:schemas-microsoft-com:office:powerpoint" xmlns:com="http://schemas.openxmlformats.org/drawingml/2006/compatibility" xmlns:p14="http://schemas.microsoft.com/office/powerpoint/2010/main">
+<p:sld xmlns:a="http://schemas.openxmlformats.org/drawingml/2006/main" xmlns:r="http://schemas.openxmlformats.org/officeDocument/2006/relationships" xmlns:p="http://schemas.openxmlformats.org/presentationml/2006/main">
   <p:cSld>
     <p:spTree>
       <p:nvGrpSpPr>
-        <p:cNvPr id="78" name="Shape 78"/>
+        <p:cNvPr id="1" name="Shape 78"/>
         <p:cNvGrpSpPr/>
         <p:nvPr/>
       </p:nvGrpSpPr>
@@ -11572,7 +11931,9 @@
       <p:sp>
         <p:nvSpPr>
           <p:cNvPr id="79" name="Shape 79"/>
-          <p:cNvSpPr txBox="1"/>
+          <p:cNvSpPr txBox="1">
+            <a:spLocks noGrp="1"/>
+          </p:cNvSpPr>
           <p:nvPr>
             <p:ph type="title"/>
           </p:nvPr>
@@ -11587,7 +11948,7 @@
           </a:prstGeom>
         </p:spPr>
         <p:txBody>
-          <a:bodyPr anchorCtr="0" anchor="b" bIns="91425" lIns="91425" rIns="91425" tIns="91425">
+          <a:bodyPr lIns="91425" tIns="91425" rIns="91425" bIns="91425" anchor="b" anchorCtr="0">
             <a:noAutofit/>
           </a:bodyPr>
           <a:lstStyle/>
@@ -11608,9 +11969,11 @@
       <p:sp>
         <p:nvSpPr>
           <p:cNvPr id="80" name="Shape 80"/>
-          <p:cNvSpPr txBox="1"/>
-          <p:nvPr>
-            <p:ph idx="1" type="body"/>
+          <p:cNvSpPr txBox="1">
+            <a:spLocks noGrp="1"/>
+          </p:cNvSpPr>
+          <p:nvPr>
+            <p:ph type="body" idx="1"/>
           </p:nvPr>
         </p:nvSpPr>
         <p:spPr>
@@ -11623,7 +11986,7 @@
           </a:prstGeom>
         </p:spPr>
         <p:txBody>
-          <a:bodyPr anchorCtr="0" anchor="t" bIns="91425" lIns="91425" rIns="91425" tIns="91425">
+          <a:bodyPr lIns="91425" tIns="91425" rIns="91425" bIns="91425" anchor="t" anchorCtr="0">
             <a:noAutofit/>
           </a:bodyPr>
           <a:lstStyle/>
@@ -11646,9 +12009,6 @@
               </a:spcBef>
               <a:buNone/>
             </a:pPr>
-            <a:r>
-              <a:t/>
-            </a:r>
             <a:endParaRPr/>
           </a:p>
           <a:p>
@@ -11658,9 +12018,6 @@
               </a:spcBef>
               <a:buNone/>
             </a:pPr>
-            <a:r>
-              <a:t/>
-            </a:r>
             <a:endParaRPr/>
           </a:p>
           <a:p>
@@ -11676,7 +12033,7 @@
             </a:r>
           </a:p>
           <a:p>
-            <a:pPr indent="-228600" lvl="0" marL="457200" rtl="0">
+            <a:pPr marL="457200" lvl="0" indent="-228600" rtl="0">
               <a:spcBef>
                 <a:spcPts val="0"/>
               </a:spcBef>
@@ -11687,7 +12044,7 @@
             </a:r>
           </a:p>
           <a:p>
-            <a:pPr indent="-228600" lvl="0" marL="457200" rtl="0">
+            <a:pPr marL="457200" lvl="0" indent="-228600" rtl="0">
               <a:spcBef>
                 <a:spcPts val="0"/>
               </a:spcBef>
@@ -11704,9 +12061,6 @@
               </a:spcBef>
               <a:buNone/>
             </a:pPr>
-            <a:r>
-              <a:t/>
-            </a:r>
             <a:endParaRPr/>
           </a:p>
         </p:txBody>
@@ -11718,7 +12072,7 @@
           <p:nvPr/>
         </p:nvPicPr>
         <p:blipFill>
-          <a:blip r:embed="rId4">
+          <a:blip r:embed="rId3">
             <a:alphaModFix/>
           </a:blip>
           <a:stretch>
@@ -11746,10 +12100,10 @@
           <p:nvPr/>
         </p:nvPicPr>
         <p:blipFill rotWithShape="1">
-          <a:blip r:embed="rId5">
+          <a:blip r:embed="rId4">
             <a:alphaModFix/>
           </a:blip>
-          <a:srcRect b="39755" l="0" r="0" t="38983"/>
+          <a:srcRect t="38983" b="39755"/>
           <a:stretch/>
         </p:blipFill>
         <p:spPr>
@@ -11773,7 +12127,7 @@
           <p:nvPr/>
         </p:nvPicPr>
         <p:blipFill>
-          <a:blip r:embed="rId6">
+          <a:blip r:embed="rId5">
             <a:alphaModFix/>
           </a:blip>
           <a:stretch>
@@ -11814,7 +12168,7 @@
           </a:ln>
         </p:spPr>
         <p:txBody>
-          <a:bodyPr anchorCtr="0" anchor="t" bIns="91425" lIns="91425" rIns="91425" tIns="91425">
+          <a:bodyPr lIns="91425" tIns="91425" rIns="91425" bIns="91425" anchor="t" anchorCtr="0">
             <a:noAutofit/>
           </a:bodyPr>
           <a:lstStyle/>
@@ -11841,11 +12195,11 @@
 </file>
 
 <file path=ppt/slides/slide30.xml><?xml version="1.0" encoding="utf-8"?>
-<p:sld xmlns:a="http://schemas.openxmlformats.org/drawingml/2006/main" xmlns:r="http://schemas.openxmlformats.org/officeDocument/2006/relationships" xmlns:mc="http://schemas.openxmlformats.org/markup-compatibility/2006" xmlns:mv="urn:schemas-microsoft-com:mac:vml" xmlns:p="http://schemas.openxmlformats.org/presentationml/2006/main" xmlns:c="http://schemas.openxmlformats.org/drawingml/2006/chart" xmlns:dgm="http://schemas.openxmlformats.org/drawingml/2006/diagram" xmlns:o="urn:schemas-microsoft-com:office:office" xmlns:v="urn:schemas-microsoft-com:vml" xmlns:pvml="urn:schemas-microsoft-com:office:powerpoint" xmlns:com="http://schemas.openxmlformats.org/drawingml/2006/compatibility" xmlns:p14="http://schemas.microsoft.com/office/powerpoint/2010/main">
+<p:sld xmlns:a="http://schemas.openxmlformats.org/drawingml/2006/main" xmlns:r="http://schemas.openxmlformats.org/officeDocument/2006/relationships" xmlns:p="http://schemas.openxmlformats.org/presentationml/2006/main">
   <p:cSld>
     <p:spTree>
       <p:nvGrpSpPr>
-        <p:cNvPr id="256" name="Shape 256"/>
+        <p:cNvPr id="1" name="Shape 256"/>
         <p:cNvGrpSpPr/>
         <p:nvPr/>
       </p:nvGrpSpPr>
@@ -11860,7 +12214,9 @@
       <p:sp>
         <p:nvSpPr>
           <p:cNvPr id="257" name="Shape 257"/>
-          <p:cNvSpPr txBox="1"/>
+          <p:cNvSpPr txBox="1">
+            <a:spLocks noGrp="1"/>
+          </p:cNvSpPr>
           <p:nvPr>
             <p:ph type="title"/>
           </p:nvPr>
@@ -11875,7 +12231,7 @@
           </a:prstGeom>
         </p:spPr>
         <p:txBody>
-          <a:bodyPr anchorCtr="0" anchor="ctr" bIns="91425" lIns="91425" rIns="91425" tIns="91425">
+          <a:bodyPr lIns="91425" tIns="91425" rIns="91425" bIns="91425" anchor="ctr" anchorCtr="0">
             <a:noAutofit/>
           </a:bodyPr>
           <a:lstStyle/>
@@ -11902,11 +12258,11 @@
 </file>
 
 <file path=ppt/slides/slide31.xml><?xml version="1.0" encoding="utf-8"?>
-<p:sld xmlns:a="http://schemas.openxmlformats.org/drawingml/2006/main" xmlns:r="http://schemas.openxmlformats.org/officeDocument/2006/relationships" xmlns:mc="http://schemas.openxmlformats.org/markup-compatibility/2006" xmlns:mv="urn:schemas-microsoft-com:mac:vml" xmlns:p="http://schemas.openxmlformats.org/presentationml/2006/main" xmlns:c="http://schemas.openxmlformats.org/drawingml/2006/chart" xmlns:dgm="http://schemas.openxmlformats.org/drawingml/2006/diagram" xmlns:o="urn:schemas-microsoft-com:office:office" xmlns:v="urn:schemas-microsoft-com:vml" xmlns:pvml="urn:schemas-microsoft-com:office:powerpoint" xmlns:com="http://schemas.openxmlformats.org/drawingml/2006/compatibility" xmlns:p14="http://schemas.microsoft.com/office/powerpoint/2010/main">
+<p:sld xmlns:a="http://schemas.openxmlformats.org/drawingml/2006/main" xmlns:r="http://schemas.openxmlformats.org/officeDocument/2006/relationships" xmlns:p="http://schemas.openxmlformats.org/presentationml/2006/main">
   <p:cSld>
     <p:spTree>
       <p:nvGrpSpPr>
-        <p:cNvPr id="261" name="Shape 261"/>
+        <p:cNvPr id="1" name="Shape 261"/>
         <p:cNvGrpSpPr/>
         <p:nvPr/>
       </p:nvGrpSpPr>
@@ -11921,7 +12277,9 @@
       <p:sp>
         <p:nvSpPr>
           <p:cNvPr id="262" name="Shape 262"/>
-          <p:cNvSpPr txBox="1"/>
+          <p:cNvSpPr txBox="1">
+            <a:spLocks noGrp="1"/>
+          </p:cNvSpPr>
           <p:nvPr>
             <p:ph type="title"/>
           </p:nvPr>
@@ -11936,7 +12294,7 @@
           </a:prstGeom>
         </p:spPr>
         <p:txBody>
-          <a:bodyPr anchorCtr="0" anchor="b" bIns="91425" lIns="91425" rIns="91425" tIns="91425">
+          <a:bodyPr lIns="91425" tIns="91425" rIns="91425" bIns="91425" anchor="b" anchorCtr="0">
             <a:noAutofit/>
           </a:bodyPr>
           <a:lstStyle/>
@@ -11957,9 +12315,11 @@
       <p:sp>
         <p:nvSpPr>
           <p:cNvPr id="263" name="Shape 263"/>
-          <p:cNvSpPr txBox="1"/>
-          <p:nvPr>
-            <p:ph idx="1" type="body"/>
+          <p:cNvSpPr txBox="1">
+            <a:spLocks noGrp="1"/>
+          </p:cNvSpPr>
+          <p:nvPr>
+            <p:ph type="body" idx="1"/>
           </p:nvPr>
         </p:nvSpPr>
         <p:spPr>
@@ -11972,84 +12332,105 @@
           </a:prstGeom>
         </p:spPr>
         <p:txBody>
-          <a:bodyPr anchorCtr="0" anchor="t" bIns="91425" lIns="91425" rIns="91425" tIns="91425">
+          <a:bodyPr lIns="91425" tIns="91425" rIns="91425" bIns="91425" anchor="t" anchorCtr="0">
             <a:noAutofit/>
           </a:bodyPr>
           <a:lstStyle/>
           <a:p>
-            <a:pPr indent="-228600" lvl="0" marL="457200" rtl="0">
-              <a:spcBef>
-                <a:spcPts val="0"/>
-              </a:spcBef>
-            </a:pPr>
-            <a:r>
-              <a:rPr lang="en"/>
+            <a:pPr marL="457200" lvl="0" indent="-228600" rtl="0">
+              <a:spcBef>
+                <a:spcPts val="0"/>
+              </a:spcBef>
+              <a:spcAft>
+                <a:spcPts val="0"/>
+              </a:spcAft>
+            </a:pPr>
+            <a:r>
+              <a:rPr lang="en" dirty="0"/>
               <a:t>Manual Testing</a:t>
             </a:r>
           </a:p>
           <a:p>
-            <a:pPr indent="-228600" lvl="1" marL="914400" rtl="0">
-              <a:spcBef>
-                <a:spcPts val="0"/>
-              </a:spcBef>
-            </a:pPr>
-            <a:r>
-              <a:rPr lang="en"/>
+            <a:pPr marL="914400" lvl="1" indent="-228600" rtl="0">
+              <a:spcBef>
+                <a:spcPts val="0"/>
+              </a:spcBef>
+              <a:spcAft>
+                <a:spcPts val="0"/>
+              </a:spcAft>
+            </a:pPr>
+            <a:r>
+              <a:rPr lang="en" dirty="0"/>
               <a:t>Manual Conjoint Analysis Question Creation</a:t>
             </a:r>
           </a:p>
           <a:p>
-            <a:pPr indent="-228600" lvl="1" marL="914400" rtl="0">
-              <a:spcBef>
-                <a:spcPts val="0"/>
-              </a:spcBef>
-            </a:pPr>
-            <a:r>
-              <a:rPr lang="en"/>
+            <a:pPr marL="914400" lvl="1" indent="-228600" rtl="0">
+              <a:spcBef>
+                <a:spcPts val="0"/>
+              </a:spcBef>
+              <a:spcAft>
+                <a:spcPts val="0"/>
+              </a:spcAft>
+            </a:pPr>
+            <a:r>
+              <a:rPr lang="en" dirty="0"/>
               <a:t>Branching Logic Creation and Behavior</a:t>
             </a:r>
           </a:p>
           <a:p>
-            <a:pPr indent="-228600" lvl="1" marL="914400" rtl="0">
-              <a:spcBef>
-                <a:spcPts val="0"/>
-              </a:spcBef>
-            </a:pPr>
-            <a:r>
-              <a:rPr lang="en"/>
+            <a:pPr marL="914400" lvl="1" indent="-228600" rtl="0">
+              <a:spcBef>
+                <a:spcPts val="0"/>
+              </a:spcBef>
+              <a:spcAft>
+                <a:spcPts val="0"/>
+              </a:spcAft>
+            </a:pPr>
+            <a:r>
+              <a:rPr lang="en" dirty="0"/>
               <a:t>Cross Tab Analysis</a:t>
             </a:r>
           </a:p>
           <a:p>
-            <a:pPr indent="-228600" lvl="0" marL="457200" rtl="0">
-              <a:spcBef>
-                <a:spcPts val="0"/>
-              </a:spcBef>
-            </a:pPr>
-            <a:r>
-              <a:rPr lang="en"/>
+            <a:pPr marL="457200" lvl="0" indent="-228600" rtl="0">
+              <a:spcBef>
+                <a:spcPts val="0"/>
+              </a:spcBef>
+              <a:spcAft>
+                <a:spcPts val="0"/>
+              </a:spcAft>
+            </a:pPr>
+            <a:r>
+              <a:rPr lang="en" dirty="0"/>
               <a:t>At least 5 runs each for the manual tests</a:t>
             </a:r>
           </a:p>
           <a:p>
-            <a:pPr indent="-228600" lvl="0" marL="457200" rtl="0">
-              <a:spcBef>
-                <a:spcPts val="0"/>
-              </a:spcBef>
-            </a:pPr>
-            <a:r>
-              <a:rPr lang="en"/>
+            <a:pPr marL="457200" lvl="0" indent="-228600" rtl="0">
+              <a:spcBef>
+                <a:spcPts val="0"/>
+              </a:spcBef>
+              <a:spcAft>
+                <a:spcPts val="0"/>
+              </a:spcAft>
+            </a:pPr>
+            <a:r>
+              <a:rPr lang="en" dirty="0"/>
               <a:t>Performance and Stress Testing</a:t>
             </a:r>
           </a:p>
           <a:p>
-            <a:pPr indent="-228600" lvl="1" marL="914400">
-              <a:spcBef>
-                <a:spcPts val="0"/>
-              </a:spcBef>
-            </a:pPr>
-            <a:r>
-              <a:rPr lang="en"/>
+            <a:pPr marL="914400" lvl="1" indent="-228600">
+              <a:spcBef>
+                <a:spcPts val="0"/>
+              </a:spcBef>
+              <a:spcAft>
+                <a:spcPts val="0"/>
+              </a:spcAft>
+            </a:pPr>
+            <a:r>
+              <a:rPr lang="en" dirty="0"/>
               <a:t>Use of scripts</a:t>
             </a:r>
           </a:p>
@@ -12064,11 +12445,11 @@
 </file>
 
 <file path=ppt/slides/slide32.xml><?xml version="1.0" encoding="utf-8"?>
-<p:sld xmlns:a="http://schemas.openxmlformats.org/drawingml/2006/main" xmlns:r="http://schemas.openxmlformats.org/officeDocument/2006/relationships" xmlns:mc="http://schemas.openxmlformats.org/markup-compatibility/2006" xmlns:mv="urn:schemas-microsoft-com:mac:vml" xmlns:p="http://schemas.openxmlformats.org/presentationml/2006/main" xmlns:c="http://schemas.openxmlformats.org/drawingml/2006/chart" xmlns:dgm="http://schemas.openxmlformats.org/drawingml/2006/diagram" xmlns:o="urn:schemas-microsoft-com:office:office" xmlns:v="urn:schemas-microsoft-com:vml" xmlns:pvml="urn:schemas-microsoft-com:office:powerpoint" xmlns:com="http://schemas.openxmlformats.org/drawingml/2006/compatibility" xmlns:p14="http://schemas.microsoft.com/office/powerpoint/2010/main">
+<p:sld xmlns:a="http://schemas.openxmlformats.org/drawingml/2006/main" xmlns:r="http://schemas.openxmlformats.org/officeDocument/2006/relationships" xmlns:p="http://schemas.openxmlformats.org/presentationml/2006/main">
   <p:cSld>
     <p:spTree>
       <p:nvGrpSpPr>
-        <p:cNvPr id="267" name="Shape 267"/>
+        <p:cNvPr id="1" name="Shape 267"/>
         <p:cNvGrpSpPr/>
         <p:nvPr/>
       </p:nvGrpSpPr>
@@ -12083,7 +12464,9 @@
       <p:sp>
         <p:nvSpPr>
           <p:cNvPr id="268" name="Shape 268"/>
-          <p:cNvSpPr txBox="1"/>
+          <p:cNvSpPr txBox="1">
+            <a:spLocks noGrp="1"/>
+          </p:cNvSpPr>
           <p:nvPr>
             <p:ph type="title"/>
           </p:nvPr>
@@ -12098,7 +12481,7 @@
           </a:prstGeom>
         </p:spPr>
         <p:txBody>
-          <a:bodyPr anchorCtr="0" anchor="b" bIns="91425" lIns="91425" rIns="91425" tIns="91425">
+          <a:bodyPr lIns="91425" tIns="91425" rIns="91425" bIns="91425" anchor="b" anchorCtr="0">
             <a:noAutofit/>
           </a:bodyPr>
           <a:lstStyle/>
@@ -12119,9 +12502,11 @@
       <p:sp>
         <p:nvSpPr>
           <p:cNvPr id="269" name="Shape 269"/>
-          <p:cNvSpPr txBox="1"/>
-          <p:nvPr>
-            <p:ph idx="1" type="body"/>
+          <p:cNvSpPr txBox="1">
+            <a:spLocks noGrp="1"/>
+          </p:cNvSpPr>
+          <p:nvPr>
+            <p:ph type="body" idx="1"/>
           </p:nvPr>
         </p:nvSpPr>
         <p:spPr>
@@ -12134,12 +12519,12 @@
           </a:prstGeom>
         </p:spPr>
         <p:txBody>
-          <a:bodyPr anchorCtr="0" anchor="t" bIns="91425" lIns="91425" rIns="91425" tIns="91425">
+          <a:bodyPr lIns="91425" tIns="91425" rIns="91425" bIns="91425" anchor="t" anchorCtr="0">
             <a:noAutofit/>
           </a:bodyPr>
           <a:lstStyle/>
           <a:p>
-            <a:pPr indent="-228600" lvl="0" marL="457200" rtl="0">
+            <a:pPr marL="457200" lvl="0" indent="-228600" rtl="0">
               <a:spcBef>
                 <a:spcPts val="0"/>
               </a:spcBef>
@@ -12150,7 +12535,7 @@
             </a:r>
           </a:p>
           <a:p>
-            <a:pPr indent="-228600" lvl="1" marL="914400" rtl="0">
+            <a:pPr marL="914400" lvl="1" indent="-228600" rtl="0">
               <a:spcBef>
                 <a:spcPts val="0"/>
               </a:spcBef>
@@ -12161,7 +12546,7 @@
             </a:r>
           </a:p>
           <a:p>
-            <a:pPr indent="-228600" lvl="1" marL="914400" rtl="0">
+            <a:pPr marL="914400" lvl="1" indent="-228600" rtl="0">
               <a:spcBef>
                 <a:spcPts val="0"/>
               </a:spcBef>
@@ -12172,7 +12557,7 @@
             </a:r>
           </a:p>
           <a:p>
-            <a:pPr indent="-228600" lvl="1" marL="914400" rtl="0">
+            <a:pPr marL="914400" lvl="1" indent="-228600" rtl="0">
               <a:spcBef>
                 <a:spcPts val="0"/>
               </a:spcBef>
@@ -12189,9 +12574,6 @@
               </a:spcBef>
               <a:buNone/>
             </a:pPr>
-            <a:r>
-              <a:t/>
-            </a:r>
             <a:endParaRPr/>
           </a:p>
         </p:txBody>
@@ -12205,11 +12587,11 @@
 </file>
 
 <file path=ppt/slides/slide33.xml><?xml version="1.0" encoding="utf-8"?>
-<p:sld xmlns:a="http://schemas.openxmlformats.org/drawingml/2006/main" xmlns:r="http://schemas.openxmlformats.org/officeDocument/2006/relationships" xmlns:mc="http://schemas.openxmlformats.org/markup-compatibility/2006" xmlns:mv="urn:schemas-microsoft-com:mac:vml" xmlns:p="http://schemas.openxmlformats.org/presentationml/2006/main" xmlns:c="http://schemas.openxmlformats.org/drawingml/2006/chart" xmlns:dgm="http://schemas.openxmlformats.org/drawingml/2006/diagram" xmlns:o="urn:schemas-microsoft-com:office:office" xmlns:v="urn:schemas-microsoft-com:vml" xmlns:pvml="urn:schemas-microsoft-com:office:powerpoint" xmlns:com="http://schemas.openxmlformats.org/drawingml/2006/compatibility" xmlns:p14="http://schemas.microsoft.com/office/powerpoint/2010/main">
+<p:sld xmlns:a="http://schemas.openxmlformats.org/drawingml/2006/main" xmlns:r="http://schemas.openxmlformats.org/officeDocument/2006/relationships" xmlns:p="http://schemas.openxmlformats.org/presentationml/2006/main">
   <p:cSld>
     <p:spTree>
       <p:nvGrpSpPr>
-        <p:cNvPr id="273" name="Shape 273"/>
+        <p:cNvPr id="1" name="Shape 273"/>
         <p:cNvGrpSpPr/>
         <p:nvPr/>
       </p:nvGrpSpPr>
@@ -12224,7 +12606,9 @@
       <p:sp>
         <p:nvSpPr>
           <p:cNvPr id="274" name="Shape 274"/>
-          <p:cNvSpPr txBox="1"/>
+          <p:cNvSpPr txBox="1">
+            <a:spLocks noGrp="1"/>
+          </p:cNvSpPr>
           <p:nvPr>
             <p:ph type="title"/>
           </p:nvPr>
@@ -12239,7 +12623,7 @@
           </a:prstGeom>
         </p:spPr>
         <p:txBody>
-          <a:bodyPr anchorCtr="0" anchor="ctr" bIns="91425" lIns="91425" rIns="91425" tIns="91425">
+          <a:bodyPr lIns="91425" tIns="91425" rIns="91425" bIns="91425" anchor="ctr" anchorCtr="0">
             <a:noAutofit/>
           </a:bodyPr>
           <a:lstStyle/>
@@ -12294,11 +12678,11 @@
 </file>
 
 <file path=ppt/slides/slide34.xml><?xml version="1.0" encoding="utf-8"?>
-<p:sld xmlns:a="http://schemas.openxmlformats.org/drawingml/2006/main" xmlns:r="http://schemas.openxmlformats.org/officeDocument/2006/relationships" xmlns:mc="http://schemas.openxmlformats.org/markup-compatibility/2006" xmlns:mv="urn:schemas-microsoft-com:mac:vml" xmlns:p="http://schemas.openxmlformats.org/presentationml/2006/main" xmlns:c="http://schemas.openxmlformats.org/drawingml/2006/chart" xmlns:dgm="http://schemas.openxmlformats.org/drawingml/2006/diagram" xmlns:o="urn:schemas-microsoft-com:office:office" xmlns:v="urn:schemas-microsoft-com:vml" xmlns:pvml="urn:schemas-microsoft-com:office:powerpoint" xmlns:com="http://schemas.openxmlformats.org/drawingml/2006/compatibility" xmlns:p14="http://schemas.microsoft.com/office/powerpoint/2010/main">
+<p:sld xmlns:a="http://schemas.openxmlformats.org/drawingml/2006/main" xmlns:r="http://schemas.openxmlformats.org/officeDocument/2006/relationships" xmlns:p="http://schemas.openxmlformats.org/presentationml/2006/main">
   <p:cSld>
     <p:spTree>
       <p:nvGrpSpPr>
-        <p:cNvPr id="279" name="Shape 279"/>
+        <p:cNvPr id="1" name="Shape 279"/>
         <p:cNvGrpSpPr/>
         <p:nvPr/>
       </p:nvGrpSpPr>
@@ -12313,7 +12697,9 @@
       <p:sp>
         <p:nvSpPr>
           <p:cNvPr id="280" name="Shape 280"/>
-          <p:cNvSpPr txBox="1"/>
+          <p:cNvSpPr txBox="1">
+            <a:spLocks noGrp="1"/>
+          </p:cNvSpPr>
           <p:nvPr>
             <p:ph type="title"/>
           </p:nvPr>
@@ -12328,7 +12714,7 @@
           </a:prstGeom>
         </p:spPr>
         <p:txBody>
-          <a:bodyPr anchorCtr="0" anchor="b" bIns="91425" lIns="91425" rIns="91425" tIns="91425">
+          <a:bodyPr lIns="91425" tIns="91425" rIns="91425" bIns="91425" anchor="b" anchorCtr="0">
             <a:noAutofit/>
           </a:bodyPr>
           <a:lstStyle/>
@@ -12349,9 +12735,11 @@
       <p:sp>
         <p:nvSpPr>
           <p:cNvPr id="281" name="Shape 281"/>
-          <p:cNvSpPr txBox="1"/>
-          <p:nvPr>
-            <p:ph idx="1" type="body"/>
+          <p:cNvSpPr txBox="1">
+            <a:spLocks noGrp="1"/>
+          </p:cNvSpPr>
+          <p:nvPr>
+            <p:ph type="body" idx="1"/>
           </p:nvPr>
         </p:nvSpPr>
         <p:spPr>
@@ -12364,62 +12752,62 @@
           </a:prstGeom>
         </p:spPr>
         <p:txBody>
-          <a:bodyPr anchorCtr="0" anchor="t" bIns="91425" lIns="91425" rIns="91425" tIns="91425">
+          <a:bodyPr lIns="91425" tIns="91425" rIns="91425" bIns="91425" anchor="t" anchorCtr="0">
             <a:noAutofit/>
           </a:bodyPr>
           <a:lstStyle/>
           <a:p>
-            <a:pPr indent="-228600" lvl="0" marL="457200" rtl="0">
-              <a:spcBef>
-                <a:spcPts val="0"/>
-              </a:spcBef>
-            </a:pPr>
-            <a:r>
-              <a:rPr lang="en"/>
+            <a:pPr marL="457200" lvl="0" indent="-228600" rtl="0">
+              <a:spcBef>
+                <a:spcPts val="0"/>
+              </a:spcBef>
+            </a:pPr>
+            <a:r>
+              <a:rPr lang="en" dirty="0"/>
               <a:t>Vision &amp; scope, major requirements, design, user interface, testing strategy</a:t>
             </a:r>
           </a:p>
           <a:p>
-            <a:pPr indent="-228600" lvl="0" marL="457200" rtl="0">
-              <a:spcBef>
-                <a:spcPts val="0"/>
-              </a:spcBef>
-            </a:pPr>
-            <a:r>
-              <a:rPr lang="en"/>
+            <a:pPr marL="457200" lvl="0" indent="-228600" rtl="0">
+              <a:spcBef>
+                <a:spcPts val="0"/>
+              </a:spcBef>
+            </a:pPr>
+            <a:r>
+              <a:rPr lang="en" dirty="0"/>
               <a:t>Our tool is different in that it will be hosted in-house and supports conjoint analysis</a:t>
             </a:r>
           </a:p>
           <a:p>
-            <a:pPr indent="-228600" lvl="0" marL="457200" rtl="0">
-              <a:spcBef>
-                <a:spcPts val="0"/>
-              </a:spcBef>
-            </a:pPr>
-            <a:r>
-              <a:rPr lang="en"/>
+            <a:pPr marL="457200" lvl="0" indent="-228600" rtl="0">
+              <a:spcBef>
+                <a:spcPts val="0"/>
+              </a:spcBef>
+            </a:pPr>
+            <a:r>
+              <a:rPr lang="en" dirty="0"/>
               <a:t>We hope to have the opportunity to implement and deploy this project</a:t>
             </a:r>
           </a:p>
           <a:p>
-            <a:pPr indent="-228600" lvl="0" marL="457200" rtl="0">
-              <a:spcBef>
-                <a:spcPts val="0"/>
-              </a:spcBef>
-            </a:pPr>
-            <a:r>
-              <a:rPr lang="en"/>
+            <a:pPr marL="457200" lvl="0" indent="-228600" rtl="0">
+              <a:spcBef>
+                <a:spcPts val="0"/>
+              </a:spcBef>
+            </a:pPr>
+            <a:r>
+              <a:rPr lang="en" dirty="0"/>
               <a:t>“Great things in business are never done by one person. They’re done by a team of people.” - Steve Jobs</a:t>
             </a:r>
           </a:p>
           <a:p>
-            <a:pPr indent="-228600" lvl="0" marL="457200">
-              <a:spcBef>
-                <a:spcPts val="0"/>
-              </a:spcBef>
-            </a:pPr>
-            <a:r>
-              <a:rPr lang="en"/>
+            <a:pPr marL="457200" lvl="0" indent="-228600">
+              <a:spcBef>
+                <a:spcPts val="0"/>
+              </a:spcBef>
+            </a:pPr>
+            <a:r>
+              <a:rPr lang="en" dirty="0"/>
               <a:t>Questions?</a:t>
             </a:r>
           </a:p>
@@ -12434,11 +12822,11 @@
 </file>
 
 <file path=ppt/slides/slide4.xml><?xml version="1.0" encoding="utf-8"?>
-<p:sld xmlns:a="http://schemas.openxmlformats.org/drawingml/2006/main" xmlns:r="http://schemas.openxmlformats.org/officeDocument/2006/relationships" xmlns:mc="http://schemas.openxmlformats.org/markup-compatibility/2006" xmlns:mv="urn:schemas-microsoft-com:mac:vml" xmlns:p="http://schemas.openxmlformats.org/presentationml/2006/main" xmlns:c="http://schemas.openxmlformats.org/drawingml/2006/chart" xmlns:dgm="http://schemas.openxmlformats.org/drawingml/2006/diagram" xmlns:o="urn:schemas-microsoft-com:office:office" xmlns:v="urn:schemas-microsoft-com:vml" xmlns:pvml="urn:schemas-microsoft-com:office:powerpoint" xmlns:com="http://schemas.openxmlformats.org/drawingml/2006/compatibility" xmlns:p14="http://schemas.microsoft.com/office/powerpoint/2010/main">
+<p:sld xmlns:a="http://schemas.openxmlformats.org/drawingml/2006/main" xmlns:r="http://schemas.openxmlformats.org/officeDocument/2006/relationships" xmlns:p="http://schemas.openxmlformats.org/presentationml/2006/main">
   <p:cSld>
     <p:spTree>
       <p:nvGrpSpPr>
-        <p:cNvPr id="88" name="Shape 88"/>
+        <p:cNvPr id="1" name="Shape 88"/>
         <p:cNvGrpSpPr/>
         <p:nvPr/>
       </p:nvGrpSpPr>
@@ -12467,18 +12855,18 @@
           <a:solidFill>
             <a:srgbClr val="FFFFFF"/>
           </a:solidFill>
-          <a:ln cap="flat" cmpd="sng" w="9525">
+          <a:ln w="9525" cap="flat" cmpd="sng">
             <a:solidFill>
               <a:srgbClr val="000000"/>
             </a:solidFill>
             <a:prstDash val="solid"/>
             <a:round/>
-            <a:headEnd len="med" w="med" type="none"/>
-            <a:tailEnd len="med" w="med" type="none"/>
+            <a:headEnd type="none" w="med" len="med"/>
+            <a:tailEnd type="none" w="med" len="med"/>
           </a:ln>
         </p:spPr>
         <p:txBody>
-          <a:bodyPr anchorCtr="0" anchor="t" bIns="91425" lIns="91425" rIns="91425" tIns="91425">
+          <a:bodyPr lIns="91425" tIns="91425" rIns="91425" bIns="91425" anchor="t" anchorCtr="0">
             <a:noAutofit/>
           </a:bodyPr>
           <a:lstStyle/>
@@ -12499,7 +12887,9 @@
       <p:sp>
         <p:nvSpPr>
           <p:cNvPr id="90" name="Shape 90"/>
-          <p:cNvSpPr txBox="1"/>
+          <p:cNvSpPr txBox="1">
+            <a:spLocks noGrp="1"/>
+          </p:cNvSpPr>
           <p:nvPr>
             <p:ph type="title"/>
           </p:nvPr>
@@ -12514,7 +12904,7 @@
           </a:prstGeom>
         </p:spPr>
         <p:txBody>
-          <a:bodyPr anchorCtr="0" anchor="b" bIns="91425" lIns="91425" rIns="91425" tIns="91425">
+          <a:bodyPr lIns="91425" tIns="91425" rIns="91425" bIns="91425" anchor="b" anchorCtr="0">
             <a:noAutofit/>
           </a:bodyPr>
           <a:lstStyle/>
@@ -12535,9 +12925,11 @@
       <p:sp>
         <p:nvSpPr>
           <p:cNvPr id="91" name="Shape 91"/>
-          <p:cNvSpPr txBox="1"/>
-          <p:nvPr>
-            <p:ph idx="1" type="body"/>
+          <p:cNvSpPr txBox="1">
+            <a:spLocks noGrp="1"/>
+          </p:cNvSpPr>
+          <p:nvPr>
+            <p:ph type="body" idx="1"/>
           </p:nvPr>
         </p:nvSpPr>
         <p:spPr>
@@ -12550,7 +12942,7 @@
           </a:prstGeom>
         </p:spPr>
         <p:txBody>
-          <a:bodyPr anchorCtr="0" anchor="t" bIns="91425" lIns="91425" rIns="91425" tIns="91425">
+          <a:bodyPr lIns="91425" tIns="91425" rIns="91425" bIns="91425" anchor="t" anchorCtr="0">
             <a:noAutofit/>
           </a:bodyPr>
           <a:lstStyle/>
@@ -12635,11 +13027,11 @@
 </file>
 
 <file path=ppt/slides/slide5.xml><?xml version="1.0" encoding="utf-8"?>
-<p:sld xmlns:a="http://schemas.openxmlformats.org/drawingml/2006/main" xmlns:r="http://schemas.openxmlformats.org/officeDocument/2006/relationships" xmlns:mc="http://schemas.openxmlformats.org/markup-compatibility/2006" xmlns:mv="urn:schemas-microsoft-com:mac:vml" xmlns:p="http://schemas.openxmlformats.org/presentationml/2006/main" xmlns:c="http://schemas.openxmlformats.org/drawingml/2006/chart" xmlns:dgm="http://schemas.openxmlformats.org/drawingml/2006/diagram" xmlns:o="urn:schemas-microsoft-com:office:office" xmlns:v="urn:schemas-microsoft-com:vml" xmlns:pvml="urn:schemas-microsoft-com:office:powerpoint" xmlns:com="http://schemas.openxmlformats.org/drawingml/2006/compatibility" xmlns:p14="http://schemas.microsoft.com/office/powerpoint/2010/main">
+<p:sld xmlns:a="http://schemas.openxmlformats.org/drawingml/2006/main" xmlns:r="http://schemas.openxmlformats.org/officeDocument/2006/relationships" xmlns:p="http://schemas.openxmlformats.org/presentationml/2006/main">
   <p:cSld>
     <p:spTree>
       <p:nvGrpSpPr>
-        <p:cNvPr id="96" name="Shape 96"/>
+        <p:cNvPr id="1" name="Shape 96"/>
         <p:cNvGrpSpPr/>
         <p:nvPr/>
       </p:nvGrpSpPr>
@@ -12654,7 +13046,9 @@
       <p:sp>
         <p:nvSpPr>
           <p:cNvPr id="97" name="Shape 97"/>
-          <p:cNvSpPr txBox="1"/>
+          <p:cNvSpPr txBox="1">
+            <a:spLocks noGrp="1"/>
+          </p:cNvSpPr>
           <p:nvPr>
             <p:ph type="title"/>
           </p:nvPr>
@@ -12669,7 +13063,7 @@
           </a:prstGeom>
         </p:spPr>
         <p:txBody>
-          <a:bodyPr anchorCtr="0" anchor="ctr" bIns="91425" lIns="91425" rIns="91425" tIns="91425">
+          <a:bodyPr lIns="91425" tIns="91425" rIns="91425" bIns="91425" anchor="ctr" anchorCtr="0">
             <a:noAutofit/>
           </a:bodyPr>
           <a:lstStyle/>
@@ -12696,11 +13090,11 @@
 </file>
 
 <file path=ppt/slides/slide6.xml><?xml version="1.0" encoding="utf-8"?>
-<p:sld xmlns:a="http://schemas.openxmlformats.org/drawingml/2006/main" xmlns:r="http://schemas.openxmlformats.org/officeDocument/2006/relationships" xmlns:mc="http://schemas.openxmlformats.org/markup-compatibility/2006" xmlns:mv="urn:schemas-microsoft-com:mac:vml" xmlns:p="http://schemas.openxmlformats.org/presentationml/2006/main" xmlns:c="http://schemas.openxmlformats.org/drawingml/2006/chart" xmlns:dgm="http://schemas.openxmlformats.org/drawingml/2006/diagram" xmlns:o="urn:schemas-microsoft-com:office:office" xmlns:v="urn:schemas-microsoft-com:vml" xmlns:pvml="urn:schemas-microsoft-com:office:powerpoint" xmlns:com="http://schemas.openxmlformats.org/drawingml/2006/compatibility" xmlns:p14="http://schemas.microsoft.com/office/powerpoint/2010/main">
+<p:sld xmlns:a="http://schemas.openxmlformats.org/drawingml/2006/main" xmlns:r="http://schemas.openxmlformats.org/officeDocument/2006/relationships" xmlns:p="http://schemas.openxmlformats.org/presentationml/2006/main">
   <p:cSld>
     <p:spTree>
       <p:nvGrpSpPr>
-        <p:cNvPr id="101" name="Shape 101"/>
+        <p:cNvPr id="1" name="Shape 101"/>
         <p:cNvGrpSpPr/>
         <p:nvPr/>
       </p:nvGrpSpPr>
@@ -12715,7 +13109,9 @@
       <p:sp>
         <p:nvSpPr>
           <p:cNvPr id="102" name="Shape 102"/>
-          <p:cNvSpPr txBox="1"/>
+          <p:cNvSpPr txBox="1">
+            <a:spLocks noGrp="1"/>
+          </p:cNvSpPr>
           <p:nvPr>
             <p:ph type="title"/>
           </p:nvPr>
@@ -12730,7 +13126,7 @@
           </a:prstGeom>
         </p:spPr>
         <p:txBody>
-          <a:bodyPr anchorCtr="0" anchor="b" bIns="91425" lIns="91425" rIns="91425" tIns="91425">
+          <a:bodyPr lIns="91425" tIns="91425" rIns="91425" bIns="91425" anchor="b" anchorCtr="0">
             <a:noAutofit/>
           </a:bodyPr>
           <a:lstStyle/>
@@ -12751,14 +13147,16 @@
       <p:sp>
         <p:nvSpPr>
           <p:cNvPr id="103" name="Shape 103"/>
-          <p:cNvSpPr txBox="1"/>
-          <p:nvPr>
-            <p:ph idx="1" type="body"/>
-          </p:nvPr>
-        </p:nvSpPr>
-        <p:spPr>
-          <a:xfrm>
-            <a:off x="471900" y="1919075"/>
+          <p:cNvSpPr txBox="1">
+            <a:spLocks noGrp="1"/>
+          </p:cNvSpPr>
+          <p:nvPr>
+            <p:ph type="body" idx="1"/>
+          </p:nvPr>
+        </p:nvSpPr>
+        <p:spPr>
+          <a:xfrm>
+            <a:off x="471900" y="1779223"/>
             <a:ext cx="8222100" cy="2942700"/>
           </a:xfrm>
           <a:prstGeom prst="rect">
@@ -12766,7 +13164,7 @@
           </a:prstGeom>
         </p:spPr>
         <p:txBody>
-          <a:bodyPr anchorCtr="0" anchor="t" bIns="91425" lIns="91425" rIns="91425" tIns="91425">
+          <a:bodyPr lIns="91425" tIns="91425" rIns="91425" bIns="91425" anchor="t" anchorCtr="0">
             <a:noAutofit/>
           </a:bodyPr>
           <a:lstStyle/>
@@ -12778,73 +13176,73 @@
               <a:buNone/>
             </a:pPr>
             <a:r>
-              <a:rPr lang="en"/>
+              <a:rPr lang="en" sz="1200" dirty="0"/>
               <a:t>Standard Survey Tool Features</a:t>
             </a:r>
           </a:p>
           <a:p>
-            <a:pPr indent="-228600" lvl="0" marL="457200" rtl="0">
-              <a:spcBef>
-                <a:spcPts val="0"/>
-              </a:spcBef>
-            </a:pPr>
-            <a:r>
-              <a:rPr lang="en"/>
+            <a:pPr marL="457200" lvl="0" indent="-228600" rtl="0">
+              <a:spcBef>
+                <a:spcPts val="0"/>
+              </a:spcBef>
+            </a:pPr>
+            <a:r>
+              <a:rPr lang="en" sz="1200" dirty="0"/>
               <a:t>Easy creation of surveys</a:t>
             </a:r>
           </a:p>
           <a:p>
-            <a:pPr indent="-228600" lvl="0" marL="457200" rtl="0">
-              <a:spcBef>
-                <a:spcPts val="0"/>
-              </a:spcBef>
-            </a:pPr>
-            <a:r>
-              <a:rPr lang="en"/>
+            <a:pPr marL="457200" lvl="0" indent="-228600" rtl="0">
+              <a:spcBef>
+                <a:spcPts val="0"/>
+              </a:spcBef>
+            </a:pPr>
+            <a:r>
+              <a:rPr lang="en" sz="1200" dirty="0"/>
               <a:t>Support for a variety of question types</a:t>
             </a:r>
           </a:p>
           <a:p>
-            <a:pPr indent="-228600" lvl="0" marL="457200" rtl="0">
-              <a:spcBef>
-                <a:spcPts val="0"/>
-              </a:spcBef>
-            </a:pPr>
-            <a:r>
-              <a:rPr lang="en"/>
+            <a:pPr marL="457200" lvl="0" indent="-228600" rtl="0">
+              <a:spcBef>
+                <a:spcPts val="0"/>
+              </a:spcBef>
+            </a:pPr>
+            <a:r>
+              <a:rPr lang="en" sz="1200" dirty="0"/>
               <a:t>Manage lists of potential respondents</a:t>
             </a:r>
           </a:p>
           <a:p>
-            <a:pPr indent="-228600" lvl="1" marL="914400" rtl="0">
-              <a:spcBef>
-                <a:spcPts val="0"/>
-              </a:spcBef>
-            </a:pPr>
-            <a:r>
-              <a:rPr lang="en"/>
+            <a:pPr marL="914400" lvl="1" indent="-228600" rtl="0">
+              <a:spcBef>
+                <a:spcPts val="0"/>
+              </a:spcBef>
+            </a:pPr>
+            <a:r>
+              <a:rPr lang="en" sz="1050" dirty="0"/>
               <a:t>Control who may respond to a given survey</a:t>
             </a:r>
           </a:p>
           <a:p>
-            <a:pPr indent="-228600" lvl="0" marL="457200" rtl="0">
-              <a:spcBef>
-                <a:spcPts val="0"/>
-              </a:spcBef>
-            </a:pPr>
-            <a:r>
-              <a:rPr lang="en"/>
+            <a:pPr marL="457200" lvl="0" indent="-228600" rtl="0">
+              <a:spcBef>
+                <a:spcPts val="0"/>
+              </a:spcBef>
+            </a:pPr>
+            <a:r>
+              <a:rPr lang="en" sz="1200" dirty="0"/>
               <a:t>Question Branching</a:t>
             </a:r>
           </a:p>
           <a:p>
-            <a:pPr indent="-228600" lvl="0" marL="457200" rtl="0">
-              <a:spcBef>
-                <a:spcPts val="0"/>
-              </a:spcBef>
-            </a:pPr>
-            <a:r>
-              <a:rPr lang="en"/>
+            <a:pPr marL="457200" lvl="0" indent="-228600" rtl="0">
+              <a:spcBef>
+                <a:spcPts val="0"/>
+              </a:spcBef>
+            </a:pPr>
+            <a:r>
+              <a:rPr lang="en" sz="1200" dirty="0"/>
               <a:t>Analytics</a:t>
             </a:r>
           </a:p>
@@ -12856,7 +13254,7 @@
               <a:buNone/>
             </a:pPr>
             <a:r>
-              <a:rPr lang="en"/>
+              <a:rPr lang="en" sz="1200" dirty="0"/>
               <a:t>Secure access to survey data by XYZ Corp. employees</a:t>
             </a:r>
           </a:p>
@@ -12869,10 +13267,10 @@
           <p:nvPr/>
         </p:nvPicPr>
         <p:blipFill rotWithShape="1">
-          <a:blip r:embed="rId4">
+          <a:blip r:embed="rId3">
             <a:alphaModFix/>
           </a:blip>
-          <a:srcRect b="15821" l="18706" r="17990" t="19336"/>
+          <a:srcRect l="18706" t="19336" r="17990" b="15821"/>
           <a:stretch/>
         </p:blipFill>
         <p:spPr>
@@ -12896,7 +13294,7 @@
           <p:nvPr/>
         </p:nvPicPr>
         <p:blipFill>
-          <a:blip r:embed="rId5">
+          <a:blip r:embed="rId4">
             <a:alphaModFix/>
           </a:blip>
           <a:stretch>
@@ -12926,11 +13324,11 @@
 </file>
 
 <file path=ppt/slides/slide7.xml><?xml version="1.0" encoding="utf-8"?>
-<p:sld xmlns:a="http://schemas.openxmlformats.org/drawingml/2006/main" xmlns:r="http://schemas.openxmlformats.org/officeDocument/2006/relationships" xmlns:mc="http://schemas.openxmlformats.org/markup-compatibility/2006" xmlns:mv="urn:schemas-microsoft-com:mac:vml" xmlns:p="http://schemas.openxmlformats.org/presentationml/2006/main" xmlns:c="http://schemas.openxmlformats.org/drawingml/2006/chart" xmlns:dgm="http://schemas.openxmlformats.org/drawingml/2006/diagram" xmlns:o="urn:schemas-microsoft-com:office:office" xmlns:v="urn:schemas-microsoft-com:vml" xmlns:pvml="urn:schemas-microsoft-com:office:powerpoint" xmlns:com="http://schemas.openxmlformats.org/drawingml/2006/compatibility" xmlns:p14="http://schemas.microsoft.com/office/powerpoint/2010/main">
+<p:sld xmlns:a="http://schemas.openxmlformats.org/drawingml/2006/main" xmlns:r="http://schemas.openxmlformats.org/officeDocument/2006/relationships" xmlns:p="http://schemas.openxmlformats.org/presentationml/2006/main">
   <p:cSld>
     <p:spTree>
       <p:nvGrpSpPr>
-        <p:cNvPr id="109" name="Shape 109"/>
+        <p:cNvPr id="1" name="Shape 109"/>
         <p:cNvGrpSpPr/>
         <p:nvPr/>
       </p:nvGrpSpPr>
@@ -12945,7 +13343,9 @@
       <p:sp>
         <p:nvSpPr>
           <p:cNvPr id="110" name="Shape 110"/>
-          <p:cNvSpPr txBox="1"/>
+          <p:cNvSpPr txBox="1">
+            <a:spLocks noGrp="1"/>
+          </p:cNvSpPr>
           <p:nvPr>
             <p:ph type="title"/>
           </p:nvPr>
@@ -12960,7 +13360,7 @@
           </a:prstGeom>
         </p:spPr>
         <p:txBody>
-          <a:bodyPr anchorCtr="0" anchor="b" bIns="91425" lIns="91425" rIns="91425" tIns="91425">
+          <a:bodyPr lIns="91425" tIns="91425" rIns="91425" bIns="91425" anchor="b" anchorCtr="0">
             <a:noAutofit/>
           </a:bodyPr>
           <a:lstStyle/>
@@ -12981,9 +13381,11 @@
       <p:sp>
         <p:nvSpPr>
           <p:cNvPr id="111" name="Shape 111"/>
-          <p:cNvSpPr txBox="1"/>
-          <p:nvPr>
-            <p:ph idx="1" type="body"/>
+          <p:cNvSpPr txBox="1">
+            <a:spLocks noGrp="1"/>
+          </p:cNvSpPr>
+          <p:nvPr>
+            <p:ph type="body" idx="1"/>
           </p:nvPr>
         </p:nvSpPr>
         <p:spPr>
@@ -12996,7 +13398,7 @@
           </a:prstGeom>
         </p:spPr>
         <p:txBody>
-          <a:bodyPr anchorCtr="0" anchor="t" bIns="91425" lIns="91425" rIns="91425" tIns="91425">
+          <a:bodyPr lIns="91425" tIns="91425" rIns="91425" bIns="91425" anchor="t" anchorCtr="0">
             <a:noAutofit/>
           </a:bodyPr>
           <a:lstStyle/>
@@ -13013,7 +13415,7 @@
             </a:r>
           </a:p>
           <a:p>
-            <a:pPr indent="-317500" lvl="0" marL="457200" rtl="0">
+            <a:pPr marL="457200" lvl="0" indent="-317500" rtl="0">
               <a:spcBef>
                 <a:spcPts val="0"/>
               </a:spcBef>
@@ -13026,7 +13428,7 @@
             </a:r>
           </a:p>
           <a:p>
-            <a:pPr indent="-317500" lvl="0" marL="457200" rtl="0">
+            <a:pPr marL="457200" lvl="0" indent="-317500" rtl="0">
               <a:spcBef>
                 <a:spcPts val="0"/>
               </a:spcBef>
@@ -13039,7 +13441,7 @@
             </a:r>
           </a:p>
           <a:p>
-            <a:pPr indent="-317500" lvl="0" marL="457200" rtl="0">
+            <a:pPr marL="457200" lvl="0" indent="-317500" rtl="0">
               <a:spcBef>
                 <a:spcPts val="0"/>
               </a:spcBef>
@@ -13073,7 +13475,7 @@
           </a:ln>
         </p:spPr>
         <p:txBody>
-          <a:bodyPr anchorCtr="0" anchor="t" bIns="91425" lIns="91425" rIns="91425" tIns="91425">
+          <a:bodyPr lIns="91425" tIns="91425" rIns="91425" bIns="91425" anchor="t" anchorCtr="0">
             <a:noAutofit/>
           </a:bodyPr>
           <a:lstStyle/>
@@ -13111,7 +13513,7 @@
           </a:ln>
         </p:spPr>
         <p:txBody>
-          <a:bodyPr anchorCtr="0" anchor="t" bIns="91425" lIns="91425" rIns="91425" tIns="91425">
+          <a:bodyPr lIns="91425" tIns="91425" rIns="91425" bIns="91425" anchor="t" anchorCtr="0">
             <a:noAutofit/>
           </a:bodyPr>
           <a:lstStyle/>
@@ -13141,7 +13543,7 @@
               <a:t>“Conjoint analysis is marketers' favorite methodology for finding out how buyers make trade-offs among competing products and suppliers.” </a:t>
             </a:r>
             <a:r>
-              <a:rPr baseline="30000" lang="en" sz="2000">
+              <a:rPr lang="en" sz="2000" baseline="30000">
                 <a:solidFill>
                   <a:schemeClr val="lt2"/>
                 </a:solidFill>
@@ -13164,11 +13566,11 @@
 </file>
 
 <file path=ppt/slides/slide8.xml><?xml version="1.0" encoding="utf-8"?>
-<p:sld xmlns:a="http://schemas.openxmlformats.org/drawingml/2006/main" xmlns:r="http://schemas.openxmlformats.org/officeDocument/2006/relationships" xmlns:mc="http://schemas.openxmlformats.org/markup-compatibility/2006" xmlns:mv="urn:schemas-microsoft-com:mac:vml" xmlns:p="http://schemas.openxmlformats.org/presentationml/2006/main" xmlns:c="http://schemas.openxmlformats.org/drawingml/2006/chart" xmlns:dgm="http://schemas.openxmlformats.org/drawingml/2006/diagram" xmlns:o="urn:schemas-microsoft-com:office:office" xmlns:v="urn:schemas-microsoft-com:vml" xmlns:pvml="urn:schemas-microsoft-com:office:powerpoint" xmlns:com="http://schemas.openxmlformats.org/drawingml/2006/compatibility" xmlns:p14="http://schemas.microsoft.com/office/powerpoint/2010/main">
+<p:sld xmlns:a="http://schemas.openxmlformats.org/drawingml/2006/main" xmlns:r="http://schemas.openxmlformats.org/officeDocument/2006/relationships" xmlns:p="http://schemas.openxmlformats.org/presentationml/2006/main">
   <p:cSld>
     <p:spTree>
       <p:nvGrpSpPr>
-        <p:cNvPr id="117" name="Shape 117"/>
+        <p:cNvPr id="1" name="Shape 117"/>
         <p:cNvGrpSpPr/>
         <p:nvPr/>
       </p:nvGrpSpPr>
@@ -13183,7 +13585,9 @@
       <p:sp>
         <p:nvSpPr>
           <p:cNvPr id="118" name="Shape 118"/>
-          <p:cNvSpPr txBox="1"/>
+          <p:cNvSpPr txBox="1">
+            <a:spLocks noGrp="1"/>
+          </p:cNvSpPr>
           <p:nvPr>
             <p:ph type="title"/>
           </p:nvPr>
@@ -13198,7 +13602,7 @@
           </a:prstGeom>
         </p:spPr>
         <p:txBody>
-          <a:bodyPr anchorCtr="0" anchor="b" bIns="91425" lIns="91425" rIns="91425" tIns="91425">
+          <a:bodyPr lIns="91425" tIns="91425" rIns="91425" bIns="91425" anchor="b" anchorCtr="0">
             <a:noAutofit/>
           </a:bodyPr>
           <a:lstStyle/>
@@ -13219,9 +13623,11 @@
       <p:sp>
         <p:nvSpPr>
           <p:cNvPr id="119" name="Shape 119"/>
-          <p:cNvSpPr txBox="1"/>
-          <p:nvPr>
-            <p:ph idx="1" type="body"/>
+          <p:cNvSpPr txBox="1">
+            <a:spLocks noGrp="1"/>
+          </p:cNvSpPr>
+          <p:nvPr>
+            <p:ph type="body" idx="1"/>
           </p:nvPr>
         </p:nvSpPr>
         <p:spPr>
@@ -13234,153 +13640,177 @@
           </a:prstGeom>
         </p:spPr>
         <p:txBody>
-          <a:bodyPr anchorCtr="0" anchor="t" bIns="91425" lIns="91425" rIns="91425" tIns="91425">
+          <a:bodyPr lIns="91425" tIns="91425" rIns="91425" bIns="91425" anchor="t" anchorCtr="0">
             <a:noAutofit/>
           </a:bodyPr>
           <a:lstStyle/>
           <a:p>
-            <a:pPr indent="-228600" lvl="0" marL="457200" rtl="0">
-              <a:spcBef>
-                <a:spcPts val="0"/>
-              </a:spcBef>
-            </a:pPr>
-            <a:r>
-              <a:rPr lang="en"/>
+            <a:pPr marL="457200" lvl="0" indent="-228600" rtl="0">
+              <a:spcBef>
+                <a:spcPts val="0"/>
+              </a:spcBef>
+              <a:spcAft>
+                <a:spcPts val="0"/>
+              </a:spcAft>
+            </a:pPr>
+            <a:r>
+              <a:rPr lang="en" dirty="0"/>
               <a:t>Performant at scale:</a:t>
             </a:r>
           </a:p>
           <a:p>
-            <a:pPr indent="-228600" lvl="1" marL="914400" rtl="0">
-              <a:spcBef>
-                <a:spcPts val="0"/>
-              </a:spcBef>
-            </a:pPr>
-            <a:r>
-              <a:rPr lang="en"/>
+            <a:pPr marL="914400" lvl="1" indent="-228600" rtl="0">
+              <a:spcBef>
+                <a:spcPts val="0"/>
+              </a:spcBef>
+              <a:spcAft>
+                <a:spcPts val="0"/>
+              </a:spcAft>
+            </a:pPr>
+            <a:r>
+              <a:rPr lang="en" dirty="0"/>
               <a:t>Up to 10 simultaneous open surveys</a:t>
             </a:r>
           </a:p>
           <a:p>
-            <a:pPr indent="-228600" lvl="1" marL="914400" rtl="0">
-              <a:spcBef>
-                <a:spcPts val="0"/>
-              </a:spcBef>
-            </a:pPr>
-            <a:r>
-              <a:rPr lang="en"/>
+            <a:pPr marL="914400" lvl="1" indent="-228600" rtl="0">
+              <a:spcBef>
+                <a:spcPts val="0"/>
+              </a:spcBef>
+              <a:spcAft>
+                <a:spcPts val="0"/>
+              </a:spcAft>
+            </a:pPr>
+            <a:r>
+              <a:rPr lang="en" dirty="0"/>
               <a:t>Respondents tend to respond within the first 2 hours of solicitation</a:t>
             </a:r>
           </a:p>
           <a:p>
-            <a:pPr indent="-228600" lvl="1" marL="914400" rtl="0">
-              <a:spcBef>
-                <a:spcPts val="0"/>
-              </a:spcBef>
-            </a:pPr>
-            <a:r>
-              <a:rPr lang="en"/>
+            <a:pPr marL="914400" lvl="1" indent="-228600" rtl="0">
+              <a:spcBef>
+                <a:spcPts val="0"/>
+              </a:spcBef>
+              <a:spcAft>
+                <a:spcPts val="0"/>
+              </a:spcAft>
+            </a:pPr>
+            <a:r>
+              <a:rPr lang="en" dirty="0"/>
               <a:t>System must be </a:t>
             </a:r>
             <a:r>
-              <a:rPr b="1" lang="en"/>
+              <a:rPr lang="en" b="1" dirty="0"/>
               <a:t>performant</a:t>
             </a:r>
             <a:r>
-              <a:rPr lang="en"/>
+              <a:rPr lang="en" dirty="0"/>
               <a:t> with </a:t>
             </a:r>
             <a:r>
-              <a:rPr b="1" lang="en"/>
+              <a:rPr lang="en" b="1" dirty="0"/>
               <a:t>10,000</a:t>
             </a:r>
             <a:r>
-              <a:rPr lang="en"/>
+              <a:rPr lang="en" dirty="0"/>
               <a:t> simultaneous users</a:t>
             </a:r>
           </a:p>
           <a:p>
-            <a:pPr indent="-228600" lvl="1" marL="914400" rtl="0">
-              <a:spcBef>
-                <a:spcPts val="0"/>
-              </a:spcBef>
-            </a:pPr>
-            <a:r>
-              <a:rPr b="1" lang="en"/>
+            <a:pPr marL="914400" lvl="1" indent="-228600" rtl="0">
+              <a:spcBef>
+                <a:spcPts val="0"/>
+              </a:spcBef>
+              <a:spcAft>
+                <a:spcPts val="0"/>
+              </a:spcAft>
+            </a:pPr>
+            <a:r>
+              <a:rPr lang="en" b="1" dirty="0"/>
               <a:t>Performant:</a:t>
             </a:r>
             <a:r>
-              <a:rPr lang="en"/>
+              <a:rPr lang="en" dirty="0"/>
               <a:t> response times for HTTP requests </a:t>
             </a:r>
             <a:r>
-              <a:rPr i="1" lang="en"/>
+              <a:rPr lang="en" i="1" dirty="0"/>
               <a:t>should</a:t>
             </a:r>
             <a:r>
-              <a:rPr lang="en"/>
+              <a:rPr lang="en" dirty="0"/>
               <a:t> remain below 100 milliseconds, and </a:t>
             </a:r>
             <a:r>
-              <a:rPr i="1" lang="en"/>
+              <a:rPr lang="en" i="1" dirty="0"/>
               <a:t>must</a:t>
             </a:r>
             <a:r>
-              <a:rPr lang="en"/>
+              <a:rPr lang="en" dirty="0"/>
               <a:t> remain below 200 milliseconds. </a:t>
             </a:r>
           </a:p>
           <a:p>
-            <a:pPr indent="-228600" lvl="0" marL="457200" rtl="0">
-              <a:spcBef>
-                <a:spcPts val="0"/>
-              </a:spcBef>
-            </a:pPr>
-            <a:r>
-              <a:rPr lang="en"/>
+            <a:pPr marL="457200" lvl="0" indent="-228600" rtl="0">
+              <a:spcBef>
+                <a:spcPts val="0"/>
+              </a:spcBef>
+              <a:spcAft>
+                <a:spcPts val="0"/>
+              </a:spcAft>
+            </a:pPr>
+            <a:r>
+              <a:rPr lang="en" dirty="0"/>
               <a:t>Secure:</a:t>
             </a:r>
           </a:p>
           <a:p>
-            <a:pPr indent="-228600" lvl="1" marL="914400" rtl="0">
-              <a:spcBef>
-                <a:spcPts val="0"/>
-              </a:spcBef>
-            </a:pPr>
-            <a:r>
-              <a:rPr lang="en"/>
+            <a:pPr marL="914400" lvl="1" indent="-228600" rtl="0">
+              <a:spcBef>
+                <a:spcPts val="0"/>
+              </a:spcBef>
+              <a:spcAft>
+                <a:spcPts val="0"/>
+              </a:spcAft>
+            </a:pPr>
+            <a:r>
+              <a:rPr lang="en" dirty="0"/>
               <a:t>Purpose of project is to keep data in the custody of XYZ Corp</a:t>
             </a:r>
           </a:p>
           <a:p>
-            <a:pPr indent="-228600" lvl="1" marL="914400" rtl="0">
-              <a:spcBef>
-                <a:spcPts val="0"/>
-              </a:spcBef>
-            </a:pPr>
-            <a:r>
-              <a:rPr lang="en"/>
+            <a:pPr marL="914400" lvl="1" indent="-228600" rtl="0">
+              <a:spcBef>
+                <a:spcPts val="0"/>
+              </a:spcBef>
+              <a:spcAft>
+                <a:spcPts val="0"/>
+              </a:spcAft>
+            </a:pPr>
+            <a:r>
+              <a:rPr lang="en" dirty="0"/>
               <a:t>SEI CERT’s </a:t>
             </a:r>
             <a:r>
-              <a:rPr i="1" lang="en"/>
+              <a:rPr lang="en" i="1" dirty="0"/>
               <a:t>Top 10 Secure Coding Practices</a:t>
             </a:r>
             <a:r>
-              <a:rPr lang="en"/>
+              <a:rPr lang="en" dirty="0"/>
               <a:t> will be taken into account during code reviews</a:t>
             </a:r>
           </a:p>
           <a:p>
-            <a:pPr indent="0" lvl="0" marL="457200">
-              <a:spcBef>
-                <a:spcPts val="0"/>
-              </a:spcBef>
-              <a:buNone/>
-            </a:pPr>
-            <a:r>
-              <a:t/>
-            </a:r>
-            <a:endParaRPr/>
+            <a:pPr marL="457200" lvl="0" indent="0">
+              <a:spcBef>
+                <a:spcPts val="0"/>
+              </a:spcBef>
+              <a:spcAft>
+                <a:spcPts val="0"/>
+              </a:spcAft>
+              <a:buNone/>
+            </a:pPr>
+            <a:endParaRPr dirty="0"/>
           </a:p>
         </p:txBody>
       </p:sp>
@@ -13393,11 +13823,11 @@
 </file>
 
 <file path=ppt/slides/slide9.xml><?xml version="1.0" encoding="utf-8"?>
-<p:sld xmlns:a="http://schemas.openxmlformats.org/drawingml/2006/main" xmlns:r="http://schemas.openxmlformats.org/officeDocument/2006/relationships" xmlns:mc="http://schemas.openxmlformats.org/markup-compatibility/2006" xmlns:mv="urn:schemas-microsoft-com:mac:vml" xmlns:p="http://schemas.openxmlformats.org/presentationml/2006/main" xmlns:c="http://schemas.openxmlformats.org/drawingml/2006/chart" xmlns:dgm="http://schemas.openxmlformats.org/drawingml/2006/diagram" xmlns:o="urn:schemas-microsoft-com:office:office" xmlns:v="urn:schemas-microsoft-com:vml" xmlns:pvml="urn:schemas-microsoft-com:office:powerpoint" xmlns:com="http://schemas.openxmlformats.org/drawingml/2006/compatibility" xmlns:p14="http://schemas.microsoft.com/office/powerpoint/2010/main">
+<p:sld xmlns:a="http://schemas.openxmlformats.org/drawingml/2006/main" xmlns:r="http://schemas.openxmlformats.org/officeDocument/2006/relationships" xmlns:p="http://schemas.openxmlformats.org/presentationml/2006/main">
   <p:cSld>
     <p:spTree>
       <p:nvGrpSpPr>
-        <p:cNvPr id="123" name="Shape 123"/>
+        <p:cNvPr id="1" name="Shape 123"/>
         <p:cNvGrpSpPr/>
         <p:nvPr/>
       </p:nvGrpSpPr>
@@ -13412,7 +13842,9 @@
       <p:sp>
         <p:nvSpPr>
           <p:cNvPr id="124" name="Shape 124"/>
-          <p:cNvSpPr txBox="1"/>
+          <p:cNvSpPr txBox="1">
+            <a:spLocks noGrp="1"/>
+          </p:cNvSpPr>
           <p:nvPr>
             <p:ph type="title"/>
           </p:nvPr>
@@ -13427,7 +13859,7 @@
           </a:prstGeom>
         </p:spPr>
         <p:txBody>
-          <a:bodyPr anchorCtr="0" anchor="ctr" bIns="91425" lIns="91425" rIns="91425" tIns="91425">
+          <a:bodyPr lIns="91425" tIns="91425" rIns="91425" bIns="91425" anchor="ctr" anchorCtr="0">
             <a:noAutofit/>
           </a:bodyPr>
           <a:lstStyle/>
@@ -13454,7 +13886,288 @@
 </file>
 
 <file path=ppt/theme/theme1.xml><?xml version="1.0" encoding="utf-8"?>
-<a:theme xmlns:a="http://schemas.openxmlformats.org/drawingml/2006/main" xmlns:r="http://schemas.openxmlformats.org/officeDocument/2006/relationships" name="Custom Theme">
+<a:theme xmlns:a="http://schemas.openxmlformats.org/drawingml/2006/main" name="material">
+  <a:themeElements>
+    <a:clrScheme name="Material">
+      <a:dk1>
+        <a:srgbClr val="4285F4"/>
+      </a:dk1>
+      <a:lt1>
+        <a:srgbClr val="FFFFFF"/>
+      </a:lt1>
+      <a:dk2>
+        <a:srgbClr val="424242"/>
+      </a:dk2>
+      <a:lt2>
+        <a:srgbClr val="737373"/>
+      </a:lt2>
+      <a:accent1>
+        <a:srgbClr val="0277BD"/>
+      </a:accent1>
+      <a:accent2>
+        <a:srgbClr val="0F9D58"/>
+      </a:accent2>
+      <a:accent3>
+        <a:srgbClr val="DB4437"/>
+      </a:accent3>
+      <a:accent4>
+        <a:srgbClr val="FAFAFA"/>
+      </a:accent4>
+      <a:accent5>
+        <a:srgbClr val="4FC3F7"/>
+      </a:accent5>
+      <a:accent6>
+        <a:srgbClr val="F4B400"/>
+      </a:accent6>
+      <a:hlink>
+        <a:srgbClr val="4FC3F7"/>
+      </a:hlink>
+      <a:folHlink>
+        <a:srgbClr val="4FC3F7"/>
+      </a:folHlink>
+    </a:clrScheme>
+    <a:fontScheme name="Office">
+      <a:majorFont>
+        <a:latin typeface="Arial"/>
+        <a:ea typeface=""/>
+        <a:cs typeface=""/>
+        <a:font script="Jpan" typeface="ＭＳ Ｐゴシック"/>
+        <a:font script="Hang" typeface="맑은 고딕"/>
+        <a:font script="Hans" typeface="宋体"/>
+        <a:font script="Hant" typeface="新細明體"/>
+        <a:font script="Arab" typeface="Times New Roman"/>
+        <a:font script="Hebr" typeface="Times New Roman"/>
+        <a:font script="Thai" typeface="Angsana New"/>
+        <a:font script="Ethi" typeface="Nyala"/>
+        <a:font script="Beng" typeface="Vrinda"/>
+        <a:font script="Gujr" typeface="Shruti"/>
+        <a:font script="Khmr" typeface="MoolBoran"/>
+        <a:font script="Knda" typeface="Tunga"/>
+        <a:font script="Guru" typeface="Raavi"/>
+        <a:font script="Cans" typeface="Euphemia"/>
+        <a:font script="Cher" typeface="Plantagenet Cherokee"/>
+        <a:font script="Yiii" typeface="Microsoft Yi Baiti"/>
+        <a:font script="Tibt" typeface="Microsoft Himalaya"/>
+        <a:font script="Thaa" typeface="MV Boli"/>
+        <a:font script="Deva" typeface="Mangal"/>
+        <a:font script="Telu" typeface="Gautami"/>
+        <a:font script="Taml" typeface="Latha"/>
+        <a:font script="Syrc" typeface="Estrangelo Edessa"/>
+        <a:font script="Orya" typeface="Kalinga"/>
+        <a:font script="Mlym" typeface="Kartika"/>
+        <a:font script="Laoo" typeface="DokChampa"/>
+        <a:font script="Sinh" typeface="Iskoola Pota"/>
+        <a:font script="Mong" typeface="Mongolian Baiti"/>
+        <a:font script="Viet" typeface="Times New Roman"/>
+        <a:font script="Uigh" typeface="Microsoft Uighur"/>
+        <a:font script="Geor" typeface="Sylfaen"/>
+      </a:majorFont>
+      <a:minorFont>
+        <a:latin typeface="Arial"/>
+        <a:ea typeface=""/>
+        <a:cs typeface=""/>
+        <a:font script="Jpan" typeface="ＭＳ Ｐゴシック"/>
+        <a:font script="Hang" typeface="맑은 고딕"/>
+        <a:font script="Hans" typeface="宋体"/>
+        <a:font script="Hant" typeface="新細明體"/>
+        <a:font script="Arab" typeface="Arial"/>
+        <a:font script="Hebr" typeface="Arial"/>
+        <a:font script="Thai" typeface="Cordia New"/>
+        <a:font script="Ethi" typeface="Nyala"/>
+        <a:font script="Beng" typeface="Vrinda"/>
+        <a:font script="Gujr" typeface="Shruti"/>
+        <a:font script="Khmr" typeface="DaunPenh"/>
+        <a:font script="Knda" typeface="Tunga"/>
+        <a:font script="Guru" typeface="Raavi"/>
+        <a:font script="Cans" typeface="Euphemia"/>
+        <a:font script="Cher" typeface="Plantagenet Cherokee"/>
+        <a:font script="Yiii" typeface="Microsoft Yi Baiti"/>
+        <a:font script="Tibt" typeface="Microsoft Himalaya"/>
+        <a:font script="Thaa" typeface="MV Boli"/>
+        <a:font script="Deva" typeface="Mangal"/>
+        <a:font script="Telu" typeface="Gautami"/>
+        <a:font script="Taml" typeface="Latha"/>
+        <a:font script="Syrc" typeface="Estrangelo Edessa"/>
+        <a:font script="Orya" typeface="Kalinga"/>
+        <a:font script="Mlym" typeface="Kartika"/>
+        <a:font script="Laoo" typeface="DokChampa"/>
+        <a:font script="Sinh" typeface="Iskoola Pota"/>
+        <a:font script="Mong" typeface="Mongolian Baiti"/>
+        <a:font script="Viet" typeface="Arial"/>
+        <a:font script="Uigh" typeface="Microsoft Uighur"/>
+        <a:font script="Geor" typeface="Sylfaen"/>
+      </a:minorFont>
+    </a:fontScheme>
+    <a:fmtScheme name="Office">
+      <a:fillStyleLst>
+        <a:solidFill>
+          <a:schemeClr val="phClr"/>
+        </a:solidFill>
+        <a:gradFill rotWithShape="1">
+          <a:gsLst>
+            <a:gs pos="0">
+              <a:schemeClr val="phClr">
+                <a:tint val="50000"/>
+                <a:satMod val="300000"/>
+              </a:schemeClr>
+            </a:gs>
+            <a:gs pos="35000">
+              <a:schemeClr val="phClr">
+                <a:tint val="37000"/>
+                <a:satMod val="300000"/>
+              </a:schemeClr>
+            </a:gs>
+            <a:gs pos="100000">
+              <a:schemeClr val="phClr">
+                <a:tint val="15000"/>
+                <a:satMod val="350000"/>
+              </a:schemeClr>
+            </a:gs>
+          </a:gsLst>
+          <a:lin ang="16200000" scaled="1"/>
+        </a:gradFill>
+        <a:gradFill rotWithShape="1">
+          <a:gsLst>
+            <a:gs pos="0">
+              <a:schemeClr val="phClr">
+                <a:tint val="100000"/>
+                <a:shade val="100000"/>
+                <a:satMod val="130000"/>
+              </a:schemeClr>
+            </a:gs>
+            <a:gs pos="100000">
+              <a:schemeClr val="phClr">
+                <a:tint val="50000"/>
+                <a:shade val="100000"/>
+                <a:satMod val="350000"/>
+              </a:schemeClr>
+            </a:gs>
+          </a:gsLst>
+          <a:lin ang="16200000" scaled="0"/>
+        </a:gradFill>
+      </a:fillStyleLst>
+      <a:lnStyleLst>
+        <a:ln w="9525" cap="flat" cmpd="sng" algn="ctr">
+          <a:solidFill>
+            <a:schemeClr val="phClr">
+              <a:shade val="95000"/>
+              <a:satMod val="105000"/>
+            </a:schemeClr>
+          </a:solidFill>
+          <a:prstDash val="solid"/>
+        </a:ln>
+        <a:ln w="25400" cap="flat" cmpd="sng" algn="ctr">
+          <a:solidFill>
+            <a:schemeClr val="phClr"/>
+          </a:solidFill>
+          <a:prstDash val="solid"/>
+        </a:ln>
+        <a:ln w="38100" cap="flat" cmpd="sng" algn="ctr">
+          <a:solidFill>
+            <a:schemeClr val="phClr"/>
+          </a:solidFill>
+          <a:prstDash val="solid"/>
+        </a:ln>
+      </a:lnStyleLst>
+      <a:effectStyleLst>
+        <a:effectStyle>
+          <a:effectLst>
+            <a:outerShdw blurRad="40000" dist="20000" dir="5400000" rotWithShape="0">
+              <a:srgbClr val="000000">
+                <a:alpha val="38000"/>
+              </a:srgbClr>
+            </a:outerShdw>
+          </a:effectLst>
+        </a:effectStyle>
+        <a:effectStyle>
+          <a:effectLst>
+            <a:outerShdw blurRad="40000" dist="23000" dir="5400000" rotWithShape="0">
+              <a:srgbClr val="000000">
+                <a:alpha val="35000"/>
+              </a:srgbClr>
+            </a:outerShdw>
+          </a:effectLst>
+        </a:effectStyle>
+        <a:effectStyle>
+          <a:effectLst>
+            <a:outerShdw blurRad="40000" dist="23000" dir="5400000" rotWithShape="0">
+              <a:srgbClr val="000000">
+                <a:alpha val="35000"/>
+              </a:srgbClr>
+            </a:outerShdw>
+          </a:effectLst>
+          <a:scene3d>
+            <a:camera prst="orthographicFront">
+              <a:rot lat="0" lon="0" rev="0"/>
+            </a:camera>
+            <a:lightRig rig="threePt" dir="t">
+              <a:rot lat="0" lon="0" rev="1200000"/>
+            </a:lightRig>
+          </a:scene3d>
+          <a:sp3d>
+            <a:bevelT w="63500" h="25400"/>
+          </a:sp3d>
+        </a:effectStyle>
+      </a:effectStyleLst>
+      <a:bgFillStyleLst>
+        <a:solidFill>
+          <a:schemeClr val="phClr"/>
+        </a:solidFill>
+        <a:gradFill rotWithShape="1">
+          <a:gsLst>
+            <a:gs pos="0">
+              <a:schemeClr val="phClr">
+                <a:tint val="40000"/>
+                <a:satMod val="350000"/>
+              </a:schemeClr>
+            </a:gs>
+            <a:gs pos="40000">
+              <a:schemeClr val="phClr">
+                <a:tint val="45000"/>
+                <a:shade val="99000"/>
+                <a:satMod val="350000"/>
+              </a:schemeClr>
+            </a:gs>
+            <a:gs pos="100000">
+              <a:schemeClr val="phClr">
+                <a:shade val="20000"/>
+                <a:satMod val="255000"/>
+              </a:schemeClr>
+            </a:gs>
+          </a:gsLst>
+          <a:path path="circle">
+            <a:fillToRect l="50000" t="-80000" r="50000" b="180000"/>
+          </a:path>
+        </a:gradFill>
+        <a:gradFill rotWithShape="1">
+          <a:gsLst>
+            <a:gs pos="0">
+              <a:schemeClr val="phClr">
+                <a:tint val="80000"/>
+                <a:satMod val="300000"/>
+              </a:schemeClr>
+            </a:gs>
+            <a:gs pos="100000">
+              <a:schemeClr val="phClr">
+                <a:shade val="30000"/>
+                <a:satMod val="200000"/>
+              </a:schemeClr>
+            </a:gs>
+          </a:gsLst>
+          <a:path path="circle">
+            <a:fillToRect l="50000" t="50000" r="50000" b="50000"/>
+          </a:path>
+        </a:gradFill>
+      </a:bgFillStyleLst>
+    </a:fmtScheme>
+  </a:themeElements>
+  <a:objectDefaults/>
+  <a:extraClrSchemeLst/>
+</a:theme>
+</file>
+
+<file path=ppt/theme/theme2.xml><?xml version="1.0" encoding="utf-8"?>
+<a:theme xmlns:a="http://schemas.openxmlformats.org/drawingml/2006/main" name="Custom Theme">
   <a:themeElements>
     <a:clrScheme name="Default">
       <a:dk1>
@@ -13729,284 +14442,7 @@
       </a:bgFillStyleLst>
     </a:fmtScheme>
   </a:themeElements>
-</a:theme>
-</file>
-
-<file path=ppt/theme/theme2.xml><?xml version="1.0" encoding="utf-8"?>
-<a:theme xmlns:a="http://schemas.openxmlformats.org/drawingml/2006/main" xmlns:r="http://schemas.openxmlformats.org/officeDocument/2006/relationships" name="material">
-  <a:themeElements>
-    <a:clrScheme name="Material">
-      <a:dk1>
-        <a:srgbClr val="4285F4"/>
-      </a:dk1>
-      <a:lt1>
-        <a:srgbClr val="FFFFFF"/>
-      </a:lt1>
-      <a:dk2>
-        <a:srgbClr val="424242"/>
-      </a:dk2>
-      <a:lt2>
-        <a:srgbClr val="737373"/>
-      </a:lt2>
-      <a:accent1>
-        <a:srgbClr val="0277BD"/>
-      </a:accent1>
-      <a:accent2>
-        <a:srgbClr val="0F9D58"/>
-      </a:accent2>
-      <a:accent3>
-        <a:srgbClr val="DB4437"/>
-      </a:accent3>
-      <a:accent4>
-        <a:srgbClr val="FAFAFA"/>
-      </a:accent4>
-      <a:accent5>
-        <a:srgbClr val="4FC3F7"/>
-      </a:accent5>
-      <a:accent6>
-        <a:srgbClr val="F4B400"/>
-      </a:accent6>
-      <a:hlink>
-        <a:srgbClr val="4FC3F7"/>
-      </a:hlink>
-      <a:folHlink>
-        <a:srgbClr val="4FC3F7"/>
-      </a:folHlink>
-    </a:clrScheme>
-    <a:fontScheme name="Office">
-      <a:majorFont>
-        <a:latin typeface="Arial"/>
-        <a:ea typeface=""/>
-        <a:cs typeface=""/>
-        <a:font script="Jpan" typeface="ＭＳ Ｐゴシック"/>
-        <a:font script="Hang" typeface="맑은 고딕"/>
-        <a:font script="Hans" typeface="宋体"/>
-        <a:font script="Hant" typeface="新細明體"/>
-        <a:font script="Arab" typeface="Times New Roman"/>
-        <a:font script="Hebr" typeface="Times New Roman"/>
-        <a:font script="Thai" typeface="Angsana New"/>
-        <a:font script="Ethi" typeface="Nyala"/>
-        <a:font script="Beng" typeface="Vrinda"/>
-        <a:font script="Gujr" typeface="Shruti"/>
-        <a:font script="Khmr" typeface="MoolBoran"/>
-        <a:font script="Knda" typeface="Tunga"/>
-        <a:font script="Guru" typeface="Raavi"/>
-        <a:font script="Cans" typeface="Euphemia"/>
-        <a:font script="Cher" typeface="Plantagenet Cherokee"/>
-        <a:font script="Yiii" typeface="Microsoft Yi Baiti"/>
-        <a:font script="Tibt" typeface="Microsoft Himalaya"/>
-        <a:font script="Thaa" typeface="MV Boli"/>
-        <a:font script="Deva" typeface="Mangal"/>
-        <a:font script="Telu" typeface="Gautami"/>
-        <a:font script="Taml" typeface="Latha"/>
-        <a:font script="Syrc" typeface="Estrangelo Edessa"/>
-        <a:font script="Orya" typeface="Kalinga"/>
-        <a:font script="Mlym" typeface="Kartika"/>
-        <a:font script="Laoo" typeface="DokChampa"/>
-        <a:font script="Sinh" typeface="Iskoola Pota"/>
-        <a:font script="Mong" typeface="Mongolian Baiti"/>
-        <a:font script="Viet" typeface="Times New Roman"/>
-        <a:font script="Uigh" typeface="Microsoft Uighur"/>
-        <a:font script="Geor" typeface="Sylfaen"/>
-      </a:majorFont>
-      <a:minorFont>
-        <a:latin typeface="Arial"/>
-        <a:ea typeface=""/>
-        <a:cs typeface=""/>
-        <a:font script="Jpan" typeface="ＭＳ Ｐゴシック"/>
-        <a:font script="Hang" typeface="맑은 고딕"/>
-        <a:font script="Hans" typeface="宋体"/>
-        <a:font script="Hant" typeface="新細明體"/>
-        <a:font script="Arab" typeface="Arial"/>
-        <a:font script="Hebr" typeface="Arial"/>
-        <a:font script="Thai" typeface="Cordia New"/>
-        <a:font script="Ethi" typeface="Nyala"/>
-        <a:font script="Beng" typeface="Vrinda"/>
-        <a:font script="Gujr" typeface="Shruti"/>
-        <a:font script="Khmr" typeface="DaunPenh"/>
-        <a:font script="Knda" typeface="Tunga"/>
-        <a:font script="Guru" typeface="Raavi"/>
-        <a:font script="Cans" typeface="Euphemia"/>
-        <a:font script="Cher" typeface="Plantagenet Cherokee"/>
-        <a:font script="Yiii" typeface="Microsoft Yi Baiti"/>
-        <a:font script="Tibt" typeface="Microsoft Himalaya"/>
-        <a:font script="Thaa" typeface="MV Boli"/>
-        <a:font script="Deva" typeface="Mangal"/>
-        <a:font script="Telu" typeface="Gautami"/>
-        <a:font script="Taml" typeface="Latha"/>
-        <a:font script="Syrc" typeface="Estrangelo Edessa"/>
-        <a:font script="Orya" typeface="Kalinga"/>
-        <a:font script="Mlym" typeface="Kartika"/>
-        <a:font script="Laoo" typeface="DokChampa"/>
-        <a:font script="Sinh" typeface="Iskoola Pota"/>
-        <a:font script="Mong" typeface="Mongolian Baiti"/>
-        <a:font script="Viet" typeface="Arial"/>
-        <a:font script="Uigh" typeface="Microsoft Uighur"/>
-        <a:font script="Geor" typeface="Sylfaen"/>
-      </a:minorFont>
-    </a:fontScheme>
-    <a:fmtScheme name="Office">
-      <a:fillStyleLst>
-        <a:solidFill>
-          <a:schemeClr val="phClr"/>
-        </a:solidFill>
-        <a:gradFill rotWithShape="1">
-          <a:gsLst>
-            <a:gs pos="0">
-              <a:schemeClr val="phClr">
-                <a:tint val="50000"/>
-                <a:satMod val="300000"/>
-              </a:schemeClr>
-            </a:gs>
-            <a:gs pos="35000">
-              <a:schemeClr val="phClr">
-                <a:tint val="37000"/>
-                <a:satMod val="300000"/>
-              </a:schemeClr>
-            </a:gs>
-            <a:gs pos="100000">
-              <a:schemeClr val="phClr">
-                <a:tint val="15000"/>
-                <a:satMod val="350000"/>
-              </a:schemeClr>
-            </a:gs>
-          </a:gsLst>
-          <a:lin ang="16200000" scaled="1"/>
-        </a:gradFill>
-        <a:gradFill rotWithShape="1">
-          <a:gsLst>
-            <a:gs pos="0">
-              <a:schemeClr val="phClr">
-                <a:tint val="100000"/>
-                <a:shade val="100000"/>
-                <a:satMod val="130000"/>
-              </a:schemeClr>
-            </a:gs>
-            <a:gs pos="100000">
-              <a:schemeClr val="phClr">
-                <a:tint val="50000"/>
-                <a:shade val="100000"/>
-                <a:satMod val="350000"/>
-              </a:schemeClr>
-            </a:gs>
-          </a:gsLst>
-          <a:lin ang="16200000" scaled="0"/>
-        </a:gradFill>
-      </a:fillStyleLst>
-      <a:lnStyleLst>
-        <a:ln w="9525" cap="flat" cmpd="sng" algn="ctr">
-          <a:solidFill>
-            <a:schemeClr val="phClr">
-              <a:shade val="95000"/>
-              <a:satMod val="105000"/>
-            </a:schemeClr>
-          </a:solidFill>
-          <a:prstDash val="solid"/>
-        </a:ln>
-        <a:ln w="25400" cap="flat" cmpd="sng" algn="ctr">
-          <a:solidFill>
-            <a:schemeClr val="phClr"/>
-          </a:solidFill>
-          <a:prstDash val="solid"/>
-        </a:ln>
-        <a:ln w="38100" cap="flat" cmpd="sng" algn="ctr">
-          <a:solidFill>
-            <a:schemeClr val="phClr"/>
-          </a:solidFill>
-          <a:prstDash val="solid"/>
-        </a:ln>
-      </a:lnStyleLst>
-      <a:effectStyleLst>
-        <a:effectStyle>
-          <a:effectLst>
-            <a:outerShdw blurRad="40000" dist="20000" dir="5400000" rotWithShape="0">
-              <a:srgbClr val="000000">
-                <a:alpha val="38000"/>
-              </a:srgbClr>
-            </a:outerShdw>
-          </a:effectLst>
-        </a:effectStyle>
-        <a:effectStyle>
-          <a:effectLst>
-            <a:outerShdw blurRad="40000" dist="23000" dir="5400000" rotWithShape="0">
-              <a:srgbClr val="000000">
-                <a:alpha val="35000"/>
-              </a:srgbClr>
-            </a:outerShdw>
-          </a:effectLst>
-        </a:effectStyle>
-        <a:effectStyle>
-          <a:effectLst>
-            <a:outerShdw blurRad="40000" dist="23000" dir="5400000" rotWithShape="0">
-              <a:srgbClr val="000000">
-                <a:alpha val="35000"/>
-              </a:srgbClr>
-            </a:outerShdw>
-          </a:effectLst>
-          <a:scene3d>
-            <a:camera prst="orthographicFront">
-              <a:rot lat="0" lon="0" rev="0"/>
-            </a:camera>
-            <a:lightRig rig="threePt" dir="t">
-              <a:rot lat="0" lon="0" rev="1200000"/>
-            </a:lightRig>
-          </a:scene3d>
-          <a:sp3d>
-            <a:bevelT w="63500" h="25400"/>
-          </a:sp3d>
-        </a:effectStyle>
-      </a:effectStyleLst>
-      <a:bgFillStyleLst>
-        <a:solidFill>
-          <a:schemeClr val="phClr"/>
-        </a:solidFill>
-        <a:gradFill rotWithShape="1">
-          <a:gsLst>
-            <a:gs pos="0">
-              <a:schemeClr val="phClr">
-                <a:tint val="40000"/>
-                <a:satMod val="350000"/>
-              </a:schemeClr>
-            </a:gs>
-            <a:gs pos="40000">
-              <a:schemeClr val="phClr">
-                <a:tint val="45000"/>
-                <a:shade val="99000"/>
-                <a:satMod val="350000"/>
-              </a:schemeClr>
-            </a:gs>
-            <a:gs pos="100000">
-              <a:schemeClr val="phClr">
-                <a:shade val="20000"/>
-                <a:satMod val="255000"/>
-              </a:schemeClr>
-            </a:gs>
-          </a:gsLst>
-          <a:path path="circle">
-            <a:fillToRect l="50000" t="-80000" r="50000" b="180000"/>
-          </a:path>
-        </a:gradFill>
-        <a:gradFill rotWithShape="1">
-          <a:gsLst>
-            <a:gs pos="0">
-              <a:schemeClr val="phClr">
-                <a:tint val="80000"/>
-                <a:satMod val="300000"/>
-              </a:schemeClr>
-            </a:gs>
-            <a:gs pos="100000">
-              <a:schemeClr val="phClr">
-                <a:shade val="30000"/>
-                <a:satMod val="200000"/>
-              </a:schemeClr>
-            </a:gs>
-          </a:gsLst>
-          <a:path path="circle">
-            <a:fillToRect l="50000" t="50000" r="50000" b="50000"/>
-          </a:path>
-        </a:gradFill>
-      </a:bgFillStyleLst>
-    </a:fmtScheme>
-  </a:themeElements>
+  <a:objectDefaults/>
+  <a:extraClrSchemeLst/>
 </a:theme>
 </file>